--- a/微指令集-计组实验(1).pptx
+++ b/微指令集-计组实验(1).pptx
@@ -16,7 +16,7 @@
     <p:sldId id="264" r:id="rId11"/>
     <p:sldId id="265" r:id="rId12"/>
     <p:sldId id="266" r:id="rId13"/>
-    <p:sldId id="267" r:id="rId14"/>
+    <p:sldId id="280" r:id="rId14"/>
     <p:sldId id="279" r:id="rId15"/>
   </p:sldIdLst>
   <p:sldSz cx="12192000" cy="6858000"/>
@@ -6421,8 +6421,8 @@
         </p:nvSpPr>
         <p:spPr>
           <a:xfrm>
-            <a:off x="4004945" y="535940"/>
-            <a:ext cx="4604385" cy="583565"/>
+            <a:off x="5643245" y="535940"/>
+            <a:ext cx="1111250" cy="583565"/>
           </a:xfrm>
           <a:prstGeom prst="rect">
             <a:avLst/>
@@ -6447,38 +6447,7 @@
                   </a:outerShdw>
                 </a:effectLst>
               </a:rPr>
-              <a:t>JMP/JZ (</a:t>
-            </a:r>
-            <a:r>
-              <a:rPr lang="en-US" altLang="zh-CN" sz="3200" b="1">
-                <a:solidFill>
-                  <a:schemeClr val="accent1"/>
-                </a:solidFill>
-                <a:effectLst>
-                  <a:outerShdw blurRad="38100" dist="25400" dir="5400000" algn="ctr" rotWithShape="0">
-                    <a:srgbClr val="6E747A">
-                      <a:alpha val="43000"/>
-                    </a:srgbClr>
-                  </a:outerShdw>
-                </a:effectLst>
-                <a:sym typeface="+mn-ea"/>
-              </a:rPr>
-              <a:t>R[op1] == 0)</a:t>
-            </a:r>
-            <a:r>
-              <a:rPr lang="en-US" altLang="zh-CN" sz="3200" b="1">
-                <a:solidFill>
-                  <a:schemeClr val="accent1"/>
-                </a:solidFill>
-                <a:effectLst>
-                  <a:outerShdw blurRad="38100" dist="25400" dir="5400000" algn="ctr" rotWithShape="0">
-                    <a:srgbClr val="6E747A">
-                      <a:alpha val="43000"/>
-                    </a:srgbClr>
-                  </a:outerShdw>
-                </a:effectLst>
-              </a:rPr>
-              <a:t> </a:t>
+              <a:t>JMP </a:t>
             </a:r>
             <a:endParaRPr lang="en-US" altLang="zh-CN" sz="3200" b="1">
               <a:solidFill>
@@ -8641,8 +8610,8 @@
         </p:nvSpPr>
         <p:spPr>
           <a:xfrm>
-            <a:off x="5427345" y="490220"/>
-            <a:ext cx="1330960" cy="583565"/>
+            <a:off x="5528310" y="535940"/>
+            <a:ext cx="1288415" cy="583565"/>
           </a:xfrm>
           <a:prstGeom prst="rect">
             <a:avLst/>
@@ -8667,7 +8636,7 @@
                   </a:outerShdw>
                 </a:effectLst>
               </a:rPr>
-              <a:t>HLT</a:t>
+              <a:t>AND</a:t>
             </a:r>
             <a:endParaRPr lang="en-US" altLang="zh-CN" sz="3200" b="1">
               <a:solidFill>
@@ -8692,7 +8661,7 @@
         </p:nvGrpSpPr>
         <p:grpSpPr>
           <a:xfrm>
-            <a:off x="2574290" y="4476115"/>
+            <a:off x="2574290" y="4085590"/>
             <a:ext cx="2406015" cy="671830"/>
             <a:chOff x="4054" y="7203"/>
             <a:chExt cx="3789" cy="1058"/>
@@ -8821,7 +8790,7 @@
               <a:pPr algn="ctr"/>
               <a:r>
                 <a:rPr lang="en-US" altLang="zh-CN" sz="2400" b="1"/>
-                <a:t>1</a:t>
+                <a:t>0</a:t>
               </a:r>
               <a:endParaRPr lang="en-US" altLang="zh-CN" sz="2400" b="1"/>
             </a:p>
@@ -8836,7 +8805,7 @@
         </p:nvGrpSpPr>
         <p:grpSpPr>
           <a:xfrm>
-            <a:off x="5758180" y="4476115"/>
+            <a:off x="5758180" y="4085590"/>
             <a:ext cx="1536700" cy="671830"/>
             <a:chOff x="9068" y="7203"/>
             <a:chExt cx="2420" cy="1058"/>
@@ -8879,7 +8848,7 @@
               <a:pPr algn="ctr"/>
               <a:r>
                 <a:rPr lang="en-US" altLang="zh-CN" sz="2400" b="1"/>
-                <a:t>0</a:t>
+                <a:t>1</a:t>
               </a:r>
               <a:endParaRPr lang="en-US" altLang="zh-CN" sz="2400" b="1"/>
             </a:p>
@@ -8937,7 +8906,7 @@
         </p:nvGrpSpPr>
         <p:grpSpPr>
           <a:xfrm>
-            <a:off x="7938135" y="4476115"/>
+            <a:off x="7938135" y="4085590"/>
             <a:ext cx="2406015" cy="671830"/>
             <a:chOff x="12501" y="7203"/>
             <a:chExt cx="3789" cy="1058"/>
@@ -9081,7 +9050,7 @@
         </p:nvSpPr>
         <p:spPr>
           <a:xfrm>
-            <a:off x="1170940" y="4487545"/>
+            <a:off x="1170940" y="4097020"/>
             <a:ext cx="1117600" cy="521970"/>
           </a:xfrm>
           <a:prstGeom prst="rect">
@@ -9139,7 +9108,7 @@
         </p:blipFill>
         <p:spPr>
           <a:xfrm rot="1500000">
-            <a:off x="657860" y="1563370"/>
+            <a:off x="648335" y="1563370"/>
             <a:ext cx="2051685" cy="1343025"/>
           </a:xfrm>
           <a:custGeom>
@@ -9220,226 +9189,6 @@
           </a:custGeom>
         </p:spPr>
       </p:pic>
-      <p:sp>
-        <p:nvSpPr>
-          <p:cNvPr id="52" name="文本框 51"/>
-          <p:cNvSpPr txBox="1"/>
-          <p:nvPr/>
-        </p:nvSpPr>
-        <p:spPr>
-          <a:xfrm>
-            <a:off x="685800" y="1313815"/>
-            <a:ext cx="4064000" cy="460375"/>
-          </a:xfrm>
-          <a:prstGeom prst="rect">
-            <a:avLst/>
-          </a:prstGeom>
-          <a:noFill/>
-        </p:spPr>
-        <p:txBody>
-          <a:bodyPr wrap="square" rtlCol="0">
-            <a:spAutoFit/>
-          </a:bodyPr>
-          <a:p>
-            <a:r>
-              <a:rPr lang="en-US" altLang="zh-CN" sz="2400" b="1">
-                <a:latin typeface="Times New Roman" panose="02020603050405020304" charset="0"/>
-                <a:cs typeface="Times New Roman" panose="02020603050405020304" charset="0"/>
-              </a:rPr>
-              <a:t>8bit  Memory</a:t>
-            </a:r>
-            <a:endParaRPr lang="en-US" altLang="zh-CN" sz="2400" b="1">
-              <a:latin typeface="Times New Roman" panose="02020603050405020304" charset="0"/>
-              <a:cs typeface="Times New Roman" panose="02020603050405020304" charset="0"/>
-            </a:endParaRPr>
-          </a:p>
-        </p:txBody>
-      </p:sp>
-      <p:sp>
-        <p:nvSpPr>
-          <p:cNvPr id="10" name="文本框 9"/>
-          <p:cNvSpPr txBox="1"/>
-          <p:nvPr/>
-        </p:nvSpPr>
-        <p:spPr>
-          <a:xfrm>
-            <a:off x="4193540" y="4119245"/>
-            <a:ext cx="5198110" cy="583565"/>
-          </a:xfrm>
-          <a:prstGeom prst="rect">
-            <a:avLst/>
-          </a:prstGeom>
-          <a:noFill/>
-        </p:spPr>
-        <p:txBody>
-          <a:bodyPr wrap="square" rtlCol="0">
-            <a:spAutoFit/>
-          </a:bodyPr>
-          <a:p>
-            <a:r>
-              <a:rPr lang="en-US" altLang="zh-CN" sz="3200" b="1">
-                <a:latin typeface="Times New Roman" panose="02020603050405020304" charset="0"/>
-                <a:cs typeface="Times New Roman" panose="02020603050405020304" charset="0"/>
-              </a:rPr>
-              <a:t>Output : </a:t>
-            </a:r>
-            <a:r>
-              <a:rPr lang="en-US" altLang="zh-CN" sz="3200" b="1">
-                <a:latin typeface="Times New Roman" panose="02020603050405020304" charset="0"/>
-                <a:ea typeface="微软雅黑" panose="020B0503020204020204" charset="-122"/>
-                <a:cs typeface="Times New Roman" panose="02020603050405020304" charset="0"/>
-              </a:rPr>
-              <a:t>Halting</a:t>
-            </a:r>
-            <a:endParaRPr lang="en-US" altLang="zh-CN" sz="3200" b="1">
-              <a:latin typeface="Times New Roman" panose="02020603050405020304" charset="0"/>
-              <a:ea typeface="微软雅黑" panose="020B0503020204020204" charset="-122"/>
-              <a:cs typeface="Times New Roman" panose="02020603050405020304" charset="0"/>
-            </a:endParaRPr>
-          </a:p>
-        </p:txBody>
-      </p:sp>
-      <p:pic>
-        <p:nvPicPr>
-          <p:cNvPr id="4" name="图片 3"/>
-          <p:cNvPicPr>
-            <a:picLocks noChangeAspect="1"/>
-          </p:cNvPicPr>
-          <p:nvPr/>
-        </p:nvPicPr>
-        <p:blipFill>
-          <a:blip r:embed="rId3"/>
-          <a:srcRect l="13641" t="2922" r="18156" b="3207"/>
-          <a:stretch>
-            <a:fillRect/>
-          </a:stretch>
-        </p:blipFill>
-        <p:spPr>
-          <a:xfrm>
-            <a:off x="1222375" y="1313815"/>
-            <a:ext cx="934085" cy="1470660"/>
-          </a:xfrm>
-          <a:custGeom>
-            <a:avLst/>
-            <a:gdLst/>
-            <a:ahLst/>
-            <a:cxnLst>
-              <a:cxn ang="3">
-                <a:pos x="hc" y="t"/>
-              </a:cxn>
-              <a:cxn ang="cd2">
-                <a:pos x="l" y="vc"/>
-              </a:cxn>
-              <a:cxn ang="cd4">
-                <a:pos x="hc" y="b"/>
-              </a:cxn>
-              <a:cxn ang="0">
-                <a:pos x="r" y="vc"/>
-              </a:cxn>
-            </a:cxnLst>
-            <a:rect l="l" t="t" r="r" b="b"/>
-            <a:pathLst>
-              <a:path w="3550" h="5590">
-                <a:moveTo>
-                  <a:pt x="2063" y="748"/>
-                </a:moveTo>
-                <a:lnTo>
-                  <a:pt x="1814" y="889"/>
-                </a:lnTo>
-                <a:lnTo>
-                  <a:pt x="1627" y="1153"/>
-                </a:lnTo>
-                <a:lnTo>
-                  <a:pt x="1502" y="1325"/>
-                </a:lnTo>
-                <a:lnTo>
-                  <a:pt x="1440" y="1574"/>
-                </a:lnTo>
-                <a:lnTo>
-                  <a:pt x="1425" y="1947"/>
-                </a:lnTo>
-                <a:lnTo>
-                  <a:pt x="2110" y="1574"/>
-                </a:lnTo>
-                <a:lnTo>
-                  <a:pt x="2110" y="811"/>
-                </a:lnTo>
-                <a:lnTo>
-                  <a:pt x="2063" y="748"/>
-                </a:lnTo>
-                <a:close/>
-                <a:moveTo>
-                  <a:pt x="2071" y="0"/>
-                </a:moveTo>
-                <a:lnTo>
-                  <a:pt x="2523" y="265"/>
-                </a:lnTo>
-                <a:lnTo>
-                  <a:pt x="2756" y="451"/>
-                </a:lnTo>
-                <a:lnTo>
-                  <a:pt x="2850" y="763"/>
-                </a:lnTo>
-                <a:lnTo>
-                  <a:pt x="2850" y="1650"/>
-                </a:lnTo>
-                <a:lnTo>
-                  <a:pt x="3348" y="2009"/>
-                </a:lnTo>
-                <a:lnTo>
-                  <a:pt x="3457" y="2040"/>
-                </a:lnTo>
-                <a:lnTo>
-                  <a:pt x="3550" y="2149"/>
-                </a:lnTo>
-                <a:lnTo>
-                  <a:pt x="3550" y="3986"/>
-                </a:lnTo>
-                <a:lnTo>
-                  <a:pt x="3395" y="4298"/>
-                </a:lnTo>
-                <a:lnTo>
-                  <a:pt x="1137" y="5590"/>
-                </a:lnTo>
-                <a:lnTo>
-                  <a:pt x="16" y="4952"/>
-                </a:lnTo>
-                <a:lnTo>
-                  <a:pt x="0" y="3036"/>
-                </a:lnTo>
-                <a:lnTo>
-                  <a:pt x="31" y="2912"/>
-                </a:lnTo>
-                <a:lnTo>
-                  <a:pt x="156" y="2725"/>
-                </a:lnTo>
-                <a:lnTo>
-                  <a:pt x="670" y="2413"/>
-                </a:lnTo>
-                <a:lnTo>
-                  <a:pt x="685" y="1759"/>
-                </a:lnTo>
-                <a:lnTo>
-                  <a:pt x="670" y="1417"/>
-                </a:lnTo>
-                <a:lnTo>
-                  <a:pt x="966" y="716"/>
-                </a:lnTo>
-                <a:lnTo>
-                  <a:pt x="1339" y="311"/>
-                </a:lnTo>
-                <a:lnTo>
-                  <a:pt x="1775" y="62"/>
-                </a:lnTo>
-                <a:lnTo>
-                  <a:pt x="2071" y="0"/>
-                </a:lnTo>
-                <a:close/>
-              </a:path>
-            </a:pathLst>
-          </a:custGeom>
-        </p:spPr>
-      </p:pic>
       <p:grpSp>
         <p:nvGrpSpPr>
           <p:cNvPr id="44" name="组合 43"/>
@@ -9456,7 +9205,7 @@
         </p:grpSpPr>
         <p:sp>
           <p:nvSpPr>
-            <p:cNvPr id="6" name="圆角矩形 5"/>
+            <p:cNvPr id="4" name="圆角矩形 3"/>
             <p:cNvSpPr/>
             <p:nvPr/>
           </p:nvSpPr>
@@ -9499,7 +9248,7 @@
         </p:sp>
         <p:sp>
           <p:nvSpPr>
-            <p:cNvPr id="7" name="圆角矩形 6"/>
+            <p:cNvPr id="5" name="圆角矩形 4"/>
             <p:cNvSpPr/>
             <p:nvPr/>
           </p:nvSpPr>
@@ -9542,7 +9291,7 @@
         </p:sp>
         <p:sp>
           <p:nvSpPr>
-            <p:cNvPr id="8" name="圆角矩形 7"/>
+            <p:cNvPr id="7" name="圆角矩形 6"/>
             <p:cNvSpPr/>
             <p:nvPr/>
           </p:nvSpPr>
@@ -9585,7 +9334,7 @@
         </p:sp>
         <p:sp>
           <p:nvSpPr>
-            <p:cNvPr id="11" name="圆角矩形 10"/>
+            <p:cNvPr id="8" name="圆角矩形 7"/>
             <p:cNvSpPr/>
             <p:nvPr/>
           </p:nvSpPr>
@@ -9825,6 +9574,159 @@
           </p:txBody>
         </p:sp>
       </p:grpSp>
+      <p:sp>
+        <p:nvSpPr>
+          <p:cNvPr id="51" name="文本框 50"/>
+          <p:cNvSpPr txBox="1"/>
+          <p:nvPr/>
+        </p:nvSpPr>
+        <p:spPr>
+          <a:xfrm>
+            <a:off x="413385" y="2677795"/>
+            <a:ext cx="2760345" cy="398780"/>
+          </a:xfrm>
+          <a:prstGeom prst="rect">
+            <a:avLst/>
+          </a:prstGeom>
+          <a:noFill/>
+        </p:spPr>
+        <p:txBody>
+          <a:bodyPr wrap="square" rtlCol="0">
+            <a:spAutoFit/>
+          </a:bodyPr>
+          <a:p>
+            <a:pPr algn="dist"/>
+            <a:r>
+              <a:rPr lang="zh-CN" altLang="en-US" sz="2000" b="1"/>
+              <a:t>等一下要算</a:t>
+            </a:r>
+            <a:r>
+              <a:rPr lang="en-US" altLang="zh-CN" sz="2000" b="1"/>
+              <a:t>AND</a:t>
+            </a:r>
+            <a:r>
+              <a:rPr lang="zh-CN" altLang="en-US" sz="2000" b="1"/>
+              <a:t>哦！</a:t>
+            </a:r>
+            <a:endParaRPr lang="zh-CN" altLang="en-US" sz="2000" b="1"/>
+          </a:p>
+        </p:txBody>
+      </p:sp>
+      <p:sp>
+        <p:nvSpPr>
+          <p:cNvPr id="52" name="文本框 51"/>
+          <p:cNvSpPr txBox="1"/>
+          <p:nvPr/>
+        </p:nvSpPr>
+        <p:spPr>
+          <a:xfrm>
+            <a:off x="685800" y="1313815"/>
+            <a:ext cx="4064000" cy="460375"/>
+          </a:xfrm>
+          <a:prstGeom prst="rect">
+            <a:avLst/>
+          </a:prstGeom>
+          <a:noFill/>
+        </p:spPr>
+        <p:txBody>
+          <a:bodyPr wrap="square" rtlCol="0">
+            <a:spAutoFit/>
+          </a:bodyPr>
+          <a:p>
+            <a:r>
+              <a:rPr lang="en-US" altLang="zh-CN" sz="2400" b="1">
+                <a:latin typeface="Times New Roman" panose="02020603050405020304" charset="0"/>
+                <a:cs typeface="Times New Roman" panose="02020603050405020304" charset="0"/>
+              </a:rPr>
+              <a:t>8bit  Memory</a:t>
+            </a:r>
+            <a:endParaRPr lang="en-US" altLang="zh-CN" sz="2400" b="1">
+              <a:latin typeface="Times New Roman" panose="02020603050405020304" charset="0"/>
+              <a:cs typeface="Times New Roman" panose="02020603050405020304" charset="0"/>
+            </a:endParaRPr>
+          </a:p>
+        </p:txBody>
+      </p:sp>
+      <p:sp>
+        <p:nvSpPr>
+          <p:cNvPr id="53" name="文本框 52"/>
+          <p:cNvSpPr txBox="1"/>
+          <p:nvPr/>
+        </p:nvSpPr>
+        <p:spPr>
+          <a:xfrm>
+            <a:off x="414020" y="3076575"/>
+            <a:ext cx="2077720" cy="398780"/>
+          </a:xfrm>
+          <a:prstGeom prst="rect">
+            <a:avLst/>
+          </a:prstGeom>
+          <a:noFill/>
+        </p:spPr>
+        <p:txBody>
+          <a:bodyPr wrap="square" rtlCol="0">
+            <a:spAutoFit/>
+          </a:bodyPr>
+          <a:p>
+            <a:pPr algn="dist"/>
+            <a:r>
+              <a:rPr lang="en-US" altLang="zh-CN" sz="2000" b="1"/>
+              <a:t>First Num</a:t>
+            </a:r>
+            <a:r>
+              <a:rPr lang="zh-CN" altLang="en-US" sz="2000" b="1"/>
+              <a:t>：</a:t>
+            </a:r>
+            <a:r>
+              <a:rPr lang="en-US" altLang="zh-CN" sz="2000" b="1"/>
+              <a:t>R2</a:t>
+            </a:r>
+            <a:endParaRPr lang="zh-CN" altLang="en-US" sz="2000" b="1"/>
+          </a:p>
+        </p:txBody>
+      </p:sp>
+      <p:sp>
+        <p:nvSpPr>
+          <p:cNvPr id="55" name="文本框 54"/>
+          <p:cNvSpPr txBox="1"/>
+          <p:nvPr/>
+        </p:nvSpPr>
+        <p:spPr>
+          <a:xfrm>
+            <a:off x="414020" y="3475355"/>
+            <a:ext cx="2472690" cy="398780"/>
+          </a:xfrm>
+          <a:prstGeom prst="rect">
+            <a:avLst/>
+          </a:prstGeom>
+          <a:noFill/>
+        </p:spPr>
+        <p:txBody>
+          <a:bodyPr wrap="square" rtlCol="0">
+            <a:spAutoFit/>
+          </a:bodyPr>
+          <a:p>
+            <a:pPr algn="dist"/>
+            <a:r>
+              <a:rPr lang="en-US" altLang="zh-CN" sz="2000" b="1"/>
+              <a:t>Second Num</a:t>
+            </a:r>
+            <a:r>
+              <a:rPr lang="zh-CN" altLang="en-US" sz="2000" b="1"/>
+              <a:t>：</a:t>
+            </a:r>
+            <a:r>
+              <a:rPr lang="en-US" altLang="zh-CN" sz="2000" b="1"/>
+              <a:t>R</a:t>
+            </a:r>
+            <a:r>
+              <a:rPr lang="en-US" altLang="zh-CN" sz="2000" b="1"/>
+              <a:t>3</a:t>
+            </a:r>
+            <a:endParaRPr lang="zh-CN" altLang="en-US" sz="2000" b="1"/>
+          </a:p>
+        </p:txBody>
+      </p:sp>
       <p:grpSp>
         <p:nvGrpSpPr>
           <p:cNvPr id="64" name="组合 63"/>
@@ -9862,7 +9764,7 @@
               <p:nvPr/>
             </p:nvPicPr>
             <p:blipFill>
-              <a:blip r:embed="rId4"/>
+              <a:blip r:embed="rId3"/>
               <a:stretch>
                 <a:fillRect/>
               </a:stretch>
@@ -9886,7 +9788,7 @@
               <p:nvPr/>
             </p:nvPicPr>
             <p:blipFill>
-              <a:blip r:embed="rId4"/>
+              <a:blip r:embed="rId3"/>
               <a:stretch>
                 <a:fillRect/>
               </a:stretch>
@@ -9925,7 +9827,7 @@
               <p:nvPr/>
             </p:nvPicPr>
             <p:blipFill>
-              <a:blip r:embed="rId4"/>
+              <a:blip r:embed="rId3"/>
               <a:stretch>
                 <a:fillRect/>
               </a:stretch>
@@ -9949,7 +9851,7 @@
               <p:nvPr/>
             </p:nvPicPr>
             <p:blipFill>
-              <a:blip r:embed="rId4"/>
+              <a:blip r:embed="rId3"/>
               <a:stretch>
                 <a:fillRect/>
               </a:stretch>
@@ -9968,14 +9870,14 @@
       </p:grpSp>
       <p:sp>
         <p:nvSpPr>
-          <p:cNvPr id="51" name="文本框 50"/>
+          <p:cNvPr id="10" name="文本框 9"/>
           <p:cNvSpPr txBox="1"/>
           <p:nvPr/>
         </p:nvSpPr>
         <p:spPr>
           <a:xfrm>
-            <a:off x="422910" y="2811145"/>
-            <a:ext cx="2822575" cy="398780"/>
+            <a:off x="4311015" y="3641725"/>
+            <a:ext cx="5198110" cy="1076325"/>
           </a:xfrm>
           <a:prstGeom prst="rect">
             <a:avLst/>
@@ -9987,125 +9889,406 @@
             <a:spAutoFit/>
           </a:bodyPr>
           <a:p>
-            <a:pPr algn="dist"/>
             <a:r>
-              <a:rPr lang="zh-CN" altLang="en-US" sz="2000" b="1"/>
-              <a:t>死心吧，世间没爱了</a:t>
+              <a:rPr lang="en-US" altLang="zh-CN" sz="3200" b="1">
+                <a:latin typeface="Times New Roman" panose="02020603050405020304" charset="0"/>
+                <a:cs typeface="Times New Roman" panose="02020603050405020304" charset="0"/>
+              </a:rPr>
+              <a:t>Output :</a:t>
             </a:r>
+            <a:endParaRPr lang="en-US" altLang="zh-CN" sz="3200" b="1">
+              <a:latin typeface="Times New Roman" panose="02020603050405020304" charset="0"/>
+              <a:cs typeface="Times New Roman" panose="02020603050405020304" charset="0"/>
+            </a:endParaRPr>
+          </a:p>
+          <a:p>
             <a:r>
-              <a:rPr lang="en-US" altLang="zh-CN" sz="2000" b="1"/>
-              <a:t>...</a:t>
+              <a:rPr lang="en-US" altLang="zh-CN" sz="3200" b="1">
+                <a:latin typeface="+mj-lt"/>
+                <a:ea typeface="微软雅黑" panose="020B0503020204020204" charset="-122"/>
+                <a:cs typeface="+mj-lt"/>
+              </a:rPr>
+              <a:t>R2 = R2 &amp; R3 = 1</a:t>
             </a:r>
-            <a:endParaRPr lang="en-US" altLang="zh-CN" sz="2000" b="1"/>
+            <a:endParaRPr lang="en-US" altLang="zh-CN" sz="3200" b="1">
+              <a:latin typeface="+mj-lt"/>
+              <a:ea typeface="微软雅黑" panose="020B0503020204020204" charset="-122"/>
+              <a:cs typeface="+mj-lt"/>
+            </a:endParaRPr>
           </a:p>
         </p:txBody>
       </p:sp>
       <p:grpSp>
         <p:nvGrpSpPr>
-          <p:cNvPr id="50" name="组合 49"/>
+          <p:cNvPr id="34" name="组合 33"/>
           <p:cNvGrpSpPr/>
           <p:nvPr/>
         </p:nvGrpSpPr>
         <p:grpSpPr>
           <a:xfrm>
-            <a:off x="5273675" y="5297805"/>
-            <a:ext cx="1849120" cy="1033145"/>
-            <a:chOff x="8496" y="8686"/>
-            <a:chExt cx="2912" cy="1627"/>
+            <a:off x="3360420" y="4888230"/>
+            <a:ext cx="2651760" cy="910590"/>
+            <a:chOff x="5171" y="8781"/>
+            <a:chExt cx="4176" cy="1434"/>
           </a:xfrm>
         </p:grpSpPr>
         <p:sp>
           <p:nvSpPr>
-            <p:cNvPr id="48" name="矩形 47"/>
-            <p:cNvSpPr/>
+            <p:cNvPr id="32" name="文本框 31"/>
+            <p:cNvSpPr txBox="1"/>
             <p:nvPr/>
           </p:nvSpPr>
           <p:spPr>
             <a:xfrm>
-              <a:off x="8496" y="9403"/>
-              <a:ext cx="2913" cy="910"/>
+              <a:off x="5173" y="8781"/>
+              <a:ext cx="4174" cy="822"/>
             </a:xfrm>
             <a:prstGeom prst="rect">
               <a:avLst/>
             </a:prstGeom>
-            <a:ln>
-              <a:noFill/>
-            </a:ln>
+            <a:noFill/>
           </p:spPr>
-          <p:style>
-            <a:lnRef idx="2">
-              <a:schemeClr val="accent1">
-                <a:lumMod val="75000"/>
-              </a:schemeClr>
-            </a:lnRef>
-            <a:fillRef idx="1">
-              <a:schemeClr val="accent1"/>
-            </a:fillRef>
-            <a:effectRef idx="0">
-              <a:srgbClr val="FFFFFF"/>
-            </a:effectRef>
-            <a:fontRef idx="minor">
-              <a:schemeClr val="lt1"/>
-            </a:fontRef>
-          </p:style>
           <p:txBody>
-            <a:bodyPr rtlCol="0" anchor="ctr"/>
+            <a:bodyPr wrap="square" rtlCol="0">
+              <a:spAutoFit/>
+            </a:bodyPr>
             <a:p>
-              <a:pPr algn="ctr"/>
+              <a:pPr algn="dist"/>
               <a:r>
-                <a:rPr lang="en-US" altLang="zh-CN" sz="2800" b="1"/>
-                <a:t>ENTER</a:t>
+                <a:rPr lang="en-US" altLang="zh-CN" sz="2800"/>
+                <a:t>R2: 0000 0101 </a:t>
               </a:r>
-              <a:endParaRPr lang="en-US" altLang="zh-CN" sz="2800" b="1"/>
+              <a:endParaRPr lang="en-US" altLang="zh-CN" sz="2800"/>
             </a:p>
           </p:txBody>
         </p:sp>
         <p:sp>
           <p:nvSpPr>
-            <p:cNvPr id="49" name="矩形 48"/>
-            <p:cNvSpPr/>
+            <p:cNvPr id="33" name="文本框 32"/>
+            <p:cNvSpPr txBox="1"/>
             <p:nvPr/>
           </p:nvSpPr>
           <p:spPr>
             <a:xfrm>
-              <a:off x="10316" y="8686"/>
-              <a:ext cx="1092" cy="739"/>
+              <a:off x="5171" y="9393"/>
+              <a:ext cx="4176" cy="822"/>
             </a:xfrm>
             <a:prstGeom prst="rect">
               <a:avLst/>
             </a:prstGeom>
-            <a:ln>
-              <a:noFill/>
-            </a:ln>
+            <a:noFill/>
           </p:spPr>
-          <p:style>
-            <a:lnRef idx="2">
-              <a:schemeClr val="accent1">
-                <a:lumMod val="75000"/>
-              </a:schemeClr>
-            </a:lnRef>
-            <a:fillRef idx="1">
-              <a:schemeClr val="accent1"/>
-            </a:fillRef>
-            <a:effectRef idx="0">
-              <a:srgbClr val="FFFFFF"/>
-            </a:effectRef>
-            <a:fontRef idx="minor">
-              <a:schemeClr val="lt1"/>
-            </a:fontRef>
-          </p:style>
           <p:txBody>
-            <a:bodyPr rtlCol="0" anchor="ctr"/>
+            <a:bodyPr wrap="square" rtlCol="0" anchor="t">
+              <a:spAutoFit/>
+            </a:bodyPr>
             <a:p>
-              <a:pPr algn="ctr"/>
-              <a:endParaRPr lang="zh-CN" altLang="en-US"/>
+              <a:pPr algn="dist"/>
+              <a:r>
+                <a:rPr lang="en-US" altLang="zh-CN" sz="2800">
+                  <a:sym typeface="+mn-ea"/>
+                </a:rPr>
+                <a:t>R3: 0000 0011</a:t>
+              </a:r>
+              <a:endParaRPr lang="en-US" altLang="zh-CN" sz="2800">
+                <a:sym typeface="+mn-ea"/>
+              </a:endParaRPr>
             </a:p>
           </p:txBody>
         </p:sp>
       </p:grpSp>
+      <p:grpSp>
+        <p:nvGrpSpPr>
+          <p:cNvPr id="57" name="组合 56"/>
+          <p:cNvGrpSpPr/>
+          <p:nvPr/>
+        </p:nvGrpSpPr>
+        <p:grpSpPr>
+          <a:xfrm>
+            <a:off x="3300730" y="5798820"/>
+            <a:ext cx="2819400" cy="521970"/>
+            <a:chOff x="5198" y="9132"/>
+            <a:chExt cx="4440" cy="822"/>
+          </a:xfrm>
+        </p:grpSpPr>
+        <p:cxnSp>
+          <p:nvCxnSpPr>
+            <p:cNvPr id="35" name="直接连接符 34"/>
+            <p:cNvCxnSpPr/>
+            <p:nvPr/>
+          </p:nvCxnSpPr>
+          <p:spPr>
+            <a:xfrm>
+              <a:off x="5198" y="9142"/>
+              <a:ext cx="4441" cy="0"/>
+            </a:xfrm>
+            <a:prstGeom prst="line">
+              <a:avLst/>
+            </a:prstGeom>
+            <a:ln w="19050"/>
+          </p:spPr>
+          <p:style>
+            <a:lnRef idx="1">
+              <a:schemeClr val="dk1"/>
+            </a:lnRef>
+            <a:fillRef idx="0">
+              <a:schemeClr val="dk1"/>
+            </a:fillRef>
+            <a:effectRef idx="0">
+              <a:schemeClr val="dk1"/>
+            </a:effectRef>
+            <a:fontRef idx="minor">
+              <a:schemeClr val="tx1"/>
+            </a:fontRef>
+          </p:style>
+        </p:cxnSp>
+        <p:sp>
+          <p:nvSpPr>
+            <p:cNvPr id="41" name="文本框 40"/>
+            <p:cNvSpPr txBox="1"/>
+            <p:nvPr/>
+          </p:nvSpPr>
+          <p:spPr>
+            <a:xfrm>
+              <a:off x="6393" y="9132"/>
+              <a:ext cx="3075" cy="822"/>
+            </a:xfrm>
+            <a:prstGeom prst="rect">
+              <a:avLst/>
+            </a:prstGeom>
+            <a:noFill/>
+          </p:spPr>
+          <p:txBody>
+            <a:bodyPr wrap="square" rtlCol="0" anchor="t">
+              <a:spAutoFit/>
+            </a:bodyPr>
+            <a:p>
+              <a:pPr algn="dist"/>
+              <a:r>
+                <a:rPr lang="en-US" altLang="zh-CN" sz="2800">
+                  <a:solidFill>
+                    <a:srgbClr val="FF0000"/>
+                  </a:solidFill>
+                  <a:sym typeface="+mn-ea"/>
+                </a:rPr>
+                <a:t>0000 0001</a:t>
+              </a:r>
+              <a:endParaRPr lang="en-US" altLang="zh-CN" sz="2800">
+                <a:solidFill>
+                  <a:srgbClr val="FF0000"/>
+                </a:solidFill>
+                <a:sym typeface="+mn-ea"/>
+              </a:endParaRPr>
+            </a:p>
+          </p:txBody>
+        </p:sp>
+      </p:grpSp>
+      <p:sp>
+        <p:nvSpPr>
+          <p:cNvPr id="48" name="文本框 47"/>
+          <p:cNvSpPr txBox="1"/>
+          <p:nvPr/>
+        </p:nvSpPr>
+        <p:spPr>
+          <a:xfrm>
+            <a:off x="6214745" y="5120640"/>
+            <a:ext cx="5976620" cy="460375"/>
+          </a:xfrm>
+          <a:prstGeom prst="rect">
+            <a:avLst/>
+          </a:prstGeom>
+          <a:noFill/>
+        </p:spPr>
+        <p:txBody>
+          <a:bodyPr wrap="square" rtlCol="0">
+            <a:spAutoFit/>
+          </a:bodyPr>
+          <a:p>
+            <a:r>
+              <a:rPr lang="en-US" altLang="zh-CN" sz="2400" b="1"/>
+              <a:t>AND:</a:t>
+            </a:r>
+            <a:r>
+              <a:rPr lang="zh-CN" altLang="en-US" sz="2400" b="1"/>
+              <a:t>只有上下全</a:t>
+            </a:r>
+            <a:r>
+              <a:rPr lang="en-US" altLang="zh-CN" sz="2400" b="1"/>
+              <a:t>1</a:t>
+            </a:r>
+            <a:r>
+              <a:rPr lang="zh-CN" altLang="en-US" sz="2400" b="1"/>
+              <a:t>才是</a:t>
+            </a:r>
+            <a:r>
+              <a:rPr lang="en-US" altLang="zh-CN" sz="2400" b="1"/>
+              <a:t>1</a:t>
+            </a:r>
+            <a:r>
+              <a:rPr lang="zh-CN" altLang="en-US" sz="2400" b="1"/>
+              <a:t>，其他情况都是</a:t>
+            </a:r>
+            <a:r>
+              <a:rPr lang="en-US" altLang="zh-CN" sz="2400" b="1"/>
+              <a:t>0</a:t>
+            </a:r>
+            <a:endParaRPr lang="en-US" altLang="zh-CN" sz="2400" b="1"/>
+          </a:p>
+        </p:txBody>
+      </p:sp>
+      <p:sp>
+        <p:nvSpPr>
+          <p:cNvPr id="50" name="圆角矩形 49"/>
+          <p:cNvSpPr/>
+          <p:nvPr/>
+        </p:nvSpPr>
+        <p:spPr>
+          <a:xfrm>
+            <a:off x="7511415" y="2205990"/>
+            <a:ext cx="982345" cy="1003935"/>
+          </a:xfrm>
+          <a:prstGeom prst="roundRect">
+            <a:avLst/>
+          </a:prstGeom>
+        </p:spPr>
+        <p:style>
+          <a:lnRef idx="2">
+            <a:schemeClr val="accent1">
+              <a:lumMod val="75000"/>
+            </a:schemeClr>
+          </a:lnRef>
+          <a:fillRef idx="1">
+            <a:schemeClr val="accent1"/>
+          </a:fillRef>
+          <a:effectRef idx="0">
+            <a:srgbClr val="FFFFFF"/>
+          </a:effectRef>
+          <a:fontRef idx="minor">
+            <a:schemeClr val="lt1"/>
+          </a:fontRef>
+        </p:style>
+        <p:txBody>
+          <a:bodyPr rtlCol="0" anchor="ctr"/>
+          <a:p>
+            <a:pPr algn="ctr"/>
+            <a:r>
+              <a:rPr lang="en-US" altLang="zh-CN" sz="2800" b="1"/>
+              <a:t>3</a:t>
+            </a:r>
+            <a:endParaRPr lang="en-US" altLang="zh-CN" sz="2800" b="1"/>
+          </a:p>
+        </p:txBody>
+      </p:sp>
+      <p:sp>
+        <p:nvSpPr>
+          <p:cNvPr id="56" name="圆角矩形 55"/>
+          <p:cNvSpPr/>
+          <p:nvPr/>
+        </p:nvSpPr>
+        <p:spPr>
+          <a:xfrm>
+            <a:off x="6214110" y="2205990"/>
+            <a:ext cx="982345" cy="1003935"/>
+          </a:xfrm>
+          <a:prstGeom prst="roundRect">
+            <a:avLst/>
+          </a:prstGeom>
+        </p:spPr>
+        <p:style>
+          <a:lnRef idx="2">
+            <a:schemeClr val="accent1">
+              <a:lumMod val="75000"/>
+            </a:schemeClr>
+          </a:lnRef>
+          <a:fillRef idx="1">
+            <a:schemeClr val="accent1"/>
+          </a:fillRef>
+          <a:effectRef idx="0">
+            <a:srgbClr val="FFFFFF"/>
+          </a:effectRef>
+          <a:fontRef idx="minor">
+            <a:schemeClr val="lt1"/>
+          </a:fontRef>
+        </p:style>
+        <p:txBody>
+          <a:bodyPr rtlCol="0" anchor="ctr"/>
+          <a:p>
+            <a:pPr algn="ctr"/>
+            <a:r>
+              <a:rPr lang="en-US" altLang="zh-CN" sz="2800" b="1"/>
+              <a:t>1</a:t>
+            </a:r>
+            <a:endParaRPr lang="en-US" altLang="zh-CN" sz="2800" b="1"/>
+          </a:p>
+        </p:txBody>
+      </p:sp>
+      <p:sp>
+        <p:nvSpPr>
+          <p:cNvPr id="58" name="文本框 57"/>
+          <p:cNvSpPr txBox="1"/>
+          <p:nvPr/>
+        </p:nvSpPr>
+        <p:spPr>
+          <a:xfrm>
+            <a:off x="6287770" y="5673725"/>
+            <a:ext cx="5517515" cy="460375"/>
+          </a:xfrm>
+          <a:prstGeom prst="rect">
+            <a:avLst/>
+          </a:prstGeom>
+          <a:noFill/>
+        </p:spPr>
+        <p:txBody>
+          <a:bodyPr wrap="none" rtlCol="0">
+            <a:spAutoFit/>
+          </a:bodyPr>
+          <a:p>
+            <a:pPr algn="l"/>
+            <a:r>
+              <a:rPr lang="en-US" altLang="zh-CN" sz="2400" b="1"/>
+              <a:t>OR:</a:t>
+            </a:r>
+            <a:r>
+              <a:rPr lang="zh-CN" altLang="en-US" sz="2400" b="1"/>
+              <a:t>只有</a:t>
+            </a:r>
+            <a:r>
+              <a:rPr lang="zh-CN" altLang="en-US" sz="2400" b="1">
+                <a:sym typeface="+mn-ea"/>
+              </a:rPr>
+              <a:t>上下</a:t>
+            </a:r>
+            <a:r>
+              <a:rPr lang="zh-CN" altLang="en-US" sz="2400" b="1"/>
+              <a:t>全</a:t>
+            </a:r>
+            <a:r>
+              <a:rPr lang="en-US" altLang="zh-CN" sz="2400" b="1"/>
+              <a:t>0</a:t>
+            </a:r>
+            <a:r>
+              <a:rPr lang="zh-CN" altLang="en-US" sz="2400" b="1"/>
+              <a:t>才是</a:t>
+            </a:r>
+            <a:r>
+              <a:rPr lang="en-US" altLang="zh-CN" sz="2400" b="1"/>
+              <a:t>0</a:t>
+            </a:r>
+            <a:r>
+              <a:rPr lang="zh-CN" altLang="en-US" sz="2400" b="1"/>
+              <a:t>，其他情况都是</a:t>
+            </a:r>
+            <a:r>
+              <a:rPr lang="en-US" altLang="zh-CN" sz="2400" b="1"/>
+              <a:t>1</a:t>
+            </a:r>
+            <a:endParaRPr lang="en-US" altLang="zh-CN" sz="2400" b="1"/>
+          </a:p>
+        </p:txBody>
+      </p:sp>
     </p:spTree>
     <p:custDataLst>
-      <p:tags r:id="rId5"/>
+      <p:tags r:id="rId4"/>
     </p:custDataLst>
   </p:cSld>
   <p:clrMapOvr>
@@ -10587,37 +10770,24 @@
                             </p:stCondLst>
                             <p:childTnLst>
                               <p:par>
-                                <p:cTn id="37" presetID="22" presetClass="entr" presetSubtype="1" fill="hold" nodeType="clickEffect">
+                                <p:cTn id="37" presetID="0" presetClass="path" presetSubtype="0" accel="50000" decel="50000" fill="hold" nodeType="clickEffect">
                                   <p:stCondLst>
                                     <p:cond delay="0"/>
                                   </p:stCondLst>
                                   <p:childTnLst>
-                                    <p:set>
-                                      <p:cBhvr>
-                                        <p:cTn id="38" dur="1" fill="hold">
-                                          <p:stCondLst>
-                                            <p:cond delay="0"/>
-                                          </p:stCondLst>
-                                        </p:cTn>
-                                        <p:tgtEl>
-                                          <p:spTgt spid="50"/>
-                                        </p:tgtEl>
-                                        <p:attrNameLst>
-                                          <p:attrName>style.visibility</p:attrName>
-                                        </p:attrNameLst>
-                                      </p:cBhvr>
-                                      <p:to>
-                                        <p:strVal val="visible"/>
-                                      </p:to>
-                                    </p:set>
-                                    <p:animEffect transition="in" filter="wipe(up)">
-                                      <p:cBhvr>
-                                        <p:cTn id="39" dur="500"/>
-                                        <p:tgtEl>
-                                          <p:spTgt spid="50"/>
-                                        </p:tgtEl>
-                                      </p:cBhvr>
-                                    </p:animEffect>
+                                    <p:animMotion origin="layout" path="M -0.00177083 0.00111111 L -0.162083 -0.368056 " pathEditMode="relative" rAng="0" ptsTypes="">
+                                      <p:cBhvr>
+                                        <p:cTn id="38" dur="500" fill="hold"/>
+                                        <p:tgtEl>
+                                          <p:spTgt spid="45"/>
+                                        </p:tgtEl>
+                                        <p:attrNameLst>
+                                          <p:attrName>ppt_x</p:attrName>
+                                          <p:attrName>ppt_y</p:attrName>
+                                        </p:attrNameLst>
+                                      </p:cBhvr>
+                                      <p:rCtr x="-76" y="-132"/>
+                                    </p:animMotion>
                                   </p:childTnLst>
                                 </p:cTn>
                               </p:par>
@@ -10625,34 +10795,34 @@
                           </p:cTn>
                         </p:par>
                         <p:par>
-                          <p:cTn id="40" fill="hold">
+                          <p:cTn id="39" fill="hold">
                             <p:stCondLst>
                               <p:cond delay="500"/>
                             </p:stCondLst>
                             <p:childTnLst>
                               <p:par>
-                                <p:cTn id="41" presetID="22" presetClass="exit" presetSubtype="4" fill="hold" nodeType="afterEffect">
+                                <p:cTn id="40" presetID="22" presetClass="exit" presetSubtype="4" fill="hold" nodeType="afterEffect">
                                   <p:stCondLst>
                                     <p:cond delay="0"/>
                                   </p:stCondLst>
                                   <p:childTnLst>
                                     <p:animEffect transition="out" filter="wipe(down)">
                                       <p:cBhvr>
-                                        <p:cTn id="42" dur="500"/>
-                                        <p:tgtEl>
-                                          <p:spTgt spid="50"/>
+                                        <p:cTn id="41" dur="500"/>
+                                        <p:tgtEl>
+                                          <p:spTgt spid="45"/>
                                         </p:tgtEl>
                                       </p:cBhvr>
                                     </p:animEffect>
                                     <p:set>
                                       <p:cBhvr>
-                                        <p:cTn id="43" dur="1" fill="hold">
+                                        <p:cTn id="42" dur="1" fill="hold">
                                           <p:stCondLst>
                                             <p:cond delay="499"/>
                                           </p:stCondLst>
                                         </p:cTn>
                                         <p:tgtEl>
-                                          <p:spTgt spid="50"/>
+                                          <p:spTgt spid="45"/>
                                         </p:tgtEl>
                                         <p:attrNameLst>
                                           <p:attrName>style.visibility</p:attrName>
@@ -10668,40 +10838,44 @@
                             </p:childTnLst>
                           </p:cTn>
                         </p:par>
-                      </p:childTnLst>
-                    </p:cTn>
-                  </p:par>
-                  <p:par>
-                    <p:cTn id="44" fill="hold">
-                      <p:stCondLst>
-                        <p:cond delay="indefinite"/>
-                      </p:stCondLst>
-                      <p:childTnLst>
                         <p:par>
-                          <p:cTn id="45" fill="hold">
+                          <p:cTn id="43" fill="hold">
                             <p:stCondLst>
-                              <p:cond delay="0"/>
+                              <p:cond delay="1000"/>
                             </p:stCondLst>
                             <p:childTnLst>
                               <p:par>
-                                <p:cTn id="46" presetID="0" presetClass="path" presetSubtype="0" accel="50000" decel="50000" fill="hold" nodeType="clickEffect">
+                                <p:cTn id="44" presetID="3" presetClass="entr" presetSubtype="10" fill="hold" grpId="0" nodeType="afterEffect">
                                   <p:stCondLst>
                                     <p:cond delay="0"/>
                                   </p:stCondLst>
                                   <p:childTnLst>
-                                    <p:animMotion origin="layout" path="M -0.00177083 0.00111111 L -0.162083 -0.368056 " pathEditMode="relative" rAng="0" ptsTypes="">
-                                      <p:cBhvr>
-                                        <p:cTn id="47" dur="500" fill="hold"/>
-                                        <p:tgtEl>
-                                          <p:spTgt spid="45"/>
-                                        </p:tgtEl>
-                                        <p:attrNameLst>
-                                          <p:attrName>ppt_x</p:attrName>
-                                          <p:attrName>ppt_y</p:attrName>
-                                        </p:attrNameLst>
-                                      </p:cBhvr>
-                                      <p:rCtr x="-76" y="-132"/>
-                                    </p:animMotion>
+                                    <p:set>
+                                      <p:cBhvr>
+                                        <p:cTn id="45" dur="1" fill="hold">
+                                          <p:stCondLst>
+                                            <p:cond delay="0"/>
+                                          </p:stCondLst>
+                                        </p:cTn>
+                                        <p:tgtEl>
+                                          <p:spTgt spid="51"/>
+                                        </p:tgtEl>
+                                        <p:attrNameLst>
+                                          <p:attrName>style.visibility</p:attrName>
+                                        </p:attrNameLst>
+                                      </p:cBhvr>
+                                      <p:to>
+                                        <p:strVal val="visible"/>
+                                      </p:to>
+                                    </p:set>
+                                    <p:animEffect transition="in" filter="blinds(horizontal)">
+                                      <p:cBhvr>
+                                        <p:cTn id="46" dur="500"/>
+                                        <p:tgtEl>
+                                          <p:spTgt spid="51"/>
+                                        </p:tgtEl>
+                                      </p:cBhvr>
+                                    </p:animEffect>
                                   </p:childTnLst>
                                 </p:cTn>
                               </p:par>
@@ -10712,32 +10886,495 @@
                     </p:cTn>
                   </p:par>
                   <p:par>
-                    <p:cTn id="48" fill="hold">
+                    <p:cTn id="47" fill="hold">
                       <p:stCondLst>
                         <p:cond delay="indefinite"/>
                       </p:stCondLst>
                       <p:childTnLst>
                         <p:par>
-                          <p:cTn id="49" fill="hold">
+                          <p:cTn id="48" fill="hold">
                             <p:stCondLst>
                               <p:cond delay="0"/>
                             </p:stCondLst>
                             <p:childTnLst>
                               <p:par>
-                                <p:cTn id="50" presetID="2" presetClass="entr" presetSubtype="8" fill="hold" nodeType="clickEffect">
+                                <p:cTn id="49" presetID="0" presetClass="path" presetSubtype="0" accel="50000" decel="50000" fill="hold" nodeType="clickEffect">
+                                  <p:stCondLst>
+                                    <p:cond delay="0"/>
+                                  </p:stCondLst>
+                                  <p:childTnLst>
+                                    <p:animMotion origin="layout" path="M 0 0 L -0.389375 -0.363981 " pathEditMode="relative" rAng="0" ptsTypes="">
+                                      <p:cBhvr>
+                                        <p:cTn id="50" dur="500" fill="hold"/>
+                                        <p:tgtEl>
+                                          <p:spTgt spid="46"/>
+                                        </p:tgtEl>
+                                        <p:attrNameLst>
+                                          <p:attrName>ppt_x</p:attrName>
+                                          <p:attrName>ppt_y</p:attrName>
+                                        </p:attrNameLst>
+                                      </p:cBhvr>
+                                      <p:rCtr x="-192" y="-121"/>
+                                    </p:animMotion>
+                                  </p:childTnLst>
+                                </p:cTn>
+                              </p:par>
+                            </p:childTnLst>
+                          </p:cTn>
+                        </p:par>
+                        <p:par>
+                          <p:cTn id="51" fill="hold">
+                            <p:stCondLst>
+                              <p:cond delay="500"/>
+                            </p:stCondLst>
+                            <p:childTnLst>
+                              <p:par>
+                                <p:cTn id="52" presetID="22" presetClass="exit" presetSubtype="4" fill="hold" nodeType="afterEffect">
+                                  <p:stCondLst>
+                                    <p:cond delay="0"/>
+                                  </p:stCondLst>
+                                  <p:childTnLst>
+                                    <p:animEffect transition="out" filter="wipe(down)">
+                                      <p:cBhvr>
+                                        <p:cTn id="53" dur="500"/>
+                                        <p:tgtEl>
+                                          <p:spTgt spid="46"/>
+                                        </p:tgtEl>
+                                      </p:cBhvr>
+                                    </p:animEffect>
+                                    <p:set>
+                                      <p:cBhvr>
+                                        <p:cTn id="54" dur="1" fill="hold">
+                                          <p:stCondLst>
+                                            <p:cond delay="499"/>
+                                          </p:stCondLst>
+                                        </p:cTn>
+                                        <p:tgtEl>
+                                          <p:spTgt spid="46"/>
+                                        </p:tgtEl>
+                                        <p:attrNameLst>
+                                          <p:attrName>style.visibility</p:attrName>
+                                        </p:attrNameLst>
+                                      </p:cBhvr>
+                                      <p:to>
+                                        <p:strVal val="hidden"/>
+                                      </p:to>
+                                    </p:set>
+                                  </p:childTnLst>
+                                </p:cTn>
+                              </p:par>
+                            </p:childTnLst>
+                          </p:cTn>
+                        </p:par>
+                        <p:par>
+                          <p:cTn id="55" fill="hold">
+                            <p:stCondLst>
+                              <p:cond delay="1000"/>
+                            </p:stCondLst>
+                            <p:childTnLst>
+                              <p:par>
+                                <p:cTn id="56" presetID="3" presetClass="entr" presetSubtype="10" fill="hold" grpId="0" nodeType="afterEffect">
                                   <p:stCondLst>
                                     <p:cond delay="0"/>
                                   </p:stCondLst>
                                   <p:childTnLst>
                                     <p:set>
                                       <p:cBhvr>
-                                        <p:cTn id="51" dur="1" fill="hold">
+                                        <p:cTn id="57" dur="1" fill="hold">
                                           <p:stCondLst>
                                             <p:cond delay="0"/>
                                           </p:stCondLst>
                                         </p:cTn>
                                         <p:tgtEl>
-                                          <p:spTgt spid="4"/>
+                                          <p:spTgt spid="53"/>
+                                        </p:tgtEl>
+                                        <p:attrNameLst>
+                                          <p:attrName>style.visibility</p:attrName>
+                                        </p:attrNameLst>
+                                      </p:cBhvr>
+                                      <p:to>
+                                        <p:strVal val="visible"/>
+                                      </p:to>
+                                    </p:set>
+                                    <p:animEffect transition="in" filter="blinds(horizontal)">
+                                      <p:cBhvr>
+                                        <p:cTn id="58" dur="500"/>
+                                        <p:tgtEl>
+                                          <p:spTgt spid="53"/>
+                                        </p:tgtEl>
+                                      </p:cBhvr>
+                                    </p:animEffect>
+                                  </p:childTnLst>
+                                </p:cTn>
+                              </p:par>
+                            </p:childTnLst>
+                          </p:cTn>
+                        </p:par>
+                      </p:childTnLst>
+                    </p:cTn>
+                  </p:par>
+                  <p:par>
+                    <p:cTn id="59" fill="hold">
+                      <p:stCondLst>
+                        <p:cond delay="indefinite"/>
+                      </p:stCondLst>
+                      <p:childTnLst>
+                        <p:par>
+                          <p:cTn id="60" fill="hold">
+                            <p:stCondLst>
+                              <p:cond delay="0"/>
+                            </p:stCondLst>
+                            <p:childTnLst>
+                              <p:par>
+                                <p:cTn id="61" presetID="0" presetClass="path" presetSubtype="0" accel="50000" decel="50000" fill="hold" nodeType="clickEffect">
+                                  <p:stCondLst>
+                                    <p:cond delay="0"/>
+                                  </p:stCondLst>
+                                  <p:childTnLst>
+                                    <p:animMotion origin="layout" path="M 0 0.00101852 L -0.603229 -0.358796 " pathEditMode="relative" rAng="0" ptsTypes="">
+                                      <p:cBhvr>
+                                        <p:cTn id="62" dur="500" fill="hold"/>
+                                        <p:tgtEl>
+                                          <p:spTgt spid="47"/>
+                                        </p:tgtEl>
+                                        <p:attrNameLst>
+                                          <p:attrName>ppt_x</p:attrName>
+                                          <p:attrName>ppt_y</p:attrName>
+                                        </p:attrNameLst>
+                                      </p:cBhvr>
+                                      <p:rCtr x="-298" y="-122"/>
+                                    </p:animMotion>
+                                  </p:childTnLst>
+                                </p:cTn>
+                              </p:par>
+                            </p:childTnLst>
+                          </p:cTn>
+                        </p:par>
+                        <p:par>
+                          <p:cTn id="63" fill="hold">
+                            <p:stCondLst>
+                              <p:cond delay="500"/>
+                            </p:stCondLst>
+                            <p:childTnLst>
+                              <p:par>
+                                <p:cTn id="64" presetID="22" presetClass="exit" presetSubtype="4" fill="hold" nodeType="afterEffect">
+                                  <p:stCondLst>
+                                    <p:cond delay="0"/>
+                                  </p:stCondLst>
+                                  <p:childTnLst>
+                                    <p:animEffect transition="out" filter="wipe(down)">
+                                      <p:cBhvr>
+                                        <p:cTn id="65" dur="500"/>
+                                        <p:tgtEl>
+                                          <p:spTgt spid="47"/>
+                                        </p:tgtEl>
+                                      </p:cBhvr>
+                                    </p:animEffect>
+                                    <p:set>
+                                      <p:cBhvr>
+                                        <p:cTn id="66" dur="1" fill="hold">
+                                          <p:stCondLst>
+                                            <p:cond delay="499"/>
+                                          </p:stCondLst>
+                                        </p:cTn>
+                                        <p:tgtEl>
+                                          <p:spTgt spid="47"/>
+                                        </p:tgtEl>
+                                        <p:attrNameLst>
+                                          <p:attrName>style.visibility</p:attrName>
+                                        </p:attrNameLst>
+                                      </p:cBhvr>
+                                      <p:to>
+                                        <p:strVal val="hidden"/>
+                                      </p:to>
+                                    </p:set>
+                                  </p:childTnLst>
+                                </p:cTn>
+                              </p:par>
+                            </p:childTnLst>
+                          </p:cTn>
+                        </p:par>
+                        <p:par>
+                          <p:cTn id="67" fill="hold">
+                            <p:stCondLst>
+                              <p:cond delay="1000"/>
+                            </p:stCondLst>
+                            <p:childTnLst>
+                              <p:par>
+                                <p:cTn id="68" presetID="3" presetClass="entr" presetSubtype="10" fill="hold" grpId="0" nodeType="afterEffect">
+                                  <p:stCondLst>
+                                    <p:cond delay="0"/>
+                                  </p:stCondLst>
+                                  <p:childTnLst>
+                                    <p:set>
+                                      <p:cBhvr>
+                                        <p:cTn id="69" dur="1" fill="hold">
+                                          <p:stCondLst>
+                                            <p:cond delay="0"/>
+                                          </p:stCondLst>
+                                        </p:cTn>
+                                        <p:tgtEl>
+                                          <p:spTgt spid="55"/>
+                                        </p:tgtEl>
+                                        <p:attrNameLst>
+                                          <p:attrName>style.visibility</p:attrName>
+                                        </p:attrNameLst>
+                                      </p:cBhvr>
+                                      <p:to>
+                                        <p:strVal val="visible"/>
+                                      </p:to>
+                                    </p:set>
+                                    <p:animEffect transition="in" filter="blinds(horizontal)">
+                                      <p:cBhvr>
+                                        <p:cTn id="70" dur="500"/>
+                                        <p:tgtEl>
+                                          <p:spTgt spid="55"/>
+                                        </p:tgtEl>
+                                      </p:cBhvr>
+                                    </p:animEffect>
+                                  </p:childTnLst>
+                                </p:cTn>
+                              </p:par>
+                            </p:childTnLst>
+                          </p:cTn>
+                        </p:par>
+                      </p:childTnLst>
+                    </p:cTn>
+                  </p:par>
+                  <p:par>
+                    <p:cTn id="71" fill="hold">
+                      <p:stCondLst>
+                        <p:cond delay="indefinite"/>
+                      </p:stCondLst>
+                      <p:childTnLst>
+                        <p:par>
+                          <p:cTn id="72" fill="hold">
+                            <p:stCondLst>
+                              <p:cond delay="0"/>
+                            </p:stCondLst>
+                            <p:childTnLst>
+                              <p:par>
+                                <p:cTn id="73" presetID="22" presetClass="exit" presetSubtype="4" fill="hold" grpId="1" nodeType="clickEffect">
+                                  <p:stCondLst>
+                                    <p:cond delay="0"/>
+                                  </p:stCondLst>
+                                  <p:childTnLst>
+                                    <p:animEffect transition="out" filter="wipe(down)">
+                                      <p:cBhvr>
+                                        <p:cTn id="74" dur="500"/>
+                                        <p:tgtEl>
+                                          <p:spTgt spid="37"/>
+                                        </p:tgtEl>
+                                      </p:cBhvr>
+                                    </p:animEffect>
+                                    <p:set>
+                                      <p:cBhvr>
+                                        <p:cTn id="75" dur="1" fill="hold">
+                                          <p:stCondLst>
+                                            <p:cond delay="499"/>
+                                          </p:stCondLst>
+                                        </p:cTn>
+                                        <p:tgtEl>
+                                          <p:spTgt spid="37"/>
+                                        </p:tgtEl>
+                                        <p:attrNameLst>
+                                          <p:attrName>style.visibility</p:attrName>
+                                        </p:attrNameLst>
+                                      </p:cBhvr>
+                                      <p:to>
+                                        <p:strVal val="hidden"/>
+                                      </p:to>
+                                    </p:set>
+                                  </p:childTnLst>
+                                </p:cTn>
+                              </p:par>
+                            </p:childTnLst>
+                          </p:cTn>
+                        </p:par>
+                        <p:par>
+                          <p:cTn id="76" fill="hold">
+                            <p:stCondLst>
+                              <p:cond delay="500"/>
+                            </p:stCondLst>
+                            <p:childTnLst>
+                              <p:par>
+                                <p:cTn id="77" presetID="1" presetClass="entr" presetSubtype="0" fill="hold" grpId="2" nodeType="afterEffect">
+                                  <p:stCondLst>
+                                    <p:cond delay="0"/>
+                                  </p:stCondLst>
+                                  <p:childTnLst>
+                                    <p:set>
+                                      <p:cBhvr>
+                                        <p:cTn id="78" dur="1" fill="hold">
+                                          <p:stCondLst>
+                                            <p:cond delay="0"/>
+                                          </p:stCondLst>
+                                        </p:cTn>
+                                        <p:tgtEl>
+                                          <p:spTgt spid="50"/>
+                                        </p:tgtEl>
+                                        <p:attrNameLst>
+                                          <p:attrName>style.visibility</p:attrName>
+                                        </p:attrNameLst>
+                                      </p:cBhvr>
+                                      <p:to>
+                                        <p:strVal val="visible"/>
+                                      </p:to>
+                                    </p:set>
+                                  </p:childTnLst>
+                                </p:cTn>
+                              </p:par>
+                            </p:childTnLst>
+                          </p:cTn>
+                        </p:par>
+                        <p:par>
+                          <p:cTn id="79" fill="hold">
+                            <p:stCondLst>
+                              <p:cond delay="500"/>
+                            </p:stCondLst>
+                            <p:childTnLst>
+                              <p:par>
+                                <p:cTn id="80" presetID="0" presetClass="path" presetSubtype="0" accel="50000" decel="50000" fill="hold" grpId="0" nodeType="afterEffect">
+                                  <p:stCondLst>
+                                    <p:cond delay="0"/>
+                                  </p:stCondLst>
+                                  <p:childTnLst>
+                                    <p:animMotion origin="layout" path="M 0.000000 0.000000 L -0.107969 0.000000 " pathEditMode="relative" ptsTypes="">
+                                      <p:cBhvr>
+                                        <p:cTn id="81" dur="500" fill="hold"/>
+                                        <p:tgtEl>
+                                          <p:spTgt spid="50"/>
+                                        </p:tgtEl>
+                                        <p:attrNameLst>
+                                          <p:attrName>ppt_x</p:attrName>
+                                          <p:attrName>ppt_y</p:attrName>
+                                        </p:attrNameLst>
+                                      </p:cBhvr>
+                                    </p:animMotion>
+                                  </p:childTnLst>
+                                </p:cTn>
+                              </p:par>
+                            </p:childTnLst>
+                          </p:cTn>
+                        </p:par>
+                        <p:par>
+                          <p:cTn id="82" fill="hold">
+                            <p:stCondLst>
+                              <p:cond delay="1000"/>
+                            </p:stCondLst>
+                            <p:childTnLst>
+                              <p:par>
+                                <p:cTn id="83" presetID="22" presetClass="exit" presetSubtype="4" fill="hold" grpId="1" nodeType="afterEffect">
+                                  <p:stCondLst>
+                                    <p:cond delay="0"/>
+                                  </p:stCondLst>
+                                  <p:childTnLst>
+                                    <p:animEffect transition="out" filter="wipe(down)">
+                                      <p:cBhvr>
+                                        <p:cTn id="84" dur="500"/>
+                                        <p:tgtEl>
+                                          <p:spTgt spid="50"/>
+                                        </p:tgtEl>
+                                      </p:cBhvr>
+                                    </p:animEffect>
+                                    <p:set>
+                                      <p:cBhvr>
+                                        <p:cTn id="85" dur="1" fill="hold">
+                                          <p:stCondLst>
+                                            <p:cond delay="499"/>
+                                          </p:stCondLst>
+                                        </p:cTn>
+                                        <p:tgtEl>
+                                          <p:spTgt spid="50"/>
+                                        </p:tgtEl>
+                                        <p:attrNameLst>
+                                          <p:attrName>style.visibility</p:attrName>
+                                        </p:attrNameLst>
+                                      </p:cBhvr>
+                                      <p:to>
+                                        <p:strVal val="hidden"/>
+                                      </p:to>
+                                    </p:set>
+                                  </p:childTnLst>
+                                </p:cTn>
+                              </p:par>
+                            </p:childTnLst>
+                          </p:cTn>
+                        </p:par>
+                        <p:par>
+                          <p:cTn id="86" fill="hold">
+                            <p:stCondLst>
+                              <p:cond delay="1500"/>
+                            </p:stCondLst>
+                            <p:childTnLst>
+                              <p:par>
+                                <p:cTn id="87" presetID="3" presetClass="entr" presetSubtype="10" fill="hold" grpId="0" nodeType="afterEffect">
+                                  <p:stCondLst>
+                                    <p:cond delay="0"/>
+                                  </p:stCondLst>
+                                  <p:childTnLst>
+                                    <p:set>
+                                      <p:cBhvr>
+                                        <p:cTn id="88" dur="1" fill="hold">
+                                          <p:stCondLst>
+                                            <p:cond delay="0"/>
+                                          </p:stCondLst>
+                                        </p:cTn>
+                                        <p:tgtEl>
+                                          <p:spTgt spid="56"/>
+                                        </p:tgtEl>
+                                        <p:attrNameLst>
+                                          <p:attrName>style.visibility</p:attrName>
+                                        </p:attrNameLst>
+                                      </p:cBhvr>
+                                      <p:to>
+                                        <p:strVal val="visible"/>
+                                      </p:to>
+                                    </p:set>
+                                    <p:animEffect transition="in" filter="blinds(horizontal)">
+                                      <p:cBhvr>
+                                        <p:cTn id="89" dur="500"/>
+                                        <p:tgtEl>
+                                          <p:spTgt spid="56"/>
+                                        </p:tgtEl>
+                                      </p:cBhvr>
+                                    </p:animEffect>
+                                  </p:childTnLst>
+                                </p:cTn>
+                              </p:par>
+                            </p:childTnLst>
+                          </p:cTn>
+                        </p:par>
+                      </p:childTnLst>
+                    </p:cTn>
+                  </p:par>
+                  <p:par>
+                    <p:cTn id="90" fill="hold">
+                      <p:stCondLst>
+                        <p:cond delay="indefinite"/>
+                      </p:stCondLst>
+                      <p:childTnLst>
+                        <p:par>
+                          <p:cTn id="91" fill="hold">
+                            <p:stCondLst>
+                              <p:cond delay="0"/>
+                            </p:stCondLst>
+                            <p:childTnLst>
+                              <p:par>
+                                <p:cTn id="92" presetID="2" presetClass="entr" presetSubtype="4" fill="hold" grpId="0" nodeType="clickEffect">
+                                  <p:stCondLst>
+                                    <p:cond delay="0"/>
+                                  </p:stCondLst>
+                                  <p:childTnLst>
+                                    <p:set>
+                                      <p:cBhvr>
+                                        <p:cTn id="93" dur="1" fill="hold">
+                                          <p:stCondLst>
+                                            <p:cond delay="0"/>
+                                          </p:stCondLst>
+                                        </p:cTn>
+                                        <p:tgtEl>
+                                          <p:spTgt spid="10"/>
                                         </p:tgtEl>
                                         <p:attrNameLst>
                                           <p:attrName>style.visibility</p:attrName>
@@ -10749,9 +11386,9 @@
                                     </p:set>
                                     <p:anim calcmode="lin" valueType="num">
                                       <p:cBhvr additive="base">
-                                        <p:cTn id="52" dur="500" fill="hold"/>
-                                        <p:tgtEl>
-                                          <p:spTgt spid="4"/>
+                                        <p:cTn id="94" dur="500" fill="hold"/>
+                                        <p:tgtEl>
+                                          <p:spTgt spid="10"/>
                                         </p:tgtEl>
                                         <p:attrNameLst>
                                           <p:attrName>ppt_x</p:attrName>
@@ -10760,7 +11397,7 @@
                                       <p:tavLst>
                                         <p:tav tm="0">
                                           <p:val>
-                                            <p:strVal val="0-#ppt_w/2"/>
+                                            <p:strVal val="#ppt_x"/>
                                           </p:val>
                                         </p:tav>
                                         <p:tav tm="100000">
@@ -10772,9 +11409,9 @@
                                     </p:anim>
                                     <p:anim calcmode="lin" valueType="num">
                                       <p:cBhvr additive="base">
-                                        <p:cTn id="53" dur="500" fill="hold"/>
-                                        <p:tgtEl>
-                                          <p:spTgt spid="4"/>
+                                        <p:cTn id="95" dur="500" fill="hold"/>
+                                        <p:tgtEl>
+                                          <p:spTgt spid="10"/>
                                         </p:tgtEl>
                                         <p:attrNameLst>
                                           <p:attrName>ppt_y</p:attrName>
@@ -10783,7 +11420,7 @@
                                       <p:tavLst>
                                         <p:tav tm="0">
                                           <p:val>
-                                            <p:strVal val="#ppt_y"/>
+                                            <p:strVal val="1+#ppt_h/2"/>
                                           </p:val>
                                         </p:tav>
                                         <p:tav tm="100000">
@@ -10799,336 +11436,36 @@
                             </p:childTnLst>
                           </p:cTn>
                         </p:par>
+                      </p:childTnLst>
+                    </p:cTn>
+                  </p:par>
+                  <p:par>
+                    <p:cTn id="96" fill="hold">
+                      <p:stCondLst>
+                        <p:cond delay="indefinite"/>
+                      </p:stCondLst>
+                      <p:childTnLst>
                         <p:par>
-                          <p:cTn id="54" fill="hold">
+                          <p:cTn id="97" fill="hold">
                             <p:stCondLst>
-                              <p:cond delay="500"/>
+                              <p:cond delay="0"/>
                             </p:stCondLst>
                             <p:childTnLst>
                               <p:par>
-                                <p:cTn id="55" presetID="3" presetClass="entr" presetSubtype="10" fill="hold" grpId="0" nodeType="afterEffect">
+                                <p:cTn id="98" presetID="2" presetClass="entr" presetSubtype="4" fill="hold" nodeType="clickEffect">
                                   <p:stCondLst>
                                     <p:cond delay="0"/>
                                   </p:stCondLst>
                                   <p:childTnLst>
                                     <p:set>
                                       <p:cBhvr>
-                                        <p:cTn id="56" dur="1" fill="hold">
+                                        <p:cTn id="99" dur="1" fill="hold">
                                           <p:stCondLst>
                                             <p:cond delay="0"/>
                                           </p:stCondLst>
                                         </p:cTn>
                                         <p:tgtEl>
-                                          <p:spTgt spid="51"/>
-                                        </p:tgtEl>
-                                        <p:attrNameLst>
-                                          <p:attrName>style.visibility</p:attrName>
-                                        </p:attrNameLst>
-                                      </p:cBhvr>
-                                      <p:to>
-                                        <p:strVal val="visible"/>
-                                      </p:to>
-                                    </p:set>
-                                    <p:animEffect transition="in" filter="blinds(horizontal)">
-                                      <p:cBhvr>
-                                        <p:cTn id="57" dur="500"/>
-                                        <p:tgtEl>
-                                          <p:spTgt spid="51"/>
-                                        </p:tgtEl>
-                                      </p:cBhvr>
-                                    </p:animEffect>
-                                  </p:childTnLst>
-                                </p:cTn>
-                              </p:par>
-                            </p:childTnLst>
-                          </p:cTn>
-                        </p:par>
-                        <p:par>
-                          <p:cTn id="58" fill="hold">
-                            <p:stCondLst>
-                              <p:cond delay="1000"/>
-                            </p:stCondLst>
-                            <p:childTnLst>
-                              <p:par>
-                                <p:cTn id="59" presetID="22" presetClass="exit" presetSubtype="4" fill="hold" nodeType="afterEffect">
-                                  <p:stCondLst>
-                                    <p:cond delay="0"/>
-                                  </p:stCondLst>
-                                  <p:childTnLst>
-                                    <p:animEffect transition="out" filter="wipe(down)">
-                                      <p:cBhvr>
-                                        <p:cTn id="60" dur="500"/>
-                                        <p:tgtEl>
-                                          <p:spTgt spid="45"/>
-                                        </p:tgtEl>
-                                      </p:cBhvr>
-                                    </p:animEffect>
-                                    <p:set>
-                                      <p:cBhvr>
-                                        <p:cTn id="61" dur="1" fill="hold">
-                                          <p:stCondLst>
-                                            <p:cond delay="499"/>
-                                          </p:stCondLst>
-                                        </p:cTn>
-                                        <p:tgtEl>
-                                          <p:spTgt spid="45"/>
-                                        </p:tgtEl>
-                                        <p:attrNameLst>
-                                          <p:attrName>style.visibility</p:attrName>
-                                        </p:attrNameLst>
-                                      </p:cBhvr>
-                                      <p:to>
-                                        <p:strVal val="hidden"/>
-                                      </p:to>
-                                    </p:set>
-                                  </p:childTnLst>
-                                </p:cTn>
-                              </p:par>
-                            </p:childTnLst>
-                          </p:cTn>
-                        </p:par>
-                      </p:childTnLst>
-                    </p:cTn>
-                  </p:par>
-                  <p:par>
-                    <p:cTn id="62" fill="hold">
-                      <p:stCondLst>
-                        <p:cond delay="indefinite"/>
-                      </p:stCondLst>
-                      <p:childTnLst>
-                        <p:par>
-                          <p:cTn id="63" fill="hold">
-                            <p:stCondLst>
-                              <p:cond delay="0"/>
-                            </p:stCondLst>
-                            <p:childTnLst>
-                              <p:par>
-                                <p:cTn id="64" presetID="0" presetClass="path" presetSubtype="0" accel="50000" decel="50000" fill="hold" nodeType="clickEffect">
-                                  <p:stCondLst>
-                                    <p:cond delay="0"/>
-                                  </p:stCondLst>
-                                  <p:childTnLst>
-                                    <p:animMotion origin="layout" path="M 0 0 L -0.389375 -0.363981 " pathEditMode="relative" rAng="0" ptsTypes="">
-                                      <p:cBhvr>
-                                        <p:cTn id="65" dur="500" fill="hold"/>
-                                        <p:tgtEl>
-                                          <p:spTgt spid="46"/>
-                                        </p:tgtEl>
-                                        <p:attrNameLst>
-                                          <p:attrName>ppt_x</p:attrName>
-                                          <p:attrName>ppt_y</p:attrName>
-                                        </p:attrNameLst>
-                                      </p:cBhvr>
-                                      <p:rCtr x="-192" y="-121"/>
-                                    </p:animMotion>
-                                  </p:childTnLst>
-                                </p:cTn>
-                              </p:par>
-                            </p:childTnLst>
-                          </p:cTn>
-                        </p:par>
-                        <p:par>
-                          <p:cTn id="66" fill="hold">
-                            <p:stCondLst>
-                              <p:cond delay="500"/>
-                            </p:stCondLst>
-                            <p:childTnLst>
-                              <p:par>
-                                <p:cTn id="67" presetID="22" presetClass="exit" presetSubtype="4" fill="hold" nodeType="afterEffect">
-                                  <p:stCondLst>
-                                    <p:cond delay="0"/>
-                                  </p:stCondLst>
-                                  <p:childTnLst>
-                                    <p:animEffect transition="out" filter="wipe(down)">
-                                      <p:cBhvr>
-                                        <p:cTn id="68" dur="500"/>
-                                        <p:tgtEl>
-                                          <p:spTgt spid="46"/>
-                                        </p:tgtEl>
-                                      </p:cBhvr>
-                                    </p:animEffect>
-                                    <p:set>
-                                      <p:cBhvr>
-                                        <p:cTn id="69" dur="1" fill="hold">
-                                          <p:stCondLst>
-                                            <p:cond delay="499"/>
-                                          </p:stCondLst>
-                                        </p:cTn>
-                                        <p:tgtEl>
-                                          <p:spTgt spid="46"/>
-                                        </p:tgtEl>
-                                        <p:attrNameLst>
-                                          <p:attrName>style.visibility</p:attrName>
-                                        </p:attrNameLst>
-                                      </p:cBhvr>
-                                      <p:to>
-                                        <p:strVal val="hidden"/>
-                                      </p:to>
-                                    </p:set>
-                                  </p:childTnLst>
-                                </p:cTn>
-                              </p:par>
-                            </p:childTnLst>
-                          </p:cTn>
-                        </p:par>
-                      </p:childTnLst>
-                    </p:cTn>
-                  </p:par>
-                  <p:par>
-                    <p:cTn id="70" fill="hold">
-                      <p:stCondLst>
-                        <p:cond delay="indefinite"/>
-                      </p:stCondLst>
-                      <p:childTnLst>
-                        <p:par>
-                          <p:cTn id="71" fill="hold">
-                            <p:stCondLst>
-                              <p:cond delay="0"/>
-                            </p:stCondLst>
-                            <p:childTnLst>
-                              <p:par>
-                                <p:cTn id="72" presetID="0" presetClass="path" presetSubtype="0" accel="50000" decel="50000" fill="hold" nodeType="clickEffect">
-                                  <p:stCondLst>
-                                    <p:cond delay="0"/>
-                                  </p:stCondLst>
-                                  <p:childTnLst>
-                                    <p:animMotion origin="layout" path="M 0 0.00101852 L -0.603229 -0.358796 " pathEditMode="relative" rAng="0" ptsTypes="">
-                                      <p:cBhvr>
-                                        <p:cTn id="73" dur="500" fill="hold"/>
-                                        <p:tgtEl>
-                                          <p:spTgt spid="47"/>
-                                        </p:tgtEl>
-                                        <p:attrNameLst>
-                                          <p:attrName>ppt_x</p:attrName>
-                                          <p:attrName>ppt_y</p:attrName>
-                                        </p:attrNameLst>
-                                      </p:cBhvr>
-                                      <p:rCtr x="-298" y="-122"/>
-                                    </p:animMotion>
-                                  </p:childTnLst>
-                                </p:cTn>
-                              </p:par>
-                            </p:childTnLst>
-                          </p:cTn>
-                        </p:par>
-                        <p:par>
-                          <p:cTn id="74" fill="hold">
-                            <p:stCondLst>
-                              <p:cond delay="500"/>
-                            </p:stCondLst>
-                            <p:childTnLst>
-                              <p:par>
-                                <p:cTn id="75" presetID="22" presetClass="exit" presetSubtype="4" fill="hold" nodeType="afterEffect">
-                                  <p:stCondLst>
-                                    <p:cond delay="0"/>
-                                  </p:stCondLst>
-                                  <p:childTnLst>
-                                    <p:animEffect transition="out" filter="wipe(down)">
-                                      <p:cBhvr>
-                                        <p:cTn id="76" dur="500"/>
-                                        <p:tgtEl>
-                                          <p:spTgt spid="47"/>
-                                        </p:tgtEl>
-                                      </p:cBhvr>
-                                    </p:animEffect>
-                                    <p:set>
-                                      <p:cBhvr>
-                                        <p:cTn id="77" dur="1" fill="hold">
-                                          <p:stCondLst>
-                                            <p:cond delay="499"/>
-                                          </p:stCondLst>
-                                        </p:cTn>
-                                        <p:tgtEl>
-                                          <p:spTgt spid="47"/>
-                                        </p:tgtEl>
-                                        <p:attrNameLst>
-                                          <p:attrName>style.visibility</p:attrName>
-                                        </p:attrNameLst>
-                                      </p:cBhvr>
-                                      <p:to>
-                                        <p:strVal val="hidden"/>
-                                      </p:to>
-                                    </p:set>
-                                  </p:childTnLst>
-                                </p:cTn>
-                              </p:par>
-                            </p:childTnLst>
-                          </p:cTn>
-                        </p:par>
-                        <p:par>
-                          <p:cTn id="78" fill="hold">
-                            <p:stCondLst>
-                              <p:cond delay="1000"/>
-                            </p:stCondLst>
-                            <p:childTnLst>
-                              <p:par>
-                                <p:cTn id="79" presetID="22" presetClass="exit" presetSubtype="4" fill="hold" grpId="1" nodeType="afterEffect">
-                                  <p:stCondLst>
-                                    <p:cond delay="0"/>
-                                  </p:stCondLst>
-                                  <p:childTnLst>
-                                    <p:animEffect transition="out" filter="wipe(down)">
-                                      <p:cBhvr>
-                                        <p:cTn id="80" dur="500"/>
-                                        <p:tgtEl>
-                                          <p:spTgt spid="37"/>
-                                        </p:tgtEl>
-                                      </p:cBhvr>
-                                    </p:animEffect>
-                                    <p:set>
-                                      <p:cBhvr>
-                                        <p:cTn id="81" dur="1" fill="hold">
-                                          <p:stCondLst>
-                                            <p:cond delay="499"/>
-                                          </p:stCondLst>
-                                        </p:cTn>
-                                        <p:tgtEl>
-                                          <p:spTgt spid="37"/>
-                                        </p:tgtEl>
-                                        <p:attrNameLst>
-                                          <p:attrName>style.visibility</p:attrName>
-                                        </p:attrNameLst>
-                                      </p:cBhvr>
-                                      <p:to>
-                                        <p:strVal val="hidden"/>
-                                      </p:to>
-                                    </p:set>
-                                  </p:childTnLst>
-                                </p:cTn>
-                              </p:par>
-                            </p:childTnLst>
-                          </p:cTn>
-                        </p:par>
-                      </p:childTnLst>
-                    </p:cTn>
-                  </p:par>
-                  <p:par>
-                    <p:cTn id="82" fill="hold">
-                      <p:stCondLst>
-                        <p:cond delay="indefinite"/>
-                      </p:stCondLst>
-                      <p:childTnLst>
-                        <p:par>
-                          <p:cTn id="83" fill="hold">
-                            <p:stCondLst>
-                              <p:cond delay="0"/>
-                            </p:stCondLst>
-                            <p:childTnLst>
-                              <p:par>
-                                <p:cTn id="84" presetID="2" presetClass="entr" presetSubtype="4" fill="hold" grpId="0" nodeType="clickEffect">
-                                  <p:stCondLst>
-                                    <p:cond delay="0"/>
-                                  </p:stCondLst>
-                                  <p:childTnLst>
-                                    <p:set>
-                                      <p:cBhvr>
-                                        <p:cTn id="85" dur="1" fill="hold">
-                                          <p:stCondLst>
-                                            <p:cond delay="0"/>
-                                          </p:stCondLst>
-                                        </p:cTn>
-                                        <p:tgtEl>
-                                          <p:spTgt spid="10"/>
+                                          <p:spTgt spid="34"/>
                                         </p:tgtEl>
                                         <p:attrNameLst>
                                           <p:attrName>style.visibility</p:attrName>
@@ -11140,9 +11477,9 @@
                                     </p:set>
                                     <p:anim calcmode="lin" valueType="num">
                                       <p:cBhvr additive="base">
-                                        <p:cTn id="86" dur="500" fill="hold"/>
-                                        <p:tgtEl>
-                                          <p:spTgt spid="10"/>
+                                        <p:cTn id="100" dur="500" fill="hold"/>
+                                        <p:tgtEl>
+                                          <p:spTgt spid="34"/>
                                         </p:tgtEl>
                                         <p:attrNameLst>
                                           <p:attrName>ppt_x</p:attrName>
@@ -11163,9 +11500,282 @@
                                     </p:anim>
                                     <p:anim calcmode="lin" valueType="num">
                                       <p:cBhvr additive="base">
-                                        <p:cTn id="87" dur="500" fill="hold"/>
-                                        <p:tgtEl>
-                                          <p:spTgt spid="10"/>
+                                        <p:cTn id="101" dur="500" fill="hold"/>
+                                        <p:tgtEl>
+                                          <p:spTgt spid="34"/>
+                                        </p:tgtEl>
+                                        <p:attrNameLst>
+                                          <p:attrName>ppt_y</p:attrName>
+                                        </p:attrNameLst>
+                                      </p:cBhvr>
+                                      <p:tavLst>
+                                        <p:tav tm="0">
+                                          <p:val>
+                                            <p:strVal val="1+#ppt_h/2"/>
+                                          </p:val>
+                                        </p:tav>
+                                        <p:tav tm="100000">
+                                          <p:val>
+                                            <p:strVal val="#ppt_y"/>
+                                          </p:val>
+                                        </p:tav>
+                                      </p:tavLst>
+                                    </p:anim>
+                                  </p:childTnLst>
+                                </p:cTn>
+                              </p:par>
+                            </p:childTnLst>
+                          </p:cTn>
+                        </p:par>
+                      </p:childTnLst>
+                    </p:cTn>
+                  </p:par>
+                  <p:par>
+                    <p:cTn id="102" fill="hold">
+                      <p:stCondLst>
+                        <p:cond delay="indefinite"/>
+                      </p:stCondLst>
+                      <p:childTnLst>
+                        <p:par>
+                          <p:cTn id="103" fill="hold">
+                            <p:stCondLst>
+                              <p:cond delay="0"/>
+                            </p:stCondLst>
+                            <p:childTnLst>
+                              <p:par>
+                                <p:cTn id="104" presetID="2" presetClass="entr" presetSubtype="4" fill="hold" nodeType="clickEffect">
+                                  <p:stCondLst>
+                                    <p:cond delay="0"/>
+                                  </p:stCondLst>
+                                  <p:childTnLst>
+                                    <p:set>
+                                      <p:cBhvr>
+                                        <p:cTn id="105" dur="1" fill="hold">
+                                          <p:stCondLst>
+                                            <p:cond delay="0"/>
+                                          </p:stCondLst>
+                                        </p:cTn>
+                                        <p:tgtEl>
+                                          <p:spTgt spid="57"/>
+                                        </p:tgtEl>
+                                        <p:attrNameLst>
+                                          <p:attrName>style.visibility</p:attrName>
+                                        </p:attrNameLst>
+                                      </p:cBhvr>
+                                      <p:to>
+                                        <p:strVal val="visible"/>
+                                      </p:to>
+                                    </p:set>
+                                    <p:anim calcmode="lin" valueType="num">
+                                      <p:cBhvr additive="base">
+                                        <p:cTn id="106" dur="500" fill="hold"/>
+                                        <p:tgtEl>
+                                          <p:spTgt spid="57"/>
+                                        </p:tgtEl>
+                                        <p:attrNameLst>
+                                          <p:attrName>ppt_x</p:attrName>
+                                        </p:attrNameLst>
+                                      </p:cBhvr>
+                                      <p:tavLst>
+                                        <p:tav tm="0">
+                                          <p:val>
+                                            <p:strVal val="#ppt_x"/>
+                                          </p:val>
+                                        </p:tav>
+                                        <p:tav tm="100000">
+                                          <p:val>
+                                            <p:strVal val="#ppt_x"/>
+                                          </p:val>
+                                        </p:tav>
+                                      </p:tavLst>
+                                    </p:anim>
+                                    <p:anim calcmode="lin" valueType="num">
+                                      <p:cBhvr additive="base">
+                                        <p:cTn id="107" dur="500" fill="hold"/>
+                                        <p:tgtEl>
+                                          <p:spTgt spid="57"/>
+                                        </p:tgtEl>
+                                        <p:attrNameLst>
+                                          <p:attrName>ppt_y</p:attrName>
+                                        </p:attrNameLst>
+                                      </p:cBhvr>
+                                      <p:tavLst>
+                                        <p:tav tm="0">
+                                          <p:val>
+                                            <p:strVal val="1+#ppt_h/2"/>
+                                          </p:val>
+                                        </p:tav>
+                                        <p:tav tm="100000">
+                                          <p:val>
+                                            <p:strVal val="#ppt_y"/>
+                                          </p:val>
+                                        </p:tav>
+                                      </p:tavLst>
+                                    </p:anim>
+                                  </p:childTnLst>
+                                </p:cTn>
+                              </p:par>
+                            </p:childTnLst>
+                          </p:cTn>
+                        </p:par>
+                      </p:childTnLst>
+                    </p:cTn>
+                  </p:par>
+                  <p:par>
+                    <p:cTn id="108" fill="hold">
+                      <p:stCondLst>
+                        <p:cond delay="indefinite"/>
+                      </p:stCondLst>
+                      <p:childTnLst>
+                        <p:par>
+                          <p:cTn id="109" fill="hold">
+                            <p:stCondLst>
+                              <p:cond delay="0"/>
+                            </p:stCondLst>
+                            <p:childTnLst>
+                              <p:par>
+                                <p:cTn id="110" presetID="2" presetClass="entr" presetSubtype="4" fill="hold" grpId="0" nodeType="clickEffect">
+                                  <p:stCondLst>
+                                    <p:cond delay="0"/>
+                                  </p:stCondLst>
+                                  <p:childTnLst>
+                                    <p:set>
+                                      <p:cBhvr>
+                                        <p:cTn id="111" dur="1" fill="hold">
+                                          <p:stCondLst>
+                                            <p:cond delay="0"/>
+                                          </p:stCondLst>
+                                        </p:cTn>
+                                        <p:tgtEl>
+                                          <p:spTgt spid="48"/>
+                                        </p:tgtEl>
+                                        <p:attrNameLst>
+                                          <p:attrName>style.visibility</p:attrName>
+                                        </p:attrNameLst>
+                                      </p:cBhvr>
+                                      <p:to>
+                                        <p:strVal val="visible"/>
+                                      </p:to>
+                                    </p:set>
+                                    <p:anim calcmode="lin" valueType="num">
+                                      <p:cBhvr additive="base">
+                                        <p:cTn id="112" dur="500" fill="hold"/>
+                                        <p:tgtEl>
+                                          <p:spTgt spid="48"/>
+                                        </p:tgtEl>
+                                        <p:attrNameLst>
+                                          <p:attrName>ppt_x</p:attrName>
+                                        </p:attrNameLst>
+                                      </p:cBhvr>
+                                      <p:tavLst>
+                                        <p:tav tm="0">
+                                          <p:val>
+                                            <p:strVal val="#ppt_x"/>
+                                          </p:val>
+                                        </p:tav>
+                                        <p:tav tm="100000">
+                                          <p:val>
+                                            <p:strVal val="#ppt_x"/>
+                                          </p:val>
+                                        </p:tav>
+                                      </p:tavLst>
+                                    </p:anim>
+                                    <p:anim calcmode="lin" valueType="num">
+                                      <p:cBhvr additive="base">
+                                        <p:cTn id="113" dur="500" fill="hold"/>
+                                        <p:tgtEl>
+                                          <p:spTgt spid="48"/>
+                                        </p:tgtEl>
+                                        <p:attrNameLst>
+                                          <p:attrName>ppt_y</p:attrName>
+                                        </p:attrNameLst>
+                                      </p:cBhvr>
+                                      <p:tavLst>
+                                        <p:tav tm="0">
+                                          <p:val>
+                                            <p:strVal val="1+#ppt_h/2"/>
+                                          </p:val>
+                                        </p:tav>
+                                        <p:tav tm="100000">
+                                          <p:val>
+                                            <p:strVal val="#ppt_y"/>
+                                          </p:val>
+                                        </p:tav>
+                                      </p:tavLst>
+                                    </p:anim>
+                                  </p:childTnLst>
+                                </p:cTn>
+                              </p:par>
+                            </p:childTnLst>
+                          </p:cTn>
+                        </p:par>
+                      </p:childTnLst>
+                    </p:cTn>
+                  </p:par>
+                  <p:par>
+                    <p:cTn id="114" fill="hold">
+                      <p:stCondLst>
+                        <p:cond delay="indefinite"/>
+                      </p:stCondLst>
+                      <p:childTnLst>
+                        <p:par>
+                          <p:cTn id="115" fill="hold">
+                            <p:stCondLst>
+                              <p:cond delay="0"/>
+                            </p:stCondLst>
+                            <p:childTnLst>
+                              <p:par>
+                                <p:cTn id="116" presetID="2" presetClass="entr" presetSubtype="4" fill="hold" grpId="0" nodeType="clickEffect">
+                                  <p:stCondLst>
+                                    <p:cond delay="0"/>
+                                  </p:stCondLst>
+                                  <p:childTnLst>
+                                    <p:set>
+                                      <p:cBhvr>
+                                        <p:cTn id="117" dur="1" fill="hold">
+                                          <p:stCondLst>
+                                            <p:cond delay="0"/>
+                                          </p:stCondLst>
+                                        </p:cTn>
+                                        <p:tgtEl>
+                                          <p:spTgt spid="58"/>
+                                        </p:tgtEl>
+                                        <p:attrNameLst>
+                                          <p:attrName>style.visibility</p:attrName>
+                                        </p:attrNameLst>
+                                      </p:cBhvr>
+                                      <p:to>
+                                        <p:strVal val="visible"/>
+                                      </p:to>
+                                    </p:set>
+                                    <p:anim calcmode="lin" valueType="num">
+                                      <p:cBhvr additive="base">
+                                        <p:cTn id="118" dur="500" fill="hold"/>
+                                        <p:tgtEl>
+                                          <p:spTgt spid="58"/>
+                                        </p:tgtEl>
+                                        <p:attrNameLst>
+                                          <p:attrName>ppt_x</p:attrName>
+                                        </p:attrNameLst>
+                                      </p:cBhvr>
+                                      <p:tavLst>
+                                        <p:tav tm="0">
+                                          <p:val>
+                                            <p:strVal val="#ppt_x"/>
+                                          </p:val>
+                                        </p:tav>
+                                        <p:tav tm="100000">
+                                          <p:val>
+                                            <p:strVal val="#ppt_x"/>
+                                          </p:val>
+                                        </p:tav>
+                                      </p:tavLst>
+                                    </p:anim>
+                                    <p:anim calcmode="lin" valueType="num">
+                                      <p:cBhvr additive="base">
+                                        <p:cTn id="119" dur="500" fill="hold"/>
+                                        <p:tgtEl>
+                                          <p:spTgt spid="58"/>
                                         </p:tgtEl>
                                         <p:attrNameLst>
                                           <p:attrName>ppt_y</p:attrName>
@@ -11216,9 +11826,17 @@
     </p:tnLst>
     <p:bldLst>
       <p:bldP spid="37" grpId="0"/>
+      <p:bldP spid="51" grpId="0"/>
+      <p:bldP spid="53" grpId="0"/>
+      <p:bldP spid="55" grpId="0"/>
       <p:bldP spid="37" grpId="1"/>
       <p:bldP spid="10" grpId="0"/>
-      <p:bldP spid="51" grpId="0"/>
+      <p:bldP spid="50" grpId="0" animBg="1"/>
+      <p:bldP spid="50" grpId="1" animBg="1"/>
+      <p:bldP spid="56" grpId="0" animBg="1"/>
+      <p:bldP spid="50" grpId="2" animBg="1"/>
+      <p:bldP spid="48" grpId="0"/>
+      <p:bldP spid="58" grpId="0"/>
     </p:bldLst>
   </p:timing>
 </p:sld>
@@ -17031,7 +17649,7 @@
                           <a:latin typeface="微软雅黑" panose="020B0503020204020204" charset="-122"/>
                           <a:ea typeface="微软雅黑" panose="020B0503020204020204" charset="-122"/>
                         </a:rPr>
-                        <a:t>JZ</a:t>
+                        <a:t>AND</a:t>
                       </a:r>
                       <a:endParaRPr lang="en-US" altLang="zh-CN" sz="1600" b="1" i="0">
                         <a:solidFill>
@@ -17058,40 +17676,7 @@
                           <a:ea typeface="微软雅黑" panose="020B0503020204020204" charset="-122"/>
                           <a:cs typeface="微软雅黑" panose="020B0503020204020204" charset="-122"/>
                         </a:rPr>
-                        <a:t>if R[op1] == 0 , </a:t>
-                      </a:r>
-                      <a:r>
-                        <a:rPr lang="en-US" altLang="zh-CN" sz="1600" b="1" i="0">
-                          <a:solidFill>
-                            <a:srgbClr val="000000"/>
-                          </a:solidFill>
-                          <a:latin typeface="微软雅黑" panose="020B0503020204020204" charset="-122"/>
-                          <a:ea typeface="微软雅黑" panose="020B0503020204020204" charset="-122"/>
-                          <a:cs typeface="微软雅黑" panose="020B0503020204020204" charset="-122"/>
-                        </a:rPr>
-                        <a:t>jump to</a:t>
-                      </a:r>
-                      <a:r>
-                        <a:rPr lang="zh-CN" altLang="en-US" sz="1600" b="1" i="0">
-                          <a:solidFill>
-                            <a:srgbClr val="000000"/>
-                          </a:solidFill>
-                          <a:latin typeface="微软雅黑" panose="020B0503020204020204" charset="-122"/>
-                          <a:ea typeface="微软雅黑" panose="020B0503020204020204" charset="-122"/>
-                          <a:cs typeface="微软雅黑" panose="020B0503020204020204" charset="-122"/>
-                        </a:rPr>
-                        <a:t> </a:t>
-                      </a:r>
-                      <a:r>
-                        <a:rPr lang="en-US" altLang="zh-CN" sz="1600" b="1" i="0">
-                          <a:solidFill>
-                            <a:srgbClr val="000000"/>
-                          </a:solidFill>
-                          <a:latin typeface="微软雅黑" panose="020B0503020204020204" charset="-122"/>
-                          <a:ea typeface="微软雅黑" panose="020B0503020204020204" charset="-122"/>
-                          <a:cs typeface="微软雅黑" panose="020B0503020204020204" charset="-122"/>
-                        </a:rPr>
-                        <a:t>op2</a:t>
+                        <a:t>R[op1] = R[op1] &amp; R[op2]</a:t>
                       </a:r>
                       <a:endParaRPr lang="en-US" altLang="zh-CN" sz="1600" b="1" i="0">
                         <a:solidFill>
@@ -17172,7 +17757,7 @@
                           <a:latin typeface="微软雅黑" panose="020B0503020204020204" charset="-122"/>
                           <a:ea typeface="微软雅黑" panose="020B0503020204020204" charset="-122"/>
                         </a:rPr>
-                        <a:t>HLT</a:t>
+                        <a:t>OR</a:t>
                       </a:r>
                       <a:endParaRPr lang="en-US" altLang="zh-CN" sz="1600" b="1" i="0">
                         <a:solidFill>
@@ -17198,7 +17783,7 @@
                           <a:latin typeface="微软雅黑" panose="020B0503020204020204" charset="-122"/>
                           <a:ea typeface="微软雅黑" panose="020B0503020204020204" charset="-122"/>
                         </a:rPr>
-                        <a:t>Stop</a:t>
+                        <a:t>R[op1] = R[op1] | R[op2]</a:t>
                       </a:r>
                       <a:endParaRPr lang="en-US" altLang="zh-CN" sz="1600" b="1" i="0">
                         <a:solidFill>
@@ -33644,6 +34229,7 @@
 <p:tagLst xmlns:p="http://schemas.openxmlformats.org/presentationml/2006/main">
   <p:tag name="TABLE_ENDDRAG_ORIGIN_RECT" val="805*336"/>
   <p:tag name="TABLE_ENDDRAG_RECT" val="106*159*805*336"/>
+  <p:tag name="KSO_WM_UNIT_TABLE_BEAUTIFY" val="smartTable{1be48992-1603-4fb9-8074-666a5111bc72}"/>
 </p:tagLst>
 </file>
 

--- a/微指令集-计组实验(1).pptx
+++ b/微指令集-计组实验(1).pptx
@@ -4,6 +4,9 @@
   <p:sldMasterIdLst>
     <p:sldMasterId id="2147483648" r:id="rId1"/>
   </p:sldMasterIdLst>
+  <p:notesMasterIdLst>
+    <p:notesMasterId r:id="rId16"/>
+  </p:notesMasterIdLst>
   <p:sldIdLst>
     <p:sldId id="256" r:id="rId3"/>
     <p:sldId id="268" r:id="rId4"/>
@@ -117,6 +120,397 @@
     </a:lvl9pPr>
   </p:defaultTextStyle>
 </p:presentation>
+</file>
+
+<file path=ppt/notesMasters/notesMaster1.xml><?xml version="1.0" encoding="utf-8"?>
+<p:notesMaster xmlns:a="http://schemas.openxmlformats.org/drawingml/2006/main" xmlns:r="http://schemas.openxmlformats.org/officeDocument/2006/relationships" xmlns:p="http://schemas.openxmlformats.org/presentationml/2006/main">
+  <p:cSld>
+    <p:bg>
+      <p:bgRef idx="1001">
+        <a:schemeClr val="bg1"/>
+      </p:bgRef>
+    </p:bg>
+    <p:spTree>
+      <p:nvGrpSpPr>
+        <p:cNvPr id="1" name=""/>
+        <p:cNvGrpSpPr/>
+        <p:nvPr/>
+      </p:nvGrpSpPr>
+      <p:grpSpPr>
+        <a:xfrm>
+          <a:off x="0" y="0"/>
+          <a:ext cx="0" cy="0"/>
+          <a:chOff x="0" y="0"/>
+          <a:chExt cx="0" cy="0"/>
+        </a:xfrm>
+      </p:grpSpPr>
+      <p:sp>
+        <p:nvSpPr>
+          <p:cNvPr id="2" name="页眉占位符 1"/>
+          <p:cNvSpPr>
+            <a:spLocks noGrp="1"/>
+          </p:cNvSpPr>
+          <p:nvPr>
+            <p:ph type="hdr" sz="quarter"/>
+          </p:nvPr>
+        </p:nvSpPr>
+        <p:spPr>
+          <a:xfrm>
+            <a:off x="0" y="0"/>
+            <a:ext cx="2971800" cy="458788"/>
+          </a:xfrm>
+          <a:prstGeom prst="rect">
+            <a:avLst/>
+          </a:prstGeom>
+        </p:spPr>
+        <p:txBody>
+          <a:bodyPr vert="horz" lIns="91440" tIns="45720" rIns="91440" bIns="45720" rtlCol="0"/>
+          <a:lstStyle>
+            <a:lvl1pPr algn="l">
+              <a:defRPr sz="1200"/>
+            </a:lvl1pPr>
+          </a:lstStyle>
+          <a:p>
+            <a:endParaRPr lang="zh-CN" altLang="en-US"/>
+          </a:p>
+        </p:txBody>
+      </p:sp>
+      <p:sp>
+        <p:nvSpPr>
+          <p:cNvPr id="3" name="日期占位符 2"/>
+          <p:cNvSpPr>
+            <a:spLocks noGrp="1"/>
+          </p:cNvSpPr>
+          <p:nvPr>
+            <p:ph type="dt" idx="1"/>
+          </p:nvPr>
+        </p:nvSpPr>
+        <p:spPr>
+          <a:xfrm>
+            <a:off x="3884613" y="0"/>
+            <a:ext cx="2971800" cy="458788"/>
+          </a:xfrm>
+          <a:prstGeom prst="rect">
+            <a:avLst/>
+          </a:prstGeom>
+        </p:spPr>
+        <p:txBody>
+          <a:bodyPr vert="horz" lIns="91440" tIns="45720" rIns="91440" bIns="45720" rtlCol="0"/>
+          <a:lstStyle>
+            <a:lvl1pPr algn="r">
+              <a:defRPr sz="1200"/>
+            </a:lvl1pPr>
+          </a:lstStyle>
+          <a:p>
+            <a:fld id="{D2A48B96-639E-45A3-A0BA-2464DFDB1FAA}" type="datetimeFigureOut">
+              <a:rPr lang="zh-CN" altLang="en-US" smtClean="0"/>
+            </a:fld>
+            <a:endParaRPr lang="zh-CN" altLang="en-US"/>
+          </a:p>
+        </p:txBody>
+      </p:sp>
+      <p:sp>
+        <p:nvSpPr>
+          <p:cNvPr id="4" name="幻灯片图像占位符 3"/>
+          <p:cNvSpPr>
+            <a:spLocks noGrp="1" noRot="1" noChangeAspect="1"/>
+          </p:cNvSpPr>
+          <p:nvPr>
+            <p:ph type="sldImg" idx="2"/>
+          </p:nvPr>
+        </p:nvSpPr>
+        <p:spPr>
+          <a:xfrm>
+            <a:off x="685800" y="1143000"/>
+            <a:ext cx="5486400" cy="3086100"/>
+          </a:xfrm>
+          <a:prstGeom prst="rect">
+            <a:avLst/>
+          </a:prstGeom>
+          <a:noFill/>
+          <a:ln w="12700">
+            <a:solidFill>
+              <a:prstClr val="black"/>
+            </a:solidFill>
+          </a:ln>
+        </p:spPr>
+        <p:txBody>
+          <a:bodyPr vert="horz" lIns="91440" tIns="45720" rIns="91440" bIns="45720" rtlCol="0" anchor="ctr"/>
+          <a:lstStyle/>
+          <a:p>
+            <a:endParaRPr lang="zh-CN" altLang="en-US"/>
+          </a:p>
+        </p:txBody>
+      </p:sp>
+      <p:sp>
+        <p:nvSpPr>
+          <p:cNvPr id="5" name="备注占位符 4"/>
+          <p:cNvSpPr>
+            <a:spLocks noGrp="1"/>
+          </p:cNvSpPr>
+          <p:nvPr>
+            <p:ph type="body" sz="quarter" idx="3"/>
+          </p:nvPr>
+        </p:nvSpPr>
+        <p:spPr>
+          <a:xfrm>
+            <a:off x="685800" y="4400550"/>
+            <a:ext cx="5486400" cy="3600450"/>
+          </a:xfrm>
+          <a:prstGeom prst="rect">
+            <a:avLst/>
+          </a:prstGeom>
+        </p:spPr>
+        <p:txBody>
+          <a:bodyPr vert="horz" lIns="91440" tIns="45720" rIns="91440" bIns="45720" rtlCol="0"/>
+          <a:lstStyle/>
+          <a:p>
+            <a:pPr lvl="0"/>
+            <a:r>
+              <a:rPr lang="zh-CN" altLang="en-US" smtClean="0"/>
+              <a:t>单击此处编辑母版文本样式</a:t>
+            </a:r>
+            <a:endParaRPr lang="zh-CN" altLang="en-US" smtClean="0"/>
+          </a:p>
+          <a:p>
+            <a:pPr lvl="1"/>
+            <a:r>
+              <a:rPr lang="zh-CN" altLang="en-US" smtClean="0"/>
+              <a:t>第二级</a:t>
+            </a:r>
+            <a:endParaRPr lang="zh-CN" altLang="en-US" smtClean="0"/>
+          </a:p>
+          <a:p>
+            <a:pPr lvl="2"/>
+            <a:r>
+              <a:rPr lang="zh-CN" altLang="en-US" smtClean="0"/>
+              <a:t>第三级</a:t>
+            </a:r>
+            <a:endParaRPr lang="zh-CN" altLang="en-US" smtClean="0"/>
+          </a:p>
+          <a:p>
+            <a:pPr lvl="3"/>
+            <a:r>
+              <a:rPr lang="zh-CN" altLang="en-US" smtClean="0"/>
+              <a:t>第四级</a:t>
+            </a:r>
+            <a:endParaRPr lang="zh-CN" altLang="en-US" smtClean="0"/>
+          </a:p>
+          <a:p>
+            <a:pPr lvl="4"/>
+            <a:r>
+              <a:rPr lang="zh-CN" altLang="en-US" smtClean="0"/>
+              <a:t>第五级</a:t>
+            </a:r>
+            <a:endParaRPr lang="zh-CN" altLang="en-US"/>
+          </a:p>
+        </p:txBody>
+      </p:sp>
+      <p:sp>
+        <p:nvSpPr>
+          <p:cNvPr id="6" name="页脚占位符 5"/>
+          <p:cNvSpPr>
+            <a:spLocks noGrp="1"/>
+          </p:cNvSpPr>
+          <p:nvPr>
+            <p:ph type="ftr" sz="quarter" idx="4"/>
+          </p:nvPr>
+        </p:nvSpPr>
+        <p:spPr>
+          <a:xfrm>
+            <a:off x="0" y="8685213"/>
+            <a:ext cx="2971800" cy="458787"/>
+          </a:xfrm>
+          <a:prstGeom prst="rect">
+            <a:avLst/>
+          </a:prstGeom>
+        </p:spPr>
+        <p:txBody>
+          <a:bodyPr vert="horz" lIns="91440" tIns="45720" rIns="91440" bIns="45720" rtlCol="0" anchor="b"/>
+          <a:lstStyle>
+            <a:lvl1pPr algn="l">
+              <a:defRPr sz="1200"/>
+            </a:lvl1pPr>
+          </a:lstStyle>
+          <a:p>
+            <a:endParaRPr lang="zh-CN" altLang="en-US"/>
+          </a:p>
+        </p:txBody>
+      </p:sp>
+      <p:sp>
+        <p:nvSpPr>
+          <p:cNvPr id="7" name="灯片编号占位符 6"/>
+          <p:cNvSpPr>
+            <a:spLocks noGrp="1"/>
+          </p:cNvSpPr>
+          <p:nvPr>
+            <p:ph type="sldNum" sz="quarter" idx="5"/>
+          </p:nvPr>
+        </p:nvSpPr>
+        <p:spPr>
+          <a:xfrm>
+            <a:off x="3884613" y="8685213"/>
+            <a:ext cx="2971800" cy="458787"/>
+          </a:xfrm>
+          <a:prstGeom prst="rect">
+            <a:avLst/>
+          </a:prstGeom>
+        </p:spPr>
+        <p:txBody>
+          <a:bodyPr vert="horz" lIns="91440" tIns="45720" rIns="91440" bIns="45720" rtlCol="0" anchor="b"/>
+          <a:lstStyle>
+            <a:lvl1pPr algn="r">
+              <a:defRPr sz="1200"/>
+            </a:lvl1pPr>
+          </a:lstStyle>
+          <a:p>
+            <a:fld id="{A6837353-30EB-4A48-80EB-173D804AEFBD}" type="slidenum">
+              <a:rPr lang="zh-CN" altLang="en-US" smtClean="0"/>
+            </a:fld>
+            <a:endParaRPr lang="zh-CN" altLang="en-US"/>
+          </a:p>
+        </p:txBody>
+      </p:sp>
+    </p:spTree>
+  </p:cSld>
+  <p:clrMap bg1="lt1" tx1="dk1" bg2="lt2" tx2="dk2" accent1="accent1" accent2="accent2" accent3="accent3" accent4="accent4" accent5="accent5" accent6="accent6" hlink="hlink" folHlink="folHlink"/>
+  <p:notesStyle>
+    <a:lvl1pPr marL="0" algn="l" defTabSz="914400" rtl="0" eaLnBrk="1" latinLnBrk="0" hangingPunct="1">
+      <a:defRPr sz="1200" kern="1200">
+        <a:solidFill>
+          <a:schemeClr val="tx1"/>
+        </a:solidFill>
+        <a:latin typeface="+mn-lt"/>
+        <a:ea typeface="+mn-ea"/>
+        <a:cs typeface="+mn-cs"/>
+      </a:defRPr>
+    </a:lvl1pPr>
+    <a:lvl2pPr marL="457200" algn="l" defTabSz="914400" rtl="0" eaLnBrk="1" latinLnBrk="0" hangingPunct="1">
+      <a:defRPr sz="1200" kern="1200">
+        <a:solidFill>
+          <a:schemeClr val="tx1"/>
+        </a:solidFill>
+        <a:latin typeface="+mn-lt"/>
+        <a:ea typeface="+mn-ea"/>
+        <a:cs typeface="+mn-cs"/>
+      </a:defRPr>
+    </a:lvl2pPr>
+    <a:lvl3pPr marL="914400" algn="l" defTabSz="914400" rtl="0" eaLnBrk="1" latinLnBrk="0" hangingPunct="1">
+      <a:defRPr sz="1200" kern="1200">
+        <a:solidFill>
+          <a:schemeClr val="tx1"/>
+        </a:solidFill>
+        <a:latin typeface="+mn-lt"/>
+        <a:ea typeface="+mn-ea"/>
+        <a:cs typeface="+mn-cs"/>
+      </a:defRPr>
+    </a:lvl3pPr>
+    <a:lvl4pPr marL="1371600" algn="l" defTabSz="914400" rtl="0" eaLnBrk="1" latinLnBrk="0" hangingPunct="1">
+      <a:defRPr sz="1200" kern="1200">
+        <a:solidFill>
+          <a:schemeClr val="tx1"/>
+        </a:solidFill>
+        <a:latin typeface="+mn-lt"/>
+        <a:ea typeface="+mn-ea"/>
+        <a:cs typeface="+mn-cs"/>
+      </a:defRPr>
+    </a:lvl4pPr>
+    <a:lvl5pPr marL="1828800" algn="l" defTabSz="914400" rtl="0" eaLnBrk="1" latinLnBrk="0" hangingPunct="1">
+      <a:defRPr sz="1200" kern="1200">
+        <a:solidFill>
+          <a:schemeClr val="tx1"/>
+        </a:solidFill>
+        <a:latin typeface="+mn-lt"/>
+        <a:ea typeface="+mn-ea"/>
+        <a:cs typeface="+mn-cs"/>
+      </a:defRPr>
+    </a:lvl5pPr>
+    <a:lvl6pPr marL="2286000" algn="l" defTabSz="914400" rtl="0" eaLnBrk="1" latinLnBrk="0" hangingPunct="1">
+      <a:defRPr sz="1200" kern="1200">
+        <a:solidFill>
+          <a:schemeClr val="tx1"/>
+        </a:solidFill>
+        <a:latin typeface="+mn-lt"/>
+        <a:ea typeface="+mn-ea"/>
+        <a:cs typeface="+mn-cs"/>
+      </a:defRPr>
+    </a:lvl6pPr>
+    <a:lvl7pPr marL="2743200" algn="l" defTabSz="914400" rtl="0" eaLnBrk="1" latinLnBrk="0" hangingPunct="1">
+      <a:defRPr sz="1200" kern="1200">
+        <a:solidFill>
+          <a:schemeClr val="tx1"/>
+        </a:solidFill>
+        <a:latin typeface="+mn-lt"/>
+        <a:ea typeface="+mn-ea"/>
+        <a:cs typeface="+mn-cs"/>
+      </a:defRPr>
+    </a:lvl7pPr>
+    <a:lvl8pPr marL="3200400" algn="l" defTabSz="914400" rtl="0" eaLnBrk="1" latinLnBrk="0" hangingPunct="1">
+      <a:defRPr sz="1200" kern="1200">
+        <a:solidFill>
+          <a:schemeClr val="tx1"/>
+        </a:solidFill>
+        <a:latin typeface="+mn-lt"/>
+        <a:ea typeface="+mn-ea"/>
+        <a:cs typeface="+mn-cs"/>
+      </a:defRPr>
+    </a:lvl8pPr>
+    <a:lvl9pPr marL="3657600" algn="l" defTabSz="914400" rtl="0" eaLnBrk="1" latinLnBrk="0" hangingPunct="1">
+      <a:defRPr sz="1200" kern="1200">
+        <a:solidFill>
+          <a:schemeClr val="tx1"/>
+        </a:solidFill>
+        <a:latin typeface="+mn-lt"/>
+        <a:ea typeface="+mn-ea"/>
+        <a:cs typeface="+mn-cs"/>
+      </a:defRPr>
+    </a:lvl9pPr>
+  </p:notesStyle>
+</p:notesMaster>
+</file>
+
+<file path=ppt/notesSlides/notesSlide1.xml><?xml version="1.0" encoding="utf-8"?>
+<p:notes xmlns:a="http://schemas.openxmlformats.org/drawingml/2006/main" xmlns:r="http://schemas.openxmlformats.org/officeDocument/2006/relationships" xmlns:p="http://schemas.openxmlformats.org/presentationml/2006/main">
+  <p:cSld>
+    <p:spTree>
+      <p:nvGrpSpPr>
+        <p:cNvPr id="1" name=""/>
+        <p:cNvGrpSpPr/>
+        <p:nvPr/>
+      </p:nvGrpSpPr>
+      <p:grpSpPr/>
+      <p:sp>
+        <p:nvSpPr>
+          <p:cNvPr id="2" name="幻灯片图像占位符 1"/>
+          <p:cNvSpPr/>
+          <p:nvPr>
+            <p:ph type="sldImg" idx="2"/>
+          </p:nvPr>
+        </p:nvSpPr>
+        <p:spPr/>
+      </p:sp>
+      <p:sp>
+        <p:nvSpPr>
+          <p:cNvPr id="3" name="文本占位符 2"/>
+          <p:cNvSpPr/>
+          <p:nvPr>
+            <p:ph type="body" idx="3"/>
+          </p:nvPr>
+        </p:nvSpPr>
+        <p:spPr/>
+        <p:txBody>
+          <a:bodyPr/>
+          <a:p>
+            <a:endParaRPr lang="zh-CN" altLang="en-US"/>
+          </a:p>
+        </p:txBody>
+      </p:sp>
+    </p:spTree>
+  </p:cSld>
+  <p:clrMapOvr>
+    <a:masterClrMapping/>
+  </p:clrMapOvr>
+</p:notes>
 </file>
 
 <file path=ppt/slideLayouts/slideLayout1.xml><?xml version="1.0" encoding="utf-8"?>
@@ -853,11 +1247,579 @@
           </a:p>
         </p:txBody>
       </p:sp>
+      <p:cxnSp>
+        <p:nvCxnSpPr>
+          <p:cNvPr id="12" name="直接连接符 11"/>
+          <p:cNvCxnSpPr/>
+          <p:nvPr userDrawn="1"/>
+        </p:nvCxnSpPr>
+        <p:spPr>
+          <a:xfrm>
+            <a:off x="457958" y="424818"/>
+            <a:ext cx="0" cy="632244"/>
+          </a:xfrm>
+          <a:prstGeom prst="line">
+            <a:avLst/>
+          </a:prstGeom>
+          <a:ln w="76200">
+            <a:solidFill>
+              <a:srgbClr val="1C4885"/>
+            </a:solidFill>
+          </a:ln>
+        </p:spPr>
+        <p:style>
+          <a:lnRef idx="1">
+            <a:schemeClr val="accent1"/>
+          </a:lnRef>
+          <a:fillRef idx="0">
+            <a:schemeClr val="accent1"/>
+          </a:fillRef>
+          <a:effectRef idx="0">
+            <a:schemeClr val="accent1"/>
+          </a:effectRef>
+          <a:fontRef idx="minor">
+            <a:schemeClr val="tx1"/>
+          </a:fontRef>
+        </p:style>
+      </p:cxnSp>
+      <p:cxnSp>
+        <p:nvCxnSpPr>
+          <p:cNvPr id="14" name="直接连接符 13"/>
+          <p:cNvCxnSpPr/>
+          <p:nvPr userDrawn="1"/>
+        </p:nvCxnSpPr>
+        <p:spPr>
+          <a:xfrm>
+            <a:off x="566420" y="1030053"/>
+            <a:ext cx="11277600" cy="0"/>
+          </a:xfrm>
+          <a:prstGeom prst="line">
+            <a:avLst/>
+          </a:prstGeom>
+          <a:ln w="25400">
+            <a:solidFill>
+              <a:srgbClr val="1C4885"/>
+            </a:solidFill>
+          </a:ln>
+        </p:spPr>
+        <p:style>
+          <a:lnRef idx="1">
+            <a:schemeClr val="accent1"/>
+          </a:lnRef>
+          <a:fillRef idx="0">
+            <a:schemeClr val="accent1"/>
+          </a:fillRef>
+          <a:effectRef idx="0">
+            <a:schemeClr val="accent1"/>
+          </a:effectRef>
+          <a:fontRef idx="minor">
+            <a:schemeClr val="tx1"/>
+          </a:fontRef>
+        </p:style>
+      </p:cxnSp>
+      <p:pic>
+        <p:nvPicPr>
+          <p:cNvPr id="7" name="图片 6"/>
+          <p:cNvPicPr>
+            <a:picLocks noChangeAspect="1"/>
+          </p:cNvPicPr>
+          <p:nvPr userDrawn="1"/>
+        </p:nvPicPr>
+        <p:blipFill>
+          <a:blip r:embed="rId7">
+            <a:extLst>
+              <a:ext uri="{28A0092B-C50C-407E-A947-70E740481C1C}">
+                <a14:useLocalDpi xmlns:a14="http://schemas.microsoft.com/office/drawing/2010/main" val="0"/>
+              </a:ext>
+              <a:ext uri="{96DAC541-7B7A-43D3-8B79-37D633B846F1}">
+                <asvg:svgBlip xmlns:asvg="http://schemas.microsoft.com/office/drawing/2016/SVG/main" r:embed="rId8"/>
+              </a:ext>
+            </a:extLst>
+          </a:blip>
+          <a:srcRect/>
+          <a:stretch>
+            <a:fillRect/>
+          </a:stretch>
+        </p:blipFill>
+        <p:spPr>
+          <a:xfrm>
+            <a:off x="10696630" y="109029"/>
+            <a:ext cx="810641" cy="810641"/>
+          </a:xfrm>
+          <a:prstGeom prst="rect">
+            <a:avLst/>
+          </a:prstGeom>
+        </p:spPr>
+      </p:pic>
+      <p:sp>
+        <p:nvSpPr>
+          <p:cNvPr id="16" name="文本框 15"/>
+          <p:cNvSpPr txBox="1"/>
+          <p:nvPr userDrawn="1"/>
+        </p:nvSpPr>
+        <p:spPr>
+          <a:xfrm>
+            <a:off x="8408561" y="6133485"/>
+            <a:ext cx="3645888" cy="477054"/>
+          </a:xfrm>
+          <a:prstGeom prst="rect">
+            <a:avLst/>
+          </a:prstGeom>
+          <a:noFill/>
+        </p:spPr>
+        <p:txBody>
+          <a:bodyPr wrap="square">
+            <a:spAutoFit/>
+          </a:bodyPr>
+          <a:lstStyle>
+            <a:lvl1pPr>
+              <a:defRPr sz="2400">
+                <a:solidFill>
+                  <a:schemeClr val="tx1"/>
+                </a:solidFill>
+                <a:latin typeface="Calibri" panose="020F0502020204030204" charset="0"/>
+                <a:ea typeface="宋体" panose="02010600030101010101" pitchFamily="2" charset="-122"/>
+              </a:defRPr>
+            </a:lvl1pPr>
+            <a:lvl2pPr eaLnBrk="0" hangingPunct="0">
+              <a:defRPr sz="2400">
+                <a:solidFill>
+                  <a:schemeClr val="tx1"/>
+                </a:solidFill>
+                <a:latin typeface="Calibri" panose="020F0502020204030204" charset="0"/>
+                <a:ea typeface="幼圆" panose="02010509060101010101" pitchFamily="49" charset="-122"/>
+              </a:defRPr>
+            </a:lvl2pPr>
+            <a:lvl3pPr eaLnBrk="0" hangingPunct="0">
+              <a:defRPr sz="2400">
+                <a:solidFill>
+                  <a:schemeClr val="tx1"/>
+                </a:solidFill>
+                <a:latin typeface="Calibri" panose="020F0502020204030204" charset="0"/>
+                <a:ea typeface="幼圆" panose="02010509060101010101" pitchFamily="49" charset="-122"/>
+              </a:defRPr>
+            </a:lvl3pPr>
+            <a:lvl4pPr eaLnBrk="0" hangingPunct="0">
+              <a:defRPr sz="2400">
+                <a:solidFill>
+                  <a:schemeClr val="tx1"/>
+                </a:solidFill>
+                <a:latin typeface="Calibri" panose="020F0502020204030204" charset="0"/>
+                <a:ea typeface="幼圆" panose="02010509060101010101" pitchFamily="49" charset="-122"/>
+              </a:defRPr>
+            </a:lvl4pPr>
+            <a:lvl5pPr eaLnBrk="0" hangingPunct="0">
+              <a:defRPr sz="2400">
+                <a:solidFill>
+                  <a:schemeClr val="tx1"/>
+                </a:solidFill>
+                <a:latin typeface="Calibri" panose="020F0502020204030204" charset="0"/>
+                <a:ea typeface="幼圆" panose="02010509060101010101" pitchFamily="49" charset="-122"/>
+              </a:defRPr>
+            </a:lvl5pPr>
+            <a:lvl6pPr marL="2894330" indent="-608330" defTabSz="1217930" eaLnBrk="0" fontAlgn="base" hangingPunct="0">
+              <a:spcBef>
+                <a:spcPct val="0"/>
+              </a:spcBef>
+              <a:spcAft>
+                <a:spcPct val="0"/>
+              </a:spcAft>
+              <a:buFont typeface="Arial" panose="020B0604020202020204" pitchFamily="34" charset="0"/>
+              <a:defRPr sz="2400">
+                <a:solidFill>
+                  <a:schemeClr val="tx1"/>
+                </a:solidFill>
+                <a:latin typeface="Calibri" panose="020F0502020204030204" charset="0"/>
+                <a:ea typeface="幼圆" panose="02010509060101010101" pitchFamily="49" charset="-122"/>
+              </a:defRPr>
+            </a:lvl6pPr>
+            <a:lvl7pPr marL="3351530" indent="-608330" defTabSz="1217930" eaLnBrk="0" fontAlgn="base" hangingPunct="0">
+              <a:spcBef>
+                <a:spcPct val="0"/>
+              </a:spcBef>
+              <a:spcAft>
+                <a:spcPct val="0"/>
+              </a:spcAft>
+              <a:buFont typeface="Arial" panose="020B0604020202020204" pitchFamily="34" charset="0"/>
+              <a:defRPr sz="2400">
+                <a:solidFill>
+                  <a:schemeClr val="tx1"/>
+                </a:solidFill>
+                <a:latin typeface="Calibri" panose="020F0502020204030204" charset="0"/>
+                <a:ea typeface="幼圆" panose="02010509060101010101" pitchFamily="49" charset="-122"/>
+              </a:defRPr>
+            </a:lvl7pPr>
+            <a:lvl8pPr marL="3808730" indent="-608330" defTabSz="1217930" eaLnBrk="0" fontAlgn="base" hangingPunct="0">
+              <a:spcBef>
+                <a:spcPct val="0"/>
+              </a:spcBef>
+              <a:spcAft>
+                <a:spcPct val="0"/>
+              </a:spcAft>
+              <a:buFont typeface="Arial" panose="020B0604020202020204" pitchFamily="34" charset="0"/>
+              <a:defRPr sz="2400">
+                <a:solidFill>
+                  <a:schemeClr val="tx1"/>
+                </a:solidFill>
+                <a:latin typeface="Calibri" panose="020F0502020204030204" charset="0"/>
+                <a:ea typeface="幼圆" panose="02010509060101010101" pitchFamily="49" charset="-122"/>
+              </a:defRPr>
+            </a:lvl8pPr>
+            <a:lvl9pPr marL="4265930" indent="-608330" defTabSz="1217930" eaLnBrk="0" fontAlgn="base" hangingPunct="0">
+              <a:spcBef>
+                <a:spcPct val="0"/>
+              </a:spcBef>
+              <a:spcAft>
+                <a:spcPct val="0"/>
+              </a:spcAft>
+              <a:buFont typeface="Arial" panose="020B0604020202020204" pitchFamily="34" charset="0"/>
+              <a:defRPr sz="2400">
+                <a:solidFill>
+                  <a:schemeClr val="tx1"/>
+                </a:solidFill>
+                <a:latin typeface="Calibri" panose="020F0502020204030204" charset="0"/>
+                <a:ea typeface="幼圆" panose="02010509060101010101" pitchFamily="49" charset="-122"/>
+              </a:defRPr>
+            </a:lvl9pPr>
+          </a:lstStyle>
+          <a:p>
+            <a:pPr algn="ctr" eaLnBrk="1" hangingPunct="1">
+              <a:spcBef>
+                <a:spcPct val="50000"/>
+              </a:spcBef>
+              <a:buFont typeface="Arial" panose="020B0604020202020204" pitchFamily="34" charset="0"/>
+              <a:buNone/>
+              <a:defRPr/>
+            </a:pPr>
+            <a:r>
+              <a:rPr lang="en-US" altLang="zh-TW" sz="1000" b="1" i="1" u="sng" dirty="0">
+                <a:solidFill>
+                  <a:srgbClr val="FF6600"/>
+                </a:solidFill>
+                <a:latin typeface="Arial" panose="020B0604020202020204" pitchFamily="34" charset="0"/>
+                <a:ea typeface="PMingLiU" panose="02020500000000000000" pitchFamily="18" charset="-120"/>
+              </a:rPr>
+              <a:t>FJICC I</a:t>
+            </a:r>
+            <a:r>
+              <a:rPr lang="en-US" altLang="zh-CN" sz="1000" b="1" i="1" u="sng" kern="1200" dirty="0">
+                <a:solidFill>
+                  <a:srgbClr val="1185EF"/>
+                </a:solidFill>
+                <a:latin typeface="Arial" panose="020B0604020202020204" pitchFamily="34" charset="0"/>
+                <a:ea typeface="PMingLiU" panose="02020500000000000000" pitchFamily="18" charset="-120"/>
+                <a:cs typeface="+mn-cs"/>
+              </a:rPr>
+              <a:t>ntelligence</a:t>
+            </a:r>
+            <a:r>
+              <a:rPr lang="en-US" altLang="zh-CN" sz="1000" b="1" i="1" u="sng" dirty="0">
+                <a:solidFill>
+                  <a:srgbClr val="FF6600"/>
+                </a:solidFill>
+                <a:latin typeface="Arial" panose="020B0604020202020204" pitchFamily="34" charset="0"/>
+                <a:ea typeface="PMingLiU" panose="02020500000000000000" pitchFamily="18" charset="-120"/>
+              </a:rPr>
+              <a:t> </a:t>
+            </a:r>
+            <a:r>
+              <a:rPr lang="en-US" altLang="zh-TW" sz="1000" b="1" i="1" u="sng" dirty="0">
+                <a:solidFill>
+                  <a:srgbClr val="FF6600"/>
+                </a:solidFill>
+                <a:latin typeface="Arial" panose="020B0604020202020204" pitchFamily="34" charset="0"/>
+                <a:ea typeface="PMingLiU" panose="02020500000000000000" pitchFamily="18" charset="-120"/>
+              </a:rPr>
+              <a:t>H</a:t>
+            </a:r>
+            <a:r>
+              <a:rPr lang="en-US" altLang="zh-CN" sz="1000" b="1" i="1" u="sng" kern="1200" dirty="0">
+                <a:solidFill>
+                  <a:srgbClr val="1185EF"/>
+                </a:solidFill>
+                <a:latin typeface="Arial" panose="020B0604020202020204" pitchFamily="34" charset="0"/>
+                <a:ea typeface="PMingLiU" panose="02020500000000000000" pitchFamily="18" charset="-120"/>
+                <a:cs typeface="+mn-cs"/>
+              </a:rPr>
+              <a:t>ealth</a:t>
+            </a:r>
+            <a:r>
+              <a:rPr lang="en-US" altLang="zh-TW" sz="1000" b="1" i="1" u="sng" kern="1200" dirty="0">
+                <a:solidFill>
+                  <a:srgbClr val="1185EF"/>
+                </a:solidFill>
+                <a:latin typeface="Arial" panose="020B0604020202020204" pitchFamily="34" charset="0"/>
+                <a:ea typeface="PMingLiU" panose="02020500000000000000" pitchFamily="18" charset="-120"/>
+                <a:cs typeface="+mn-cs"/>
+              </a:rPr>
+              <a:t> </a:t>
+            </a:r>
+            <a:r>
+              <a:rPr lang="en-US" altLang="zh-TW" sz="1000" b="1" i="1" u="sng" dirty="0">
+                <a:solidFill>
+                  <a:srgbClr val="1185EF"/>
+                </a:solidFill>
+                <a:latin typeface="Arial" panose="020B0604020202020204" pitchFamily="34" charset="0"/>
+                <a:ea typeface="PMingLiU" panose="02020500000000000000" pitchFamily="18" charset="-120"/>
+              </a:rPr>
+              <a:t>and </a:t>
+            </a:r>
+            <a:r>
+              <a:rPr lang="en-US" altLang="zh-TW" sz="1000" b="1" i="1" u="sng" dirty="0">
+                <a:solidFill>
+                  <a:srgbClr val="FF6600"/>
+                </a:solidFill>
+                <a:latin typeface="Arial" panose="020B0604020202020204" pitchFamily="34" charset="0"/>
+                <a:ea typeface="PMingLiU" panose="02020500000000000000" pitchFamily="18" charset="-120"/>
+              </a:rPr>
+              <a:t>B</a:t>
+            </a:r>
+            <a:r>
+              <a:rPr lang="en-US" altLang="zh-TW" sz="1000" b="1" i="1" u="sng" dirty="0">
+                <a:solidFill>
+                  <a:srgbClr val="1185EF"/>
+                </a:solidFill>
+                <a:latin typeface="Arial" panose="020B0604020202020204" pitchFamily="34" charset="0"/>
+                <a:ea typeface="PMingLiU" panose="02020500000000000000" pitchFamily="18" charset="-120"/>
+              </a:rPr>
+              <a:t>iologic </a:t>
+            </a:r>
+            <a:r>
+              <a:rPr lang="en-US" altLang="zh-TW" sz="1000" b="1" i="1" u="sng" dirty="0">
+                <a:solidFill>
+                  <a:srgbClr val="FF6600"/>
+                </a:solidFill>
+                <a:latin typeface="Arial" panose="020B0604020202020204" pitchFamily="34" charset="0"/>
+                <a:ea typeface="PMingLiU" panose="02020500000000000000" pitchFamily="18" charset="-120"/>
+              </a:rPr>
+              <a:t>I</a:t>
+            </a:r>
+            <a:r>
+              <a:rPr lang="en-US" altLang="zh-TW" sz="1000" b="1" i="1" u="sng" dirty="0">
+                <a:solidFill>
+                  <a:srgbClr val="1185EF"/>
+                </a:solidFill>
+                <a:latin typeface="Arial" panose="020B0604020202020204" pitchFamily="34" charset="0"/>
+                <a:ea typeface="PMingLiU" panose="02020500000000000000" pitchFamily="18" charset="-120"/>
+              </a:rPr>
+              <a:t>nte. </a:t>
+            </a:r>
+            <a:r>
+              <a:rPr lang="en-US" altLang="zh-TW" sz="1000" b="1" i="1" u="sng" dirty="0">
+                <a:solidFill>
+                  <a:srgbClr val="FF6600"/>
+                </a:solidFill>
+                <a:latin typeface="Arial" panose="020B0604020202020204" pitchFamily="34" charset="0"/>
+                <a:ea typeface="PMingLiU" panose="02020500000000000000" pitchFamily="18" charset="-120"/>
+              </a:rPr>
+              <a:t>C</a:t>
+            </a:r>
+            <a:r>
+              <a:rPr lang="en-US" altLang="zh-TW" sz="1000" b="1" i="1" u="sng" dirty="0">
+                <a:solidFill>
+                  <a:srgbClr val="1185EF"/>
+                </a:solidFill>
+                <a:latin typeface="Arial" panose="020B0604020202020204" pitchFamily="34" charset="0"/>
+                <a:ea typeface="PMingLiU" panose="02020500000000000000" pitchFamily="18" charset="-120"/>
+              </a:rPr>
+              <a:t>ircuits Lab.</a:t>
+            </a:r>
+            <a:endParaRPr lang="en-US" altLang="zh-TW" sz="1000" b="1" i="1" u="sng" dirty="0">
+              <a:solidFill>
+                <a:srgbClr val="1185EF"/>
+              </a:solidFill>
+              <a:latin typeface="Arial" panose="020B0604020202020204" pitchFamily="34" charset="0"/>
+              <a:ea typeface="PMingLiU" panose="02020500000000000000" pitchFamily="18" charset="-120"/>
+            </a:endParaRPr>
+          </a:p>
+          <a:p>
+            <a:pPr algn="just" eaLnBrk="1" hangingPunct="1">
+              <a:spcBef>
+                <a:spcPct val="50000"/>
+              </a:spcBef>
+              <a:buFont typeface="Arial" panose="020B0604020202020204" pitchFamily="34" charset="0"/>
+              <a:buNone/>
+              <a:defRPr/>
+            </a:pPr>
+            <a:r>
+              <a:rPr lang="zh-CN" altLang="en-US" sz="1000" b="1" i="0" u="none" spc="230" baseline="0" dirty="0">
+                <a:solidFill>
+                  <a:srgbClr val="1185EF"/>
+                </a:solidFill>
+                <a:latin typeface="Arial" panose="020B0604020202020204" pitchFamily="34" charset="0"/>
+                <a:ea typeface="PMingLiU" panose="02020500000000000000" pitchFamily="18" charset="-120"/>
+              </a:rPr>
+              <a:t>福建省智能健康系统与生物芯片开发闽台合作基地</a:t>
+            </a:r>
+            <a:endParaRPr lang="en-US" altLang="zh-TW" sz="1000" b="1" i="0" u="none" spc="230" baseline="0" dirty="0">
+              <a:solidFill>
+                <a:srgbClr val="1185EF"/>
+              </a:solidFill>
+              <a:latin typeface="Arial" panose="020B0604020202020204" pitchFamily="34" charset="0"/>
+              <a:ea typeface="PMingLiU" panose="02020500000000000000" pitchFamily="18" charset="-120"/>
+            </a:endParaRPr>
+          </a:p>
+        </p:txBody>
+      </p:sp>
+      <p:pic>
+        <p:nvPicPr>
+          <p:cNvPr id="8" name="图片 7"/>
+          <p:cNvPicPr>
+            <a:picLocks noChangeAspect="1"/>
+          </p:cNvPicPr>
+          <p:nvPr userDrawn="1"/>
+        </p:nvPicPr>
+        <p:blipFill>
+          <a:blip r:embed="rId9">
+            <a:extLst>
+              <a:ext uri="{28A0092B-C50C-407E-A947-70E740481C1C}">
+                <a14:useLocalDpi xmlns:a14="http://schemas.microsoft.com/office/drawing/2010/main" val="0"/>
+              </a:ext>
+            </a:extLst>
+          </a:blip>
+          <a:stretch>
+            <a:fillRect/>
+          </a:stretch>
+        </p:blipFill>
+        <p:spPr>
+          <a:xfrm>
+            <a:off x="7661275" y="5897880"/>
+            <a:ext cx="845820" cy="849630"/>
+          </a:xfrm>
+          <a:prstGeom prst="rect">
+            <a:avLst/>
+          </a:prstGeom>
+        </p:spPr>
+      </p:pic>
     </p:spTree>
   </p:cSld>
   <p:clrMapOvr>
     <a:masterClrMapping/>
   </p:clrMapOvr>
+  <p:timing>
+    <p:tnLst>
+      <p:par>
+        <p:cTn id="1" dur="indefinite" restart="never" nodeType="tmRoot">
+          <p:childTnLst>
+            <p:seq concurrent="1" nextAc="seek">
+              <p:cTn id="2" dur="indefinite" nodeType="mainSeq">
+                <p:childTnLst>
+                  <p:par>
+                    <p:cTn id="3" fill="hold">
+                      <p:stCondLst>
+                        <p:cond delay="indefinite"/>
+                        <p:cond evt="onBegin" delay="0">
+                          <p:tn val="2"/>
+                        </p:cond>
+                      </p:stCondLst>
+                      <p:childTnLst>
+                        <p:par>
+                          <p:cTn id="4" fill="hold">
+                            <p:stCondLst>
+                              <p:cond delay="0"/>
+                            </p:stCondLst>
+                            <p:childTnLst>
+                              <p:par>
+                                <p:cTn id="5" presetID="2" presetClass="entr" presetSubtype="2" fill="hold" nodeType="withEffect">
+                                  <p:stCondLst>
+                                    <p:cond delay="0"/>
+                                  </p:stCondLst>
+                                  <p:childTnLst>
+                                    <p:set>
+                                      <p:cBhvr>
+                                        <p:cTn id="6" dur="1" fill="hold">
+                                          <p:stCondLst>
+                                            <p:cond delay="0"/>
+                                          </p:stCondLst>
+                                        </p:cTn>
+                                        <p:tgtEl>
+                                          <p:spTgt spid="14"/>
+                                        </p:tgtEl>
+                                        <p:attrNameLst>
+                                          <p:attrName>style.visibility</p:attrName>
+                                        </p:attrNameLst>
+                                      </p:cBhvr>
+                                      <p:to>
+                                        <p:strVal val="visible"/>
+                                      </p:to>
+                                    </p:set>
+                                    <p:anim calcmode="lin" valueType="num">
+                                      <p:cBhvr additive="base">
+                                        <p:cTn id="7" dur="500" fill="hold"/>
+                                        <p:tgtEl>
+                                          <p:spTgt spid="14"/>
+                                        </p:tgtEl>
+                                        <p:attrNameLst>
+                                          <p:attrName>ppt_x</p:attrName>
+                                        </p:attrNameLst>
+                                      </p:cBhvr>
+                                      <p:tavLst>
+                                        <p:tav tm="0">
+                                          <p:val>
+                                            <p:strVal val="1+#ppt_w/2"/>
+                                          </p:val>
+                                        </p:tav>
+                                        <p:tav tm="100000">
+                                          <p:val>
+                                            <p:strVal val="#ppt_x"/>
+                                          </p:val>
+                                        </p:tav>
+                                      </p:tavLst>
+                                    </p:anim>
+                                    <p:anim calcmode="lin" valueType="num">
+                                      <p:cBhvr additive="base">
+                                        <p:cTn id="8" dur="500" fill="hold"/>
+                                        <p:tgtEl>
+                                          <p:spTgt spid="14"/>
+                                        </p:tgtEl>
+                                        <p:attrNameLst>
+                                          <p:attrName>ppt_y</p:attrName>
+                                        </p:attrNameLst>
+                                      </p:cBhvr>
+                                      <p:tavLst>
+                                        <p:tav tm="0">
+                                          <p:val>
+                                            <p:strVal val="#ppt_y"/>
+                                          </p:val>
+                                        </p:tav>
+                                        <p:tav tm="100000">
+                                          <p:val>
+                                            <p:strVal val="#ppt_y"/>
+                                          </p:val>
+                                        </p:tav>
+                                      </p:tavLst>
+                                    </p:anim>
+                                  </p:childTnLst>
+                                </p:cTn>
+                              </p:par>
+                            </p:childTnLst>
+                          </p:cTn>
+                        </p:par>
+                      </p:childTnLst>
+                    </p:cTn>
+                  </p:par>
+                </p:childTnLst>
+              </p:cTn>
+              <p:prevCondLst>
+                <p:cond evt="onPrev" delay="0">
+                  <p:tgtEl>
+                    <p:sldTgt/>
+                  </p:tgtEl>
+                </p:cond>
+              </p:prevCondLst>
+              <p:nextCondLst>
+                <p:cond evt="onNext" delay="0">
+                  <p:tgtEl>
+                    <p:sldTgt/>
+                  </p:tgtEl>
+                </p:cond>
+              </p:nextCondLst>
+            </p:seq>
+          </p:childTnLst>
+        </p:cTn>
+      </p:par>
+    </p:tnLst>
+  </p:timing>
 </p:sldLayout>
 </file>
 
@@ -3081,6 +4043,319 @@
           <a:chExt cx="0" cy="0"/>
         </a:xfrm>
       </p:grpSpPr>
+      <p:grpSp>
+        <p:nvGrpSpPr>
+          <p:cNvPr id="11" name="组合 10"/>
+          <p:cNvGrpSpPr/>
+          <p:nvPr/>
+        </p:nvGrpSpPr>
+        <p:grpSpPr>
+          <a:xfrm>
+            <a:off x="245745" y="295275"/>
+            <a:ext cx="11699240" cy="6267450"/>
+            <a:chOff x="387" y="465"/>
+            <a:chExt cx="18424" cy="9870"/>
+          </a:xfrm>
+        </p:grpSpPr>
+        <p:grpSp>
+          <p:nvGrpSpPr>
+            <p:cNvPr id="5" name="组合 4"/>
+            <p:cNvGrpSpPr/>
+            <p:nvPr/>
+          </p:nvGrpSpPr>
+          <p:grpSpPr>
+            <a:xfrm>
+              <a:off x="387" y="465"/>
+              <a:ext cx="18425" cy="9870"/>
+              <a:chOff x="387" y="465"/>
+              <a:chExt cx="18425" cy="9870"/>
+            </a:xfrm>
+          </p:grpSpPr>
+          <p:sp>
+            <p:nvSpPr>
+              <p:cNvPr id="7" name="矩形 6"/>
+              <p:cNvSpPr/>
+              <p:nvPr userDrawn="1"/>
+            </p:nvSpPr>
+            <p:spPr>
+              <a:xfrm>
+                <a:off x="387" y="465"/>
+                <a:ext cx="3089" cy="2671"/>
+              </a:xfrm>
+              <a:prstGeom prst="rect">
+                <a:avLst/>
+              </a:prstGeom>
+              <a:solidFill>
+                <a:srgbClr val="1C4885"/>
+              </a:solidFill>
+              <a:ln>
+                <a:noFill/>
+              </a:ln>
+            </p:spPr>
+            <p:style>
+              <a:lnRef idx="2">
+                <a:schemeClr val="accent1">
+                  <a:shade val="50000"/>
+                </a:schemeClr>
+              </a:lnRef>
+              <a:fillRef idx="1">
+                <a:schemeClr val="accent1"/>
+              </a:fillRef>
+              <a:effectRef idx="0">
+                <a:schemeClr val="accent1"/>
+              </a:effectRef>
+              <a:fontRef idx="minor">
+                <a:schemeClr val="lt1"/>
+              </a:fontRef>
+            </p:style>
+            <p:txBody>
+              <a:bodyPr rtlCol="0" anchor="ctr"/>
+              <a:p>
+                <a:pPr algn="ctr"/>
+                <a:endParaRPr lang="zh-CN" altLang="en-US">
+                  <a:cs typeface="+mn-ea"/>
+                  <a:sym typeface="+mn-lt"/>
+                </a:endParaRPr>
+              </a:p>
+            </p:txBody>
+          </p:sp>
+          <p:sp>
+            <p:nvSpPr>
+              <p:cNvPr id="6" name="矩形 5"/>
+              <p:cNvSpPr/>
+              <p:nvPr userDrawn="1"/>
+            </p:nvSpPr>
+            <p:spPr>
+              <a:xfrm>
+                <a:off x="15724" y="7665"/>
+                <a:ext cx="3089" cy="2671"/>
+              </a:xfrm>
+              <a:prstGeom prst="rect">
+                <a:avLst/>
+              </a:prstGeom>
+              <a:solidFill>
+                <a:srgbClr val="1C4885"/>
+              </a:solidFill>
+              <a:ln>
+                <a:noFill/>
+              </a:ln>
+            </p:spPr>
+            <p:style>
+              <a:lnRef idx="2">
+                <a:schemeClr val="accent1">
+                  <a:shade val="50000"/>
+                </a:schemeClr>
+              </a:lnRef>
+              <a:fillRef idx="1">
+                <a:schemeClr val="accent1"/>
+              </a:fillRef>
+              <a:effectRef idx="0">
+                <a:schemeClr val="accent1"/>
+              </a:effectRef>
+              <a:fontRef idx="minor">
+                <a:schemeClr val="lt1"/>
+              </a:fontRef>
+            </p:style>
+            <p:txBody>
+              <a:bodyPr rtlCol="0" anchor="ctr"/>
+              <a:p>
+                <a:pPr algn="ctr"/>
+                <a:endParaRPr lang="zh-CN" altLang="en-US">
+                  <a:cs typeface="+mn-ea"/>
+                  <a:sym typeface="+mn-lt"/>
+                </a:endParaRPr>
+              </a:p>
+            </p:txBody>
+          </p:sp>
+          <p:sp>
+            <p:nvSpPr>
+              <p:cNvPr id="8" name="矩形 7"/>
+              <p:cNvSpPr/>
+              <p:nvPr userDrawn="1"/>
+            </p:nvSpPr>
+            <p:spPr>
+              <a:xfrm>
+                <a:off x="387" y="7665"/>
+                <a:ext cx="3089" cy="2671"/>
+              </a:xfrm>
+              <a:prstGeom prst="rect">
+                <a:avLst/>
+              </a:prstGeom>
+              <a:solidFill>
+                <a:srgbClr val="1C4885"/>
+              </a:solidFill>
+              <a:ln>
+                <a:noFill/>
+              </a:ln>
+            </p:spPr>
+            <p:style>
+              <a:lnRef idx="2">
+                <a:schemeClr val="accent1">
+                  <a:shade val="50000"/>
+                </a:schemeClr>
+              </a:lnRef>
+              <a:fillRef idx="1">
+                <a:schemeClr val="accent1"/>
+              </a:fillRef>
+              <a:effectRef idx="0">
+                <a:schemeClr val="accent1"/>
+              </a:effectRef>
+              <a:fontRef idx="minor">
+                <a:schemeClr val="lt1"/>
+              </a:fontRef>
+            </p:style>
+            <p:txBody>
+              <a:bodyPr rtlCol="0" anchor="ctr"/>
+              <a:p>
+                <a:pPr algn="ctr"/>
+                <a:endParaRPr lang="zh-CN" altLang="en-US">
+                  <a:cs typeface="+mn-ea"/>
+                  <a:sym typeface="+mn-lt"/>
+                </a:endParaRPr>
+              </a:p>
+            </p:txBody>
+          </p:sp>
+          <p:sp>
+            <p:nvSpPr>
+              <p:cNvPr id="9" name="矩形 8"/>
+              <p:cNvSpPr/>
+              <p:nvPr userDrawn="1"/>
+            </p:nvSpPr>
+            <p:spPr>
+              <a:xfrm>
+                <a:off x="15724" y="465"/>
+                <a:ext cx="3089" cy="2671"/>
+              </a:xfrm>
+              <a:prstGeom prst="rect">
+                <a:avLst/>
+              </a:prstGeom>
+              <a:solidFill>
+                <a:srgbClr val="1C4885"/>
+              </a:solidFill>
+              <a:ln>
+                <a:noFill/>
+              </a:ln>
+            </p:spPr>
+            <p:style>
+              <a:lnRef idx="2">
+                <a:schemeClr val="accent1">
+                  <a:shade val="50000"/>
+                </a:schemeClr>
+              </a:lnRef>
+              <a:fillRef idx="1">
+                <a:schemeClr val="accent1"/>
+              </a:fillRef>
+              <a:effectRef idx="0">
+                <a:schemeClr val="accent1"/>
+              </a:effectRef>
+              <a:fontRef idx="minor">
+                <a:schemeClr val="lt1"/>
+              </a:fontRef>
+            </p:style>
+            <p:txBody>
+              <a:bodyPr rtlCol="0" anchor="ctr"/>
+              <a:p>
+                <a:pPr algn="ctr"/>
+                <a:endParaRPr lang="zh-CN" altLang="en-US">
+                  <a:cs typeface="+mn-ea"/>
+                  <a:sym typeface="+mn-lt"/>
+                </a:endParaRPr>
+              </a:p>
+            </p:txBody>
+          </p:sp>
+          <p:sp>
+            <p:nvSpPr>
+              <p:cNvPr id="10" name="圆角矩形 9"/>
+              <p:cNvSpPr/>
+              <p:nvPr userDrawn="1"/>
+            </p:nvSpPr>
+            <p:spPr>
+              <a:xfrm>
+                <a:off x="635" y="639"/>
+                <a:ext cx="17930" cy="9383"/>
+              </a:xfrm>
+              <a:prstGeom prst="roundRect">
+                <a:avLst>
+                  <a:gd name="adj" fmla="val 1568"/>
+                </a:avLst>
+              </a:prstGeom>
+              <a:solidFill>
+                <a:schemeClr val="bg1"/>
+              </a:solidFill>
+              <a:ln>
+                <a:noFill/>
+              </a:ln>
+              <a:effectLst>
+                <a:glow rad="228600">
+                  <a:schemeClr val="tx1">
+                    <a:alpha val="30000"/>
+                  </a:schemeClr>
+                </a:glow>
+              </a:effectLst>
+            </p:spPr>
+            <p:style>
+              <a:lnRef idx="2">
+                <a:schemeClr val="accent1">
+                  <a:shade val="50000"/>
+                </a:schemeClr>
+              </a:lnRef>
+              <a:fillRef idx="1">
+                <a:schemeClr val="accent1"/>
+              </a:fillRef>
+              <a:effectRef idx="0">
+                <a:schemeClr val="accent1"/>
+              </a:effectRef>
+              <a:fontRef idx="minor">
+                <a:schemeClr val="lt1"/>
+              </a:fontRef>
+            </p:style>
+            <p:txBody>
+              <a:bodyPr rtlCol="0" anchor="ctr"/>
+              <a:p>
+                <a:pPr algn="ctr"/>
+                <a:endParaRPr lang="zh-CN" altLang="en-US">
+                  <a:cs typeface="+mn-ea"/>
+                  <a:sym typeface="+mn-lt"/>
+                </a:endParaRPr>
+              </a:p>
+            </p:txBody>
+          </p:sp>
+        </p:grpSp>
+        <p:pic>
+          <p:nvPicPr>
+            <p:cNvPr id="13" name="图片 12"/>
+            <p:cNvPicPr>
+              <a:picLocks noChangeAspect="1"/>
+            </p:cNvPicPr>
+            <p:nvPr userDrawn="1"/>
+          </p:nvPicPr>
+          <p:blipFill>
+            <a:blip r:embed="rId1">
+              <a:extLst>
+                <a:ext uri="{28A0092B-C50C-407E-A947-70E740481C1C}">
+                  <a14:useLocalDpi xmlns:a14="http://schemas.microsoft.com/office/drawing/2010/main" val="0"/>
+                </a:ext>
+                <a:ext uri="{96DAC541-7B7A-43D3-8B79-37D633B846F1}">
+                  <asvg:svgBlip xmlns:asvg="http://schemas.microsoft.com/office/drawing/2016/SVG/main" r:embed="rId2"/>
+                </a:ext>
+              </a:extLst>
+            </a:blip>
+            <a:srcRect/>
+            <a:stretch>
+              <a:fillRect/>
+            </a:stretch>
+          </p:blipFill>
+          <p:spPr>
+            <a:xfrm>
+              <a:off x="16447" y="867"/>
+              <a:ext cx="1643" cy="1643"/>
+            </a:xfrm>
+            <a:prstGeom prst="rect">
+              <a:avLst/>
+            </a:prstGeom>
+          </p:spPr>
+        </p:pic>
+      </p:grpSp>
       <p:sp>
         <p:nvSpPr>
           <p:cNvPr id="2" name="标题 1"/>
@@ -3090,13 +4365,13 @@
           <p:nvPr>
             <p:ph type="ctrTitle"/>
             <p:custDataLst>
-              <p:tags r:id="rId1"/>
+              <p:tags r:id="rId3"/>
             </p:custDataLst>
           </p:nvPr>
         </p:nvSpPr>
         <p:spPr>
           <a:xfrm>
-            <a:off x="1198800" y="1325880"/>
+            <a:off x="1198800" y="1116330"/>
             <a:ext cx="9799200" cy="2570400"/>
           </a:xfrm>
         </p:spPr>
@@ -3127,22 +4402,46 @@
           <p:nvPr>
             <p:ph type="subTitle" idx="1"/>
             <p:custDataLst>
-              <p:tags r:id="rId2"/>
+              <p:tags r:id="rId4"/>
             </p:custDataLst>
           </p:nvPr>
         </p:nvSpPr>
         <p:spPr>
           <a:xfrm>
-            <a:off x="1198880" y="4203065"/>
-            <a:ext cx="9799320" cy="1165860"/>
+            <a:off x="1198880" y="4003040"/>
+            <a:ext cx="9799320" cy="1631950"/>
           </a:xfrm>
         </p:spPr>
         <p:txBody>
           <a:bodyPr/>
           <a:p>
             <a:r>
+              <a:rPr lang="zh-CN" altLang="en-US" dirty="0">
+                <a:sym typeface="+mn-lt"/>
+              </a:rPr>
+              <a:t>汇报人</a:t>
+            </a:r>
+            <a:r>
               <a:rPr lang="zh-CN" altLang="en-US"/>
-              <a:t>小组成员：罗琰佳、邢菲琳、欧天勤</a:t>
+              <a:t>：罗琰佳、邢菲琳、欧天勤</a:t>
+            </a:r>
+            <a:endParaRPr lang="zh-CN" altLang="en-US"/>
+          </a:p>
+          <a:p>
+            <a:r>
+              <a:rPr lang="zh-CN" altLang="en-US"/>
+              <a:t>汇报日期：</a:t>
+            </a:r>
+            <a:r>
+              <a:rPr lang="en-US" altLang="zh-CN"/>
+              <a:t>2025/6/10</a:t>
+            </a:r>
+            <a:endParaRPr lang="zh-CN" altLang="en-US"/>
+          </a:p>
+          <a:p>
+            <a:r>
+              <a:rPr lang="zh-CN" altLang="en-US"/>
+              <a:t>指导老师：王量弘</a:t>
             </a:r>
             <a:endParaRPr lang="zh-CN" altLang="en-US"/>
           </a:p>
@@ -3150,7 +4449,7 @@
       </p:sp>
     </p:spTree>
     <p:custDataLst>
-      <p:tags r:id="rId3"/>
+      <p:tags r:id="rId5"/>
     </p:custDataLst>
   </p:cSld>
   <p:clrMapOvr>
@@ -3238,6 +4537,212 @@
                                           <p:spTgt spid="3">
                                             <p:txEl>
                                               <p:pRg st="0" end="0"/>
+                                            </p:txEl>
+                                          </p:spTgt>
+                                        </p:tgtEl>
+                                        <p:attrNameLst>
+                                          <p:attrName>ppt_y</p:attrName>
+                                        </p:attrNameLst>
+                                      </p:cBhvr>
+                                      <p:tavLst>
+                                        <p:tav tm="0">
+                                          <p:val>
+                                            <p:strVal val="1+#ppt_h/2"/>
+                                          </p:val>
+                                        </p:tav>
+                                        <p:tav tm="100000">
+                                          <p:val>
+                                            <p:strVal val="#ppt_y"/>
+                                          </p:val>
+                                        </p:tav>
+                                      </p:tavLst>
+                                    </p:anim>
+                                  </p:childTnLst>
+                                </p:cTn>
+                              </p:par>
+                            </p:childTnLst>
+                          </p:cTn>
+                        </p:par>
+                      </p:childTnLst>
+                    </p:cTn>
+                  </p:par>
+                  <p:par>
+                    <p:cTn id="9" fill="hold">
+                      <p:stCondLst>
+                        <p:cond delay="indefinite"/>
+                      </p:stCondLst>
+                      <p:childTnLst>
+                        <p:par>
+                          <p:cTn id="10" fill="hold">
+                            <p:stCondLst>
+                              <p:cond delay="0"/>
+                            </p:stCondLst>
+                            <p:childTnLst>
+                              <p:par>
+                                <p:cTn id="11" presetID="2" presetClass="entr" presetSubtype="4" fill="hold" grpId="0" nodeType="clickEffect">
+                                  <p:stCondLst>
+                                    <p:cond delay="0"/>
+                                  </p:stCondLst>
+                                  <p:childTnLst>
+                                    <p:set>
+                                      <p:cBhvr>
+                                        <p:cTn id="12" dur="1" fill="hold">
+                                          <p:stCondLst>
+                                            <p:cond delay="0"/>
+                                          </p:stCondLst>
+                                        </p:cTn>
+                                        <p:tgtEl>
+                                          <p:spTgt spid="3">
+                                            <p:txEl>
+                                              <p:pRg st="1" end="1"/>
+                                            </p:txEl>
+                                          </p:spTgt>
+                                        </p:tgtEl>
+                                        <p:attrNameLst>
+                                          <p:attrName>style.visibility</p:attrName>
+                                        </p:attrNameLst>
+                                      </p:cBhvr>
+                                      <p:to>
+                                        <p:strVal val="visible"/>
+                                      </p:to>
+                                    </p:set>
+                                    <p:anim calcmode="lin" valueType="num">
+                                      <p:cBhvr additive="base">
+                                        <p:cTn id="13" dur="500" fill="hold"/>
+                                        <p:tgtEl>
+                                          <p:spTgt spid="3">
+                                            <p:txEl>
+                                              <p:pRg st="1" end="1"/>
+                                            </p:txEl>
+                                          </p:spTgt>
+                                        </p:tgtEl>
+                                        <p:attrNameLst>
+                                          <p:attrName>ppt_x</p:attrName>
+                                        </p:attrNameLst>
+                                      </p:cBhvr>
+                                      <p:tavLst>
+                                        <p:tav tm="0">
+                                          <p:val>
+                                            <p:strVal val="#ppt_x"/>
+                                          </p:val>
+                                        </p:tav>
+                                        <p:tav tm="100000">
+                                          <p:val>
+                                            <p:strVal val="#ppt_x"/>
+                                          </p:val>
+                                        </p:tav>
+                                      </p:tavLst>
+                                    </p:anim>
+                                    <p:anim calcmode="lin" valueType="num">
+                                      <p:cBhvr additive="base">
+                                        <p:cTn id="14" dur="500" fill="hold"/>
+                                        <p:tgtEl>
+                                          <p:spTgt spid="3">
+                                            <p:txEl>
+                                              <p:pRg st="1" end="1"/>
+                                            </p:txEl>
+                                          </p:spTgt>
+                                        </p:tgtEl>
+                                        <p:attrNameLst>
+                                          <p:attrName>ppt_y</p:attrName>
+                                        </p:attrNameLst>
+                                      </p:cBhvr>
+                                      <p:tavLst>
+                                        <p:tav tm="0">
+                                          <p:val>
+                                            <p:strVal val="1+#ppt_h/2"/>
+                                          </p:val>
+                                        </p:tav>
+                                        <p:tav tm="100000">
+                                          <p:val>
+                                            <p:strVal val="#ppt_y"/>
+                                          </p:val>
+                                        </p:tav>
+                                      </p:tavLst>
+                                    </p:anim>
+                                  </p:childTnLst>
+                                </p:cTn>
+                              </p:par>
+                            </p:childTnLst>
+                          </p:cTn>
+                        </p:par>
+                      </p:childTnLst>
+                    </p:cTn>
+                  </p:par>
+                  <p:par>
+                    <p:cTn id="15" fill="hold">
+                      <p:stCondLst>
+                        <p:cond delay="indefinite"/>
+                      </p:stCondLst>
+                      <p:childTnLst>
+                        <p:par>
+                          <p:cTn id="16" fill="hold">
+                            <p:stCondLst>
+                              <p:cond delay="0"/>
+                            </p:stCondLst>
+                            <p:childTnLst>
+                              <p:par>
+                                <p:cTn id="17" presetID="2" presetClass="entr" presetSubtype="4" fill="hold" grpId="0" nodeType="clickEffect">
+                                  <p:stCondLst>
+                                    <p:cond delay="0"/>
+                                  </p:stCondLst>
+                                  <p:childTnLst>
+                                    <p:set>
+                                      <p:cBhvr>
+                                        <p:cTn id="18" dur="1" fill="hold">
+                                          <p:stCondLst>
+                                            <p:cond delay="0"/>
+                                          </p:stCondLst>
+                                        </p:cTn>
+                                        <p:tgtEl>
+                                          <p:spTgt spid="3">
+                                            <p:txEl>
+                                              <p:pRg st="2" end="2"/>
+                                            </p:txEl>
+                                          </p:spTgt>
+                                        </p:tgtEl>
+                                        <p:attrNameLst>
+                                          <p:attrName>style.visibility</p:attrName>
+                                        </p:attrNameLst>
+                                      </p:cBhvr>
+                                      <p:to>
+                                        <p:strVal val="visible"/>
+                                      </p:to>
+                                    </p:set>
+                                    <p:anim calcmode="lin" valueType="num">
+                                      <p:cBhvr additive="base">
+                                        <p:cTn id="19" dur="500" fill="hold"/>
+                                        <p:tgtEl>
+                                          <p:spTgt spid="3">
+                                            <p:txEl>
+                                              <p:pRg st="2" end="2"/>
+                                            </p:txEl>
+                                          </p:spTgt>
+                                        </p:tgtEl>
+                                        <p:attrNameLst>
+                                          <p:attrName>ppt_x</p:attrName>
+                                        </p:attrNameLst>
+                                      </p:cBhvr>
+                                      <p:tavLst>
+                                        <p:tav tm="0">
+                                          <p:val>
+                                            <p:strVal val="#ppt_x"/>
+                                          </p:val>
+                                        </p:tav>
+                                        <p:tav tm="100000">
+                                          <p:val>
+                                            <p:strVal val="#ppt_x"/>
+                                          </p:val>
+                                        </p:tav>
+                                      </p:tavLst>
+                                    </p:anim>
+                                    <p:anim calcmode="lin" valueType="num">
+                                      <p:cBhvr additive="base">
+                                        <p:cTn id="20" dur="500" fill="hold"/>
+                                        <p:tgtEl>
+                                          <p:spTgt spid="3">
+                                            <p:txEl>
+                                              <p:pRg st="2" end="2"/>
                                             </p:txEl>
                                           </p:spTgt>
                                         </p:tgtEl>
@@ -3729,7 +5234,12 @@
             <p:ph type="title"/>
           </p:nvPr>
         </p:nvSpPr>
-        <p:spPr/>
+        <p:spPr>
+          <a:xfrm>
+            <a:off x="608400" y="351225"/>
+            <a:ext cx="10969200" cy="705600"/>
+          </a:xfrm>
+        </p:spPr>
         <p:txBody>
           <a:bodyPr/>
           <a:p>
@@ -6399,7 +7909,12 @@
             <p:ph type="title"/>
           </p:nvPr>
         </p:nvSpPr>
-        <p:spPr/>
+        <p:spPr>
+          <a:xfrm>
+            <a:off x="608400" y="360750"/>
+            <a:ext cx="10969200" cy="705600"/>
+          </a:xfrm>
+        </p:spPr>
         <p:txBody>
           <a:bodyPr/>
           <a:p>
@@ -8588,7 +10103,12 @@
             <p:ph type="title"/>
           </p:nvPr>
         </p:nvSpPr>
-        <p:spPr/>
+        <p:spPr>
+          <a:xfrm>
+            <a:off x="608400" y="360750"/>
+            <a:ext cx="10969200" cy="705600"/>
+          </a:xfrm>
+        </p:spPr>
         <p:txBody>
           <a:bodyPr/>
           <a:p>
@@ -10091,7 +11611,7 @@
         </p:nvSpPr>
         <p:spPr>
           <a:xfrm>
-            <a:off x="6214745" y="5120640"/>
+            <a:off x="6214745" y="5006340"/>
             <a:ext cx="5976620" cy="460375"/>
           </a:xfrm>
           <a:prstGeom prst="rect">
@@ -10230,7 +11750,7 @@
         </p:nvSpPr>
         <p:spPr>
           <a:xfrm>
-            <a:off x="6287770" y="5673725"/>
+            <a:off x="6287770" y="5492750"/>
             <a:ext cx="5517515" cy="460375"/>
           </a:xfrm>
           <a:prstGeom prst="rect">
@@ -11859,36 +13379,319 @@
           <a:chExt cx="0" cy="0"/>
         </a:xfrm>
       </p:grpSpPr>
-      <p:sp>
-        <p:nvSpPr>
-          <p:cNvPr id="2" name="标题 1"/>
-          <p:cNvSpPr>
-            <a:spLocks noGrp="1"/>
-          </p:cNvSpPr>
-          <p:nvPr>
-            <p:ph type="ctrTitle"/>
-            <p:custDataLst>
-              <p:tags r:id="rId1"/>
-            </p:custDataLst>
-          </p:nvPr>
-        </p:nvSpPr>
-        <p:spPr>
+      <p:grpSp>
+        <p:nvGrpSpPr>
+          <p:cNvPr id="11" name="组合 10"/>
+          <p:cNvGrpSpPr/>
+          <p:nvPr/>
+        </p:nvGrpSpPr>
+        <p:grpSpPr>
           <a:xfrm>
-            <a:off x="1198880" y="1564005"/>
-            <a:ext cx="9799320" cy="1897380"/>
+            <a:off x="245745" y="295275"/>
+            <a:ext cx="11699240" cy="6267450"/>
+            <a:chOff x="387" y="465"/>
+            <a:chExt cx="18424" cy="9870"/>
           </a:xfrm>
-        </p:spPr>
-        <p:txBody>
-          <a:bodyPr/>
-          <a:p>
-            <a:r>
-              <a:rPr lang="zh-CN" altLang="en-US" b="1"/>
-              <a:t>谢谢观看</a:t>
-            </a:r>
-            <a:endParaRPr lang="zh-CN" altLang="en-US" b="1"/>
-          </a:p>
-        </p:txBody>
-      </p:sp>
+        </p:grpSpPr>
+        <p:grpSp>
+          <p:nvGrpSpPr>
+            <p:cNvPr id="6" name="组合 5"/>
+            <p:cNvGrpSpPr/>
+            <p:nvPr/>
+          </p:nvGrpSpPr>
+          <p:grpSpPr>
+            <a:xfrm>
+              <a:off x="387" y="465"/>
+              <a:ext cx="18425" cy="9870"/>
+              <a:chOff x="387" y="465"/>
+              <a:chExt cx="18425" cy="9870"/>
+            </a:xfrm>
+          </p:grpSpPr>
+          <p:sp>
+            <p:nvSpPr>
+              <p:cNvPr id="7" name="矩形 6"/>
+              <p:cNvSpPr/>
+              <p:nvPr userDrawn="1"/>
+            </p:nvSpPr>
+            <p:spPr>
+              <a:xfrm>
+                <a:off x="387" y="465"/>
+                <a:ext cx="3089" cy="2671"/>
+              </a:xfrm>
+              <a:prstGeom prst="rect">
+                <a:avLst/>
+              </a:prstGeom>
+              <a:solidFill>
+                <a:srgbClr val="1C4885"/>
+              </a:solidFill>
+              <a:ln>
+                <a:noFill/>
+              </a:ln>
+            </p:spPr>
+            <p:style>
+              <a:lnRef idx="2">
+                <a:schemeClr val="accent1">
+                  <a:shade val="50000"/>
+                </a:schemeClr>
+              </a:lnRef>
+              <a:fillRef idx="1">
+                <a:schemeClr val="accent1"/>
+              </a:fillRef>
+              <a:effectRef idx="0">
+                <a:schemeClr val="accent1"/>
+              </a:effectRef>
+              <a:fontRef idx="minor">
+                <a:schemeClr val="lt1"/>
+              </a:fontRef>
+            </p:style>
+            <p:txBody>
+              <a:bodyPr rtlCol="0" anchor="ctr"/>
+              <a:p>
+                <a:pPr algn="ctr"/>
+                <a:endParaRPr lang="zh-CN" altLang="en-US">
+                  <a:cs typeface="+mn-ea"/>
+                  <a:sym typeface="+mn-lt"/>
+                </a:endParaRPr>
+              </a:p>
+            </p:txBody>
+          </p:sp>
+          <p:sp>
+            <p:nvSpPr>
+              <p:cNvPr id="8" name="矩形 7"/>
+              <p:cNvSpPr/>
+              <p:nvPr userDrawn="1"/>
+            </p:nvSpPr>
+            <p:spPr>
+              <a:xfrm>
+                <a:off x="15724" y="7665"/>
+                <a:ext cx="3089" cy="2671"/>
+              </a:xfrm>
+              <a:prstGeom prst="rect">
+                <a:avLst/>
+              </a:prstGeom>
+              <a:solidFill>
+                <a:srgbClr val="1C4885"/>
+              </a:solidFill>
+              <a:ln>
+                <a:noFill/>
+              </a:ln>
+            </p:spPr>
+            <p:style>
+              <a:lnRef idx="2">
+                <a:schemeClr val="accent1">
+                  <a:shade val="50000"/>
+                </a:schemeClr>
+              </a:lnRef>
+              <a:fillRef idx="1">
+                <a:schemeClr val="accent1"/>
+              </a:fillRef>
+              <a:effectRef idx="0">
+                <a:schemeClr val="accent1"/>
+              </a:effectRef>
+              <a:fontRef idx="minor">
+                <a:schemeClr val="lt1"/>
+              </a:fontRef>
+            </p:style>
+            <p:txBody>
+              <a:bodyPr rtlCol="0" anchor="ctr"/>
+              <a:p>
+                <a:pPr algn="ctr"/>
+                <a:endParaRPr lang="zh-CN" altLang="en-US">
+                  <a:cs typeface="+mn-ea"/>
+                  <a:sym typeface="+mn-lt"/>
+                </a:endParaRPr>
+              </a:p>
+            </p:txBody>
+          </p:sp>
+          <p:sp>
+            <p:nvSpPr>
+              <p:cNvPr id="9" name="矩形 8"/>
+              <p:cNvSpPr/>
+              <p:nvPr userDrawn="1"/>
+            </p:nvSpPr>
+            <p:spPr>
+              <a:xfrm>
+                <a:off x="387" y="7665"/>
+                <a:ext cx="3089" cy="2671"/>
+              </a:xfrm>
+              <a:prstGeom prst="rect">
+                <a:avLst/>
+              </a:prstGeom>
+              <a:solidFill>
+                <a:srgbClr val="1C4885"/>
+              </a:solidFill>
+              <a:ln>
+                <a:noFill/>
+              </a:ln>
+            </p:spPr>
+            <p:style>
+              <a:lnRef idx="2">
+                <a:schemeClr val="accent1">
+                  <a:shade val="50000"/>
+                </a:schemeClr>
+              </a:lnRef>
+              <a:fillRef idx="1">
+                <a:schemeClr val="accent1"/>
+              </a:fillRef>
+              <a:effectRef idx="0">
+                <a:schemeClr val="accent1"/>
+              </a:effectRef>
+              <a:fontRef idx="minor">
+                <a:schemeClr val="lt1"/>
+              </a:fontRef>
+            </p:style>
+            <p:txBody>
+              <a:bodyPr rtlCol="0" anchor="ctr"/>
+              <a:p>
+                <a:pPr algn="ctr"/>
+                <a:endParaRPr lang="zh-CN" altLang="en-US">
+                  <a:cs typeface="+mn-ea"/>
+                  <a:sym typeface="+mn-lt"/>
+                </a:endParaRPr>
+              </a:p>
+            </p:txBody>
+          </p:sp>
+          <p:sp>
+            <p:nvSpPr>
+              <p:cNvPr id="10" name="矩形 9"/>
+              <p:cNvSpPr/>
+              <p:nvPr userDrawn="1"/>
+            </p:nvSpPr>
+            <p:spPr>
+              <a:xfrm>
+                <a:off x="15724" y="465"/>
+                <a:ext cx="3089" cy="2671"/>
+              </a:xfrm>
+              <a:prstGeom prst="rect">
+                <a:avLst/>
+              </a:prstGeom>
+              <a:solidFill>
+                <a:srgbClr val="1C4885"/>
+              </a:solidFill>
+              <a:ln>
+                <a:noFill/>
+              </a:ln>
+            </p:spPr>
+            <p:style>
+              <a:lnRef idx="2">
+                <a:schemeClr val="accent1">
+                  <a:shade val="50000"/>
+                </a:schemeClr>
+              </a:lnRef>
+              <a:fillRef idx="1">
+                <a:schemeClr val="accent1"/>
+              </a:fillRef>
+              <a:effectRef idx="0">
+                <a:schemeClr val="accent1"/>
+              </a:effectRef>
+              <a:fontRef idx="minor">
+                <a:schemeClr val="lt1"/>
+              </a:fontRef>
+            </p:style>
+            <p:txBody>
+              <a:bodyPr rtlCol="0" anchor="ctr"/>
+              <a:p>
+                <a:pPr algn="ctr"/>
+                <a:endParaRPr lang="zh-CN" altLang="en-US">
+                  <a:cs typeface="+mn-ea"/>
+                  <a:sym typeface="+mn-lt"/>
+                </a:endParaRPr>
+              </a:p>
+            </p:txBody>
+          </p:sp>
+          <p:sp>
+            <p:nvSpPr>
+              <p:cNvPr id="12" name="圆角矩形 11"/>
+              <p:cNvSpPr/>
+              <p:nvPr userDrawn="1"/>
+            </p:nvSpPr>
+            <p:spPr>
+              <a:xfrm>
+                <a:off x="635" y="639"/>
+                <a:ext cx="17930" cy="9383"/>
+              </a:xfrm>
+              <a:prstGeom prst="roundRect">
+                <a:avLst>
+                  <a:gd name="adj" fmla="val 1568"/>
+                </a:avLst>
+              </a:prstGeom>
+              <a:solidFill>
+                <a:schemeClr val="bg1"/>
+              </a:solidFill>
+              <a:ln>
+                <a:noFill/>
+              </a:ln>
+              <a:effectLst>
+                <a:glow rad="228600">
+                  <a:schemeClr val="tx1">
+                    <a:alpha val="30000"/>
+                  </a:schemeClr>
+                </a:glow>
+              </a:effectLst>
+            </p:spPr>
+            <p:style>
+              <a:lnRef idx="2">
+                <a:schemeClr val="accent1">
+                  <a:shade val="50000"/>
+                </a:schemeClr>
+              </a:lnRef>
+              <a:fillRef idx="1">
+                <a:schemeClr val="accent1"/>
+              </a:fillRef>
+              <a:effectRef idx="0">
+                <a:schemeClr val="accent1"/>
+              </a:effectRef>
+              <a:fontRef idx="minor">
+                <a:schemeClr val="lt1"/>
+              </a:fontRef>
+            </p:style>
+            <p:txBody>
+              <a:bodyPr rtlCol="0" anchor="ctr"/>
+              <a:p>
+                <a:pPr algn="ctr"/>
+                <a:endParaRPr lang="zh-CN" altLang="en-US">
+                  <a:cs typeface="+mn-ea"/>
+                  <a:sym typeface="+mn-lt"/>
+                </a:endParaRPr>
+              </a:p>
+            </p:txBody>
+          </p:sp>
+        </p:grpSp>
+        <p:pic>
+          <p:nvPicPr>
+            <p:cNvPr id="13" name="图片 12"/>
+            <p:cNvPicPr>
+              <a:picLocks noChangeAspect="1"/>
+            </p:cNvPicPr>
+            <p:nvPr userDrawn="1"/>
+          </p:nvPicPr>
+          <p:blipFill>
+            <a:blip r:embed="rId1">
+              <a:extLst>
+                <a:ext uri="{28A0092B-C50C-407E-A947-70E740481C1C}">
+                  <a14:useLocalDpi xmlns:a14="http://schemas.microsoft.com/office/drawing/2010/main" val="0"/>
+                </a:ext>
+                <a:ext uri="{96DAC541-7B7A-43D3-8B79-37D633B846F1}">
+                  <asvg:svgBlip xmlns:asvg="http://schemas.microsoft.com/office/drawing/2016/SVG/main" r:embed="rId2"/>
+                </a:ext>
+              </a:extLst>
+            </a:blip>
+            <a:srcRect/>
+            <a:stretch>
+              <a:fillRect/>
+            </a:stretch>
+          </p:blipFill>
+          <p:spPr>
+            <a:xfrm>
+              <a:off x="16447" y="867"/>
+              <a:ext cx="1643" cy="1643"/>
+            </a:xfrm>
+            <a:prstGeom prst="rect">
+              <a:avLst/>
+            </a:prstGeom>
+          </p:spPr>
+        </p:pic>
+      </p:grpSp>
       <p:sp>
         <p:nvSpPr>
           <p:cNvPr id="4" name="副标题 3"/>
@@ -11909,9 +13712,61 @@
           </a:p>
         </p:txBody>
       </p:sp>
+      <p:sp>
+        <p:nvSpPr>
+          <p:cNvPr id="3" name="文本框 2"/>
+          <p:cNvSpPr txBox="1"/>
+          <p:nvPr/>
+        </p:nvSpPr>
+        <p:spPr>
+          <a:xfrm>
+            <a:off x="1198563" y="2545715"/>
+            <a:ext cx="10130155" cy="1014730"/>
+          </a:xfrm>
+          <a:prstGeom prst="rect">
+            <a:avLst/>
+          </a:prstGeom>
+          <a:noFill/>
+        </p:spPr>
+        <p:txBody>
+          <a:bodyPr wrap="none" rtlCol="0" anchor="t">
+            <a:spAutoFit/>
+          </a:bodyPr>
+          <a:p>
+            <a:pPr algn="dist"/>
+            <a:r>
+              <a:rPr lang="en-US" altLang="zh-CN" sz="6000" b="1" dirty="0">
+                <a:solidFill>
+                  <a:srgbClr val="1C4885"/>
+                </a:solidFill>
+                <a:cs typeface="+mn-ea"/>
+                <a:sym typeface="+mn-lt"/>
+              </a:rPr>
+              <a:t>Thanks for your attention</a:t>
+            </a:r>
+            <a:r>
+              <a:rPr lang="zh-CN" altLang="en-US" sz="6000" b="1" dirty="0">
+                <a:solidFill>
+                  <a:srgbClr val="1C4885"/>
+                </a:solidFill>
+                <a:cs typeface="+mn-ea"/>
+                <a:sym typeface="+mn-lt"/>
+              </a:rPr>
+              <a:t>！</a:t>
+            </a:r>
+            <a:endParaRPr lang="zh-CN" altLang="en-US" sz="6000" b="1" dirty="0">
+              <a:solidFill>
+                <a:srgbClr val="1C4885"/>
+              </a:solidFill>
+              <a:cs typeface="+mn-ea"/>
+              <a:sym typeface="+mn-lt"/>
+            </a:endParaRPr>
+          </a:p>
+        </p:txBody>
+      </p:sp>
     </p:spTree>
     <p:custDataLst>
-      <p:tags r:id="rId2"/>
+      <p:tags r:id="rId3"/>
     </p:custDataLst>
   </p:cSld>
   <p:clrMapOvr>
@@ -11950,7 +13805,12 @@
             <p:ph type="title"/>
           </p:nvPr>
         </p:nvSpPr>
-        <p:spPr/>
+        <p:spPr>
+          <a:xfrm>
+            <a:off x="608400" y="370275"/>
+            <a:ext cx="10969200" cy="705600"/>
+          </a:xfrm>
+        </p:spPr>
         <p:txBody>
           <a:bodyPr/>
           <a:p>
@@ -16073,7 +17933,12 @@
             <p:ph type="title"/>
           </p:nvPr>
         </p:nvSpPr>
-        <p:spPr/>
+        <p:spPr>
+          <a:xfrm>
+            <a:off x="608400" y="360750"/>
+            <a:ext cx="10969200" cy="705600"/>
+          </a:xfrm>
+        </p:spPr>
         <p:txBody>
           <a:bodyPr/>
           <a:p>
@@ -16093,7 +17958,7 @@
         </p:nvSpPr>
         <p:spPr>
           <a:xfrm>
-            <a:off x="346710" y="1669415"/>
+            <a:off x="232410" y="1669415"/>
             <a:ext cx="5933440" cy="4030980"/>
           </a:xfrm>
           <a:prstGeom prst="rect">
@@ -16339,8 +18204,8 @@
         </p:nvSpPr>
         <p:spPr>
           <a:xfrm>
-            <a:off x="6444615" y="608330"/>
-            <a:ext cx="5475605" cy="5631180"/>
+            <a:off x="6254115" y="1294765"/>
+            <a:ext cx="5747385" cy="5323205"/>
           </a:xfrm>
           <a:prstGeom prst="rect">
             <a:avLst/>
@@ -16652,17 +18517,6 @@
             </a:endParaRPr>
           </a:p>
           <a:p>
-            <a:endParaRPr lang="zh-CN" altLang="en-US" sz="2000">
-              <a:solidFill>
-                <a:schemeClr val="accent1">
-                  <a:lumMod val="75000"/>
-                </a:schemeClr>
-              </a:solidFill>
-              <a:latin typeface="Consolas" panose="020B0609020204030204" charset="0"/>
-              <a:cs typeface="Consolas" panose="020B0609020204030204" charset="0"/>
-            </a:endParaRPr>
-          </a:p>
-          <a:p>
             <a:r>
               <a:rPr lang="zh-CN" altLang="en-US" sz="2000">
                 <a:solidFill>
@@ -16766,7 +18620,12 @@
             <p:ph type="title"/>
           </p:nvPr>
         </p:nvSpPr>
-        <p:spPr/>
+        <p:spPr>
+          <a:xfrm>
+            <a:off x="608400" y="360750"/>
+            <a:ext cx="10969200" cy="705600"/>
+          </a:xfrm>
+        </p:spPr>
         <p:txBody>
           <a:bodyPr/>
           <a:p>
@@ -16789,7 +18648,7 @@
           </p:nvPr>
         </p:nvGraphicFramePr>
         <p:xfrm>
-          <a:off x="1087120" y="1576070"/>
+          <a:off x="1087120" y="1442720"/>
           <a:ext cx="10229215" cy="4478020"/>
         </p:xfrm>
         <a:graphic>
@@ -17976,7 +19835,12 @@
             <p:ph type="title"/>
           </p:nvPr>
         </p:nvSpPr>
-        <p:spPr/>
+        <p:spPr>
+          <a:xfrm>
+            <a:off x="608400" y="351225"/>
+            <a:ext cx="10969200" cy="705600"/>
+          </a:xfrm>
+        </p:spPr>
         <p:txBody>
           <a:bodyPr/>
           <a:p>
@@ -20873,7 +22737,12 @@
             <p:ph type="title"/>
           </p:nvPr>
         </p:nvSpPr>
-        <p:spPr/>
+        <p:spPr>
+          <a:xfrm>
+            <a:off x="608400" y="360750"/>
+            <a:ext cx="10969200" cy="705600"/>
+          </a:xfrm>
+        </p:spPr>
         <p:txBody>
           <a:bodyPr/>
           <a:lstStyle/>
@@ -23790,7 +25659,12 @@
             <p:ph type="title"/>
           </p:nvPr>
         </p:nvSpPr>
-        <p:spPr/>
+        <p:spPr>
+          <a:xfrm>
+            <a:off x="608400" y="389325"/>
+            <a:ext cx="10969200" cy="705600"/>
+          </a:xfrm>
+        </p:spPr>
         <p:txBody>
           <a:bodyPr/>
           <a:lstStyle/>
@@ -26745,7 +28619,12 @@
             <p:ph type="title"/>
           </p:nvPr>
         </p:nvSpPr>
-        <p:spPr/>
+        <p:spPr>
+          <a:xfrm>
+            <a:off x="608400" y="370275"/>
+            <a:ext cx="10969200" cy="705600"/>
+          </a:xfrm>
+        </p:spPr>
         <p:txBody>
           <a:bodyPr/>
           <a:lstStyle/>
@@ -30186,7 +32065,12 @@
             <p:ph type="title"/>
           </p:nvPr>
         </p:nvSpPr>
-        <p:spPr/>
+        <p:spPr>
+          <a:xfrm>
+            <a:off x="608400" y="379800"/>
+            <a:ext cx="10969200" cy="705600"/>
+          </a:xfrm>
+        </p:spPr>
         <p:txBody>
           <a:bodyPr/>
           <a:p>
@@ -34320,28 +36204,6 @@
 
 <file path=ppt/tags/tag78.xml><?xml version="1.0" encoding="utf-8"?>
 <p:tagLst xmlns:p="http://schemas.openxmlformats.org/presentationml/2006/main">
-  <p:tag name="KSO_WM_UNIT_ISCONTENTSTITLE" val="0"/>
-  <p:tag name="KSO_WM_UNIT_ISNUMDGMTITLE" val="0"/>
-  <p:tag name="KSO_WM_UNIT_NOCLEAR" val="0"/>
-  <p:tag name="KSO_WM_UNIT_SHOW_EDIT_AREA_INDICATION" val="1"/>
-  <p:tag name="KSO_WM_UNIT_VALUE" val="28"/>
-  <p:tag name="KSO_WM_UNIT_HIGHLIGHT" val="0"/>
-  <p:tag name="KSO_WM_UNIT_COMPATIBLE" val="0"/>
-  <p:tag name="KSO_WM_UNIT_DIAGRAM_ISNUMVISUAL" val="0"/>
-  <p:tag name="KSO_WM_UNIT_DIAGRAM_ISREFERUNIT" val="0"/>
-  <p:tag name="KSO_WM_UNIT_TYPE" val="a"/>
-  <p:tag name="KSO_WM_UNIT_INDEX" val="1"/>
-  <p:tag name="KSO_WM_UNIT_ID" val="custom20205081_1*a*1"/>
-  <p:tag name="KSO_WM_TEMPLATE_CATEGORY" val="custom"/>
-  <p:tag name="KSO_WM_TEMPLATE_INDEX" val="20205081"/>
-  <p:tag name="KSO_WM_UNIT_LAYERLEVEL" val="1"/>
-  <p:tag name="KSO_WM_TAG_VERSION" val="1.0"/>
-  <p:tag name="KSO_WM_BEAUTIFY_FLAG" val="#wm#"/>
-</p:tagLst>
-</file>
-
-<file path=ppt/tags/tag79.xml><?xml version="1.0" encoding="utf-8"?>
-<p:tagLst xmlns:p="http://schemas.openxmlformats.org/presentationml/2006/main">
   <p:tag name="KSO_WM_SLIDE_ID" val="custom20205081_1"/>
   <p:tag name="KSO_WM_TEMPLATE_SUBCATEGORY" val="19"/>
   <p:tag name="KSO_WM_TEMPLATE_MASTER_TYPE" val="0"/>
@@ -34576,4 +36438,263 @@
     </a:ext>
   </a:extLst>
 </a:theme>
+</file>
+
+<file path=ppt/theme/theme2.xml><?xml version="1.0" encoding="utf-8"?>
+<a:theme xmlns:a="http://schemas.openxmlformats.org/drawingml/2006/main" name="Office 主题">
+  <a:themeElements>
+    <a:clrScheme name="Office">
+      <a:dk1>
+        <a:sysClr val="windowText" lastClr="000000"/>
+      </a:dk1>
+      <a:lt1>
+        <a:sysClr val="window" lastClr="FFFFFF"/>
+      </a:lt1>
+      <a:dk2>
+        <a:srgbClr val="44546A"/>
+      </a:dk2>
+      <a:lt2>
+        <a:srgbClr val="E7E6E6"/>
+      </a:lt2>
+      <a:accent1>
+        <a:srgbClr val="5B9BD5"/>
+      </a:accent1>
+      <a:accent2>
+        <a:srgbClr val="ED7D31"/>
+      </a:accent2>
+      <a:accent3>
+        <a:srgbClr val="A5A5A5"/>
+      </a:accent3>
+      <a:accent4>
+        <a:srgbClr val="FFC000"/>
+      </a:accent4>
+      <a:accent5>
+        <a:srgbClr val="4472C4"/>
+      </a:accent5>
+      <a:accent6>
+        <a:srgbClr val="70AD47"/>
+      </a:accent6>
+      <a:hlink>
+        <a:srgbClr val="0563C1"/>
+      </a:hlink>
+      <a:folHlink>
+        <a:srgbClr val="954F72"/>
+      </a:folHlink>
+    </a:clrScheme>
+    <a:fontScheme name="Office">
+      <a:majorFont>
+        <a:latin typeface="Calibri Light"/>
+        <a:ea typeface=""/>
+        <a:cs typeface=""/>
+        <a:font script="Jpan" typeface="ＭＳ Ｐゴシック"/>
+        <a:font script="Hang" typeface="맑은 고딕"/>
+        <a:font script="Hans" typeface="宋体"/>
+        <a:font script="Hant" typeface="新細明體"/>
+        <a:font script="Arab" typeface="Times New Roman"/>
+        <a:font script="Hebr" typeface="Times New Roman"/>
+        <a:font script="Thai" typeface="Angsana New"/>
+        <a:font script="Ethi" typeface="Nyala"/>
+        <a:font script="Beng" typeface="Vrinda"/>
+        <a:font script="Gujr" typeface="Shruti"/>
+        <a:font script="Khmr" typeface="MoolBoran"/>
+        <a:font script="Knda" typeface="Tunga"/>
+        <a:font script="Guru" typeface="Raavi"/>
+        <a:font script="Cans" typeface="Euphemia"/>
+        <a:font script="Cher" typeface="Plantagenet Cherokee"/>
+        <a:font script="Yiii" typeface="Microsoft Yi Baiti"/>
+        <a:font script="Tibt" typeface="Microsoft Himalaya"/>
+        <a:font script="Thaa" typeface="MV Boli"/>
+        <a:font script="Deva" typeface="Mangal"/>
+        <a:font script="Telu" typeface="Gautami"/>
+        <a:font script="Taml" typeface="Latha"/>
+        <a:font script="Syrc" typeface="Estrangelo Edessa"/>
+        <a:font script="Orya" typeface="Kalinga"/>
+        <a:font script="Mlym" typeface="Kartika"/>
+        <a:font script="Laoo" typeface="DokChampa"/>
+        <a:font script="Sinh" typeface="Iskoola Pota"/>
+        <a:font script="Mong" typeface="Mongolian Baiti"/>
+        <a:font script="Viet" typeface="Times New Roman"/>
+        <a:font script="Uigh" typeface="Microsoft Uighur"/>
+        <a:font script="Geor" typeface="Sylfaen"/>
+      </a:majorFont>
+      <a:minorFont>
+        <a:latin typeface="Calibri"/>
+        <a:ea typeface=""/>
+        <a:cs typeface=""/>
+        <a:font script="Jpan" typeface="ＭＳ Ｐゴシック"/>
+        <a:font script="Hang" typeface="맑은 고딕"/>
+        <a:font script="Hans" typeface="宋体"/>
+        <a:font script="Hant" typeface="新細明體"/>
+        <a:font script="Arab" typeface="Arial"/>
+        <a:font script="Hebr" typeface="Arial"/>
+        <a:font script="Thai" typeface="Cordia New"/>
+        <a:font script="Ethi" typeface="Nyala"/>
+        <a:font script="Beng" typeface="Vrinda"/>
+        <a:font script="Gujr" typeface="Shruti"/>
+        <a:font script="Khmr" typeface="DaunPenh"/>
+        <a:font script="Knda" typeface="Tunga"/>
+        <a:font script="Guru" typeface="Raavi"/>
+        <a:font script="Cans" typeface="Euphemia"/>
+        <a:font script="Cher" typeface="Plantagenet Cherokee"/>
+        <a:font script="Yiii" typeface="Microsoft Yi Baiti"/>
+        <a:font script="Tibt" typeface="Microsoft Himalaya"/>
+        <a:font script="Thaa" typeface="MV Boli"/>
+        <a:font script="Deva" typeface="Mangal"/>
+        <a:font script="Telu" typeface="Gautami"/>
+        <a:font script="Taml" typeface="Latha"/>
+        <a:font script="Syrc" typeface="Estrangelo Edessa"/>
+        <a:font script="Orya" typeface="Kalinga"/>
+        <a:font script="Mlym" typeface="Kartika"/>
+        <a:font script="Laoo" typeface="DokChampa"/>
+        <a:font script="Sinh" typeface="Iskoola Pota"/>
+        <a:font script="Mong" typeface="Mongolian Baiti"/>
+        <a:font script="Viet" typeface="Arial"/>
+        <a:font script="Uigh" typeface="Microsoft Uighur"/>
+        <a:font script="Geor" typeface="Sylfaen"/>
+      </a:minorFont>
+    </a:fontScheme>
+    <a:fmtScheme name="Office">
+      <a:fillStyleLst>
+        <a:solidFill>
+          <a:schemeClr val="phClr"/>
+        </a:solidFill>
+        <a:gradFill rotWithShape="1">
+          <a:gsLst>
+            <a:gs pos="0">
+              <a:schemeClr val="phClr">
+                <a:lumMod val="110000"/>
+                <a:satMod val="105000"/>
+                <a:tint val="67000"/>
+              </a:schemeClr>
+            </a:gs>
+            <a:gs pos="50000">
+              <a:schemeClr val="phClr">
+                <a:lumMod val="105000"/>
+                <a:satMod val="103000"/>
+                <a:tint val="73000"/>
+              </a:schemeClr>
+            </a:gs>
+            <a:gs pos="100000">
+              <a:schemeClr val="phClr">
+                <a:lumMod val="105000"/>
+                <a:satMod val="109000"/>
+                <a:tint val="81000"/>
+              </a:schemeClr>
+            </a:gs>
+          </a:gsLst>
+          <a:lin ang="5400000" scaled="0"/>
+        </a:gradFill>
+        <a:gradFill rotWithShape="1">
+          <a:gsLst>
+            <a:gs pos="0">
+              <a:schemeClr val="phClr">
+                <a:satMod val="103000"/>
+                <a:lumMod val="102000"/>
+                <a:tint val="94000"/>
+              </a:schemeClr>
+            </a:gs>
+            <a:gs pos="50000">
+              <a:schemeClr val="phClr">
+                <a:satMod val="110000"/>
+                <a:lumMod val="100000"/>
+                <a:shade val="100000"/>
+              </a:schemeClr>
+            </a:gs>
+            <a:gs pos="100000">
+              <a:schemeClr val="phClr">
+                <a:lumMod val="99000"/>
+                <a:satMod val="120000"/>
+                <a:shade val="78000"/>
+              </a:schemeClr>
+            </a:gs>
+          </a:gsLst>
+          <a:lin ang="5400000" scaled="0"/>
+        </a:gradFill>
+      </a:fillStyleLst>
+      <a:lnStyleLst>
+        <a:ln w="6350" cap="flat" cmpd="sng" algn="ctr">
+          <a:solidFill>
+            <a:schemeClr val="phClr"/>
+          </a:solidFill>
+          <a:prstDash val="solid"/>
+          <a:miter lim="800000"/>
+        </a:ln>
+        <a:ln w="12700" cap="flat" cmpd="sng" algn="ctr">
+          <a:solidFill>
+            <a:schemeClr val="phClr"/>
+          </a:solidFill>
+          <a:prstDash val="solid"/>
+          <a:miter lim="800000"/>
+        </a:ln>
+        <a:ln w="19050" cap="flat" cmpd="sng" algn="ctr">
+          <a:solidFill>
+            <a:schemeClr val="phClr"/>
+          </a:solidFill>
+          <a:prstDash val="solid"/>
+          <a:miter lim="800000"/>
+        </a:ln>
+      </a:lnStyleLst>
+      <a:effectStyleLst>
+        <a:effectStyle>
+          <a:effectLst/>
+        </a:effectStyle>
+        <a:effectStyle>
+          <a:effectLst/>
+        </a:effectStyle>
+        <a:effectStyle>
+          <a:effectLst>
+            <a:outerShdw blurRad="57150" dist="19050" dir="5400000" algn="ctr" rotWithShape="0">
+              <a:srgbClr val="000000">
+                <a:alpha val="63000"/>
+              </a:srgbClr>
+            </a:outerShdw>
+          </a:effectLst>
+        </a:effectStyle>
+      </a:effectStyleLst>
+      <a:bgFillStyleLst>
+        <a:solidFill>
+          <a:schemeClr val="phClr"/>
+        </a:solidFill>
+        <a:solidFill>
+          <a:schemeClr val="phClr">
+            <a:tint val="95000"/>
+            <a:satMod val="170000"/>
+          </a:schemeClr>
+        </a:solidFill>
+        <a:gradFill rotWithShape="1">
+          <a:gsLst>
+            <a:gs pos="0">
+              <a:schemeClr val="phClr">
+                <a:tint val="93000"/>
+                <a:satMod val="150000"/>
+                <a:shade val="98000"/>
+                <a:lumMod val="102000"/>
+              </a:schemeClr>
+            </a:gs>
+            <a:gs pos="50000">
+              <a:schemeClr val="phClr">
+                <a:tint val="98000"/>
+                <a:satMod val="130000"/>
+                <a:shade val="90000"/>
+                <a:lumMod val="103000"/>
+              </a:schemeClr>
+            </a:gs>
+            <a:gs pos="100000">
+              <a:schemeClr val="phClr">
+                <a:shade val="63000"/>
+                <a:satMod val="120000"/>
+              </a:schemeClr>
+            </a:gs>
+          </a:gsLst>
+          <a:lin ang="5400000" scaled="0"/>
+        </a:gradFill>
+      </a:bgFillStyleLst>
+    </a:fmtScheme>
+  </a:themeElements>
+  <a:extLst>
+    <a:ext uri="{05A4C25C-085E-4340-85A3-A5531E510DB2}">
+      <thm15:themeFamily xmlns:thm15="http://schemas.microsoft.com/office/thememl/2012/main" name="Office Theme" id="{62F939B6-93AF-4DB8-9C6B-D6C7DFDC589F}" vid="{4A3C46E8-61CC-4603-A589-7422A47A8E4A}"/>
+    </a:ext>
+  </a:extLst>
+</a:theme>
 </file>
--- a/微指令集-计组实验(1).pptx
+++ b/微指令集-计组实验(1).pptx
@@ -7987,8 +7987,8 @@
         </p:nvGrpSpPr>
         <p:grpSpPr>
           <a:xfrm>
-            <a:off x="2574290" y="4476115"/>
-            <a:ext cx="2406015" cy="671830"/>
+            <a:off x="3707765" y="3799840"/>
+            <a:ext cx="1680210" cy="469265"/>
             <a:chOff x="4054" y="7203"/>
             <a:chExt cx="3789" cy="1058"/>
           </a:xfrm>
@@ -8131,8 +8131,8 @@
         </p:nvGrpSpPr>
         <p:grpSpPr>
           <a:xfrm>
-            <a:off x="5758180" y="4476115"/>
-            <a:ext cx="1536700" cy="671830"/>
+            <a:off x="5758180" y="3799840"/>
+            <a:ext cx="1073150" cy="469265"/>
             <a:chOff x="9068" y="7203"/>
             <a:chExt cx="2420" cy="1058"/>
           </a:xfrm>
@@ -8232,8 +8232,8 @@
         </p:nvGrpSpPr>
         <p:grpSpPr>
           <a:xfrm>
-            <a:off x="7938135" y="4476115"/>
-            <a:ext cx="2406015" cy="671830"/>
+            <a:off x="7157085" y="3799840"/>
+            <a:ext cx="1680210" cy="469265"/>
             <a:chOff x="12501" y="7203"/>
             <a:chExt cx="3789" cy="1058"/>
           </a:xfrm>
@@ -8361,7 +8361,7 @@
               <a:pPr algn="ctr"/>
               <a:r>
                 <a:rPr lang="en-US" altLang="zh-CN" sz="2400" b="1"/>
-                <a:t>1</a:t>
+                <a:t>0</a:t>
               </a:r>
               <a:endParaRPr lang="en-US" altLang="zh-CN" sz="2400" b="1"/>
             </a:p>
@@ -8376,7 +8376,7 @@
         </p:nvSpPr>
         <p:spPr>
           <a:xfrm>
-            <a:off x="1170940" y="4487545"/>
+            <a:off x="1697355" y="4269105"/>
             <a:ext cx="1117600" cy="521970"/>
           </a:xfrm>
           <a:prstGeom prst="rect">
@@ -8650,7 +8650,7 @@
             </a:r>
             <a:r>
               <a:rPr lang="en-US" altLang="zh-CN" sz="2000" b="1"/>
-              <a:t>3</a:t>
+              <a:t>2</a:t>
             </a:r>
             <a:endParaRPr lang="zh-CN" altLang="en-US" sz="2000" b="1"/>
           </a:p>
@@ -8664,8 +8664,8 @@
         </p:nvSpPr>
         <p:spPr>
           <a:xfrm>
-            <a:off x="4193540" y="3585210"/>
-            <a:ext cx="5198110" cy="583565"/>
+            <a:off x="4961255" y="1864995"/>
+            <a:ext cx="3099435" cy="2553335"/>
           </a:xfrm>
           <a:prstGeom prst="rect">
             <a:avLst/>
@@ -8682,16 +8682,52 @@
                 <a:latin typeface="Times New Roman" panose="02020603050405020304" charset="0"/>
                 <a:cs typeface="Times New Roman" panose="02020603050405020304" charset="0"/>
               </a:rPr>
-              <a:t>Output : </a:t>
+              <a:t>Output :</a:t>
             </a:r>
+            <a:endParaRPr lang="en-US" altLang="zh-CN" sz="3200" b="1">
+              <a:latin typeface="Times New Roman" panose="02020603050405020304" charset="0"/>
+              <a:cs typeface="Times New Roman" panose="02020603050405020304" charset="0"/>
+            </a:endParaRPr>
+          </a:p>
+          <a:p>
             <a:r>
               <a:rPr lang="en-US" altLang="zh-CN" sz="3200" b="1">
                 <a:latin typeface="Times New Roman" panose="02020603050405020304" charset="0"/>
                 <a:ea typeface="微软雅黑" panose="020B0503020204020204" charset="-122"/>
                 <a:cs typeface="Times New Roman" panose="02020603050405020304" charset="0"/>
               </a:rPr>
-              <a:t>JMP TO 3</a:t>
+              <a:t>JMP TO 2</a:t>
             </a:r>
+            <a:endParaRPr lang="en-US" altLang="zh-CN" sz="3200" b="1">
+              <a:latin typeface="Times New Roman" panose="02020603050405020304" charset="0"/>
+              <a:ea typeface="微软雅黑" panose="020B0503020204020204" charset="-122"/>
+              <a:cs typeface="Times New Roman" panose="02020603050405020304" charset="0"/>
+            </a:endParaRPr>
+          </a:p>
+          <a:p>
+            <a:r>
+              <a:rPr lang="en-US" altLang="zh-CN" sz="3200" b="1">
+                <a:latin typeface="Times New Roman" panose="02020603050405020304" charset="0"/>
+                <a:ea typeface="微软雅黑" panose="020B0503020204020204" charset="-122"/>
+                <a:cs typeface="Times New Roman" panose="02020603050405020304" charset="0"/>
+                <a:sym typeface="+mn-ea"/>
+              </a:rPr>
+              <a:t>R0=R0+R3=7</a:t>
+            </a:r>
+            <a:endParaRPr lang="en-US" altLang="zh-CN" sz="3200" b="1">
+              <a:latin typeface="Times New Roman" panose="02020603050405020304" charset="0"/>
+              <a:ea typeface="微软雅黑" panose="020B0503020204020204" charset="-122"/>
+              <a:cs typeface="Times New Roman" panose="02020603050405020304" charset="0"/>
+            </a:endParaRPr>
+          </a:p>
+          <a:p>
+            <a:endParaRPr lang="en-US" altLang="zh-CN" sz="3200" b="1">
+              <a:latin typeface="Times New Roman" panose="02020603050405020304" charset="0"/>
+              <a:ea typeface="微软雅黑" panose="020B0503020204020204" charset="-122"/>
+              <a:cs typeface="Times New Roman" panose="02020603050405020304" charset="0"/>
+            </a:endParaRPr>
+          </a:p>
+          <a:p>
             <a:endParaRPr lang="en-US" altLang="zh-CN" sz="3200" b="1">
               <a:latin typeface="Times New Roman" panose="02020603050405020304" charset="0"/>
               <a:ea typeface="微软雅黑" panose="020B0503020204020204" charset="-122"/>
@@ -8708,7 +8744,7 @@
         </p:nvSpPr>
         <p:spPr>
           <a:xfrm>
-            <a:off x="7938135" y="1698625"/>
+            <a:off x="9897745" y="3952875"/>
             <a:ext cx="1851025" cy="1219200"/>
           </a:xfrm>
           <a:prstGeom prst="rect">
@@ -8754,52 +8790,970 @@
           </a:p>
         </p:txBody>
       </p:sp>
-      <p:cxnSp>
-        <p:nvCxnSpPr>
-          <p:cNvPr id="15" name="直接箭头连接符 14"/>
-          <p:cNvCxnSpPr/>
+      <p:grpSp>
+        <p:nvGrpSpPr>
+          <p:cNvPr id="27" name="组合 26"/>
+          <p:cNvGrpSpPr/>
           <p:nvPr/>
-        </p:nvCxnSpPr>
-        <p:spPr>
+        </p:nvGrpSpPr>
+        <p:grpSpPr>
           <a:xfrm>
-            <a:off x="2707640" y="2095500"/>
-            <a:ext cx="5146040" cy="78105"/>
+            <a:off x="3721735" y="4418330"/>
+            <a:ext cx="1718310" cy="480060"/>
+            <a:chOff x="4054" y="7203"/>
+            <a:chExt cx="3789" cy="1058"/>
           </a:xfrm>
-          <a:prstGeom prst="straightConnector1">
-            <a:avLst/>
-          </a:prstGeom>
-          <a:ln>
-            <a:solidFill>
-              <a:schemeClr val="tx1"/>
-            </a:solidFill>
-            <a:tailEnd type="arrow"/>
-          </a:ln>
-        </p:spPr>
-        <p:style>
-          <a:lnRef idx="2">
-            <a:schemeClr val="accent1"/>
-          </a:lnRef>
-          <a:fillRef idx="0">
-            <a:srgbClr val="FFFFFF"/>
-          </a:fillRef>
-          <a:effectRef idx="0">
-            <a:srgbClr val="FFFFFF"/>
-          </a:effectRef>
-          <a:fontRef idx="minor">
-            <a:schemeClr val="tx1"/>
-          </a:fontRef>
-        </p:style>
-      </p:cxnSp>
+        </p:grpSpPr>
+        <p:sp>
+          <p:nvSpPr>
+            <p:cNvPr id="28" name="圆角矩形 27"/>
+            <p:cNvSpPr/>
+            <p:nvPr/>
+          </p:nvSpPr>
+          <p:spPr>
+            <a:xfrm>
+              <a:off x="4054" y="7203"/>
+              <a:ext cx="1057" cy="1058"/>
+            </a:xfrm>
+            <a:prstGeom prst="roundRect">
+              <a:avLst/>
+            </a:prstGeom>
+          </p:spPr>
+          <p:style>
+            <a:lnRef idx="2">
+              <a:schemeClr val="accent1">
+                <a:lumMod val="75000"/>
+              </a:schemeClr>
+            </a:lnRef>
+            <a:fillRef idx="1">
+              <a:schemeClr val="accent1"/>
+            </a:fillRef>
+            <a:effectRef idx="0">
+              <a:srgbClr val="FFFFFF"/>
+            </a:effectRef>
+            <a:fontRef idx="minor">
+              <a:schemeClr val="lt1"/>
+            </a:fontRef>
+          </p:style>
+          <p:txBody>
+            <a:bodyPr rtlCol="0" anchor="ctr"/>
+            <a:p>
+              <a:pPr algn="ctr"/>
+              <a:r>
+                <a:rPr lang="en-US" altLang="zh-CN" sz="2400" b="1"/>
+                <a:t>0</a:t>
+              </a:r>
+              <a:endParaRPr lang="en-US" altLang="zh-CN" sz="2400" b="1"/>
+            </a:p>
+          </p:txBody>
+        </p:sp>
+        <p:sp>
+          <p:nvSpPr>
+            <p:cNvPr id="29" name="圆角矩形 28"/>
+            <p:cNvSpPr/>
+            <p:nvPr/>
+          </p:nvSpPr>
+          <p:spPr>
+            <a:xfrm>
+              <a:off x="5418" y="7203"/>
+              <a:ext cx="1057" cy="1058"/>
+            </a:xfrm>
+            <a:prstGeom prst="roundRect">
+              <a:avLst/>
+            </a:prstGeom>
+          </p:spPr>
+          <p:style>
+            <a:lnRef idx="2">
+              <a:schemeClr val="accent1">
+                <a:lumMod val="75000"/>
+              </a:schemeClr>
+            </a:lnRef>
+            <a:fillRef idx="1">
+              <a:schemeClr val="accent1"/>
+            </a:fillRef>
+            <a:effectRef idx="0">
+              <a:srgbClr val="FFFFFF"/>
+            </a:effectRef>
+            <a:fontRef idx="minor">
+              <a:schemeClr val="lt1"/>
+            </a:fontRef>
+          </p:style>
+          <p:txBody>
+            <a:bodyPr rtlCol="0" anchor="ctr"/>
+            <a:p>
+              <a:pPr algn="ctr"/>
+              <a:r>
+                <a:rPr lang="en-US" altLang="zh-CN" sz="2400" b="1"/>
+                <a:t>0</a:t>
+              </a:r>
+              <a:endParaRPr lang="en-US" altLang="zh-CN" sz="2400" b="1"/>
+            </a:p>
+          </p:txBody>
+        </p:sp>
+        <p:sp>
+          <p:nvSpPr>
+            <p:cNvPr id="30" name="圆角矩形 29"/>
+            <p:cNvSpPr/>
+            <p:nvPr/>
+          </p:nvSpPr>
+          <p:spPr>
+            <a:xfrm>
+              <a:off x="6787" y="7203"/>
+              <a:ext cx="1057" cy="1058"/>
+            </a:xfrm>
+            <a:prstGeom prst="roundRect">
+              <a:avLst/>
+            </a:prstGeom>
+          </p:spPr>
+          <p:style>
+            <a:lnRef idx="2">
+              <a:schemeClr val="accent1">
+                <a:lumMod val="75000"/>
+              </a:schemeClr>
+            </a:lnRef>
+            <a:fillRef idx="1">
+              <a:schemeClr val="accent1"/>
+            </a:fillRef>
+            <a:effectRef idx="0">
+              <a:srgbClr val="FFFFFF"/>
+            </a:effectRef>
+            <a:fontRef idx="minor">
+              <a:schemeClr val="lt1"/>
+            </a:fontRef>
+          </p:style>
+          <p:txBody>
+            <a:bodyPr rtlCol="0" anchor="ctr"/>
+            <a:p>
+              <a:pPr algn="ctr"/>
+              <a:r>
+                <a:rPr lang="en-US" altLang="zh-CN" sz="2400" b="1" dirty="0"/>
+                <a:t>1</a:t>
+              </a:r>
+              <a:endParaRPr lang="en-US" altLang="zh-CN" sz="2400" b="1" dirty="0"/>
+            </a:p>
+          </p:txBody>
+        </p:sp>
+      </p:grpSp>
+      <p:grpSp>
+        <p:nvGrpSpPr>
+          <p:cNvPr id="31" name="组合 30"/>
+          <p:cNvGrpSpPr/>
+          <p:nvPr/>
+        </p:nvGrpSpPr>
+        <p:grpSpPr>
+          <a:xfrm>
+            <a:off x="5767070" y="4418330"/>
+            <a:ext cx="1097280" cy="480060"/>
+            <a:chOff x="9068" y="7203"/>
+            <a:chExt cx="2420" cy="1058"/>
+          </a:xfrm>
+        </p:grpSpPr>
+        <p:sp>
+          <p:nvSpPr>
+            <p:cNvPr id="32" name="圆角矩形 31"/>
+            <p:cNvSpPr/>
+            <p:nvPr/>
+          </p:nvSpPr>
+          <p:spPr>
+            <a:xfrm>
+              <a:off x="9068" y="7203"/>
+              <a:ext cx="1057" cy="1058"/>
+            </a:xfrm>
+            <a:prstGeom prst="roundRect">
+              <a:avLst/>
+            </a:prstGeom>
+          </p:spPr>
+          <p:style>
+            <a:lnRef idx="2">
+              <a:schemeClr val="accent1">
+                <a:lumMod val="75000"/>
+              </a:schemeClr>
+            </a:lnRef>
+            <a:fillRef idx="1">
+              <a:schemeClr val="accent1"/>
+            </a:fillRef>
+            <a:effectRef idx="0">
+              <a:srgbClr val="FFFFFF"/>
+            </a:effectRef>
+            <a:fontRef idx="minor">
+              <a:schemeClr val="lt1"/>
+            </a:fontRef>
+          </p:style>
+          <p:txBody>
+            <a:bodyPr rtlCol="0" anchor="ctr"/>
+            <a:p>
+              <a:pPr algn="ctr"/>
+              <a:r>
+                <a:rPr lang="en-US" altLang="zh-CN" sz="2400" b="1"/>
+                <a:t>1</a:t>
+              </a:r>
+              <a:endParaRPr lang="en-US" altLang="zh-CN" sz="2400" b="1"/>
+            </a:p>
+          </p:txBody>
+        </p:sp>
+        <p:sp>
+          <p:nvSpPr>
+            <p:cNvPr id="33" name="圆角矩形 32"/>
+            <p:cNvSpPr/>
+            <p:nvPr/>
+          </p:nvSpPr>
+          <p:spPr>
+            <a:xfrm>
+              <a:off x="10432" y="7203"/>
+              <a:ext cx="1057" cy="1058"/>
+            </a:xfrm>
+            <a:prstGeom prst="roundRect">
+              <a:avLst/>
+            </a:prstGeom>
+          </p:spPr>
+          <p:style>
+            <a:lnRef idx="2">
+              <a:schemeClr val="accent1">
+                <a:lumMod val="75000"/>
+              </a:schemeClr>
+            </a:lnRef>
+            <a:fillRef idx="1">
+              <a:schemeClr val="accent1"/>
+            </a:fillRef>
+            <a:effectRef idx="0">
+              <a:srgbClr val="FFFFFF"/>
+            </a:effectRef>
+            <a:fontRef idx="minor">
+              <a:schemeClr val="lt1"/>
+            </a:fontRef>
+          </p:style>
+          <p:txBody>
+            <a:bodyPr rtlCol="0" anchor="ctr"/>
+            <a:p>
+              <a:pPr algn="ctr"/>
+              <a:r>
+                <a:rPr lang="en-US" altLang="zh-CN" sz="2400" b="1" dirty="0"/>
+                <a:t>1</a:t>
+              </a:r>
+              <a:endParaRPr lang="en-US" altLang="zh-CN" sz="2400" b="1" dirty="0"/>
+            </a:p>
+          </p:txBody>
+        </p:sp>
+      </p:grpSp>
+      <p:grpSp>
+        <p:nvGrpSpPr>
+          <p:cNvPr id="34" name="组合 33"/>
+          <p:cNvGrpSpPr/>
+          <p:nvPr/>
+        </p:nvGrpSpPr>
+        <p:grpSpPr>
+          <a:xfrm>
+            <a:off x="7144385" y="4418330"/>
+            <a:ext cx="1718310" cy="480060"/>
+            <a:chOff x="12501" y="7203"/>
+            <a:chExt cx="3789" cy="1058"/>
+          </a:xfrm>
+        </p:grpSpPr>
+        <p:sp>
+          <p:nvSpPr>
+            <p:cNvPr id="35" name="圆角矩形 34"/>
+            <p:cNvSpPr/>
+            <p:nvPr/>
+          </p:nvSpPr>
+          <p:spPr>
+            <a:xfrm>
+              <a:off x="12501" y="7203"/>
+              <a:ext cx="1057" cy="1058"/>
+            </a:xfrm>
+            <a:prstGeom prst="roundRect">
+              <a:avLst/>
+            </a:prstGeom>
+          </p:spPr>
+          <p:style>
+            <a:lnRef idx="2">
+              <a:schemeClr val="accent1">
+                <a:lumMod val="75000"/>
+              </a:schemeClr>
+            </a:lnRef>
+            <a:fillRef idx="1">
+              <a:schemeClr val="accent1"/>
+            </a:fillRef>
+            <a:effectRef idx="0">
+              <a:srgbClr val="FFFFFF"/>
+            </a:effectRef>
+            <a:fontRef idx="minor">
+              <a:schemeClr val="lt1"/>
+            </a:fontRef>
+          </p:style>
+          <p:txBody>
+            <a:bodyPr rtlCol="0" anchor="ctr"/>
+            <a:p>
+              <a:pPr algn="ctr"/>
+              <a:r>
+                <a:rPr lang="en-US" altLang="zh-CN" sz="2400" b="1"/>
+                <a:t>0</a:t>
+              </a:r>
+              <a:endParaRPr lang="en-US" altLang="zh-CN" sz="2400" b="1"/>
+            </a:p>
+          </p:txBody>
+        </p:sp>
+        <p:sp>
+          <p:nvSpPr>
+            <p:cNvPr id="36" name="圆角矩形 35"/>
+            <p:cNvSpPr/>
+            <p:nvPr/>
+          </p:nvSpPr>
+          <p:spPr>
+            <a:xfrm>
+              <a:off x="13870" y="7203"/>
+              <a:ext cx="1057" cy="1058"/>
+            </a:xfrm>
+            <a:prstGeom prst="roundRect">
+              <a:avLst/>
+            </a:prstGeom>
+          </p:spPr>
+          <p:style>
+            <a:lnRef idx="2">
+              <a:schemeClr val="accent1">
+                <a:lumMod val="75000"/>
+              </a:schemeClr>
+            </a:lnRef>
+            <a:fillRef idx="1">
+              <a:schemeClr val="accent1"/>
+            </a:fillRef>
+            <a:effectRef idx="0">
+              <a:srgbClr val="FFFFFF"/>
+            </a:effectRef>
+            <a:fontRef idx="minor">
+              <a:schemeClr val="lt1"/>
+            </a:fontRef>
+          </p:style>
+          <p:txBody>
+            <a:bodyPr rtlCol="0" anchor="ctr"/>
+            <a:p>
+              <a:pPr algn="ctr"/>
+              <a:r>
+                <a:rPr lang="en-US" altLang="zh-CN" sz="2400" b="1" dirty="0"/>
+                <a:t>0</a:t>
+              </a:r>
+              <a:endParaRPr lang="en-US" altLang="zh-CN" sz="2400" b="1" dirty="0"/>
+            </a:p>
+          </p:txBody>
+        </p:sp>
+        <p:sp>
+          <p:nvSpPr>
+            <p:cNvPr id="39" name="圆角矩形 38"/>
+            <p:cNvSpPr/>
+            <p:nvPr/>
+          </p:nvSpPr>
+          <p:spPr>
+            <a:xfrm>
+              <a:off x="15234" y="7203"/>
+              <a:ext cx="1057" cy="1058"/>
+            </a:xfrm>
+            <a:prstGeom prst="roundRect">
+              <a:avLst/>
+            </a:prstGeom>
+          </p:spPr>
+          <p:style>
+            <a:lnRef idx="2">
+              <a:schemeClr val="accent1">
+                <a:lumMod val="75000"/>
+              </a:schemeClr>
+            </a:lnRef>
+            <a:fillRef idx="1">
+              <a:schemeClr val="accent1"/>
+            </a:fillRef>
+            <a:effectRef idx="0">
+              <a:srgbClr val="FFFFFF"/>
+            </a:effectRef>
+            <a:fontRef idx="minor">
+              <a:schemeClr val="lt1"/>
+            </a:fontRef>
+          </p:style>
+          <p:txBody>
+            <a:bodyPr rtlCol="0" anchor="ctr"/>
+            <a:p>
+              <a:pPr algn="ctr"/>
+              <a:r>
+                <a:rPr lang="en-US" altLang="zh-CN" sz="2400" b="1" dirty="0"/>
+                <a:t>0</a:t>
+              </a:r>
+              <a:endParaRPr lang="en-US" altLang="zh-CN" sz="2400" b="1" dirty="0"/>
+            </a:p>
+          </p:txBody>
+        </p:sp>
+      </p:grpSp>
+      <p:grpSp>
+        <p:nvGrpSpPr>
+          <p:cNvPr id="40" name="组合 39"/>
+          <p:cNvGrpSpPr/>
+          <p:nvPr/>
+        </p:nvGrpSpPr>
+        <p:grpSpPr>
+          <a:xfrm>
+            <a:off x="3719195" y="5034915"/>
+            <a:ext cx="1677670" cy="468630"/>
+            <a:chOff x="4054" y="7203"/>
+            <a:chExt cx="3789" cy="1058"/>
+          </a:xfrm>
+        </p:grpSpPr>
+        <p:sp>
+          <p:nvSpPr>
+            <p:cNvPr id="41" name="圆角矩形 40"/>
+            <p:cNvSpPr/>
+            <p:nvPr/>
+          </p:nvSpPr>
+          <p:spPr>
+            <a:xfrm>
+              <a:off x="4054" y="7203"/>
+              <a:ext cx="1057" cy="1058"/>
+            </a:xfrm>
+            <a:prstGeom prst="roundRect">
+              <a:avLst/>
+            </a:prstGeom>
+          </p:spPr>
+          <p:style>
+            <a:lnRef idx="2">
+              <a:schemeClr val="accent1">
+                <a:lumMod val="75000"/>
+              </a:schemeClr>
+            </a:lnRef>
+            <a:fillRef idx="1">
+              <a:schemeClr val="accent1"/>
+            </a:fillRef>
+            <a:effectRef idx="0">
+              <a:srgbClr val="FFFFFF"/>
+            </a:effectRef>
+            <a:fontRef idx="minor">
+              <a:schemeClr val="lt1"/>
+            </a:fontRef>
+          </p:style>
+          <p:txBody>
+            <a:bodyPr rtlCol="0" anchor="ctr"/>
+            <a:p>
+              <a:pPr algn="ctr"/>
+              <a:r>
+                <a:rPr lang="en-US" altLang="zh-CN" sz="2400" b="1"/>
+                <a:t>0</a:t>
+              </a:r>
+              <a:endParaRPr lang="en-US" altLang="zh-CN" sz="2400" b="1"/>
+            </a:p>
+          </p:txBody>
+        </p:sp>
+        <p:sp>
+          <p:nvSpPr>
+            <p:cNvPr id="42" name="圆角矩形 41"/>
+            <p:cNvSpPr/>
+            <p:nvPr/>
+          </p:nvSpPr>
+          <p:spPr>
+            <a:xfrm>
+              <a:off x="5418" y="7203"/>
+              <a:ext cx="1057" cy="1058"/>
+            </a:xfrm>
+            <a:prstGeom prst="roundRect">
+              <a:avLst/>
+            </a:prstGeom>
+          </p:spPr>
+          <p:style>
+            <a:lnRef idx="2">
+              <a:schemeClr val="accent1">
+                <a:lumMod val="75000"/>
+              </a:schemeClr>
+            </a:lnRef>
+            <a:fillRef idx="1">
+              <a:schemeClr val="accent1"/>
+            </a:fillRef>
+            <a:effectRef idx="0">
+              <a:srgbClr val="FFFFFF"/>
+            </a:effectRef>
+            <a:fontRef idx="minor">
+              <a:schemeClr val="lt1"/>
+            </a:fontRef>
+          </p:style>
+          <p:txBody>
+            <a:bodyPr rtlCol="0" anchor="ctr"/>
+            <a:p>
+              <a:pPr algn="ctr"/>
+              <a:r>
+                <a:rPr lang="en-US" altLang="zh-CN" sz="2400" b="1"/>
+                <a:t>0</a:t>
+              </a:r>
+              <a:endParaRPr lang="en-US" altLang="zh-CN" sz="2400" b="1"/>
+            </a:p>
+          </p:txBody>
+        </p:sp>
+        <p:sp>
+          <p:nvSpPr>
+            <p:cNvPr id="43" name="圆角矩形 42"/>
+            <p:cNvSpPr/>
+            <p:nvPr/>
+          </p:nvSpPr>
+          <p:spPr>
+            <a:xfrm>
+              <a:off x="6787" y="7203"/>
+              <a:ext cx="1057" cy="1058"/>
+            </a:xfrm>
+            <a:prstGeom prst="roundRect">
+              <a:avLst/>
+            </a:prstGeom>
+          </p:spPr>
+          <p:style>
+            <a:lnRef idx="2">
+              <a:schemeClr val="accent1">
+                <a:lumMod val="75000"/>
+              </a:schemeClr>
+            </a:lnRef>
+            <a:fillRef idx="1">
+              <a:schemeClr val="accent1"/>
+            </a:fillRef>
+            <a:effectRef idx="0">
+              <a:srgbClr val="FFFFFF"/>
+            </a:effectRef>
+            <a:fontRef idx="minor">
+              <a:schemeClr val="lt1"/>
+            </a:fontRef>
+          </p:style>
+          <p:txBody>
+            <a:bodyPr rtlCol="0" anchor="ctr"/>
+            <a:p>
+              <a:pPr algn="ctr"/>
+              <a:r>
+                <a:rPr lang="en-US" altLang="zh-CN" sz="2400" b="1"/>
+                <a:t>0</a:t>
+              </a:r>
+              <a:endParaRPr lang="en-US" altLang="zh-CN" sz="2400" b="1"/>
+            </a:p>
+          </p:txBody>
+        </p:sp>
+      </p:grpSp>
+      <p:grpSp>
+        <p:nvGrpSpPr>
+          <p:cNvPr id="44" name="组合 43"/>
+          <p:cNvGrpSpPr/>
+          <p:nvPr/>
+        </p:nvGrpSpPr>
+        <p:grpSpPr>
+          <a:xfrm>
+            <a:off x="5778500" y="5034915"/>
+            <a:ext cx="1071245" cy="468630"/>
+            <a:chOff x="9068" y="7203"/>
+            <a:chExt cx="2420" cy="1058"/>
+          </a:xfrm>
+        </p:grpSpPr>
+        <p:sp>
+          <p:nvSpPr>
+            <p:cNvPr id="54" name="圆角矩形 53"/>
+            <p:cNvSpPr/>
+            <p:nvPr/>
+          </p:nvSpPr>
+          <p:spPr>
+            <a:xfrm>
+              <a:off x="9068" y="7203"/>
+              <a:ext cx="1057" cy="1058"/>
+            </a:xfrm>
+            <a:prstGeom prst="roundRect">
+              <a:avLst/>
+            </a:prstGeom>
+          </p:spPr>
+          <p:style>
+            <a:lnRef idx="2">
+              <a:schemeClr val="accent1">
+                <a:lumMod val="75000"/>
+              </a:schemeClr>
+            </a:lnRef>
+            <a:fillRef idx="1">
+              <a:schemeClr val="accent1"/>
+            </a:fillRef>
+            <a:effectRef idx="0">
+              <a:srgbClr val="FFFFFF"/>
+            </a:effectRef>
+            <a:fontRef idx="minor">
+              <a:schemeClr val="lt1"/>
+            </a:fontRef>
+          </p:style>
+          <p:txBody>
+            <a:bodyPr rtlCol="0" anchor="ctr"/>
+            <a:p>
+              <a:pPr algn="ctr"/>
+              <a:r>
+                <a:rPr lang="en-US" altLang="zh-CN" sz="2400" b="1"/>
+                <a:t>0</a:t>
+              </a:r>
+              <a:endParaRPr lang="en-US" altLang="zh-CN" sz="2400" b="1"/>
+            </a:p>
+          </p:txBody>
+        </p:sp>
+        <p:sp>
+          <p:nvSpPr>
+            <p:cNvPr id="56" name="圆角矩形 55"/>
+            <p:cNvSpPr/>
+            <p:nvPr/>
+          </p:nvSpPr>
+          <p:spPr>
+            <a:xfrm>
+              <a:off x="10432" y="7203"/>
+              <a:ext cx="1057" cy="1058"/>
+            </a:xfrm>
+            <a:prstGeom prst="roundRect">
+              <a:avLst/>
+            </a:prstGeom>
+          </p:spPr>
+          <p:style>
+            <a:lnRef idx="2">
+              <a:schemeClr val="accent1">
+                <a:lumMod val="75000"/>
+              </a:schemeClr>
+            </a:lnRef>
+            <a:fillRef idx="1">
+              <a:schemeClr val="accent1"/>
+            </a:fillRef>
+            <a:effectRef idx="0">
+              <a:srgbClr val="FFFFFF"/>
+            </a:effectRef>
+            <a:fontRef idx="minor">
+              <a:schemeClr val="lt1"/>
+            </a:fontRef>
+          </p:style>
+          <p:txBody>
+            <a:bodyPr rtlCol="0" anchor="ctr"/>
+            <a:p>
+              <a:pPr algn="ctr"/>
+              <a:r>
+                <a:rPr lang="en-US" altLang="zh-CN" sz="2400" b="1"/>
+                <a:t>0</a:t>
+              </a:r>
+              <a:endParaRPr lang="en-US" altLang="zh-CN" sz="2400" b="1"/>
+            </a:p>
+          </p:txBody>
+        </p:sp>
+      </p:grpSp>
+      <p:grpSp>
+        <p:nvGrpSpPr>
+          <p:cNvPr id="57" name="组合 56"/>
+          <p:cNvGrpSpPr/>
+          <p:nvPr/>
+        </p:nvGrpSpPr>
+        <p:grpSpPr>
+          <a:xfrm>
+            <a:off x="7157720" y="5034915"/>
+            <a:ext cx="1677670" cy="468630"/>
+            <a:chOff x="12501" y="7203"/>
+            <a:chExt cx="3789" cy="1058"/>
+          </a:xfrm>
+        </p:grpSpPr>
+        <p:sp>
+          <p:nvSpPr>
+            <p:cNvPr id="58" name="圆角矩形 57"/>
+            <p:cNvSpPr/>
+            <p:nvPr/>
+          </p:nvSpPr>
+          <p:spPr>
+            <a:xfrm>
+              <a:off x="12501" y="7203"/>
+              <a:ext cx="1057" cy="1058"/>
+            </a:xfrm>
+            <a:prstGeom prst="roundRect">
+              <a:avLst/>
+            </a:prstGeom>
+          </p:spPr>
+          <p:style>
+            <a:lnRef idx="2">
+              <a:schemeClr val="accent1">
+                <a:lumMod val="75000"/>
+              </a:schemeClr>
+            </a:lnRef>
+            <a:fillRef idx="1">
+              <a:schemeClr val="accent1"/>
+            </a:fillRef>
+            <a:effectRef idx="0">
+              <a:srgbClr val="FFFFFF"/>
+            </a:effectRef>
+            <a:fontRef idx="minor">
+              <a:schemeClr val="lt1"/>
+            </a:fontRef>
+          </p:style>
+          <p:txBody>
+            <a:bodyPr rtlCol="0" anchor="ctr"/>
+            <a:p>
+              <a:pPr algn="ctr"/>
+              <a:r>
+                <a:rPr lang="en-US" altLang="zh-CN" sz="2400" b="1"/>
+                <a:t>0</a:t>
+              </a:r>
+              <a:endParaRPr lang="en-US" altLang="zh-CN" sz="2400" b="1"/>
+            </a:p>
+          </p:txBody>
+        </p:sp>
+        <p:sp>
+          <p:nvSpPr>
+            <p:cNvPr id="59" name="圆角矩形 58"/>
+            <p:cNvSpPr/>
+            <p:nvPr/>
+          </p:nvSpPr>
+          <p:spPr>
+            <a:xfrm>
+              <a:off x="13870" y="7203"/>
+              <a:ext cx="1057" cy="1058"/>
+            </a:xfrm>
+            <a:prstGeom prst="roundRect">
+              <a:avLst/>
+            </a:prstGeom>
+          </p:spPr>
+          <p:style>
+            <a:lnRef idx="2">
+              <a:schemeClr val="accent1">
+                <a:lumMod val="75000"/>
+              </a:schemeClr>
+            </a:lnRef>
+            <a:fillRef idx="1">
+              <a:schemeClr val="accent1"/>
+            </a:fillRef>
+            <a:effectRef idx="0">
+              <a:srgbClr val="FFFFFF"/>
+            </a:effectRef>
+            <a:fontRef idx="minor">
+              <a:schemeClr val="lt1"/>
+            </a:fontRef>
+          </p:style>
+          <p:txBody>
+            <a:bodyPr rtlCol="0" anchor="ctr"/>
+            <a:p>
+              <a:pPr algn="ctr"/>
+              <a:r>
+                <a:rPr lang="en-US" altLang="zh-CN" sz="2400" b="1"/>
+                <a:t>1</a:t>
+              </a:r>
+              <a:endParaRPr lang="en-US" altLang="zh-CN" sz="2400" b="1"/>
+            </a:p>
+          </p:txBody>
+        </p:sp>
+        <p:sp>
+          <p:nvSpPr>
+            <p:cNvPr id="60" name="圆角矩形 59"/>
+            <p:cNvSpPr/>
+            <p:nvPr/>
+          </p:nvSpPr>
+          <p:spPr>
+            <a:xfrm>
+              <a:off x="15234" y="7203"/>
+              <a:ext cx="1057" cy="1058"/>
+            </a:xfrm>
+            <a:prstGeom prst="roundRect">
+              <a:avLst/>
+            </a:prstGeom>
+          </p:spPr>
+          <p:style>
+            <a:lnRef idx="2">
+              <a:schemeClr val="accent1">
+                <a:lumMod val="75000"/>
+              </a:schemeClr>
+            </a:lnRef>
+            <a:fillRef idx="1">
+              <a:schemeClr val="accent1"/>
+            </a:fillRef>
+            <a:effectRef idx="0">
+              <a:srgbClr val="FFFFFF"/>
+            </a:effectRef>
+            <a:fontRef idx="minor">
+              <a:schemeClr val="lt1"/>
+            </a:fontRef>
+          </p:style>
+          <p:txBody>
+            <a:bodyPr rtlCol="0" anchor="ctr"/>
+            <a:p>
+              <a:pPr algn="ctr"/>
+              <a:r>
+                <a:rPr lang="en-US" altLang="zh-CN" sz="2400" b="1"/>
+                <a:t>1</a:t>
+              </a:r>
+              <a:endParaRPr lang="en-US" altLang="zh-CN" sz="2400" b="1"/>
+            </a:p>
+          </p:txBody>
+        </p:sp>
+      </p:grpSp>
       <p:sp>
         <p:nvSpPr>
-          <p:cNvPr id="16" name="文本框 15"/>
+          <p:cNvPr id="63" name="文本框 62"/>
           <p:cNvSpPr txBox="1"/>
           <p:nvPr/>
         </p:nvSpPr>
         <p:spPr>
           <a:xfrm>
-            <a:off x="9375775" y="2395855"/>
-            <a:ext cx="413385" cy="521970"/>
+            <a:off x="11368405" y="4650105"/>
+            <a:ext cx="380365" cy="521970"/>
+          </a:xfrm>
+          <a:prstGeom prst="rect">
+            <a:avLst/>
+          </a:prstGeom>
+          <a:noFill/>
+        </p:spPr>
+        <p:txBody>
+          <a:bodyPr wrap="none" rtlCol="0">
+            <a:spAutoFit/>
+          </a:bodyPr>
+          <a:p>
+            <a:r>
+              <a:rPr lang="en-US" altLang="zh-CN" sz="2800">
+                <a:solidFill>
+                  <a:srgbClr val="C00000"/>
+                </a:solidFill>
+                <a:effectLst>
+                  <a:outerShdw blurRad="38100" dist="19050" dir="2700000" algn="tl" rotWithShape="0">
+                    <a:schemeClr val="dk1">
+                      <a:alpha val="40000"/>
+                    </a:schemeClr>
+                  </a:outerShdw>
+                </a:effectLst>
+              </a:rPr>
+              <a:t>0</a:t>
+            </a:r>
+            <a:endParaRPr lang="en-US" altLang="zh-CN" sz="2800">
+              <a:solidFill>
+                <a:srgbClr val="C00000"/>
+              </a:solidFill>
+              <a:effectLst>
+                <a:outerShdw blurRad="38100" dist="19050" dir="2700000" algn="tl" rotWithShape="0">
+                  <a:schemeClr val="dk1">
+                    <a:alpha val="40000"/>
+                  </a:schemeClr>
+                </a:outerShdw>
+              </a:effectLst>
+            </a:endParaRPr>
+          </a:p>
+        </p:txBody>
+      </p:sp>
+      <p:sp>
+        <p:nvSpPr>
+          <p:cNvPr id="64" name="矩形 63"/>
+          <p:cNvSpPr/>
+          <p:nvPr/>
+        </p:nvSpPr>
+        <p:spPr>
+          <a:xfrm>
+            <a:off x="11409045" y="4716145"/>
+            <a:ext cx="314325" cy="405765"/>
+          </a:xfrm>
+          <a:prstGeom prst="rect">
+            <a:avLst/>
+          </a:prstGeom>
+        </p:spPr>
+        <p:style>
+          <a:lnRef idx="2">
+            <a:schemeClr val="accent2">
+              <a:shade val="50000"/>
+            </a:schemeClr>
+          </a:lnRef>
+          <a:fillRef idx="1">
+            <a:schemeClr val="accent2"/>
+          </a:fillRef>
+          <a:effectRef idx="0">
+            <a:schemeClr val="accent2"/>
+          </a:effectRef>
+          <a:fontRef idx="minor">
+            <a:schemeClr val="lt1"/>
+          </a:fontRef>
+        </p:style>
+        <p:txBody>
+          <a:bodyPr rtlCol="0" anchor="ctr"/>
+          <a:p>
+            <a:pPr algn="ctr"/>
+            <a:r>
+              <a:rPr lang="en-US" altLang="zh-CN"/>
+              <a:t>1</a:t>
+            </a:r>
+            <a:endParaRPr lang="en-US" altLang="zh-CN"/>
+          </a:p>
+        </p:txBody>
+      </p:sp>
+      <p:sp>
+        <p:nvSpPr>
+          <p:cNvPr id="65" name="矩形 64"/>
+          <p:cNvSpPr/>
+          <p:nvPr/>
+        </p:nvSpPr>
+        <p:spPr>
+          <a:xfrm>
+            <a:off x="11402695" y="4728845"/>
+            <a:ext cx="314325" cy="405765"/>
+          </a:xfrm>
+          <a:prstGeom prst="rect">
+            <a:avLst/>
+          </a:prstGeom>
+        </p:spPr>
+        <p:style>
+          <a:lnRef idx="2">
+            <a:schemeClr val="accent2">
+              <a:shade val="50000"/>
+            </a:schemeClr>
+          </a:lnRef>
+          <a:fillRef idx="1">
+            <a:schemeClr val="accent2"/>
+          </a:fillRef>
+          <a:effectRef idx="0">
+            <a:schemeClr val="accent2"/>
+          </a:effectRef>
+          <a:fontRef idx="minor">
+            <a:schemeClr val="lt1"/>
+          </a:fontRef>
+        </p:style>
+        <p:txBody>
+          <a:bodyPr rtlCol="0" anchor="ctr"/>
+          <a:p>
+            <a:pPr algn="ctr"/>
+            <a:r>
+              <a:rPr lang="en-US" altLang="zh-CN"/>
+              <a:t>2</a:t>
+            </a:r>
+            <a:endParaRPr lang="en-US" altLang="zh-CN"/>
+          </a:p>
+        </p:txBody>
+      </p:sp>
+      <p:sp>
+        <p:nvSpPr>
+          <p:cNvPr id="67" name="左箭头 66"/>
+          <p:cNvSpPr/>
+          <p:nvPr/>
+        </p:nvSpPr>
+        <p:spPr>
+          <a:xfrm>
+            <a:off x="9046845" y="3799840"/>
+            <a:ext cx="659130" cy="360680"/>
+          </a:xfrm>
+          <a:prstGeom prst="leftArrow">
+            <a:avLst/>
+          </a:prstGeom>
+        </p:spPr>
+        <p:style>
+          <a:lnRef idx="2">
+            <a:schemeClr val="accent2">
+              <a:shade val="50000"/>
+            </a:schemeClr>
+          </a:lnRef>
+          <a:fillRef idx="1">
+            <a:schemeClr val="accent2"/>
+          </a:fillRef>
+          <a:effectRef idx="0">
+            <a:schemeClr val="accent2"/>
+          </a:effectRef>
+          <a:fontRef idx="minor">
+            <a:schemeClr val="lt1"/>
+          </a:fontRef>
+        </p:style>
+        <p:txBody>
+          <a:bodyPr rtlCol="0" anchor="ctr"/>
+          <a:p>
+            <a:pPr algn="ctr"/>
+            <a:endParaRPr lang="zh-CN" altLang="en-US"/>
+          </a:p>
+        </p:txBody>
+      </p:sp>
+      <p:sp>
+        <p:nvSpPr>
+          <p:cNvPr id="69" name="文本框 68"/>
+          <p:cNvSpPr txBox="1"/>
+          <p:nvPr/>
+        </p:nvSpPr>
+        <p:spPr>
+          <a:xfrm>
+            <a:off x="413385" y="5069840"/>
+            <a:ext cx="2831465" cy="398780"/>
           </a:xfrm>
           <a:prstGeom prst="rect">
             <a:avLst/>
@@ -8811,53 +9765,147 @@
             <a:spAutoFit/>
           </a:bodyPr>
           <a:p>
+            <a:pPr algn="dist"/>
             <a:r>
-              <a:rPr lang="en-US" altLang="zh-CN" sz="2800" b="1">
-                <a:solidFill>
-                  <a:srgbClr val="FF0000"/>
-                </a:solidFill>
-              </a:rPr>
-              <a:t>3</a:t>
+              <a:rPr lang="zh-CN" altLang="en-US" sz="2000" b="1"/>
+              <a:t>等一下要算加法</a:t>
             </a:r>
-            <a:endParaRPr lang="en-US" altLang="zh-CN" sz="2800" b="1">
-              <a:solidFill>
-                <a:srgbClr val="FF0000"/>
-              </a:solidFill>
-            </a:endParaRPr>
+            <a:r>
+              <a:rPr lang="zh-CN" altLang="en-US" sz="2000" b="1"/>
+              <a:t>哦！</a:t>
+            </a:r>
+            <a:endParaRPr lang="zh-CN" altLang="en-US" sz="2000" b="1"/>
           </a:p>
         </p:txBody>
       </p:sp>
+      <p:sp>
+        <p:nvSpPr>
+          <p:cNvPr id="70" name="文本框 69"/>
+          <p:cNvSpPr txBox="1"/>
+          <p:nvPr/>
+        </p:nvSpPr>
+        <p:spPr>
+          <a:xfrm>
+            <a:off x="429260" y="5534660"/>
+            <a:ext cx="2077720" cy="398780"/>
+          </a:xfrm>
+          <a:prstGeom prst="rect">
+            <a:avLst/>
+          </a:prstGeom>
+          <a:noFill/>
+        </p:spPr>
+        <p:txBody>
+          <a:bodyPr wrap="square" rtlCol="0">
+            <a:spAutoFit/>
+          </a:bodyPr>
+          <a:p>
+            <a:pPr algn="dist"/>
+            <a:r>
+              <a:rPr lang="en-US" altLang="zh-CN" sz="2000" b="1"/>
+              <a:t>First Num</a:t>
+            </a:r>
+            <a:r>
+              <a:rPr lang="zh-CN" altLang="en-US" sz="2000" b="1"/>
+              <a:t>：</a:t>
+            </a:r>
+            <a:r>
+              <a:rPr lang="en-US" altLang="zh-CN" sz="2000" b="1"/>
+              <a:t>R0</a:t>
+            </a:r>
+            <a:endParaRPr lang="zh-CN" altLang="en-US" sz="2000" b="1"/>
+          </a:p>
+        </p:txBody>
+      </p:sp>
+      <p:sp>
+        <p:nvSpPr>
+          <p:cNvPr id="71" name="文本框 70"/>
+          <p:cNvSpPr txBox="1"/>
+          <p:nvPr/>
+        </p:nvSpPr>
+        <p:spPr>
+          <a:xfrm>
+            <a:off x="414020" y="5867400"/>
+            <a:ext cx="2541270" cy="398780"/>
+          </a:xfrm>
+          <a:prstGeom prst="rect">
+            <a:avLst/>
+          </a:prstGeom>
+          <a:noFill/>
+        </p:spPr>
+        <p:txBody>
+          <a:bodyPr wrap="square" rtlCol="0">
+            <a:spAutoFit/>
+          </a:bodyPr>
+          <a:p>
+            <a:pPr algn="dist"/>
+            <a:r>
+              <a:rPr lang="en-US" altLang="zh-CN" sz="2000" b="1"/>
+              <a:t>Second Num</a:t>
+            </a:r>
+            <a:r>
+              <a:rPr lang="zh-CN" altLang="en-US" sz="2000" b="1"/>
+              <a:t>：</a:t>
+            </a:r>
+            <a:r>
+              <a:rPr lang="en-US" altLang="zh-CN" sz="2000" b="1"/>
+              <a:t>R3</a:t>
+            </a:r>
+            <a:endParaRPr lang="zh-CN" altLang="en-US" sz="2000" b="1"/>
+          </a:p>
+        </p:txBody>
+      </p:sp>
+      <p:pic>
+        <p:nvPicPr>
+          <p:cNvPr id="72" name="图片 71"/>
+          <p:cNvPicPr>
+            <a:picLocks noChangeAspect="1"/>
+          </p:cNvPicPr>
+          <p:nvPr/>
+        </p:nvPicPr>
+        <p:blipFill>
+          <a:blip r:embed="rId3"/>
+          <a:stretch>
+            <a:fillRect/>
+          </a:stretch>
+        </p:blipFill>
+        <p:spPr>
+          <a:xfrm>
+            <a:off x="7315200" y="1236980"/>
+            <a:ext cx="4433570" cy="1440815"/>
+          </a:xfrm>
+          <a:prstGeom prst="rect">
+            <a:avLst/>
+          </a:prstGeom>
+        </p:spPr>
+      </p:pic>
       <p:grpSp>
         <p:nvGrpSpPr>
-          <p:cNvPr id="50" name="组合 49"/>
+          <p:cNvPr id="73" name="组合 72"/>
           <p:cNvGrpSpPr/>
           <p:nvPr/>
         </p:nvGrpSpPr>
         <p:grpSpPr>
           <a:xfrm>
-            <a:off x="5273675" y="5297805"/>
-            <a:ext cx="1849120" cy="1033145"/>
-            <a:chOff x="8496" y="8686"/>
-            <a:chExt cx="2912" cy="1627"/>
+            <a:off x="10810875" y="1237615"/>
+            <a:ext cx="843915" cy="1231900"/>
+            <a:chOff x="11831" y="2773"/>
+            <a:chExt cx="1604" cy="2273"/>
           </a:xfrm>
         </p:grpSpPr>
         <p:sp>
           <p:nvSpPr>
-            <p:cNvPr id="48" name="矩形 47"/>
+            <p:cNvPr id="74" name="圆角矩形 73"/>
             <p:cNvSpPr/>
             <p:nvPr/>
           </p:nvSpPr>
           <p:spPr>
             <a:xfrm>
-              <a:off x="8496" y="9403"/>
-              <a:ext cx="2913" cy="910"/>
+              <a:off x="11831" y="3465"/>
+              <a:ext cx="1547" cy="1581"/>
             </a:xfrm>
-            <a:prstGeom prst="rect">
+            <a:prstGeom prst="roundRect">
               <a:avLst/>
             </a:prstGeom>
-            <a:ln>
-              <a:noFill/>
-            </a:ln>
           </p:spPr>
           <p:style>
             <a:lnRef idx="2">
@@ -8881,7 +9929,7 @@
               <a:pPr algn="ctr"/>
               <a:r>
                 <a:rPr lang="en-US" altLang="zh-CN" sz="2800" b="1"/>
-                <a:t>ENTER</a:t>
+                <a:t>3</a:t>
               </a:r>
               <a:endParaRPr lang="en-US" altLang="zh-CN" sz="2800" b="1"/>
             </a:p>
@@ -8889,50 +9937,76 @@
         </p:sp>
         <p:sp>
           <p:nvSpPr>
-            <p:cNvPr id="49" name="矩形 48"/>
-            <p:cNvSpPr/>
+            <p:cNvPr id="75" name="文本框 74"/>
+            <p:cNvSpPr txBox="1"/>
             <p:nvPr/>
           </p:nvSpPr>
           <p:spPr>
             <a:xfrm>
-              <a:off x="10316" y="8686"/>
-              <a:ext cx="1092" cy="739"/>
+              <a:off x="12164" y="2773"/>
+              <a:ext cx="1271" cy="804"/>
             </a:xfrm>
             <a:prstGeom prst="rect">
               <a:avLst/>
             </a:prstGeom>
-            <a:ln>
-              <a:noFill/>
-            </a:ln>
+            <a:noFill/>
           </p:spPr>
-          <p:style>
-            <a:lnRef idx="2">
-              <a:schemeClr val="accent1">
-                <a:lumMod val="75000"/>
-              </a:schemeClr>
-            </a:lnRef>
-            <a:fillRef idx="1">
-              <a:schemeClr val="accent1"/>
-            </a:fillRef>
-            <a:effectRef idx="0">
-              <a:srgbClr val="FFFFFF"/>
-            </a:effectRef>
-            <a:fontRef idx="minor">
-              <a:schemeClr val="lt1"/>
-            </a:fontRef>
-          </p:style>
           <p:txBody>
-            <a:bodyPr rtlCol="0" anchor="ctr"/>
+            <a:bodyPr wrap="square" rtlCol="0">
+              <a:spAutoFit/>
+            </a:bodyPr>
             <a:p>
-              <a:pPr algn="ctr"/>
-              <a:endParaRPr lang="zh-CN" altLang="en-US"/>
+              <a:endParaRPr lang="en-US" altLang="zh-CN" sz="2400" b="1"/>
             </a:p>
           </p:txBody>
         </p:sp>
       </p:grpSp>
+      <p:sp>
+        <p:nvSpPr>
+          <p:cNvPr id="4" name="圆角矩形 3"/>
+          <p:cNvSpPr/>
+          <p:nvPr/>
+        </p:nvSpPr>
+        <p:spPr>
+          <a:xfrm>
+            <a:off x="7393305" y="1612900"/>
+            <a:ext cx="798195" cy="856615"/>
+          </a:xfrm>
+          <a:prstGeom prst="roundRect">
+            <a:avLst/>
+          </a:prstGeom>
+        </p:spPr>
+        <p:style>
+          <a:lnRef idx="2">
+            <a:schemeClr val="accent1">
+              <a:lumMod val="75000"/>
+            </a:schemeClr>
+          </a:lnRef>
+          <a:fillRef idx="1">
+            <a:schemeClr val="accent1"/>
+          </a:fillRef>
+          <a:effectRef idx="0">
+            <a:srgbClr val="FFFFFF"/>
+          </a:effectRef>
+          <a:fontRef idx="minor">
+            <a:schemeClr val="lt1"/>
+          </a:fontRef>
+        </p:style>
+        <p:txBody>
+          <a:bodyPr rtlCol="0" anchor="ctr"/>
+          <a:p>
+            <a:pPr algn="ctr"/>
+            <a:r>
+              <a:rPr lang="en-US" altLang="zh-CN" sz="2800" b="1"/>
+              <a:t>7</a:t>
+            </a:r>
+            <a:endParaRPr lang="en-US" altLang="zh-CN" sz="2800" b="1"/>
+          </a:p>
+        </p:txBody>
+      </p:sp>
     </p:spTree>
     <p:custDataLst>
-      <p:tags r:id="rId3"/>
+      <p:tags r:id="rId4"/>
     </p:custDataLst>
   </p:cSld>
   <p:clrMapOvr>
@@ -8953,9 +10027,6 @@
                     <p:cTn id="3" fill="hold">
                       <p:stCondLst>
                         <p:cond delay="indefinite"/>
-                        <p:cond evt="onBegin" delay="0">
-                          <p:tn val="2"/>
-                        </p:cond>
                       </p:stCondLst>
                       <p:childTnLst>
                         <p:par>
@@ -8965,20 +10036,20 @@
                             </p:stCondLst>
                             <p:childTnLst>
                               <p:par>
-                                <p:cTn id="5" presetID="2" presetClass="entr" presetSubtype="4" fill="hold" grpId="0" nodeType="withEffect">
+                                <p:cTn id="5" presetID="2" presetClass="entr" presetSubtype="4" fill="hold" nodeType="clickEffect">
                                   <p:stCondLst>
                                     <p:cond delay="0"/>
                                   </p:stCondLst>
                                   <p:childTnLst>
                                     <p:set>
                                       <p:cBhvr>
-                                        <p:cTn id="6" dur="1" fill="hold">
+                                        <p:cTn id="6" dur="500" fill="hold">
                                           <p:stCondLst>
                                             <p:cond delay="0"/>
                                           </p:stCondLst>
                                         </p:cTn>
                                         <p:tgtEl>
-                                          <p:spTgt spid="37"/>
+                                          <p:spTgt spid="45"/>
                                         </p:tgtEl>
                                         <p:attrNameLst>
                                           <p:attrName>style.visibility</p:attrName>
@@ -8992,7 +10063,7 @@
                                       <p:cBhvr additive="base">
                                         <p:cTn id="7" dur="500" fill="hold"/>
                                         <p:tgtEl>
-                                          <p:spTgt spid="37"/>
+                                          <p:spTgt spid="45"/>
                                         </p:tgtEl>
                                         <p:attrNameLst>
                                           <p:attrName>ppt_x</p:attrName>
@@ -9015,7 +10086,7 @@
                                       <p:cBhvr additive="base">
                                         <p:cTn id="8" dur="500" fill="hold"/>
                                         <p:tgtEl>
-                                          <p:spTgt spid="37"/>
+                                          <p:spTgt spid="45"/>
                                         </p:tgtEl>
                                         <p:attrNameLst>
                                           <p:attrName>ppt_y</p:attrName>
@@ -9069,7 +10140,7 @@
                                           </p:stCondLst>
                                         </p:cTn>
                                         <p:tgtEl>
-                                          <p:spTgt spid="45"/>
+                                          <p:spTgt spid="46"/>
                                         </p:tgtEl>
                                         <p:attrNameLst>
                                           <p:attrName>style.visibility</p:attrName>
@@ -9083,7 +10154,7 @@
                                       <p:cBhvr additive="base">
                                         <p:cTn id="13" dur="500" fill="hold"/>
                                         <p:tgtEl>
-                                          <p:spTgt spid="45"/>
+                                          <p:spTgt spid="46"/>
                                         </p:tgtEl>
                                         <p:attrNameLst>
                                           <p:attrName>ppt_x</p:attrName>
@@ -9106,7 +10177,7 @@
                                       <p:cBhvr additive="base">
                                         <p:cTn id="14" dur="500" fill="hold"/>
                                         <p:tgtEl>
-                                          <p:spTgt spid="45"/>
+                                          <p:spTgt spid="46"/>
                                         </p:tgtEl>
                                         <p:attrNameLst>
                                           <p:attrName>ppt_y</p:attrName>
@@ -9154,13 +10225,13 @@
                                   <p:childTnLst>
                                     <p:set>
                                       <p:cBhvr>
-                                        <p:cTn id="18" dur="500" fill="hold">
+                                        <p:cTn id="18" dur="1" fill="hold">
                                           <p:stCondLst>
                                             <p:cond delay="0"/>
                                           </p:stCondLst>
                                         </p:cTn>
                                         <p:tgtEl>
-                                          <p:spTgt spid="46"/>
+                                          <p:spTgt spid="47"/>
                                         </p:tgtEl>
                                         <p:attrNameLst>
                                           <p:attrName>style.visibility</p:attrName>
@@ -9174,7 +10245,7 @@
                                       <p:cBhvr additive="base">
                                         <p:cTn id="19" dur="500" fill="hold"/>
                                         <p:tgtEl>
-                                          <p:spTgt spid="46"/>
+                                          <p:spTgt spid="47"/>
                                         </p:tgtEl>
                                         <p:attrNameLst>
                                           <p:attrName>ppt_x</p:attrName>
@@ -9197,7 +10268,7 @@
                                       <p:cBhvr additive="base">
                                         <p:cTn id="20" dur="500" fill="hold"/>
                                         <p:tgtEl>
-                                          <p:spTgt spid="46"/>
+                                          <p:spTgt spid="47"/>
                                         </p:tgtEl>
                                         <p:attrNameLst>
                                           <p:attrName>ppt_y</p:attrName>
@@ -9245,13 +10316,13 @@
                                   <p:childTnLst>
                                     <p:set>
                                       <p:cBhvr>
-                                        <p:cTn id="24" dur="1" fill="hold">
+                                        <p:cTn id="24" dur="500" fill="hold">
                                           <p:stCondLst>
                                             <p:cond delay="0"/>
                                           </p:stCondLst>
                                         </p:cTn>
                                         <p:tgtEl>
-                                          <p:spTgt spid="47"/>
+                                          <p:spTgt spid="27"/>
                                         </p:tgtEl>
                                         <p:attrNameLst>
                                           <p:attrName>style.visibility</p:attrName>
@@ -9265,7 +10336,7 @@
                                       <p:cBhvr additive="base">
                                         <p:cTn id="25" dur="500" fill="hold"/>
                                         <p:tgtEl>
-                                          <p:spTgt spid="47"/>
+                                          <p:spTgt spid="27"/>
                                         </p:tgtEl>
                                         <p:attrNameLst>
                                           <p:attrName>ppt_x</p:attrName>
@@ -9288,7 +10359,7 @@
                                       <p:cBhvr additive="base">
                                         <p:cTn id="26" dur="500" fill="hold"/>
                                         <p:tgtEl>
-                                          <p:spTgt spid="47"/>
+                                          <p:spTgt spid="27"/>
                                         </p:tgtEl>
                                         <p:attrNameLst>
                                           <p:attrName>ppt_y</p:attrName>
@@ -9329,651 +10400,20 @@
                             </p:stCondLst>
                             <p:childTnLst>
                               <p:par>
-                                <p:cTn id="29" presetID="22" presetClass="entr" presetSubtype="1" fill="hold" nodeType="clickEffect">
+                                <p:cTn id="29" presetID="2" presetClass="entr" presetSubtype="4" fill="hold" nodeType="clickEffect">
                                   <p:stCondLst>
                                     <p:cond delay="0"/>
                                   </p:stCondLst>
                                   <p:childTnLst>
                                     <p:set>
                                       <p:cBhvr>
-                                        <p:cTn id="30" dur="1" fill="hold">
+                                        <p:cTn id="30" dur="500" fill="hold">
                                           <p:stCondLst>
                                             <p:cond delay="0"/>
                                           </p:stCondLst>
                                         </p:cTn>
                                         <p:tgtEl>
-                                          <p:spTgt spid="50"/>
-                                        </p:tgtEl>
-                                        <p:attrNameLst>
-                                          <p:attrName>style.visibility</p:attrName>
-                                        </p:attrNameLst>
-                                      </p:cBhvr>
-                                      <p:to>
-                                        <p:strVal val="visible"/>
-                                      </p:to>
-                                    </p:set>
-                                    <p:animEffect transition="in" filter="wipe(up)">
-                                      <p:cBhvr>
-                                        <p:cTn id="31" dur="500"/>
-                                        <p:tgtEl>
-                                          <p:spTgt spid="50"/>
-                                        </p:tgtEl>
-                                      </p:cBhvr>
-                                    </p:animEffect>
-                                  </p:childTnLst>
-                                </p:cTn>
-                              </p:par>
-                            </p:childTnLst>
-                          </p:cTn>
-                        </p:par>
-                        <p:par>
-                          <p:cTn id="32" fill="hold">
-                            <p:stCondLst>
-                              <p:cond delay="500"/>
-                            </p:stCondLst>
-                            <p:childTnLst>
-                              <p:par>
-                                <p:cTn id="33" presetID="22" presetClass="exit" presetSubtype="4" fill="hold" nodeType="afterEffect">
-                                  <p:stCondLst>
-                                    <p:cond delay="0"/>
-                                  </p:stCondLst>
-                                  <p:childTnLst>
-                                    <p:animEffect transition="out" filter="wipe(down)">
-                                      <p:cBhvr>
-                                        <p:cTn id="34" dur="500"/>
-                                        <p:tgtEl>
-                                          <p:spTgt spid="50"/>
-                                        </p:tgtEl>
-                                      </p:cBhvr>
-                                    </p:animEffect>
-                                    <p:set>
-                                      <p:cBhvr>
-                                        <p:cTn id="35" dur="1" fill="hold">
-                                          <p:stCondLst>
-                                            <p:cond delay="499"/>
-                                          </p:stCondLst>
-                                        </p:cTn>
-                                        <p:tgtEl>
-                                          <p:spTgt spid="50"/>
-                                        </p:tgtEl>
-                                        <p:attrNameLst>
-                                          <p:attrName>style.visibility</p:attrName>
-                                        </p:attrNameLst>
-                                      </p:cBhvr>
-                                      <p:to>
-                                        <p:strVal val="hidden"/>
-                                      </p:to>
-                                    </p:set>
-                                  </p:childTnLst>
-                                </p:cTn>
-                              </p:par>
-                            </p:childTnLst>
-                          </p:cTn>
-                        </p:par>
-                      </p:childTnLst>
-                    </p:cTn>
-                  </p:par>
-                  <p:par>
-                    <p:cTn id="36" fill="hold">
-                      <p:stCondLst>
-                        <p:cond delay="indefinite"/>
-                      </p:stCondLst>
-                      <p:childTnLst>
-                        <p:par>
-                          <p:cTn id="37" fill="hold">
-                            <p:stCondLst>
-                              <p:cond delay="0"/>
-                            </p:stCondLst>
-                            <p:childTnLst>
-                              <p:par>
-                                <p:cTn id="38" presetID="0" presetClass="path" presetSubtype="0" accel="50000" decel="50000" fill="hold" nodeType="clickEffect">
-                                  <p:stCondLst>
-                                    <p:cond delay="0"/>
-                                  </p:stCondLst>
-                                  <p:childTnLst>
-                                    <p:animMotion origin="layout" path="M -0.00177083 0.00111111 L -0.162083 -0.368056 " pathEditMode="relative" rAng="0" ptsTypes="">
-                                      <p:cBhvr>
-                                        <p:cTn id="39" dur="500" fill="hold"/>
-                                        <p:tgtEl>
-                                          <p:spTgt spid="45"/>
-                                        </p:tgtEl>
-                                        <p:attrNameLst>
-                                          <p:attrName>ppt_x</p:attrName>
-                                          <p:attrName>ppt_y</p:attrName>
-                                        </p:attrNameLst>
-                                      </p:cBhvr>
-                                      <p:rCtr x="-76" y="-132"/>
-                                    </p:animMotion>
-                                  </p:childTnLst>
-                                </p:cTn>
-                              </p:par>
-                            </p:childTnLst>
-                          </p:cTn>
-                        </p:par>
-                        <p:par>
-                          <p:cTn id="40" fill="hold">
-                            <p:stCondLst>
-                              <p:cond delay="500"/>
-                            </p:stCondLst>
-                            <p:childTnLst>
-                              <p:par>
-                                <p:cTn id="41" presetID="22" presetClass="exit" presetSubtype="4" fill="hold" nodeType="afterEffect">
-                                  <p:stCondLst>
-                                    <p:cond delay="0"/>
-                                  </p:stCondLst>
-                                  <p:childTnLst>
-                                    <p:animEffect transition="out" filter="wipe(down)">
-                                      <p:cBhvr>
-                                        <p:cTn id="42" dur="500"/>
-                                        <p:tgtEl>
-                                          <p:spTgt spid="45"/>
-                                        </p:tgtEl>
-                                      </p:cBhvr>
-                                    </p:animEffect>
-                                    <p:set>
-                                      <p:cBhvr>
-                                        <p:cTn id="43" dur="1" fill="hold">
-                                          <p:stCondLst>
-                                            <p:cond delay="499"/>
-                                          </p:stCondLst>
-                                        </p:cTn>
-                                        <p:tgtEl>
-                                          <p:spTgt spid="45"/>
-                                        </p:tgtEl>
-                                        <p:attrNameLst>
-                                          <p:attrName>style.visibility</p:attrName>
-                                        </p:attrNameLst>
-                                      </p:cBhvr>
-                                      <p:to>
-                                        <p:strVal val="hidden"/>
-                                      </p:to>
-                                    </p:set>
-                                  </p:childTnLst>
-                                </p:cTn>
-                              </p:par>
-                            </p:childTnLst>
-                          </p:cTn>
-                        </p:par>
-                        <p:par>
-                          <p:cTn id="44" fill="hold">
-                            <p:stCondLst>
-                              <p:cond delay="1000"/>
-                            </p:stCondLst>
-                            <p:childTnLst>
-                              <p:par>
-                                <p:cTn id="45" presetID="3" presetClass="entr" presetSubtype="10" fill="hold" grpId="0" nodeType="afterEffect">
-                                  <p:stCondLst>
-                                    <p:cond delay="0"/>
-                                  </p:stCondLst>
-                                  <p:childTnLst>
-                                    <p:set>
-                                      <p:cBhvr>
-                                        <p:cTn id="46" dur="1" fill="hold">
-                                          <p:stCondLst>
-                                            <p:cond delay="0"/>
-                                          </p:stCondLst>
-                                        </p:cTn>
-                                        <p:tgtEl>
-                                          <p:spTgt spid="51"/>
-                                        </p:tgtEl>
-                                        <p:attrNameLst>
-                                          <p:attrName>style.visibility</p:attrName>
-                                        </p:attrNameLst>
-                                      </p:cBhvr>
-                                      <p:to>
-                                        <p:strVal val="visible"/>
-                                      </p:to>
-                                    </p:set>
-                                    <p:animEffect transition="in" filter="blinds(horizontal)">
-                                      <p:cBhvr>
-                                        <p:cTn id="47" dur="500"/>
-                                        <p:tgtEl>
-                                          <p:spTgt spid="51"/>
-                                        </p:tgtEl>
-                                      </p:cBhvr>
-                                    </p:animEffect>
-                                  </p:childTnLst>
-                                </p:cTn>
-                              </p:par>
-                            </p:childTnLst>
-                          </p:cTn>
-                        </p:par>
-                      </p:childTnLst>
-                    </p:cTn>
-                  </p:par>
-                  <p:par>
-                    <p:cTn id="48" fill="hold">
-                      <p:stCondLst>
-                        <p:cond delay="indefinite"/>
-                      </p:stCondLst>
-                      <p:childTnLst>
-                        <p:par>
-                          <p:cTn id="49" fill="hold">
-                            <p:stCondLst>
-                              <p:cond delay="0"/>
-                            </p:stCondLst>
-                            <p:childTnLst>
-                              <p:par>
-                                <p:cTn id="50" presetID="0" presetClass="path" presetSubtype="0" accel="50000" decel="50000" fill="hold" nodeType="clickEffect">
-                                  <p:stCondLst>
-                                    <p:cond delay="0"/>
-                                  </p:stCondLst>
-                                  <p:childTnLst>
-                                    <p:animMotion origin="layout" path="M 0 0 L -0.389375 -0.363981 " pathEditMode="relative" rAng="0" ptsTypes="">
-                                      <p:cBhvr>
-                                        <p:cTn id="51" dur="500" fill="hold"/>
-                                        <p:tgtEl>
-                                          <p:spTgt spid="46"/>
-                                        </p:tgtEl>
-                                        <p:attrNameLst>
-                                          <p:attrName>ppt_x</p:attrName>
-                                          <p:attrName>ppt_y</p:attrName>
-                                        </p:attrNameLst>
-                                      </p:cBhvr>
-                                      <p:rCtr x="-192" y="-121"/>
-                                    </p:animMotion>
-                                  </p:childTnLst>
-                                </p:cTn>
-                              </p:par>
-                            </p:childTnLst>
-                          </p:cTn>
-                        </p:par>
-                        <p:par>
-                          <p:cTn id="52" fill="hold">
-                            <p:stCondLst>
-                              <p:cond delay="500"/>
-                            </p:stCondLst>
-                            <p:childTnLst>
-                              <p:par>
-                                <p:cTn id="53" presetID="22" presetClass="exit" presetSubtype="4" fill="hold" nodeType="afterEffect">
-                                  <p:stCondLst>
-                                    <p:cond delay="0"/>
-                                  </p:stCondLst>
-                                  <p:childTnLst>
-                                    <p:animEffect transition="out" filter="wipe(down)">
-                                      <p:cBhvr>
-                                        <p:cTn id="54" dur="500"/>
-                                        <p:tgtEl>
-                                          <p:spTgt spid="46"/>
-                                        </p:tgtEl>
-                                      </p:cBhvr>
-                                    </p:animEffect>
-                                    <p:set>
-                                      <p:cBhvr>
-                                        <p:cTn id="55" dur="1" fill="hold">
-                                          <p:stCondLst>
-                                            <p:cond delay="499"/>
-                                          </p:stCondLst>
-                                        </p:cTn>
-                                        <p:tgtEl>
-                                          <p:spTgt spid="46"/>
-                                        </p:tgtEl>
-                                        <p:attrNameLst>
-                                          <p:attrName>style.visibility</p:attrName>
-                                        </p:attrNameLst>
-                                      </p:cBhvr>
-                                      <p:to>
-                                        <p:strVal val="hidden"/>
-                                      </p:to>
-                                    </p:set>
-                                  </p:childTnLst>
-                                </p:cTn>
-                              </p:par>
-                            </p:childTnLst>
-                          </p:cTn>
-                        </p:par>
-                        <p:par>
-                          <p:cTn id="56" fill="hold">
-                            <p:stCondLst>
-                              <p:cond delay="1000"/>
-                            </p:stCondLst>
-                            <p:childTnLst>
-                              <p:par>
-                                <p:cTn id="57" presetID="3" presetClass="entr" presetSubtype="10" fill="hold" grpId="0" nodeType="afterEffect">
-                                  <p:stCondLst>
-                                    <p:cond delay="0"/>
-                                  </p:stCondLst>
-                                  <p:childTnLst>
-                                    <p:set>
-                                      <p:cBhvr>
-                                        <p:cTn id="58" dur="1" fill="hold">
-                                          <p:stCondLst>
-                                            <p:cond delay="0"/>
-                                          </p:stCondLst>
-                                        </p:cTn>
-                                        <p:tgtEl>
-                                          <p:spTgt spid="53"/>
-                                        </p:tgtEl>
-                                        <p:attrNameLst>
-                                          <p:attrName>style.visibility</p:attrName>
-                                        </p:attrNameLst>
-                                      </p:cBhvr>
-                                      <p:to>
-                                        <p:strVal val="visible"/>
-                                      </p:to>
-                                    </p:set>
-                                    <p:animEffect transition="in" filter="blinds(horizontal)">
-                                      <p:cBhvr>
-                                        <p:cTn id="59" dur="500"/>
-                                        <p:tgtEl>
-                                          <p:spTgt spid="53"/>
-                                        </p:tgtEl>
-                                      </p:cBhvr>
-                                    </p:animEffect>
-                                  </p:childTnLst>
-                                </p:cTn>
-                              </p:par>
-                            </p:childTnLst>
-                          </p:cTn>
-                        </p:par>
-                      </p:childTnLst>
-                    </p:cTn>
-                  </p:par>
-                  <p:par>
-                    <p:cTn id="60" fill="hold">
-                      <p:stCondLst>
-                        <p:cond delay="indefinite"/>
-                      </p:stCondLst>
-                      <p:childTnLst>
-                        <p:par>
-                          <p:cTn id="61" fill="hold">
-                            <p:stCondLst>
-                              <p:cond delay="0"/>
-                            </p:stCondLst>
-                            <p:childTnLst>
-                              <p:par>
-                                <p:cTn id="62" presetID="0" presetClass="path" presetSubtype="0" accel="50000" decel="50000" fill="hold" nodeType="clickEffect">
-                                  <p:stCondLst>
-                                    <p:cond delay="0"/>
-                                  </p:stCondLst>
-                                  <p:childTnLst>
-                                    <p:animMotion origin="layout" path="M 0 0.00101852 L -0.603229 -0.358796 " pathEditMode="relative" rAng="0" ptsTypes="">
-                                      <p:cBhvr>
-                                        <p:cTn id="63" dur="500" fill="hold"/>
-                                        <p:tgtEl>
-                                          <p:spTgt spid="47"/>
-                                        </p:tgtEl>
-                                        <p:attrNameLst>
-                                          <p:attrName>ppt_x</p:attrName>
-                                          <p:attrName>ppt_y</p:attrName>
-                                        </p:attrNameLst>
-                                      </p:cBhvr>
-                                      <p:rCtr x="-298" y="-122"/>
-                                    </p:animMotion>
-                                  </p:childTnLst>
-                                </p:cTn>
-                              </p:par>
-                            </p:childTnLst>
-                          </p:cTn>
-                        </p:par>
-                        <p:par>
-                          <p:cTn id="64" fill="hold">
-                            <p:stCondLst>
-                              <p:cond delay="500"/>
-                            </p:stCondLst>
-                            <p:childTnLst>
-                              <p:par>
-                                <p:cTn id="65" presetID="22" presetClass="exit" presetSubtype="4" fill="hold" nodeType="afterEffect">
-                                  <p:stCondLst>
-                                    <p:cond delay="0"/>
-                                  </p:stCondLst>
-                                  <p:childTnLst>
-                                    <p:animEffect transition="out" filter="wipe(down)">
-                                      <p:cBhvr>
-                                        <p:cTn id="66" dur="500"/>
-                                        <p:tgtEl>
-                                          <p:spTgt spid="47"/>
-                                        </p:tgtEl>
-                                      </p:cBhvr>
-                                    </p:animEffect>
-                                    <p:set>
-                                      <p:cBhvr>
-                                        <p:cTn id="67" dur="1" fill="hold">
-                                          <p:stCondLst>
-                                            <p:cond delay="499"/>
-                                          </p:stCondLst>
-                                        </p:cTn>
-                                        <p:tgtEl>
-                                          <p:spTgt spid="47"/>
-                                        </p:tgtEl>
-                                        <p:attrNameLst>
-                                          <p:attrName>style.visibility</p:attrName>
-                                        </p:attrNameLst>
-                                      </p:cBhvr>
-                                      <p:to>
-                                        <p:strVal val="hidden"/>
-                                      </p:to>
-                                    </p:set>
-                                  </p:childTnLst>
-                                </p:cTn>
-                              </p:par>
-                            </p:childTnLst>
-                          </p:cTn>
-                        </p:par>
-                        <p:par>
-                          <p:cTn id="68" fill="hold">
-                            <p:stCondLst>
-                              <p:cond delay="1000"/>
-                            </p:stCondLst>
-                            <p:childTnLst>
-                              <p:par>
-                                <p:cTn id="69" presetID="3" presetClass="entr" presetSubtype="10" fill="hold" grpId="0" nodeType="afterEffect">
-                                  <p:stCondLst>
-                                    <p:cond delay="0"/>
-                                  </p:stCondLst>
-                                  <p:childTnLst>
-                                    <p:set>
-                                      <p:cBhvr>
-                                        <p:cTn id="70" dur="1" fill="hold">
-                                          <p:stCondLst>
-                                            <p:cond delay="0"/>
-                                          </p:stCondLst>
-                                        </p:cTn>
-                                        <p:tgtEl>
-                                          <p:spTgt spid="55"/>
-                                        </p:tgtEl>
-                                        <p:attrNameLst>
-                                          <p:attrName>style.visibility</p:attrName>
-                                        </p:attrNameLst>
-                                      </p:cBhvr>
-                                      <p:to>
-                                        <p:strVal val="visible"/>
-                                      </p:to>
-                                    </p:set>
-                                    <p:animEffect transition="in" filter="blinds(horizontal)">
-                                      <p:cBhvr>
-                                        <p:cTn id="71" dur="500"/>
-                                        <p:tgtEl>
-                                          <p:spTgt spid="55"/>
-                                        </p:tgtEl>
-                                      </p:cBhvr>
-                                    </p:animEffect>
-                                  </p:childTnLst>
-                                </p:cTn>
-                              </p:par>
-                            </p:childTnLst>
-                          </p:cTn>
-                        </p:par>
-                      </p:childTnLst>
-                    </p:cTn>
-                  </p:par>
-                  <p:par>
-                    <p:cTn id="72" fill="hold">
-                      <p:stCondLst>
-                        <p:cond delay="indefinite"/>
-                      </p:stCondLst>
-                      <p:childTnLst>
-                        <p:par>
-                          <p:cTn id="73" fill="hold">
-                            <p:stCondLst>
-                              <p:cond delay="0"/>
-                            </p:stCondLst>
-                            <p:childTnLst>
-                              <p:par>
-                                <p:cTn id="74" presetID="22" presetClass="exit" presetSubtype="4" fill="hold" grpId="1" nodeType="clickEffect">
-                                  <p:stCondLst>
-                                    <p:cond delay="0"/>
-                                  </p:stCondLst>
-                                  <p:childTnLst>
-                                    <p:animEffect transition="out" filter="wipe(down)">
-                                      <p:cBhvr>
-                                        <p:cTn id="75" dur="500"/>
-                                        <p:tgtEl>
-                                          <p:spTgt spid="37"/>
-                                        </p:tgtEl>
-                                      </p:cBhvr>
-                                    </p:animEffect>
-                                    <p:set>
-                                      <p:cBhvr>
-                                        <p:cTn id="76" dur="1" fill="hold">
-                                          <p:stCondLst>
-                                            <p:cond delay="499"/>
-                                          </p:stCondLst>
-                                        </p:cTn>
-                                        <p:tgtEl>
-                                          <p:spTgt spid="37"/>
-                                        </p:tgtEl>
-                                        <p:attrNameLst>
-                                          <p:attrName>style.visibility</p:attrName>
-                                        </p:attrNameLst>
-                                      </p:cBhvr>
-                                      <p:to>
-                                        <p:strVal val="hidden"/>
-                                      </p:to>
-                                    </p:set>
-                                  </p:childTnLst>
-                                </p:cTn>
-                              </p:par>
-                            </p:childTnLst>
-                          </p:cTn>
-                        </p:par>
-                      </p:childTnLst>
-                    </p:cTn>
-                  </p:par>
-                  <p:par>
-                    <p:cTn id="77" fill="hold">
-                      <p:stCondLst>
-                        <p:cond delay="indefinite"/>
-                      </p:stCondLst>
-                      <p:childTnLst>
-                        <p:par>
-                          <p:cTn id="78" fill="hold">
-                            <p:stCondLst>
-                              <p:cond delay="0"/>
-                            </p:stCondLst>
-                            <p:childTnLst>
-                              <p:par>
-                                <p:cTn id="79" presetID="22" presetClass="entr" presetSubtype="8" fill="hold" nodeType="clickEffect">
-                                  <p:stCondLst>
-                                    <p:cond delay="0"/>
-                                  </p:stCondLst>
-                                  <p:childTnLst>
-                                    <p:set>
-                                      <p:cBhvr>
-                                        <p:cTn id="80" dur="1" fill="hold">
-                                          <p:stCondLst>
-                                            <p:cond delay="0"/>
-                                          </p:stCondLst>
-                                        </p:cTn>
-                                        <p:tgtEl>
-                                          <p:spTgt spid="15"/>
-                                        </p:tgtEl>
-                                        <p:attrNameLst>
-                                          <p:attrName>style.visibility</p:attrName>
-                                        </p:attrNameLst>
-                                      </p:cBhvr>
-                                      <p:to>
-                                        <p:strVal val="visible"/>
-                                      </p:to>
-                                    </p:set>
-                                    <p:animEffect transition="in" filter="wipe(left)">
-                                      <p:cBhvr>
-                                        <p:cTn id="81" dur="500"/>
-                                        <p:tgtEl>
-                                          <p:spTgt spid="15"/>
-                                        </p:tgtEl>
-                                      </p:cBhvr>
-                                    </p:animEffect>
-                                  </p:childTnLst>
-                                </p:cTn>
-                              </p:par>
-                            </p:childTnLst>
-                          </p:cTn>
-                        </p:par>
-                        <p:par>
-                          <p:cTn id="82" fill="hold">
-                            <p:stCondLst>
-                              <p:cond delay="500"/>
-                            </p:stCondLst>
-                            <p:childTnLst>
-                              <p:par>
-                                <p:cTn id="83" presetID="3" presetClass="entr" presetSubtype="10" fill="hold" grpId="0" nodeType="afterEffect">
-                                  <p:stCondLst>
-                                    <p:cond delay="0"/>
-                                  </p:stCondLst>
-                                  <p:childTnLst>
-                                    <p:set>
-                                      <p:cBhvr>
-                                        <p:cTn id="84" dur="1" fill="hold">
-                                          <p:stCondLst>
-                                            <p:cond delay="0"/>
-                                          </p:stCondLst>
-                                        </p:cTn>
-                                        <p:tgtEl>
-                                          <p:spTgt spid="16"/>
-                                        </p:tgtEl>
-                                        <p:attrNameLst>
-                                          <p:attrName>style.visibility</p:attrName>
-                                        </p:attrNameLst>
-                                      </p:cBhvr>
-                                      <p:to>
-                                        <p:strVal val="visible"/>
-                                      </p:to>
-                                    </p:set>
-                                    <p:animEffect transition="in" filter="blinds(horizontal)">
-                                      <p:cBhvr>
-                                        <p:cTn id="85" dur="500"/>
-                                        <p:tgtEl>
-                                          <p:spTgt spid="16"/>
-                                        </p:tgtEl>
-                                      </p:cBhvr>
-                                    </p:animEffect>
-                                  </p:childTnLst>
-                                </p:cTn>
-                              </p:par>
-                            </p:childTnLst>
-                          </p:cTn>
-                        </p:par>
-                      </p:childTnLst>
-                    </p:cTn>
-                  </p:par>
-                  <p:par>
-                    <p:cTn id="86" fill="hold">
-                      <p:stCondLst>
-                        <p:cond delay="indefinite"/>
-                      </p:stCondLst>
-                      <p:childTnLst>
-                        <p:par>
-                          <p:cTn id="87" fill="hold">
-                            <p:stCondLst>
-                              <p:cond delay="0"/>
-                            </p:stCondLst>
-                            <p:childTnLst>
-                              <p:par>
-                                <p:cTn id="88" presetID="2" presetClass="entr" presetSubtype="4" fill="hold" grpId="0" nodeType="clickEffect">
-                                  <p:stCondLst>
-                                    <p:cond delay="0"/>
-                                  </p:stCondLst>
-                                  <p:childTnLst>
-                                    <p:set>
-                                      <p:cBhvr>
-                                        <p:cTn id="89" dur="1" fill="hold">
-                                          <p:stCondLst>
-                                            <p:cond delay="0"/>
-                                          </p:stCondLst>
-                                        </p:cTn>
-                                        <p:tgtEl>
-                                          <p:spTgt spid="10"/>
+                                          <p:spTgt spid="31"/>
                                         </p:tgtEl>
                                         <p:attrNameLst>
                                           <p:attrName>style.visibility</p:attrName>
@@ -9985,9 +10425,9 @@
                                     </p:set>
                                     <p:anim calcmode="lin" valueType="num">
                                       <p:cBhvr additive="base">
-                                        <p:cTn id="90" dur="500" fill="hold"/>
-                                        <p:tgtEl>
-                                          <p:spTgt spid="10"/>
+                                        <p:cTn id="31" dur="500" fill="hold"/>
+                                        <p:tgtEl>
+                                          <p:spTgt spid="31"/>
                                         </p:tgtEl>
                                         <p:attrNameLst>
                                           <p:attrName>ppt_x</p:attrName>
@@ -10008,7 +10448,1660 @@
                                     </p:anim>
                                     <p:anim calcmode="lin" valueType="num">
                                       <p:cBhvr additive="base">
-                                        <p:cTn id="91" dur="500" fill="hold"/>
+                                        <p:cTn id="32" dur="500" fill="hold"/>
+                                        <p:tgtEl>
+                                          <p:spTgt spid="31"/>
+                                        </p:tgtEl>
+                                        <p:attrNameLst>
+                                          <p:attrName>ppt_y</p:attrName>
+                                        </p:attrNameLst>
+                                      </p:cBhvr>
+                                      <p:tavLst>
+                                        <p:tav tm="0">
+                                          <p:val>
+                                            <p:strVal val="1+#ppt_h/2"/>
+                                          </p:val>
+                                        </p:tav>
+                                        <p:tav tm="100000">
+                                          <p:val>
+                                            <p:strVal val="#ppt_y"/>
+                                          </p:val>
+                                        </p:tav>
+                                      </p:tavLst>
+                                    </p:anim>
+                                  </p:childTnLst>
+                                </p:cTn>
+                              </p:par>
+                            </p:childTnLst>
+                          </p:cTn>
+                        </p:par>
+                      </p:childTnLst>
+                    </p:cTn>
+                  </p:par>
+                  <p:par>
+                    <p:cTn id="33" fill="hold">
+                      <p:stCondLst>
+                        <p:cond delay="indefinite"/>
+                      </p:stCondLst>
+                      <p:childTnLst>
+                        <p:par>
+                          <p:cTn id="34" fill="hold">
+                            <p:stCondLst>
+                              <p:cond delay="0"/>
+                            </p:stCondLst>
+                            <p:childTnLst>
+                              <p:par>
+                                <p:cTn id="35" presetID="2" presetClass="entr" presetSubtype="4" fill="hold" nodeType="clickEffect">
+                                  <p:stCondLst>
+                                    <p:cond delay="0"/>
+                                  </p:stCondLst>
+                                  <p:childTnLst>
+                                    <p:set>
+                                      <p:cBhvr>
+                                        <p:cTn id="36" dur="1" fill="hold">
+                                          <p:stCondLst>
+                                            <p:cond delay="0"/>
+                                          </p:stCondLst>
+                                        </p:cTn>
+                                        <p:tgtEl>
+                                          <p:spTgt spid="34"/>
+                                        </p:tgtEl>
+                                        <p:attrNameLst>
+                                          <p:attrName>style.visibility</p:attrName>
+                                        </p:attrNameLst>
+                                      </p:cBhvr>
+                                      <p:to>
+                                        <p:strVal val="visible"/>
+                                      </p:to>
+                                    </p:set>
+                                    <p:anim calcmode="lin" valueType="num">
+                                      <p:cBhvr additive="base">
+                                        <p:cTn id="37" dur="500" fill="hold"/>
+                                        <p:tgtEl>
+                                          <p:spTgt spid="34"/>
+                                        </p:tgtEl>
+                                        <p:attrNameLst>
+                                          <p:attrName>ppt_x</p:attrName>
+                                        </p:attrNameLst>
+                                      </p:cBhvr>
+                                      <p:tavLst>
+                                        <p:tav tm="0">
+                                          <p:val>
+                                            <p:strVal val="#ppt_x"/>
+                                          </p:val>
+                                        </p:tav>
+                                        <p:tav tm="100000">
+                                          <p:val>
+                                            <p:strVal val="#ppt_x"/>
+                                          </p:val>
+                                        </p:tav>
+                                      </p:tavLst>
+                                    </p:anim>
+                                    <p:anim calcmode="lin" valueType="num">
+                                      <p:cBhvr additive="base">
+                                        <p:cTn id="38" dur="500" fill="hold"/>
+                                        <p:tgtEl>
+                                          <p:spTgt spid="34"/>
+                                        </p:tgtEl>
+                                        <p:attrNameLst>
+                                          <p:attrName>ppt_y</p:attrName>
+                                        </p:attrNameLst>
+                                      </p:cBhvr>
+                                      <p:tavLst>
+                                        <p:tav tm="0">
+                                          <p:val>
+                                            <p:strVal val="1+#ppt_h/2"/>
+                                          </p:val>
+                                        </p:tav>
+                                        <p:tav tm="100000">
+                                          <p:val>
+                                            <p:strVal val="#ppt_y"/>
+                                          </p:val>
+                                        </p:tav>
+                                      </p:tavLst>
+                                    </p:anim>
+                                  </p:childTnLst>
+                                </p:cTn>
+                              </p:par>
+                            </p:childTnLst>
+                          </p:cTn>
+                        </p:par>
+                      </p:childTnLst>
+                    </p:cTn>
+                  </p:par>
+                  <p:par>
+                    <p:cTn id="39" fill="hold">
+                      <p:stCondLst>
+                        <p:cond delay="indefinite"/>
+                      </p:stCondLst>
+                      <p:childTnLst>
+                        <p:par>
+                          <p:cTn id="40" fill="hold">
+                            <p:stCondLst>
+                              <p:cond delay="0"/>
+                            </p:stCondLst>
+                            <p:childTnLst>
+                              <p:par>
+                                <p:cTn id="41" presetID="2" presetClass="entr" presetSubtype="4" fill="hold" nodeType="clickEffect">
+                                  <p:stCondLst>
+                                    <p:cond delay="0"/>
+                                  </p:stCondLst>
+                                  <p:childTnLst>
+                                    <p:set>
+                                      <p:cBhvr>
+                                        <p:cTn id="42" dur="500" fill="hold">
+                                          <p:stCondLst>
+                                            <p:cond delay="0"/>
+                                          </p:stCondLst>
+                                        </p:cTn>
+                                        <p:tgtEl>
+                                          <p:spTgt spid="40"/>
+                                        </p:tgtEl>
+                                        <p:attrNameLst>
+                                          <p:attrName>style.visibility</p:attrName>
+                                        </p:attrNameLst>
+                                      </p:cBhvr>
+                                      <p:to>
+                                        <p:strVal val="visible"/>
+                                      </p:to>
+                                    </p:set>
+                                    <p:anim calcmode="lin" valueType="num">
+                                      <p:cBhvr additive="base">
+                                        <p:cTn id="43" dur="500" fill="hold"/>
+                                        <p:tgtEl>
+                                          <p:spTgt spid="40"/>
+                                        </p:tgtEl>
+                                        <p:attrNameLst>
+                                          <p:attrName>ppt_x</p:attrName>
+                                        </p:attrNameLst>
+                                      </p:cBhvr>
+                                      <p:tavLst>
+                                        <p:tav tm="0">
+                                          <p:val>
+                                            <p:strVal val="#ppt_x"/>
+                                          </p:val>
+                                        </p:tav>
+                                        <p:tav tm="100000">
+                                          <p:val>
+                                            <p:strVal val="#ppt_x"/>
+                                          </p:val>
+                                        </p:tav>
+                                      </p:tavLst>
+                                    </p:anim>
+                                    <p:anim calcmode="lin" valueType="num">
+                                      <p:cBhvr additive="base">
+                                        <p:cTn id="44" dur="500" fill="hold"/>
+                                        <p:tgtEl>
+                                          <p:spTgt spid="40"/>
+                                        </p:tgtEl>
+                                        <p:attrNameLst>
+                                          <p:attrName>ppt_y</p:attrName>
+                                        </p:attrNameLst>
+                                      </p:cBhvr>
+                                      <p:tavLst>
+                                        <p:tav tm="0">
+                                          <p:val>
+                                            <p:strVal val="1+#ppt_h/2"/>
+                                          </p:val>
+                                        </p:tav>
+                                        <p:tav tm="100000">
+                                          <p:val>
+                                            <p:strVal val="#ppt_y"/>
+                                          </p:val>
+                                        </p:tav>
+                                      </p:tavLst>
+                                    </p:anim>
+                                  </p:childTnLst>
+                                </p:cTn>
+                              </p:par>
+                            </p:childTnLst>
+                          </p:cTn>
+                        </p:par>
+                      </p:childTnLst>
+                    </p:cTn>
+                  </p:par>
+                  <p:par>
+                    <p:cTn id="45" fill="hold">
+                      <p:stCondLst>
+                        <p:cond delay="indefinite"/>
+                      </p:stCondLst>
+                      <p:childTnLst>
+                        <p:par>
+                          <p:cTn id="46" fill="hold">
+                            <p:stCondLst>
+                              <p:cond delay="0"/>
+                            </p:stCondLst>
+                            <p:childTnLst>
+                              <p:par>
+                                <p:cTn id="47" presetID="2" presetClass="entr" presetSubtype="4" fill="hold" nodeType="clickEffect">
+                                  <p:stCondLst>
+                                    <p:cond delay="0"/>
+                                  </p:stCondLst>
+                                  <p:childTnLst>
+                                    <p:set>
+                                      <p:cBhvr>
+                                        <p:cTn id="48" dur="500" fill="hold">
+                                          <p:stCondLst>
+                                            <p:cond delay="0"/>
+                                          </p:stCondLst>
+                                        </p:cTn>
+                                        <p:tgtEl>
+                                          <p:spTgt spid="44"/>
+                                        </p:tgtEl>
+                                        <p:attrNameLst>
+                                          <p:attrName>style.visibility</p:attrName>
+                                        </p:attrNameLst>
+                                      </p:cBhvr>
+                                      <p:to>
+                                        <p:strVal val="visible"/>
+                                      </p:to>
+                                    </p:set>
+                                    <p:anim calcmode="lin" valueType="num">
+                                      <p:cBhvr additive="base">
+                                        <p:cTn id="49" dur="500" fill="hold"/>
+                                        <p:tgtEl>
+                                          <p:spTgt spid="44"/>
+                                        </p:tgtEl>
+                                        <p:attrNameLst>
+                                          <p:attrName>ppt_x</p:attrName>
+                                        </p:attrNameLst>
+                                      </p:cBhvr>
+                                      <p:tavLst>
+                                        <p:tav tm="0">
+                                          <p:val>
+                                            <p:strVal val="#ppt_x"/>
+                                          </p:val>
+                                        </p:tav>
+                                        <p:tav tm="100000">
+                                          <p:val>
+                                            <p:strVal val="#ppt_x"/>
+                                          </p:val>
+                                        </p:tav>
+                                      </p:tavLst>
+                                    </p:anim>
+                                    <p:anim calcmode="lin" valueType="num">
+                                      <p:cBhvr additive="base">
+                                        <p:cTn id="50" dur="500" fill="hold"/>
+                                        <p:tgtEl>
+                                          <p:spTgt spid="44"/>
+                                        </p:tgtEl>
+                                        <p:attrNameLst>
+                                          <p:attrName>ppt_y</p:attrName>
+                                        </p:attrNameLst>
+                                      </p:cBhvr>
+                                      <p:tavLst>
+                                        <p:tav tm="0">
+                                          <p:val>
+                                            <p:strVal val="1+#ppt_h/2"/>
+                                          </p:val>
+                                        </p:tav>
+                                        <p:tav tm="100000">
+                                          <p:val>
+                                            <p:strVal val="#ppt_y"/>
+                                          </p:val>
+                                        </p:tav>
+                                      </p:tavLst>
+                                    </p:anim>
+                                  </p:childTnLst>
+                                </p:cTn>
+                              </p:par>
+                            </p:childTnLst>
+                          </p:cTn>
+                        </p:par>
+                      </p:childTnLst>
+                    </p:cTn>
+                  </p:par>
+                  <p:par>
+                    <p:cTn id="51" fill="hold">
+                      <p:stCondLst>
+                        <p:cond delay="indefinite"/>
+                      </p:stCondLst>
+                      <p:childTnLst>
+                        <p:par>
+                          <p:cTn id="52" fill="hold">
+                            <p:stCondLst>
+                              <p:cond delay="0"/>
+                            </p:stCondLst>
+                            <p:childTnLst>
+                              <p:par>
+                                <p:cTn id="53" presetID="2" presetClass="entr" presetSubtype="4" fill="hold" nodeType="clickEffect">
+                                  <p:stCondLst>
+                                    <p:cond delay="0"/>
+                                  </p:stCondLst>
+                                  <p:childTnLst>
+                                    <p:set>
+                                      <p:cBhvr>
+                                        <p:cTn id="54" dur="1" fill="hold">
+                                          <p:stCondLst>
+                                            <p:cond delay="0"/>
+                                          </p:stCondLst>
+                                        </p:cTn>
+                                        <p:tgtEl>
+                                          <p:spTgt spid="57"/>
+                                        </p:tgtEl>
+                                        <p:attrNameLst>
+                                          <p:attrName>style.visibility</p:attrName>
+                                        </p:attrNameLst>
+                                      </p:cBhvr>
+                                      <p:to>
+                                        <p:strVal val="visible"/>
+                                      </p:to>
+                                    </p:set>
+                                    <p:anim calcmode="lin" valueType="num">
+                                      <p:cBhvr additive="base">
+                                        <p:cTn id="55" dur="500" fill="hold"/>
+                                        <p:tgtEl>
+                                          <p:spTgt spid="57"/>
+                                        </p:tgtEl>
+                                        <p:attrNameLst>
+                                          <p:attrName>ppt_x</p:attrName>
+                                        </p:attrNameLst>
+                                      </p:cBhvr>
+                                      <p:tavLst>
+                                        <p:tav tm="0">
+                                          <p:val>
+                                            <p:strVal val="#ppt_x"/>
+                                          </p:val>
+                                        </p:tav>
+                                        <p:tav tm="100000">
+                                          <p:val>
+                                            <p:strVal val="#ppt_x"/>
+                                          </p:val>
+                                        </p:tav>
+                                      </p:tavLst>
+                                    </p:anim>
+                                    <p:anim calcmode="lin" valueType="num">
+                                      <p:cBhvr additive="base">
+                                        <p:cTn id="56" dur="500" fill="hold"/>
+                                        <p:tgtEl>
+                                          <p:spTgt spid="57"/>
+                                        </p:tgtEl>
+                                        <p:attrNameLst>
+                                          <p:attrName>ppt_y</p:attrName>
+                                        </p:attrNameLst>
+                                      </p:cBhvr>
+                                      <p:tavLst>
+                                        <p:tav tm="0">
+                                          <p:val>
+                                            <p:strVal val="1+#ppt_h/2"/>
+                                          </p:val>
+                                        </p:tav>
+                                        <p:tav tm="100000">
+                                          <p:val>
+                                            <p:strVal val="#ppt_y"/>
+                                          </p:val>
+                                        </p:tav>
+                                      </p:tavLst>
+                                    </p:anim>
+                                  </p:childTnLst>
+                                </p:cTn>
+                              </p:par>
+                            </p:childTnLst>
+                          </p:cTn>
+                        </p:par>
+                      </p:childTnLst>
+                    </p:cTn>
+                  </p:par>
+                  <p:par>
+                    <p:cTn id="57" fill="hold">
+                      <p:stCondLst>
+                        <p:cond delay="indefinite"/>
+                      </p:stCondLst>
+                      <p:childTnLst>
+                        <p:par>
+                          <p:cTn id="58" fill="hold">
+                            <p:stCondLst>
+                              <p:cond delay="0"/>
+                            </p:stCondLst>
+                            <p:childTnLst>
+                              <p:par>
+                                <p:cTn id="59" presetID="2" presetClass="entr" presetSubtype="2" fill="hold" grpId="0" nodeType="clickEffect">
+                                  <p:stCondLst>
+                                    <p:cond delay="0"/>
+                                  </p:stCondLst>
+                                  <p:childTnLst>
+                                    <p:set>
+                                      <p:cBhvr>
+                                        <p:cTn id="60" dur="500" fill="hold">
+                                          <p:stCondLst>
+                                            <p:cond delay="0"/>
+                                          </p:stCondLst>
+                                        </p:cTn>
+                                        <p:tgtEl>
+                                          <p:spTgt spid="67"/>
+                                        </p:tgtEl>
+                                        <p:attrNameLst>
+                                          <p:attrName>style.visibility</p:attrName>
+                                        </p:attrNameLst>
+                                      </p:cBhvr>
+                                      <p:to>
+                                        <p:strVal val="visible"/>
+                                      </p:to>
+                                    </p:set>
+                                    <p:anim calcmode="lin" valueType="num">
+                                      <p:cBhvr additive="base">
+                                        <p:cTn id="61" dur="500" fill="hold"/>
+                                        <p:tgtEl>
+                                          <p:spTgt spid="67"/>
+                                        </p:tgtEl>
+                                        <p:attrNameLst>
+                                          <p:attrName>ppt_x</p:attrName>
+                                        </p:attrNameLst>
+                                      </p:cBhvr>
+                                      <p:tavLst>
+                                        <p:tav tm="0">
+                                          <p:val>
+                                            <p:strVal val="1+#ppt_w/2"/>
+                                          </p:val>
+                                        </p:tav>
+                                        <p:tav tm="100000">
+                                          <p:val>
+                                            <p:strVal val="#ppt_x"/>
+                                          </p:val>
+                                        </p:tav>
+                                      </p:tavLst>
+                                    </p:anim>
+                                    <p:anim calcmode="lin" valueType="num">
+                                      <p:cBhvr additive="base">
+                                        <p:cTn id="62" dur="500" fill="hold"/>
+                                        <p:tgtEl>
+                                          <p:spTgt spid="67"/>
+                                        </p:tgtEl>
+                                        <p:attrNameLst>
+                                          <p:attrName>ppt_y</p:attrName>
+                                        </p:attrNameLst>
+                                      </p:cBhvr>
+                                      <p:tavLst>
+                                        <p:tav tm="0">
+                                          <p:val>
+                                            <p:strVal val="#ppt_y"/>
+                                          </p:val>
+                                        </p:tav>
+                                        <p:tav tm="100000">
+                                          <p:val>
+                                            <p:strVal val="#ppt_y"/>
+                                          </p:val>
+                                        </p:tav>
+                                      </p:tavLst>
+                                    </p:anim>
+                                  </p:childTnLst>
+                                </p:cTn>
+                              </p:par>
+                            </p:childTnLst>
+                          </p:cTn>
+                        </p:par>
+                      </p:childTnLst>
+                    </p:cTn>
+                  </p:par>
+                  <p:par>
+                    <p:cTn id="63" fill="hold">
+                      <p:stCondLst>
+                        <p:cond delay="indefinite"/>
+                      </p:stCondLst>
+                      <p:childTnLst>
+                        <p:par>
+                          <p:cTn id="64" fill="hold">
+                            <p:stCondLst>
+                              <p:cond delay="0"/>
+                            </p:stCondLst>
+                            <p:childTnLst>
+                              <p:par>
+                                <p:cTn id="65" presetID="0" presetClass="path" presetSubtype="0" accel="50000" decel="50000" fill="hold" nodeType="clickEffect">
+                                  <p:stCondLst>
+                                    <p:cond delay="0"/>
+                                  </p:stCondLst>
+                                  <p:childTnLst>
+                                    <p:animMotion origin="layout" path="M -0.001771 0.001019 L -0.224115 -0.279815 " pathEditMode="relative" rAng="0" ptsTypes="">
+                                      <p:cBhvr>
+                                        <p:cTn id="66" dur="500" fill="hold"/>
+                                        <p:tgtEl>
+                                          <p:spTgt spid="45"/>
+                                        </p:tgtEl>
+                                        <p:attrNameLst>
+                                          <p:attrName>ppt_x</p:attrName>
+                                          <p:attrName>ppt_y</p:attrName>
+                                        </p:attrNameLst>
+                                      </p:cBhvr>
+                                      <p:rCtr x="-80" y="-184"/>
+                                    </p:animMotion>
+                                  </p:childTnLst>
+                                </p:cTn>
+                              </p:par>
+                            </p:childTnLst>
+                          </p:cTn>
+                        </p:par>
+                        <p:par>
+                          <p:cTn id="67" fill="hold">
+                            <p:stCondLst>
+                              <p:cond delay="500"/>
+                            </p:stCondLst>
+                            <p:childTnLst>
+                              <p:par>
+                                <p:cTn id="68" presetID="22" presetClass="exit" presetSubtype="4" fill="hold" nodeType="afterEffect">
+                                  <p:stCondLst>
+                                    <p:cond delay="0"/>
+                                  </p:stCondLst>
+                                  <p:childTnLst>
+                                    <p:animEffect transition="out" filter="wipe(down)">
+                                      <p:cBhvr>
+                                        <p:cTn id="69" dur="500"/>
+                                        <p:tgtEl>
+                                          <p:spTgt spid="45"/>
+                                        </p:tgtEl>
+                                      </p:cBhvr>
+                                    </p:animEffect>
+                                    <p:set>
+                                      <p:cBhvr>
+                                        <p:cTn id="70" dur="1" fill="hold">
+                                          <p:stCondLst>
+                                            <p:cond delay="499"/>
+                                          </p:stCondLst>
+                                        </p:cTn>
+                                        <p:tgtEl>
+                                          <p:spTgt spid="45"/>
+                                        </p:tgtEl>
+                                        <p:attrNameLst>
+                                          <p:attrName>style.visibility</p:attrName>
+                                        </p:attrNameLst>
+                                      </p:cBhvr>
+                                      <p:to>
+                                        <p:strVal val="hidden"/>
+                                      </p:to>
+                                    </p:set>
+                                  </p:childTnLst>
+                                </p:cTn>
+                              </p:par>
+                            </p:childTnLst>
+                          </p:cTn>
+                        </p:par>
+                        <p:par>
+                          <p:cTn id="71" fill="hold">
+                            <p:stCondLst>
+                              <p:cond delay="1000"/>
+                            </p:stCondLst>
+                            <p:childTnLst>
+                              <p:par>
+                                <p:cTn id="72" presetID="3" presetClass="entr" presetSubtype="10" fill="hold" grpId="0" nodeType="afterEffect">
+                                  <p:stCondLst>
+                                    <p:cond delay="0"/>
+                                  </p:stCondLst>
+                                  <p:childTnLst>
+                                    <p:set>
+                                      <p:cBhvr>
+                                        <p:cTn id="73" dur="1" fill="hold">
+                                          <p:stCondLst>
+                                            <p:cond delay="0"/>
+                                          </p:stCondLst>
+                                        </p:cTn>
+                                        <p:tgtEl>
+                                          <p:spTgt spid="51"/>
+                                        </p:tgtEl>
+                                        <p:attrNameLst>
+                                          <p:attrName>style.visibility</p:attrName>
+                                        </p:attrNameLst>
+                                      </p:cBhvr>
+                                      <p:to>
+                                        <p:strVal val="visible"/>
+                                      </p:to>
+                                    </p:set>
+                                    <p:animEffect transition="in" filter="blinds(horizontal)">
+                                      <p:cBhvr>
+                                        <p:cTn id="74" dur="500"/>
+                                        <p:tgtEl>
+                                          <p:spTgt spid="51"/>
+                                        </p:tgtEl>
+                                      </p:cBhvr>
+                                    </p:animEffect>
+                                  </p:childTnLst>
+                                </p:cTn>
+                              </p:par>
+                            </p:childTnLst>
+                          </p:cTn>
+                        </p:par>
+                      </p:childTnLst>
+                    </p:cTn>
+                  </p:par>
+                  <p:par>
+                    <p:cTn id="75" fill="hold">
+                      <p:stCondLst>
+                        <p:cond delay="indefinite"/>
+                      </p:stCondLst>
+                      <p:childTnLst>
+                        <p:par>
+                          <p:cTn id="76" fill="hold">
+                            <p:stCondLst>
+                              <p:cond delay="0"/>
+                            </p:stCondLst>
+                            <p:childTnLst>
+                              <p:par>
+                                <p:cTn id="77" presetID="0" presetClass="path" presetSubtype="0" accel="50000" decel="50000" fill="hold" nodeType="clickEffect">
+                                  <p:stCondLst>
+                                    <p:cond delay="0"/>
+                                  </p:stCondLst>
+                                  <p:childTnLst>
+                                    <p:animMotion origin="layout" path="M 0.000000 0.000000 L -0.367396 -0.273889 " pathEditMode="relative" rAng="0" ptsTypes="">
+                                      <p:cBhvr>
+                                        <p:cTn id="78" dur="500" fill="hold"/>
+                                        <p:tgtEl>
+                                          <p:spTgt spid="46"/>
+                                        </p:tgtEl>
+                                        <p:attrNameLst>
+                                          <p:attrName>ppt_x</p:attrName>
+                                          <p:attrName>ppt_y</p:attrName>
+                                        </p:attrNameLst>
+                                      </p:cBhvr>
+                                      <p:rCtr x="-194" y="-181"/>
+                                    </p:animMotion>
+                                  </p:childTnLst>
+                                </p:cTn>
+                              </p:par>
+                            </p:childTnLst>
+                          </p:cTn>
+                        </p:par>
+                        <p:par>
+                          <p:cTn id="79" fill="hold">
+                            <p:stCondLst>
+                              <p:cond delay="500"/>
+                            </p:stCondLst>
+                            <p:childTnLst>
+                              <p:par>
+                                <p:cTn id="80" presetID="22" presetClass="exit" presetSubtype="4" fill="hold" nodeType="afterEffect">
+                                  <p:stCondLst>
+                                    <p:cond delay="0"/>
+                                  </p:stCondLst>
+                                  <p:childTnLst>
+                                    <p:animEffect transition="out" filter="wipe(down)">
+                                      <p:cBhvr>
+                                        <p:cTn id="81" dur="500"/>
+                                        <p:tgtEl>
+                                          <p:spTgt spid="46"/>
+                                        </p:tgtEl>
+                                      </p:cBhvr>
+                                    </p:animEffect>
+                                    <p:set>
+                                      <p:cBhvr>
+                                        <p:cTn id="82" dur="1" fill="hold">
+                                          <p:stCondLst>
+                                            <p:cond delay="499"/>
+                                          </p:stCondLst>
+                                        </p:cTn>
+                                        <p:tgtEl>
+                                          <p:spTgt spid="46"/>
+                                        </p:tgtEl>
+                                        <p:attrNameLst>
+                                          <p:attrName>style.visibility</p:attrName>
+                                        </p:attrNameLst>
+                                      </p:cBhvr>
+                                      <p:to>
+                                        <p:strVal val="hidden"/>
+                                      </p:to>
+                                    </p:set>
+                                  </p:childTnLst>
+                                </p:cTn>
+                              </p:par>
+                            </p:childTnLst>
+                          </p:cTn>
+                        </p:par>
+                        <p:par>
+                          <p:cTn id="83" fill="hold">
+                            <p:stCondLst>
+                              <p:cond delay="1000"/>
+                            </p:stCondLst>
+                            <p:childTnLst>
+                              <p:par>
+                                <p:cTn id="84" presetID="3" presetClass="entr" presetSubtype="10" fill="hold" grpId="0" nodeType="afterEffect">
+                                  <p:stCondLst>
+                                    <p:cond delay="0"/>
+                                  </p:stCondLst>
+                                  <p:childTnLst>
+                                    <p:set>
+                                      <p:cBhvr>
+                                        <p:cTn id="85" dur="1" fill="hold">
+                                          <p:stCondLst>
+                                            <p:cond delay="0"/>
+                                          </p:stCondLst>
+                                        </p:cTn>
+                                        <p:tgtEl>
+                                          <p:spTgt spid="53"/>
+                                        </p:tgtEl>
+                                        <p:attrNameLst>
+                                          <p:attrName>style.visibility</p:attrName>
+                                        </p:attrNameLst>
+                                      </p:cBhvr>
+                                      <p:to>
+                                        <p:strVal val="visible"/>
+                                      </p:to>
+                                    </p:set>
+                                    <p:animEffect transition="in" filter="blinds(horizontal)">
+                                      <p:cBhvr>
+                                        <p:cTn id="86" dur="500"/>
+                                        <p:tgtEl>
+                                          <p:spTgt spid="53"/>
+                                        </p:tgtEl>
+                                      </p:cBhvr>
+                                    </p:animEffect>
+                                  </p:childTnLst>
+                                </p:cTn>
+                              </p:par>
+                            </p:childTnLst>
+                          </p:cTn>
+                        </p:par>
+                      </p:childTnLst>
+                    </p:cTn>
+                  </p:par>
+                  <p:par>
+                    <p:cTn id="87" fill="hold">
+                      <p:stCondLst>
+                        <p:cond delay="indefinite"/>
+                      </p:stCondLst>
+                      <p:childTnLst>
+                        <p:par>
+                          <p:cTn id="88" fill="hold">
+                            <p:stCondLst>
+                              <p:cond delay="0"/>
+                            </p:stCondLst>
+                            <p:childTnLst>
+                              <p:par>
+                                <p:cTn id="89" presetID="0" presetClass="path" presetSubtype="0" accel="50000" decel="50000" fill="hold" nodeType="clickEffect">
+                                  <p:stCondLst>
+                                    <p:cond delay="0"/>
+                                  </p:stCondLst>
+                                  <p:childTnLst>
+                                    <p:animMotion origin="layout" path="M 0.000000 0.001019 L -0.506198 -0.260556 " pathEditMode="relative" rAng="0" ptsTypes="">
+                                      <p:cBhvr>
+                                        <p:cTn id="90" dur="500" fill="hold"/>
+                                        <p:tgtEl>
+                                          <p:spTgt spid="47"/>
+                                        </p:tgtEl>
+                                        <p:attrNameLst>
+                                          <p:attrName>ppt_x</p:attrName>
+                                          <p:attrName>ppt_y</p:attrName>
+                                        </p:attrNameLst>
+                                      </p:cBhvr>
+                                      <p:rCtr x="-301" y="-179"/>
+                                    </p:animMotion>
+                                  </p:childTnLst>
+                                </p:cTn>
+                              </p:par>
+                            </p:childTnLst>
+                          </p:cTn>
+                        </p:par>
+                        <p:par>
+                          <p:cTn id="91" fill="hold">
+                            <p:stCondLst>
+                              <p:cond delay="500"/>
+                            </p:stCondLst>
+                            <p:childTnLst>
+                              <p:par>
+                                <p:cTn id="92" presetID="22" presetClass="exit" presetSubtype="4" fill="hold" nodeType="afterEffect">
+                                  <p:stCondLst>
+                                    <p:cond delay="0"/>
+                                  </p:stCondLst>
+                                  <p:childTnLst>
+                                    <p:animEffect transition="out" filter="wipe(down)">
+                                      <p:cBhvr>
+                                        <p:cTn id="93" dur="500"/>
+                                        <p:tgtEl>
+                                          <p:spTgt spid="47"/>
+                                        </p:tgtEl>
+                                      </p:cBhvr>
+                                    </p:animEffect>
+                                    <p:set>
+                                      <p:cBhvr>
+                                        <p:cTn id="94" dur="1" fill="hold">
+                                          <p:stCondLst>
+                                            <p:cond delay="499"/>
+                                          </p:stCondLst>
+                                        </p:cTn>
+                                        <p:tgtEl>
+                                          <p:spTgt spid="47"/>
+                                        </p:tgtEl>
+                                        <p:attrNameLst>
+                                          <p:attrName>style.visibility</p:attrName>
+                                        </p:attrNameLst>
+                                      </p:cBhvr>
+                                      <p:to>
+                                        <p:strVal val="hidden"/>
+                                      </p:to>
+                                    </p:set>
+                                  </p:childTnLst>
+                                </p:cTn>
+                              </p:par>
+                            </p:childTnLst>
+                          </p:cTn>
+                        </p:par>
+                      </p:childTnLst>
+                    </p:cTn>
+                  </p:par>
+                  <p:par>
+                    <p:cTn id="95" fill="hold">
+                      <p:stCondLst>
+                        <p:cond delay="indefinite"/>
+                      </p:stCondLst>
+                      <p:childTnLst>
+                        <p:par>
+                          <p:cTn id="96" fill="hold">
+                            <p:stCondLst>
+                              <p:cond delay="0"/>
+                            </p:stCondLst>
+                            <p:childTnLst>
+                              <p:par>
+                                <p:cTn id="97" presetID="2" presetClass="entr" presetSubtype="4" fill="hold" grpId="0" nodeType="clickEffect">
+                                  <p:stCondLst>
+                                    <p:cond delay="0"/>
+                                  </p:stCondLst>
+                                  <p:childTnLst>
+                                    <p:set>
+                                      <p:cBhvr>
+                                        <p:cTn id="98" dur="1" fill="hold">
+                                          <p:stCondLst>
+                                            <p:cond delay="0"/>
+                                          </p:stCondLst>
+                                        </p:cTn>
+                                        <p:tgtEl>
+                                          <p:spTgt spid="64"/>
+                                        </p:tgtEl>
+                                        <p:attrNameLst>
+                                          <p:attrName>style.visibility</p:attrName>
+                                        </p:attrNameLst>
+                                      </p:cBhvr>
+                                      <p:to>
+                                        <p:strVal val="visible"/>
+                                      </p:to>
+                                    </p:set>
+                                    <p:anim calcmode="lin" valueType="num">
+                                      <p:cBhvr additive="base">
+                                        <p:cTn id="99" dur="500" fill="hold"/>
+                                        <p:tgtEl>
+                                          <p:spTgt spid="64"/>
+                                        </p:tgtEl>
+                                        <p:attrNameLst>
+                                          <p:attrName>ppt_x</p:attrName>
+                                        </p:attrNameLst>
+                                      </p:cBhvr>
+                                      <p:tavLst>
+                                        <p:tav tm="0">
+                                          <p:val>
+                                            <p:strVal val="#ppt_x"/>
+                                          </p:val>
+                                        </p:tav>
+                                        <p:tav tm="100000">
+                                          <p:val>
+                                            <p:strVal val="#ppt_x"/>
+                                          </p:val>
+                                        </p:tav>
+                                      </p:tavLst>
+                                    </p:anim>
+                                    <p:anim calcmode="lin" valueType="num">
+                                      <p:cBhvr additive="base">
+                                        <p:cTn id="100" dur="500" fill="hold"/>
+                                        <p:tgtEl>
+                                          <p:spTgt spid="64"/>
+                                        </p:tgtEl>
+                                        <p:attrNameLst>
+                                          <p:attrName>ppt_y</p:attrName>
+                                        </p:attrNameLst>
+                                      </p:cBhvr>
+                                      <p:tavLst>
+                                        <p:tav tm="0">
+                                          <p:val>
+                                            <p:strVal val="1+#ppt_h/2"/>
+                                          </p:val>
+                                        </p:tav>
+                                        <p:tav tm="100000">
+                                          <p:val>
+                                            <p:strVal val="#ppt_y"/>
+                                          </p:val>
+                                        </p:tav>
+                                      </p:tavLst>
+                                    </p:anim>
+                                  </p:childTnLst>
+                                </p:cTn>
+                              </p:par>
+                            </p:childTnLst>
+                          </p:cTn>
+                        </p:par>
+                        <p:par>
+                          <p:cTn id="101" fill="hold">
+                            <p:stCondLst>
+                              <p:cond delay="500"/>
+                            </p:stCondLst>
+                            <p:childTnLst>
+                              <p:par>
+                                <p:cTn id="102" presetID="3" presetClass="entr" presetSubtype="10" fill="hold" grpId="0" nodeType="afterEffect">
+                                  <p:stCondLst>
+                                    <p:cond delay="0"/>
+                                  </p:stCondLst>
+                                  <p:childTnLst>
+                                    <p:set>
+                                      <p:cBhvr>
+                                        <p:cTn id="103" dur="1" fill="hold">
+                                          <p:stCondLst>
+                                            <p:cond delay="0"/>
+                                          </p:stCondLst>
+                                        </p:cTn>
+                                        <p:tgtEl>
+                                          <p:spTgt spid="55"/>
+                                        </p:tgtEl>
+                                        <p:attrNameLst>
+                                          <p:attrName>style.visibility</p:attrName>
+                                        </p:attrNameLst>
+                                      </p:cBhvr>
+                                      <p:to>
+                                        <p:strVal val="visible"/>
+                                      </p:to>
+                                    </p:set>
+                                    <p:animEffect transition="in" filter="blinds(horizontal)">
+                                      <p:cBhvr>
+                                        <p:cTn id="104" dur="500"/>
+                                        <p:tgtEl>
+                                          <p:spTgt spid="55"/>
+                                        </p:tgtEl>
+                                      </p:cBhvr>
+                                    </p:animEffect>
+                                  </p:childTnLst>
+                                </p:cTn>
+                              </p:par>
+                            </p:childTnLst>
+                          </p:cTn>
+                        </p:par>
+                      </p:childTnLst>
+                    </p:cTn>
+                  </p:par>
+                  <p:par>
+                    <p:cTn id="105" fill="hold">
+                      <p:stCondLst>
+                        <p:cond delay="indefinite"/>
+                      </p:stCondLst>
+                      <p:childTnLst>
+                        <p:par>
+                          <p:cTn id="106" fill="hold">
+                            <p:stCondLst>
+                              <p:cond delay="0"/>
+                            </p:stCondLst>
+                            <p:childTnLst>
+                              <p:par>
+                                <p:cTn id="107" presetID="3" presetClass="entr" presetSubtype="10" fill="hold" grpId="0" nodeType="clickEffect">
+                                  <p:stCondLst>
+                                    <p:cond delay="0"/>
+                                  </p:stCondLst>
+                                  <p:childTnLst>
+                                    <p:set>
+                                      <p:cBhvr>
+                                        <p:cTn id="108" dur="1" fill="hold">
+                                          <p:stCondLst>
+                                            <p:cond delay="0"/>
+                                          </p:stCondLst>
+                                        </p:cTn>
+                                        <p:tgtEl>
+                                          <p:spTgt spid="65"/>
+                                        </p:tgtEl>
+                                        <p:attrNameLst>
+                                          <p:attrName>style.visibility</p:attrName>
+                                        </p:attrNameLst>
+                                      </p:cBhvr>
+                                      <p:to>
+                                        <p:strVal val="visible"/>
+                                      </p:to>
+                                    </p:set>
+                                    <p:animEffect transition="in" filter="blinds(horizontal)">
+                                      <p:cBhvr>
+                                        <p:cTn id="109" dur="500"/>
+                                        <p:tgtEl>
+                                          <p:spTgt spid="65"/>
+                                        </p:tgtEl>
+                                      </p:cBhvr>
+                                    </p:animEffect>
+                                  </p:childTnLst>
+                                </p:cTn>
+                              </p:par>
+                            </p:childTnLst>
+                          </p:cTn>
+                        </p:par>
+                        <p:par>
+                          <p:cTn id="110" fill="hold">
+                            <p:stCondLst>
+                              <p:cond delay="500"/>
+                            </p:stCondLst>
+                            <p:childTnLst>
+                              <p:par>
+                                <p:cTn id="111" presetID="0" presetClass="path" presetSubtype="0" accel="50000" decel="50000" fill="hold" grpId="1" nodeType="afterEffect">
+                                  <p:stCondLst>
+                                    <p:cond delay="0"/>
+                                  </p:stCondLst>
+                                  <p:childTnLst>
+                                    <p:animMotion origin="layout" path="M 0.000000 0.000000 L 0.000000 0.190278 " pathEditMode="relative" rAng="0" ptsTypes="">
+                                      <p:cBhvr>
+                                        <p:cTn id="112" dur="500" fill="hold"/>
+                                        <p:tgtEl>
+                                          <p:spTgt spid="67"/>
+                                        </p:tgtEl>
+                                        <p:attrNameLst>
+                                          <p:attrName>ppt_x</p:attrName>
+                                          <p:attrName>ppt_y</p:attrName>
+                                        </p:attrNameLst>
+                                      </p:cBhvr>
+                                      <p:rCtr x="0" y="47"/>
+                                    </p:animMotion>
+                                  </p:childTnLst>
+                                </p:cTn>
+                              </p:par>
+                            </p:childTnLst>
+                          </p:cTn>
+                        </p:par>
+                      </p:childTnLst>
+                    </p:cTn>
+                  </p:par>
+                  <p:par>
+                    <p:cTn id="113" fill="hold">
+                      <p:stCondLst>
+                        <p:cond delay="indefinite"/>
+                      </p:stCondLst>
+                      <p:childTnLst>
+                        <p:par>
+                          <p:cTn id="114" fill="hold">
+                            <p:stCondLst>
+                              <p:cond delay="0"/>
+                            </p:stCondLst>
+                            <p:childTnLst>
+                              <p:par>
+                                <p:cTn id="115" presetID="0" presetClass="path" presetSubtype="0" accel="50000" decel="50000" fill="hold" nodeType="clickEffect">
+                                  <p:stCondLst>
+                                    <p:cond delay="0"/>
+                                  </p:stCondLst>
+                                  <p:childTnLst>
+                                    <p:animMotion origin="layout" path="M -0.001771 0.001111 L -0.219948 -0.446574 " pathEditMode="relative" rAng="0" ptsTypes="">
+                                      <p:cBhvr>
+                                        <p:cTn id="116" dur="500" fill="hold"/>
+                                        <p:tgtEl>
+                                          <p:spTgt spid="40"/>
+                                        </p:tgtEl>
+                                        <p:attrNameLst>
+                                          <p:attrName>ppt_x</p:attrName>
+                                          <p:attrName>ppt_y</p:attrName>
+                                        </p:attrNameLst>
+                                      </p:cBhvr>
+                                      <p:rCtr x="-76" y="-132"/>
+                                    </p:animMotion>
+                                  </p:childTnLst>
+                                </p:cTn>
+                              </p:par>
+                            </p:childTnLst>
+                          </p:cTn>
+                        </p:par>
+                        <p:par>
+                          <p:cTn id="117" fill="hold">
+                            <p:stCondLst>
+                              <p:cond delay="500"/>
+                            </p:stCondLst>
+                            <p:childTnLst>
+                              <p:par>
+                                <p:cTn id="118" presetID="22" presetClass="exit" presetSubtype="4" fill="hold" nodeType="afterEffect">
+                                  <p:stCondLst>
+                                    <p:cond delay="0"/>
+                                  </p:stCondLst>
+                                  <p:childTnLst>
+                                    <p:animEffect transition="out" filter="wipe(down)">
+                                      <p:cBhvr>
+                                        <p:cTn id="119" dur="500"/>
+                                        <p:tgtEl>
+                                          <p:spTgt spid="40"/>
+                                        </p:tgtEl>
+                                      </p:cBhvr>
+                                    </p:animEffect>
+                                    <p:set>
+                                      <p:cBhvr>
+                                        <p:cTn id="120" dur="1" fill="hold">
+                                          <p:stCondLst>
+                                            <p:cond delay="499"/>
+                                          </p:stCondLst>
+                                        </p:cTn>
+                                        <p:tgtEl>
+                                          <p:spTgt spid="40"/>
+                                        </p:tgtEl>
+                                        <p:attrNameLst>
+                                          <p:attrName>style.visibility</p:attrName>
+                                        </p:attrNameLst>
+                                      </p:cBhvr>
+                                      <p:to>
+                                        <p:strVal val="hidden"/>
+                                      </p:to>
+                                    </p:set>
+                                  </p:childTnLst>
+                                </p:cTn>
+                              </p:par>
+                            </p:childTnLst>
+                          </p:cTn>
+                        </p:par>
+                        <p:par>
+                          <p:cTn id="121" fill="hold">
+                            <p:stCondLst>
+                              <p:cond delay="1000"/>
+                            </p:stCondLst>
+                            <p:childTnLst>
+                              <p:par>
+                                <p:cTn id="122" presetID="3" presetClass="entr" presetSubtype="10" fill="hold" grpId="0" nodeType="afterEffect">
+                                  <p:stCondLst>
+                                    <p:cond delay="0"/>
+                                  </p:stCondLst>
+                                  <p:childTnLst>
+                                    <p:set>
+                                      <p:cBhvr>
+                                        <p:cTn id="123" dur="1" fill="hold">
+                                          <p:stCondLst>
+                                            <p:cond delay="0"/>
+                                          </p:stCondLst>
+                                        </p:cTn>
+                                        <p:tgtEl>
+                                          <p:spTgt spid="69"/>
+                                        </p:tgtEl>
+                                        <p:attrNameLst>
+                                          <p:attrName>style.visibility</p:attrName>
+                                        </p:attrNameLst>
+                                      </p:cBhvr>
+                                      <p:to>
+                                        <p:strVal val="visible"/>
+                                      </p:to>
+                                    </p:set>
+                                    <p:animEffect transition="in" filter="blinds(horizontal)">
+                                      <p:cBhvr>
+                                        <p:cTn id="124" dur="500"/>
+                                        <p:tgtEl>
+                                          <p:spTgt spid="69"/>
+                                        </p:tgtEl>
+                                      </p:cBhvr>
+                                    </p:animEffect>
+                                  </p:childTnLst>
+                                </p:cTn>
+                              </p:par>
+                            </p:childTnLst>
+                          </p:cTn>
+                        </p:par>
+                      </p:childTnLst>
+                    </p:cTn>
+                  </p:par>
+                  <p:par>
+                    <p:cTn id="125" fill="hold">
+                      <p:stCondLst>
+                        <p:cond delay="indefinite"/>
+                      </p:stCondLst>
+                      <p:childTnLst>
+                        <p:par>
+                          <p:cTn id="126" fill="hold">
+                            <p:stCondLst>
+                              <p:cond delay="0"/>
+                            </p:stCondLst>
+                            <p:childTnLst>
+                              <p:par>
+                                <p:cTn id="127" presetID="0" presetClass="path" presetSubtype="0" accel="50000" decel="50000" fill="hold" nodeType="clickEffect">
+                                  <p:stCondLst>
+                                    <p:cond delay="0"/>
+                                  </p:stCondLst>
+                                  <p:childTnLst>
+                                    <p:animMotion origin="layout" path="M 0.000000 0.000000 L -0.368125 -0.452500 " pathEditMode="relative" rAng="0" ptsTypes="">
+                                      <p:cBhvr>
+                                        <p:cTn id="128" dur="500" fill="hold"/>
+                                        <p:tgtEl>
+                                          <p:spTgt spid="44"/>
+                                        </p:tgtEl>
+                                        <p:attrNameLst>
+                                          <p:attrName>ppt_x</p:attrName>
+                                          <p:attrName>ppt_y</p:attrName>
+                                        </p:attrNameLst>
+                                      </p:cBhvr>
+                                      <p:rCtr x="-192" y="-121"/>
+                                    </p:animMotion>
+                                  </p:childTnLst>
+                                </p:cTn>
+                              </p:par>
+                            </p:childTnLst>
+                          </p:cTn>
+                        </p:par>
+                        <p:par>
+                          <p:cTn id="129" fill="hold">
+                            <p:stCondLst>
+                              <p:cond delay="500"/>
+                            </p:stCondLst>
+                            <p:childTnLst>
+                              <p:par>
+                                <p:cTn id="130" presetID="22" presetClass="exit" presetSubtype="4" fill="hold" nodeType="afterEffect">
+                                  <p:stCondLst>
+                                    <p:cond delay="0"/>
+                                  </p:stCondLst>
+                                  <p:childTnLst>
+                                    <p:animEffect transition="out" filter="wipe(down)">
+                                      <p:cBhvr>
+                                        <p:cTn id="131" dur="500"/>
+                                        <p:tgtEl>
+                                          <p:spTgt spid="44"/>
+                                        </p:tgtEl>
+                                      </p:cBhvr>
+                                    </p:animEffect>
+                                    <p:set>
+                                      <p:cBhvr>
+                                        <p:cTn id="132" dur="1" fill="hold">
+                                          <p:stCondLst>
+                                            <p:cond delay="499"/>
+                                          </p:stCondLst>
+                                        </p:cTn>
+                                        <p:tgtEl>
+                                          <p:spTgt spid="44"/>
+                                        </p:tgtEl>
+                                        <p:attrNameLst>
+                                          <p:attrName>style.visibility</p:attrName>
+                                        </p:attrNameLst>
+                                      </p:cBhvr>
+                                      <p:to>
+                                        <p:strVal val="hidden"/>
+                                      </p:to>
+                                    </p:set>
+                                  </p:childTnLst>
+                                </p:cTn>
+                              </p:par>
+                            </p:childTnLst>
+                          </p:cTn>
+                        </p:par>
+                        <p:par>
+                          <p:cTn id="133" fill="hold">
+                            <p:stCondLst>
+                              <p:cond delay="1000"/>
+                            </p:stCondLst>
+                            <p:childTnLst>
+                              <p:par>
+                                <p:cTn id="134" presetID="3" presetClass="entr" presetSubtype="10" fill="hold" grpId="0" nodeType="afterEffect">
+                                  <p:stCondLst>
+                                    <p:cond delay="0"/>
+                                  </p:stCondLst>
+                                  <p:childTnLst>
+                                    <p:set>
+                                      <p:cBhvr>
+                                        <p:cTn id="135" dur="1" fill="hold">
+                                          <p:stCondLst>
+                                            <p:cond delay="0"/>
+                                          </p:stCondLst>
+                                        </p:cTn>
+                                        <p:tgtEl>
+                                          <p:spTgt spid="70"/>
+                                        </p:tgtEl>
+                                        <p:attrNameLst>
+                                          <p:attrName>style.visibility</p:attrName>
+                                        </p:attrNameLst>
+                                      </p:cBhvr>
+                                      <p:to>
+                                        <p:strVal val="visible"/>
+                                      </p:to>
+                                    </p:set>
+                                    <p:animEffect transition="in" filter="blinds(horizontal)">
+                                      <p:cBhvr>
+                                        <p:cTn id="136" dur="500"/>
+                                        <p:tgtEl>
+                                          <p:spTgt spid="70"/>
+                                        </p:tgtEl>
+                                      </p:cBhvr>
+                                    </p:animEffect>
+                                  </p:childTnLst>
+                                </p:cTn>
+                              </p:par>
+                            </p:childTnLst>
+                          </p:cTn>
+                        </p:par>
+                      </p:childTnLst>
+                    </p:cTn>
+                  </p:par>
+                  <p:par>
+                    <p:cTn id="137" fill="hold">
+                      <p:stCondLst>
+                        <p:cond delay="indefinite"/>
+                      </p:stCondLst>
+                      <p:childTnLst>
+                        <p:par>
+                          <p:cTn id="138" fill="hold">
+                            <p:stCondLst>
+                              <p:cond delay="0"/>
+                            </p:stCondLst>
+                            <p:childTnLst>
+                              <p:par>
+                                <p:cTn id="139" presetID="0" presetClass="path" presetSubtype="0" accel="50000" decel="50000" fill="hold" nodeType="clickEffect">
+                                  <p:stCondLst>
+                                    <p:cond delay="0"/>
+                                  </p:stCondLst>
+                                  <p:childTnLst>
+                                    <p:animMotion origin="layout" path="M 0.000000 0.000000 L -0.503646 -0.446574 " pathEditMode="relative" rAng="0" ptsTypes="">
+                                      <p:cBhvr>
+                                        <p:cTn id="140" dur="500" fill="hold"/>
+                                        <p:tgtEl>
+                                          <p:spTgt spid="57"/>
+                                        </p:tgtEl>
+                                        <p:attrNameLst>
+                                          <p:attrName>ppt_x</p:attrName>
+                                          <p:attrName>ppt_y</p:attrName>
+                                        </p:attrNameLst>
+                                      </p:cBhvr>
+                                      <p:rCtr x="-298" y="-122"/>
+                                    </p:animMotion>
+                                  </p:childTnLst>
+                                </p:cTn>
+                              </p:par>
+                            </p:childTnLst>
+                          </p:cTn>
+                        </p:par>
+                        <p:par>
+                          <p:cTn id="141" fill="hold">
+                            <p:stCondLst>
+                              <p:cond delay="500"/>
+                            </p:stCondLst>
+                            <p:childTnLst>
+                              <p:par>
+                                <p:cTn id="142" presetID="22" presetClass="exit" presetSubtype="4" fill="hold" nodeType="afterEffect">
+                                  <p:stCondLst>
+                                    <p:cond delay="0"/>
+                                  </p:stCondLst>
+                                  <p:childTnLst>
+                                    <p:animEffect transition="out" filter="wipe(down)">
+                                      <p:cBhvr>
+                                        <p:cTn id="143" dur="500"/>
+                                        <p:tgtEl>
+                                          <p:spTgt spid="57"/>
+                                        </p:tgtEl>
+                                      </p:cBhvr>
+                                    </p:animEffect>
+                                    <p:set>
+                                      <p:cBhvr>
+                                        <p:cTn id="144" dur="1" fill="hold">
+                                          <p:stCondLst>
+                                            <p:cond delay="499"/>
+                                          </p:stCondLst>
+                                        </p:cTn>
+                                        <p:tgtEl>
+                                          <p:spTgt spid="57"/>
+                                        </p:tgtEl>
+                                        <p:attrNameLst>
+                                          <p:attrName>style.visibility</p:attrName>
+                                        </p:attrNameLst>
+                                      </p:cBhvr>
+                                      <p:to>
+                                        <p:strVal val="hidden"/>
+                                      </p:to>
+                                    </p:set>
+                                  </p:childTnLst>
+                                </p:cTn>
+                              </p:par>
+                            </p:childTnLst>
+                          </p:cTn>
+                        </p:par>
+                        <p:par>
+                          <p:cTn id="145" fill="hold">
+                            <p:stCondLst>
+                              <p:cond delay="1000"/>
+                            </p:stCondLst>
+                            <p:childTnLst>
+                              <p:par>
+                                <p:cTn id="146" presetID="3" presetClass="entr" presetSubtype="10" fill="hold" grpId="0" nodeType="afterEffect">
+                                  <p:stCondLst>
+                                    <p:cond delay="0"/>
+                                  </p:stCondLst>
+                                  <p:childTnLst>
+                                    <p:set>
+                                      <p:cBhvr>
+                                        <p:cTn id="147" dur="1" fill="hold">
+                                          <p:stCondLst>
+                                            <p:cond delay="0"/>
+                                          </p:stCondLst>
+                                        </p:cTn>
+                                        <p:tgtEl>
+                                          <p:spTgt spid="71"/>
+                                        </p:tgtEl>
+                                        <p:attrNameLst>
+                                          <p:attrName>style.visibility</p:attrName>
+                                        </p:attrNameLst>
+                                      </p:cBhvr>
+                                      <p:to>
+                                        <p:strVal val="visible"/>
+                                      </p:to>
+                                    </p:set>
+                                    <p:animEffect transition="in" filter="blinds(horizontal)">
+                                      <p:cBhvr>
+                                        <p:cTn id="148" dur="500"/>
+                                        <p:tgtEl>
+                                          <p:spTgt spid="71"/>
+                                        </p:tgtEl>
+                                      </p:cBhvr>
+                                    </p:animEffect>
+                                  </p:childTnLst>
+                                </p:cTn>
+                              </p:par>
+                            </p:childTnLst>
+                          </p:cTn>
+                        </p:par>
+                      </p:childTnLst>
+                    </p:cTn>
+                  </p:par>
+                  <p:par>
+                    <p:cTn id="149" fill="hold">
+                      <p:stCondLst>
+                        <p:cond delay="indefinite"/>
+                      </p:stCondLst>
+                      <p:childTnLst>
+                        <p:par>
+                          <p:cTn id="150" fill="hold">
+                            <p:stCondLst>
+                              <p:cond delay="0"/>
+                            </p:stCondLst>
+                            <p:childTnLst>
+                              <p:par>
+                                <p:cTn id="151" presetID="1" presetClass="entr" presetSubtype="0" fill="hold" nodeType="clickEffect">
+                                  <p:stCondLst>
+                                    <p:cond delay="0"/>
+                                  </p:stCondLst>
+                                  <p:childTnLst>
+                                    <p:set>
+                                      <p:cBhvr>
+                                        <p:cTn id="152" dur="1" fill="hold">
+                                          <p:stCondLst>
+                                            <p:cond delay="0"/>
+                                          </p:stCondLst>
+                                        </p:cTn>
+                                        <p:tgtEl>
+                                          <p:spTgt spid="73"/>
+                                        </p:tgtEl>
+                                        <p:attrNameLst>
+                                          <p:attrName>style.visibility</p:attrName>
+                                        </p:attrNameLst>
+                                      </p:cBhvr>
+                                      <p:to>
+                                        <p:strVal val="visible"/>
+                                      </p:to>
+                                    </p:set>
+                                  </p:childTnLst>
+                                </p:cTn>
+                              </p:par>
+                            </p:childTnLst>
+                          </p:cTn>
+                        </p:par>
+                        <p:par>
+                          <p:cTn id="153" fill="hold">
+                            <p:stCondLst>
+                              <p:cond delay="0"/>
+                            </p:stCondLst>
+                            <p:childTnLst>
+                              <p:par>
+                                <p:cTn id="154" presetID="0" presetClass="path" presetSubtype="0" accel="50000" decel="50000" fill="hold" nodeType="afterEffect">
+                                  <p:stCondLst>
+                                    <p:cond delay="0"/>
+                                  </p:stCondLst>
+                                  <p:childTnLst>
+                                    <p:animMotion origin="layout" path="M 0.001187 0.010522 C -0.023631 0.059793 -0.081997 0.232022 -0.136131 0.236963 C -0.190264 0.241905 -0.245512 0.080141 -0.269437 0.035230 " pathEditMode="relative" rAng="0" ptsTypes="">
+                                      <p:cBhvr>
+                                        <p:cTn id="155" dur="500" fill="hold"/>
+                                        <p:tgtEl>
+                                          <p:spTgt spid="73"/>
+                                        </p:tgtEl>
+                                        <p:attrNameLst>
+                                          <p:attrName>ppt_x</p:attrName>
+                                          <p:attrName>ppt_y</p:attrName>
+                                        </p:attrNameLst>
+                                      </p:cBhvr>
+                                      <p:rCtr x="-135" y="113"/>
+                                    </p:animMotion>
+                                  </p:childTnLst>
+                                </p:cTn>
+                              </p:par>
+                            </p:childTnLst>
+                          </p:cTn>
+                        </p:par>
+                        <p:par>
+                          <p:cTn id="156" fill="hold">
+                            <p:stCondLst>
+                              <p:cond delay="500"/>
+                            </p:stCondLst>
+                            <p:childTnLst>
+                              <p:par>
+                                <p:cTn id="157" presetID="22" presetClass="exit" presetSubtype="4" fill="hold" nodeType="afterEffect">
+                                  <p:stCondLst>
+                                    <p:cond delay="0"/>
+                                  </p:stCondLst>
+                                  <p:childTnLst>
+                                    <p:animEffect transition="out" filter="wipe(down)">
+                                      <p:cBhvr>
+                                        <p:cTn id="158" dur="500"/>
+                                        <p:tgtEl>
+                                          <p:spTgt spid="73"/>
+                                        </p:tgtEl>
+                                      </p:cBhvr>
+                                    </p:animEffect>
+                                    <p:set>
+                                      <p:cBhvr>
+                                        <p:cTn id="159" dur="1" fill="hold">
+                                          <p:stCondLst>
+                                            <p:cond delay="499"/>
+                                          </p:stCondLst>
+                                        </p:cTn>
+                                        <p:tgtEl>
+                                          <p:spTgt spid="73"/>
+                                        </p:tgtEl>
+                                        <p:attrNameLst>
+                                          <p:attrName>style.visibility</p:attrName>
+                                        </p:attrNameLst>
+                                      </p:cBhvr>
+                                      <p:to>
+                                        <p:strVal val="hidden"/>
+                                      </p:to>
+                                    </p:set>
+                                  </p:childTnLst>
+                                </p:cTn>
+                              </p:par>
+                            </p:childTnLst>
+                          </p:cTn>
+                        </p:par>
+                        <p:par>
+                          <p:cTn id="160" fill="hold">
+                            <p:stCondLst>
+                              <p:cond delay="1000"/>
+                            </p:stCondLst>
+                            <p:childTnLst>
+                              <p:par>
+                                <p:cTn id="161" presetID="3" presetClass="entr" presetSubtype="10" fill="hold" grpId="0" nodeType="afterEffect">
+                                  <p:stCondLst>
+                                    <p:cond delay="0"/>
+                                  </p:stCondLst>
+                                  <p:childTnLst>
+                                    <p:set>
+                                      <p:cBhvr>
+                                        <p:cTn id="162" dur="1" fill="hold">
+                                          <p:stCondLst>
+                                            <p:cond delay="0"/>
+                                          </p:stCondLst>
+                                        </p:cTn>
+                                        <p:tgtEl>
+                                          <p:spTgt spid="4"/>
+                                        </p:tgtEl>
+                                        <p:attrNameLst>
+                                          <p:attrName>style.visibility</p:attrName>
+                                        </p:attrNameLst>
+                                      </p:cBhvr>
+                                      <p:to>
+                                        <p:strVal val="visible"/>
+                                      </p:to>
+                                    </p:set>
+                                    <p:animEffect transition="in" filter="blinds(horizontal)">
+                                      <p:cBhvr>
+                                        <p:cTn id="163" dur="500"/>
+                                        <p:tgtEl>
+                                          <p:spTgt spid="4"/>
+                                        </p:tgtEl>
+                                      </p:cBhvr>
+                                    </p:animEffect>
+                                  </p:childTnLst>
+                                </p:cTn>
+                              </p:par>
+                            </p:childTnLst>
+                          </p:cTn>
+                        </p:par>
+                      </p:childTnLst>
+                    </p:cTn>
+                  </p:par>
+                  <p:par>
+                    <p:cTn id="164" fill="hold">
+                      <p:stCondLst>
+                        <p:cond delay="indefinite"/>
+                      </p:stCondLst>
+                      <p:childTnLst>
+                        <p:par>
+                          <p:cTn id="165" fill="hold">
+                            <p:stCondLst>
+                              <p:cond delay="0"/>
+                            </p:stCondLst>
+                            <p:childTnLst>
+                              <p:par>
+                                <p:cTn id="166" presetID="2" presetClass="entr" presetSubtype="4" fill="hold" grpId="0" nodeType="clickEffect">
+                                  <p:stCondLst>
+                                    <p:cond delay="0"/>
+                                  </p:stCondLst>
+                                  <p:childTnLst>
+                                    <p:set>
+                                      <p:cBhvr>
+                                        <p:cTn id="167" dur="1" fill="hold">
+                                          <p:stCondLst>
+                                            <p:cond delay="0"/>
+                                          </p:stCondLst>
+                                        </p:cTn>
+                                        <p:tgtEl>
+                                          <p:spTgt spid="10"/>
+                                        </p:tgtEl>
+                                        <p:attrNameLst>
+                                          <p:attrName>style.visibility</p:attrName>
+                                        </p:attrNameLst>
+                                      </p:cBhvr>
+                                      <p:to>
+                                        <p:strVal val="visible"/>
+                                      </p:to>
+                                    </p:set>
+                                    <p:anim calcmode="lin" valueType="num">
+                                      <p:cBhvr additive="base">
+                                        <p:cTn id="168" dur="500" fill="hold"/>
+                                        <p:tgtEl>
+                                          <p:spTgt spid="10"/>
+                                        </p:tgtEl>
+                                        <p:attrNameLst>
+                                          <p:attrName>ppt_x</p:attrName>
+                                        </p:attrNameLst>
+                                      </p:cBhvr>
+                                      <p:tavLst>
+                                        <p:tav tm="0">
+                                          <p:val>
+                                            <p:strVal val="#ppt_x"/>
+                                          </p:val>
+                                        </p:tav>
+                                        <p:tav tm="100000">
+                                          <p:val>
+                                            <p:strVal val="#ppt_x"/>
+                                          </p:val>
+                                        </p:tav>
+                                      </p:tavLst>
+                                    </p:anim>
+                                    <p:anim calcmode="lin" valueType="num">
+                                      <p:cBhvr additive="base">
+                                        <p:cTn id="169" dur="500" fill="hold"/>
                                         <p:tgtEl>
                                           <p:spTgt spid="10"/>
                                         </p:tgtEl>
@@ -10060,13 +12153,18 @@
       </p:par>
     </p:tnLst>
     <p:bldLst>
-      <p:bldP spid="37" grpId="0"/>
       <p:bldP spid="51" grpId="0"/>
       <p:bldP spid="53" grpId="0"/>
       <p:bldP spid="55" grpId="0"/>
-      <p:bldP spid="37" grpId="1"/>
+      <p:bldP spid="64" grpId="0" animBg="1"/>
+      <p:bldP spid="65" grpId="0" bldLvl="0" animBg="1"/>
+      <p:bldP spid="67" grpId="0" animBg="1"/>
+      <p:bldP spid="67" grpId="1" animBg="1"/>
+      <p:bldP spid="69" grpId="0"/>
+      <p:bldP spid="70" grpId="0"/>
+      <p:bldP spid="71" grpId="0"/>
+      <p:bldP spid="4" grpId="0" animBg="1"/>
       <p:bldP spid="10" grpId="0"/>
-      <p:bldP spid="16" grpId="0"/>
     </p:bldLst>
   </p:timing>
 </p:sld>

--- a/微指令集-计组实验(1).pptx
+++ b/微指令集-计组实验(1).pptx
@@ -5728,118 +5728,6 @@
           </a:p>
         </p:txBody>
       </p:sp>
-      <p:pic>
-        <p:nvPicPr>
-          <p:cNvPr id="38" name="图片 37"/>
-          <p:cNvPicPr>
-            <a:picLocks noChangeAspect="1"/>
-          </p:cNvPicPr>
-          <p:nvPr/>
-        </p:nvPicPr>
-        <p:blipFill>
-          <a:blip r:embed="rId2">
-            <a:clrChange>
-              <a:clrFrom>
-                <a:srgbClr val="FEFEFE">
-                  <a:alpha val="100000"/>
-                </a:srgbClr>
-              </a:clrFrom>
-              <a:clrTo>
-                <a:srgbClr val="FEFEFE">
-                  <a:alpha val="100000"/>
-                  <a:alpha val="0"/>
-                </a:srgbClr>
-              </a:clrTo>
-            </a:clrChange>
-          </a:blip>
-          <a:srcRect l="1378" t="4580" r="2600" b="4180"/>
-          <a:stretch>
-            <a:fillRect/>
-          </a:stretch>
-        </p:blipFill>
-        <p:spPr>
-          <a:xfrm rot="1500000">
-            <a:off x="648335" y="1563370"/>
-            <a:ext cx="2051685" cy="1343025"/>
-          </a:xfrm>
-          <a:custGeom>
-            <a:avLst/>
-            <a:gdLst/>
-            <a:ahLst/>
-            <a:cxnLst>
-              <a:cxn ang="3">
-                <a:pos x="hc" y="t"/>
-              </a:cxn>
-              <a:cxn ang="cd2">
-                <a:pos x="l" y="vc"/>
-              </a:cxn>
-              <a:cxn ang="cd4">
-                <a:pos x="hc" y="b"/>
-              </a:cxn>
-              <a:cxn ang="0">
-                <a:pos x="r" y="vc"/>
-              </a:cxn>
-            </a:cxnLst>
-            <a:rect l="l" t="t" r="r" b="b"/>
-            <a:pathLst>
-              <a:path w="3495" h="2115">
-                <a:moveTo>
-                  <a:pt x="2518" y="0"/>
-                </a:moveTo>
-                <a:lnTo>
-                  <a:pt x="2803" y="180"/>
-                </a:lnTo>
-                <a:lnTo>
-                  <a:pt x="2745" y="271"/>
-                </a:lnTo>
-                <a:lnTo>
-                  <a:pt x="2871" y="325"/>
-                </a:lnTo>
-                <a:lnTo>
-                  <a:pt x="2983" y="297"/>
-                </a:lnTo>
-                <a:lnTo>
-                  <a:pt x="3112" y="414"/>
-                </a:lnTo>
-                <a:lnTo>
-                  <a:pt x="3059" y="514"/>
-                </a:lnTo>
-                <a:lnTo>
-                  <a:pt x="3144" y="561"/>
-                </a:lnTo>
-                <a:lnTo>
-                  <a:pt x="3236" y="518"/>
-                </a:lnTo>
-                <a:lnTo>
-                  <a:pt x="3491" y="688"/>
-                </a:lnTo>
-                <a:lnTo>
-                  <a:pt x="3495" y="913"/>
-                </a:lnTo>
-                <a:lnTo>
-                  <a:pt x="1132" y="2115"/>
-                </a:lnTo>
-                <a:lnTo>
-                  <a:pt x="0" y="1086"/>
-                </a:lnTo>
-                <a:lnTo>
-                  <a:pt x="51" y="899"/>
-                </a:lnTo>
-                <a:lnTo>
-                  <a:pt x="421" y="752"/>
-                </a:lnTo>
-                <a:lnTo>
-                  <a:pt x="2164" y="128"/>
-                </a:lnTo>
-                <a:lnTo>
-                  <a:pt x="2518" y="0"/>
-                </a:lnTo>
-                <a:close/>
-              </a:path>
-            </a:pathLst>
-          </a:custGeom>
-        </p:spPr>
-      </p:pic>
       <p:grpSp>
         <p:nvGrpSpPr>
           <p:cNvPr id="44" name="组合 43"/>
@@ -6257,41 +6145,6 @@
       </p:sp>
       <p:sp>
         <p:nvSpPr>
-          <p:cNvPr id="52" name="文本框 51"/>
-          <p:cNvSpPr txBox="1"/>
-          <p:nvPr/>
-        </p:nvSpPr>
-        <p:spPr>
-          <a:xfrm>
-            <a:off x="685800" y="1313815"/>
-            <a:ext cx="4064000" cy="460375"/>
-          </a:xfrm>
-          <a:prstGeom prst="rect">
-            <a:avLst/>
-          </a:prstGeom>
-          <a:noFill/>
-        </p:spPr>
-        <p:txBody>
-          <a:bodyPr wrap="square" rtlCol="0">
-            <a:spAutoFit/>
-          </a:bodyPr>
-          <a:p>
-            <a:r>
-              <a:rPr lang="en-US" altLang="zh-CN" sz="2400" b="1">
-                <a:latin typeface="Times New Roman" panose="02020603050405020304" charset="0"/>
-                <a:cs typeface="Times New Roman" panose="02020603050405020304" charset="0"/>
-              </a:rPr>
-              <a:t>8bit  Memory</a:t>
-            </a:r>
-            <a:endParaRPr lang="en-US" altLang="zh-CN" sz="2400" b="1">
-              <a:latin typeface="Times New Roman" panose="02020603050405020304" charset="0"/>
-              <a:cs typeface="Times New Roman" panose="02020603050405020304" charset="0"/>
-            </a:endParaRPr>
-          </a:p>
-        </p:txBody>
-      </p:sp>
-      <p:sp>
-        <p:nvSpPr>
           <p:cNvPr id="53" name="文本框 52"/>
           <p:cNvSpPr txBox="1"/>
           <p:nvPr/>
@@ -6407,7 +6260,7 @@
               <p:nvPr/>
             </p:nvPicPr>
             <p:blipFill>
-              <a:blip r:embed="rId3"/>
+              <a:blip r:embed="rId2"/>
               <a:stretch>
                 <a:fillRect/>
               </a:stretch>
@@ -6431,7 +6284,7 @@
               <p:nvPr/>
             </p:nvPicPr>
             <p:blipFill>
-              <a:blip r:embed="rId3"/>
+              <a:blip r:embed="rId2"/>
               <a:stretch>
                 <a:fillRect/>
               </a:stretch>
@@ -6470,7 +6323,7 @@
               <p:nvPr/>
             </p:nvPicPr>
             <p:blipFill>
-              <a:blip r:embed="rId3"/>
+              <a:blip r:embed="rId2"/>
               <a:stretch>
                 <a:fillRect/>
               </a:stretch>
@@ -6494,7 +6347,7 @@
               <p:nvPr/>
             </p:nvPicPr>
             <p:blipFill>
-              <a:blip r:embed="rId3"/>
+              <a:blip r:embed="rId2"/>
               <a:stretch>
                 <a:fillRect/>
               </a:stretch>
@@ -6633,6 +6486,44 @@
           </a:p>
         </p:txBody>
       </p:sp>
+      <p:pic>
+        <p:nvPicPr>
+          <p:cNvPr id="11" name="图片 10"/>
+          <p:cNvPicPr>
+            <a:picLocks noChangeAspect="1"/>
+          </p:cNvPicPr>
+          <p:nvPr/>
+        </p:nvPicPr>
+        <p:blipFill>
+          <a:blip r:embed="rId3">
+            <a:clrChange>
+              <a:clrFrom>
+                <a:srgbClr val="FFFFFF">
+                  <a:alpha val="100000"/>
+                </a:srgbClr>
+              </a:clrFrom>
+              <a:clrTo>
+                <a:srgbClr val="FFFFFF">
+                  <a:alpha val="100000"/>
+                  <a:alpha val="0"/>
+                </a:srgbClr>
+              </a:clrTo>
+            </a:clrChange>
+          </a:blip>
+          <a:stretch>
+            <a:fillRect/>
+          </a:stretch>
+        </p:blipFill>
+        <p:spPr>
+          <a:xfrm flipH="1">
+            <a:off x="809625" y="1176655"/>
+            <a:ext cx="1749425" cy="1449705"/>
+          </a:xfrm>
+          <a:prstGeom prst="rect">
+            <a:avLst/>
+          </a:prstGeom>
+        </p:spPr>
+      </p:pic>
     </p:spTree>
     <p:custDataLst>
       <p:tags r:id="rId4"/>
@@ -8403,118 +8294,6 @@
           </a:p>
         </p:txBody>
       </p:sp>
-      <p:pic>
-        <p:nvPicPr>
-          <p:cNvPr id="38" name="图片 37"/>
-          <p:cNvPicPr>
-            <a:picLocks noChangeAspect="1"/>
-          </p:cNvPicPr>
-          <p:nvPr/>
-        </p:nvPicPr>
-        <p:blipFill>
-          <a:blip r:embed="rId2">
-            <a:clrChange>
-              <a:clrFrom>
-                <a:srgbClr val="FEFEFE">
-                  <a:alpha val="100000"/>
-                </a:srgbClr>
-              </a:clrFrom>
-              <a:clrTo>
-                <a:srgbClr val="FEFEFE">
-                  <a:alpha val="100000"/>
-                  <a:alpha val="0"/>
-                </a:srgbClr>
-              </a:clrTo>
-            </a:clrChange>
-          </a:blip>
-          <a:srcRect l="1378" t="4580" r="2600" b="4180"/>
-          <a:stretch>
-            <a:fillRect/>
-          </a:stretch>
-        </p:blipFill>
-        <p:spPr>
-          <a:xfrm rot="1500000">
-            <a:off x="648335" y="1563370"/>
-            <a:ext cx="2051685" cy="1343025"/>
-          </a:xfrm>
-          <a:custGeom>
-            <a:avLst/>
-            <a:gdLst/>
-            <a:ahLst/>
-            <a:cxnLst>
-              <a:cxn ang="3">
-                <a:pos x="hc" y="t"/>
-              </a:cxn>
-              <a:cxn ang="cd2">
-                <a:pos x="l" y="vc"/>
-              </a:cxn>
-              <a:cxn ang="cd4">
-                <a:pos x="hc" y="b"/>
-              </a:cxn>
-              <a:cxn ang="0">
-                <a:pos x="r" y="vc"/>
-              </a:cxn>
-            </a:cxnLst>
-            <a:rect l="l" t="t" r="r" b="b"/>
-            <a:pathLst>
-              <a:path w="3495" h="2115">
-                <a:moveTo>
-                  <a:pt x="2518" y="0"/>
-                </a:moveTo>
-                <a:lnTo>
-                  <a:pt x="2803" y="180"/>
-                </a:lnTo>
-                <a:lnTo>
-                  <a:pt x="2745" y="271"/>
-                </a:lnTo>
-                <a:lnTo>
-                  <a:pt x="2871" y="325"/>
-                </a:lnTo>
-                <a:lnTo>
-                  <a:pt x="2983" y="297"/>
-                </a:lnTo>
-                <a:lnTo>
-                  <a:pt x="3112" y="414"/>
-                </a:lnTo>
-                <a:lnTo>
-                  <a:pt x="3059" y="514"/>
-                </a:lnTo>
-                <a:lnTo>
-                  <a:pt x="3144" y="561"/>
-                </a:lnTo>
-                <a:lnTo>
-                  <a:pt x="3236" y="518"/>
-                </a:lnTo>
-                <a:lnTo>
-                  <a:pt x="3491" y="688"/>
-                </a:lnTo>
-                <a:lnTo>
-                  <a:pt x="3495" y="913"/>
-                </a:lnTo>
-                <a:lnTo>
-                  <a:pt x="1132" y="2115"/>
-                </a:lnTo>
-                <a:lnTo>
-                  <a:pt x="0" y="1086"/>
-                </a:lnTo>
-                <a:lnTo>
-                  <a:pt x="51" y="899"/>
-                </a:lnTo>
-                <a:lnTo>
-                  <a:pt x="421" y="752"/>
-                </a:lnTo>
-                <a:lnTo>
-                  <a:pt x="2164" y="128"/>
-                </a:lnTo>
-                <a:lnTo>
-                  <a:pt x="2518" y="0"/>
-                </a:lnTo>
-                <a:close/>
-              </a:path>
-            </a:pathLst>
-          </a:custGeom>
-        </p:spPr>
-      </p:pic>
       <p:sp>
         <p:nvSpPr>
           <p:cNvPr id="51" name="文本框 50"/>
@@ -8542,41 +8321,6 @@
               <a:t>等一下要跳转哦！</a:t>
             </a:r>
             <a:endParaRPr lang="zh-CN" altLang="en-US" sz="2000" b="1"/>
-          </a:p>
-        </p:txBody>
-      </p:sp>
-      <p:sp>
-        <p:nvSpPr>
-          <p:cNvPr id="52" name="文本框 51"/>
-          <p:cNvSpPr txBox="1"/>
-          <p:nvPr/>
-        </p:nvSpPr>
-        <p:spPr>
-          <a:xfrm>
-            <a:off x="685800" y="1313815"/>
-            <a:ext cx="4064000" cy="460375"/>
-          </a:xfrm>
-          <a:prstGeom prst="rect">
-            <a:avLst/>
-          </a:prstGeom>
-          <a:noFill/>
-        </p:spPr>
-        <p:txBody>
-          <a:bodyPr wrap="square" rtlCol="0">
-            <a:spAutoFit/>
-          </a:bodyPr>
-          <a:p>
-            <a:r>
-              <a:rPr lang="en-US" altLang="zh-CN" sz="2400" b="1">
-                <a:latin typeface="Times New Roman" panose="02020603050405020304" charset="0"/>
-                <a:cs typeface="Times New Roman" panose="02020603050405020304" charset="0"/>
-              </a:rPr>
-              <a:t>8bit  Memory</a:t>
-            </a:r>
-            <a:endParaRPr lang="en-US" altLang="zh-CN" sz="2400" b="1">
-              <a:latin typeface="Times New Roman" panose="02020603050405020304" charset="0"/>
-              <a:cs typeface="Times New Roman" panose="02020603050405020304" charset="0"/>
-            </a:endParaRPr>
           </a:p>
         </p:txBody>
       </p:sp>
@@ -9863,7 +9607,7 @@
           <p:nvPr/>
         </p:nvPicPr>
         <p:blipFill>
-          <a:blip r:embed="rId3"/>
+          <a:blip r:embed="rId2"/>
           <a:stretch>
             <a:fillRect/>
           </a:stretch>
@@ -10004,6 +9748,44 @@
           </a:p>
         </p:txBody>
       </p:sp>
+      <p:pic>
+        <p:nvPicPr>
+          <p:cNvPr id="6" name="图片 5"/>
+          <p:cNvPicPr>
+            <a:picLocks noChangeAspect="1"/>
+          </p:cNvPicPr>
+          <p:nvPr/>
+        </p:nvPicPr>
+        <p:blipFill>
+          <a:blip r:embed="rId3">
+            <a:clrChange>
+              <a:clrFrom>
+                <a:srgbClr val="FFFFFF">
+                  <a:alpha val="100000"/>
+                </a:srgbClr>
+              </a:clrFrom>
+              <a:clrTo>
+                <a:srgbClr val="FFFFFF">
+                  <a:alpha val="100000"/>
+                  <a:alpha val="0"/>
+                </a:srgbClr>
+              </a:clrTo>
+            </a:clrChange>
+          </a:blip>
+          <a:stretch>
+            <a:fillRect/>
+          </a:stretch>
+        </p:blipFill>
+        <p:spPr>
+          <a:xfrm flipH="1">
+            <a:off x="809625" y="1119505"/>
+            <a:ext cx="1749425" cy="1449705"/>
+          </a:xfrm>
+          <a:prstGeom prst="rect">
+            <a:avLst/>
+          </a:prstGeom>
+        </p:spPr>
+      </p:pic>
     </p:spTree>
     <p:custDataLst>
       <p:tags r:id="rId4"/>
@@ -12695,118 +12477,6 @@
           </a:p>
         </p:txBody>
       </p:sp>
-      <p:pic>
-        <p:nvPicPr>
-          <p:cNvPr id="38" name="图片 37"/>
-          <p:cNvPicPr>
-            <a:picLocks noChangeAspect="1"/>
-          </p:cNvPicPr>
-          <p:nvPr/>
-        </p:nvPicPr>
-        <p:blipFill>
-          <a:blip r:embed="rId2">
-            <a:clrChange>
-              <a:clrFrom>
-                <a:srgbClr val="FEFEFE">
-                  <a:alpha val="100000"/>
-                </a:srgbClr>
-              </a:clrFrom>
-              <a:clrTo>
-                <a:srgbClr val="FEFEFE">
-                  <a:alpha val="100000"/>
-                  <a:alpha val="0"/>
-                </a:srgbClr>
-              </a:clrTo>
-            </a:clrChange>
-          </a:blip>
-          <a:srcRect l="1378" t="4580" r="2600" b="4180"/>
-          <a:stretch>
-            <a:fillRect/>
-          </a:stretch>
-        </p:blipFill>
-        <p:spPr>
-          <a:xfrm rot="1500000">
-            <a:off x="648335" y="1563370"/>
-            <a:ext cx="2051685" cy="1343025"/>
-          </a:xfrm>
-          <a:custGeom>
-            <a:avLst/>
-            <a:gdLst/>
-            <a:ahLst/>
-            <a:cxnLst>
-              <a:cxn ang="3">
-                <a:pos x="hc" y="t"/>
-              </a:cxn>
-              <a:cxn ang="cd2">
-                <a:pos x="l" y="vc"/>
-              </a:cxn>
-              <a:cxn ang="cd4">
-                <a:pos x="hc" y="b"/>
-              </a:cxn>
-              <a:cxn ang="0">
-                <a:pos x="r" y="vc"/>
-              </a:cxn>
-            </a:cxnLst>
-            <a:rect l="l" t="t" r="r" b="b"/>
-            <a:pathLst>
-              <a:path w="3495" h="2115">
-                <a:moveTo>
-                  <a:pt x="2518" y="0"/>
-                </a:moveTo>
-                <a:lnTo>
-                  <a:pt x="2803" y="180"/>
-                </a:lnTo>
-                <a:lnTo>
-                  <a:pt x="2745" y="271"/>
-                </a:lnTo>
-                <a:lnTo>
-                  <a:pt x="2871" y="325"/>
-                </a:lnTo>
-                <a:lnTo>
-                  <a:pt x="2983" y="297"/>
-                </a:lnTo>
-                <a:lnTo>
-                  <a:pt x="3112" y="414"/>
-                </a:lnTo>
-                <a:lnTo>
-                  <a:pt x="3059" y="514"/>
-                </a:lnTo>
-                <a:lnTo>
-                  <a:pt x="3144" y="561"/>
-                </a:lnTo>
-                <a:lnTo>
-                  <a:pt x="3236" y="518"/>
-                </a:lnTo>
-                <a:lnTo>
-                  <a:pt x="3491" y="688"/>
-                </a:lnTo>
-                <a:lnTo>
-                  <a:pt x="3495" y="913"/>
-                </a:lnTo>
-                <a:lnTo>
-                  <a:pt x="1132" y="2115"/>
-                </a:lnTo>
-                <a:lnTo>
-                  <a:pt x="0" y="1086"/>
-                </a:lnTo>
-                <a:lnTo>
-                  <a:pt x="51" y="899"/>
-                </a:lnTo>
-                <a:lnTo>
-                  <a:pt x="421" y="752"/>
-                </a:lnTo>
-                <a:lnTo>
-                  <a:pt x="2164" y="128"/>
-                </a:lnTo>
-                <a:lnTo>
-                  <a:pt x="2518" y="0"/>
-                </a:lnTo>
-                <a:close/>
-              </a:path>
-            </a:pathLst>
-          </a:custGeom>
-        </p:spPr>
-      </p:pic>
       <p:grpSp>
         <p:nvGrpSpPr>
           <p:cNvPr id="44" name="组合 43"/>
@@ -13232,41 +12902,6 @@
       </p:sp>
       <p:sp>
         <p:nvSpPr>
-          <p:cNvPr id="52" name="文本框 51"/>
-          <p:cNvSpPr txBox="1"/>
-          <p:nvPr/>
-        </p:nvSpPr>
-        <p:spPr>
-          <a:xfrm>
-            <a:off x="685800" y="1313815"/>
-            <a:ext cx="4064000" cy="460375"/>
-          </a:xfrm>
-          <a:prstGeom prst="rect">
-            <a:avLst/>
-          </a:prstGeom>
-          <a:noFill/>
-        </p:spPr>
-        <p:txBody>
-          <a:bodyPr wrap="square" rtlCol="0">
-            <a:spAutoFit/>
-          </a:bodyPr>
-          <a:p>
-            <a:r>
-              <a:rPr lang="en-US" altLang="zh-CN" sz="2400" b="1">
-                <a:latin typeface="Times New Roman" panose="02020603050405020304" charset="0"/>
-                <a:cs typeface="Times New Roman" panose="02020603050405020304" charset="0"/>
-              </a:rPr>
-              <a:t>8bit  Memory</a:t>
-            </a:r>
-            <a:endParaRPr lang="en-US" altLang="zh-CN" sz="2400" b="1">
-              <a:latin typeface="Times New Roman" panose="02020603050405020304" charset="0"/>
-              <a:cs typeface="Times New Roman" panose="02020603050405020304" charset="0"/>
-            </a:endParaRPr>
-          </a:p>
-        </p:txBody>
-      </p:sp>
-      <p:sp>
-        <p:nvSpPr>
           <p:cNvPr id="53" name="文本框 52"/>
           <p:cNvSpPr txBox="1"/>
           <p:nvPr/>
@@ -13382,7 +13017,7 @@
               <p:nvPr/>
             </p:nvPicPr>
             <p:blipFill>
-              <a:blip r:embed="rId3"/>
+              <a:blip r:embed="rId2"/>
               <a:stretch>
                 <a:fillRect/>
               </a:stretch>
@@ -13406,7 +13041,7 @@
               <p:nvPr/>
             </p:nvPicPr>
             <p:blipFill>
-              <a:blip r:embed="rId3"/>
+              <a:blip r:embed="rId2"/>
               <a:stretch>
                 <a:fillRect/>
               </a:stretch>
@@ -13445,7 +13080,7 @@
               <p:nvPr/>
             </p:nvPicPr>
             <p:blipFill>
-              <a:blip r:embed="rId3"/>
+              <a:blip r:embed="rId2"/>
               <a:stretch>
                 <a:fillRect/>
               </a:stretch>
@@ -13469,7 +13104,7 @@
               <p:nvPr/>
             </p:nvPicPr>
             <p:blipFill>
-              <a:blip r:embed="rId3"/>
+              <a:blip r:embed="rId2"/>
               <a:stretch>
                 <a:fillRect/>
               </a:stretch>
@@ -13904,6 +13539,44 @@
           </a:p>
         </p:txBody>
       </p:sp>
+      <p:pic>
+        <p:nvPicPr>
+          <p:cNvPr id="6" name="图片 5"/>
+          <p:cNvPicPr>
+            <a:picLocks noChangeAspect="1"/>
+          </p:cNvPicPr>
+          <p:nvPr/>
+        </p:nvPicPr>
+        <p:blipFill>
+          <a:blip r:embed="rId3">
+            <a:clrChange>
+              <a:clrFrom>
+                <a:srgbClr val="FFFFFF">
+                  <a:alpha val="100000"/>
+                </a:srgbClr>
+              </a:clrFrom>
+              <a:clrTo>
+                <a:srgbClr val="FFFFFF">
+                  <a:alpha val="100000"/>
+                  <a:alpha val="0"/>
+                </a:srgbClr>
+              </a:clrTo>
+            </a:clrChange>
+          </a:blip>
+          <a:stretch>
+            <a:fillRect/>
+          </a:stretch>
+        </p:blipFill>
+        <p:spPr>
+          <a:xfrm flipH="1">
+            <a:off x="809625" y="1167130"/>
+            <a:ext cx="1749425" cy="1449705"/>
+          </a:xfrm>
+          <a:prstGeom prst="rect">
+            <a:avLst/>
+          </a:prstGeom>
+        </p:spPr>
+      </p:pic>
     </p:spTree>
     <p:custDataLst>
       <p:tags r:id="rId4"/>
@@ -22427,118 +22100,6 @@
           </a:p>
         </p:txBody>
       </p:sp>
-      <p:pic>
-        <p:nvPicPr>
-          <p:cNvPr id="38" name="图片 37"/>
-          <p:cNvPicPr>
-            <a:picLocks noChangeAspect="1"/>
-          </p:cNvPicPr>
-          <p:nvPr/>
-        </p:nvPicPr>
-        <p:blipFill>
-          <a:blip r:embed="rId2">
-            <a:clrChange>
-              <a:clrFrom>
-                <a:srgbClr val="FEFEFE">
-                  <a:alpha val="100000"/>
-                </a:srgbClr>
-              </a:clrFrom>
-              <a:clrTo>
-                <a:srgbClr val="FEFEFE">
-                  <a:alpha val="100000"/>
-                  <a:alpha val="0"/>
-                </a:srgbClr>
-              </a:clrTo>
-            </a:clrChange>
-          </a:blip>
-          <a:srcRect l="1378" t="4580" r="2600" b="4180"/>
-          <a:stretch>
-            <a:fillRect/>
-          </a:stretch>
-        </p:blipFill>
-        <p:spPr>
-          <a:xfrm rot="1500000">
-            <a:off x="648335" y="1563370"/>
-            <a:ext cx="2051685" cy="1343025"/>
-          </a:xfrm>
-          <a:custGeom>
-            <a:avLst/>
-            <a:gdLst/>
-            <a:ahLst/>
-            <a:cxnLst>
-              <a:cxn ang="3">
-                <a:pos x="hc" y="t"/>
-              </a:cxn>
-              <a:cxn ang="cd2">
-                <a:pos x="l" y="vc"/>
-              </a:cxn>
-              <a:cxn ang="cd4">
-                <a:pos x="hc" y="b"/>
-              </a:cxn>
-              <a:cxn ang="0">
-                <a:pos x="r" y="vc"/>
-              </a:cxn>
-            </a:cxnLst>
-            <a:rect l="l" t="t" r="r" b="b"/>
-            <a:pathLst>
-              <a:path w="3495" h="2115">
-                <a:moveTo>
-                  <a:pt x="2518" y="0"/>
-                </a:moveTo>
-                <a:lnTo>
-                  <a:pt x="2803" y="180"/>
-                </a:lnTo>
-                <a:lnTo>
-                  <a:pt x="2745" y="271"/>
-                </a:lnTo>
-                <a:lnTo>
-                  <a:pt x="2871" y="325"/>
-                </a:lnTo>
-                <a:lnTo>
-                  <a:pt x="2983" y="297"/>
-                </a:lnTo>
-                <a:lnTo>
-                  <a:pt x="3112" y="414"/>
-                </a:lnTo>
-                <a:lnTo>
-                  <a:pt x="3059" y="514"/>
-                </a:lnTo>
-                <a:lnTo>
-                  <a:pt x="3144" y="561"/>
-                </a:lnTo>
-                <a:lnTo>
-                  <a:pt x="3236" y="518"/>
-                </a:lnTo>
-                <a:lnTo>
-                  <a:pt x="3491" y="688"/>
-                </a:lnTo>
-                <a:lnTo>
-                  <a:pt x="3495" y="913"/>
-                </a:lnTo>
-                <a:lnTo>
-                  <a:pt x="1132" y="2115"/>
-                </a:lnTo>
-                <a:lnTo>
-                  <a:pt x="0" y="1086"/>
-                </a:lnTo>
-                <a:lnTo>
-                  <a:pt x="51" y="899"/>
-                </a:lnTo>
-                <a:lnTo>
-                  <a:pt x="421" y="752"/>
-                </a:lnTo>
-                <a:lnTo>
-                  <a:pt x="2164" y="128"/>
-                </a:lnTo>
-                <a:lnTo>
-                  <a:pt x="2518" y="0"/>
-                </a:lnTo>
-                <a:close/>
-              </a:path>
-            </a:pathLst>
-          </a:custGeom>
-        </p:spPr>
-      </p:pic>
       <p:grpSp>
         <p:nvGrpSpPr>
           <p:cNvPr id="44" name="组合 43"/>
@@ -23047,41 +22608,6 @@
       </p:sp>
       <p:sp>
         <p:nvSpPr>
-          <p:cNvPr id="52" name="文本框 51"/>
-          <p:cNvSpPr txBox="1"/>
-          <p:nvPr/>
-        </p:nvSpPr>
-        <p:spPr>
-          <a:xfrm>
-            <a:off x="685800" y="1313815"/>
-            <a:ext cx="4064000" cy="460375"/>
-          </a:xfrm>
-          <a:prstGeom prst="rect">
-            <a:avLst/>
-          </a:prstGeom>
-          <a:noFill/>
-        </p:spPr>
-        <p:txBody>
-          <a:bodyPr wrap="square" rtlCol="0">
-            <a:spAutoFit/>
-          </a:bodyPr>
-          <a:p>
-            <a:r>
-              <a:rPr lang="en-US" altLang="zh-CN" sz="2400" b="1">
-                <a:latin typeface="Times New Roman" panose="02020603050405020304" charset="0"/>
-                <a:cs typeface="Times New Roman" panose="02020603050405020304" charset="0"/>
-              </a:rPr>
-              <a:t>8bit  Memory</a:t>
-            </a:r>
-            <a:endParaRPr lang="en-US" altLang="zh-CN" sz="2400" b="1">
-              <a:latin typeface="Times New Roman" panose="02020603050405020304" charset="0"/>
-              <a:cs typeface="Times New Roman" panose="02020603050405020304" charset="0"/>
-            </a:endParaRPr>
-          </a:p>
-        </p:txBody>
-      </p:sp>
-      <p:sp>
-        <p:nvSpPr>
           <p:cNvPr id="53" name="文本框 52"/>
           <p:cNvSpPr txBox="1"/>
           <p:nvPr/>
@@ -23404,7 +22930,7 @@
               <p:nvPr/>
             </p:nvPicPr>
             <p:blipFill>
-              <a:blip r:embed="rId3"/>
+              <a:blip r:embed="rId2"/>
               <a:stretch>
                 <a:fillRect/>
               </a:stretch>
@@ -23428,7 +22954,7 @@
               <p:nvPr/>
             </p:nvPicPr>
             <p:blipFill>
-              <a:blip r:embed="rId3"/>
+              <a:blip r:embed="rId2"/>
               <a:stretch>
                 <a:fillRect/>
               </a:stretch>
@@ -23467,7 +22993,7 @@
               <p:nvPr/>
             </p:nvPicPr>
             <p:blipFill>
-              <a:blip r:embed="rId3"/>
+              <a:blip r:embed="rId2"/>
               <a:stretch>
                 <a:fillRect/>
               </a:stretch>
@@ -23491,7 +23017,7 @@
               <p:nvPr/>
             </p:nvPicPr>
             <p:blipFill>
-              <a:blip r:embed="rId3"/>
+              <a:blip r:embed="rId2"/>
               <a:stretch>
                 <a:fillRect/>
               </a:stretch>
@@ -23508,6 +23034,44 @@
           </p:pic>
         </p:grpSp>
       </p:grpSp>
+      <p:pic>
+        <p:nvPicPr>
+          <p:cNvPr id="6" name="图片 5"/>
+          <p:cNvPicPr>
+            <a:picLocks noChangeAspect="1"/>
+          </p:cNvPicPr>
+          <p:nvPr/>
+        </p:nvPicPr>
+        <p:blipFill>
+          <a:blip r:embed="rId3">
+            <a:clrChange>
+              <a:clrFrom>
+                <a:srgbClr val="FFFFFF">
+                  <a:alpha val="100000"/>
+                </a:srgbClr>
+              </a:clrFrom>
+              <a:clrTo>
+                <a:srgbClr val="FFFFFF">
+                  <a:alpha val="100000"/>
+                  <a:alpha val="0"/>
+                </a:srgbClr>
+              </a:clrTo>
+            </a:clrChange>
+          </a:blip>
+          <a:stretch>
+            <a:fillRect/>
+          </a:stretch>
+        </p:blipFill>
+        <p:spPr>
+          <a:xfrm flipH="1">
+            <a:off x="809625" y="1119505"/>
+            <a:ext cx="1749425" cy="1449705"/>
+          </a:xfrm>
+          <a:prstGeom prst="rect">
+            <a:avLst/>
+          </a:prstGeom>
+        </p:spPr>
+      </p:pic>
     </p:spTree>
     <p:custDataLst>
       <p:tags r:id="rId4"/>
@@ -25340,118 +24904,6 @@
           </a:p>
         </p:txBody>
       </p:sp>
-      <p:pic>
-        <p:nvPicPr>
-          <p:cNvPr id="38" name="图片 37"/>
-          <p:cNvPicPr>
-            <a:picLocks noChangeAspect="1"/>
-          </p:cNvPicPr>
-          <p:nvPr/>
-        </p:nvPicPr>
-        <p:blipFill>
-          <a:blip r:embed="rId1">
-            <a:clrChange>
-              <a:clrFrom>
-                <a:srgbClr val="FEFEFE">
-                  <a:alpha val="100000"/>
-                </a:srgbClr>
-              </a:clrFrom>
-              <a:clrTo>
-                <a:srgbClr val="FEFEFE">
-                  <a:alpha val="100000"/>
-                  <a:alpha val="0"/>
-                </a:srgbClr>
-              </a:clrTo>
-            </a:clrChange>
-          </a:blip>
-          <a:srcRect l="1378" t="4580" r="2600" b="4180"/>
-          <a:stretch>
-            <a:fillRect/>
-          </a:stretch>
-        </p:blipFill>
-        <p:spPr>
-          <a:xfrm rot="1500000">
-            <a:off x="648335" y="1563370"/>
-            <a:ext cx="2051685" cy="1343025"/>
-          </a:xfrm>
-          <a:custGeom>
-            <a:avLst/>
-            <a:gdLst/>
-            <a:ahLst/>
-            <a:cxnLst>
-              <a:cxn ang="3">
-                <a:pos x="hc" y="t"/>
-              </a:cxn>
-              <a:cxn ang="cd2">
-                <a:pos x="l" y="vc"/>
-              </a:cxn>
-              <a:cxn ang="cd4">
-                <a:pos x="hc" y="b"/>
-              </a:cxn>
-              <a:cxn ang="0">
-                <a:pos x="r" y="vc"/>
-              </a:cxn>
-            </a:cxnLst>
-            <a:rect l="l" t="t" r="r" b="b"/>
-            <a:pathLst>
-              <a:path w="3495" h="2115">
-                <a:moveTo>
-                  <a:pt x="2518" y="0"/>
-                </a:moveTo>
-                <a:lnTo>
-                  <a:pt x="2803" y="180"/>
-                </a:lnTo>
-                <a:lnTo>
-                  <a:pt x="2745" y="271"/>
-                </a:lnTo>
-                <a:lnTo>
-                  <a:pt x="2871" y="325"/>
-                </a:lnTo>
-                <a:lnTo>
-                  <a:pt x="2983" y="297"/>
-                </a:lnTo>
-                <a:lnTo>
-                  <a:pt x="3112" y="414"/>
-                </a:lnTo>
-                <a:lnTo>
-                  <a:pt x="3059" y="514"/>
-                </a:lnTo>
-                <a:lnTo>
-                  <a:pt x="3144" y="561"/>
-                </a:lnTo>
-                <a:lnTo>
-                  <a:pt x="3236" y="518"/>
-                </a:lnTo>
-                <a:lnTo>
-                  <a:pt x="3491" y="688"/>
-                </a:lnTo>
-                <a:lnTo>
-                  <a:pt x="3495" y="913"/>
-                </a:lnTo>
-                <a:lnTo>
-                  <a:pt x="1132" y="2115"/>
-                </a:lnTo>
-                <a:lnTo>
-                  <a:pt x="0" y="1086"/>
-                </a:lnTo>
-                <a:lnTo>
-                  <a:pt x="51" y="899"/>
-                </a:lnTo>
-                <a:lnTo>
-                  <a:pt x="421" y="752"/>
-                </a:lnTo>
-                <a:lnTo>
-                  <a:pt x="2164" y="128"/>
-                </a:lnTo>
-                <a:lnTo>
-                  <a:pt x="2518" y="0"/>
-                </a:lnTo>
-                <a:close/>
-              </a:path>
-            </a:pathLst>
-          </a:custGeom>
-        </p:spPr>
-      </p:pic>
       <p:grpSp>
         <p:nvGrpSpPr>
           <p:cNvPr id="44" name="组合 43"/>
@@ -25976,42 +25428,6 @@
       </p:sp>
       <p:sp>
         <p:nvSpPr>
-          <p:cNvPr id="52" name="文本框 51"/>
-          <p:cNvSpPr txBox="1"/>
-          <p:nvPr/>
-        </p:nvSpPr>
-        <p:spPr>
-          <a:xfrm>
-            <a:off x="685800" y="1313815"/>
-            <a:ext cx="4064000" cy="460375"/>
-          </a:xfrm>
-          <a:prstGeom prst="rect">
-            <a:avLst/>
-          </a:prstGeom>
-          <a:noFill/>
-        </p:spPr>
-        <p:txBody>
-          <a:bodyPr wrap="square" rtlCol="0">
-            <a:spAutoFit/>
-          </a:bodyPr>
-          <a:lstStyle/>
-          <a:p>
-            <a:r>
-              <a:rPr lang="en-US" altLang="zh-CN" sz="2400" b="1">
-                <a:latin typeface="Times New Roman" panose="02020603050405020304" charset="0"/>
-                <a:cs typeface="Times New Roman" panose="02020603050405020304" charset="0"/>
-              </a:rPr>
-              <a:t>8bit  Memory</a:t>
-            </a:r>
-            <a:endParaRPr lang="en-US" altLang="zh-CN" sz="2400" b="1">
-              <a:latin typeface="Times New Roman" panose="02020603050405020304" charset="0"/>
-              <a:cs typeface="Times New Roman" panose="02020603050405020304" charset="0"/>
-            </a:endParaRPr>
-          </a:p>
-        </p:txBody>
-      </p:sp>
-      <p:sp>
-        <p:nvSpPr>
           <p:cNvPr id="53" name="文本框 52"/>
           <p:cNvSpPr txBox="1"/>
           <p:nvPr/>
@@ -26357,7 +25773,7 @@
               <p:nvPr/>
             </p:nvPicPr>
             <p:blipFill>
-              <a:blip r:embed="rId2"/>
+              <a:blip r:embed="rId1"/>
               <a:stretch>
                 <a:fillRect/>
               </a:stretch>
@@ -26381,7 +25797,7 @@
               <p:nvPr/>
             </p:nvPicPr>
             <p:blipFill>
-              <a:blip r:embed="rId2"/>
+              <a:blip r:embed="rId1"/>
               <a:stretch>
                 <a:fillRect/>
               </a:stretch>
@@ -26420,7 +25836,7 @@
               <p:nvPr/>
             </p:nvPicPr>
             <p:blipFill>
-              <a:blip r:embed="rId2"/>
+              <a:blip r:embed="rId1"/>
               <a:stretch>
                 <a:fillRect/>
               </a:stretch>
@@ -26444,7 +25860,7 @@
               <p:nvPr/>
             </p:nvPicPr>
             <p:blipFill>
-              <a:blip r:embed="rId2"/>
+              <a:blip r:embed="rId1"/>
               <a:stretch>
                 <a:fillRect/>
               </a:stretch>
@@ -26461,6 +25877,44 @@
           </p:pic>
         </p:grpSp>
       </p:grpSp>
+      <p:pic>
+        <p:nvPicPr>
+          <p:cNvPr id="6" name="图片 5"/>
+          <p:cNvPicPr>
+            <a:picLocks noChangeAspect="1"/>
+          </p:cNvPicPr>
+          <p:nvPr/>
+        </p:nvPicPr>
+        <p:blipFill>
+          <a:blip r:embed="rId2">
+            <a:clrChange>
+              <a:clrFrom>
+                <a:srgbClr val="FFFFFF">
+                  <a:alpha val="100000"/>
+                </a:srgbClr>
+              </a:clrFrom>
+              <a:clrTo>
+                <a:srgbClr val="FFFFFF">
+                  <a:alpha val="100000"/>
+                  <a:alpha val="0"/>
+                </a:srgbClr>
+              </a:clrTo>
+            </a:clrChange>
+          </a:blip>
+          <a:stretch>
+            <a:fillRect/>
+          </a:stretch>
+        </p:blipFill>
+        <p:spPr>
+          <a:xfrm flipH="1">
+            <a:off x="809625" y="1119505"/>
+            <a:ext cx="1749425" cy="1449705"/>
+          </a:xfrm>
+          <a:prstGeom prst="rect">
+            <a:avLst/>
+          </a:prstGeom>
+        </p:spPr>
+      </p:pic>
     </p:spTree>
     <p:custDataLst>
       <p:tags r:id="rId3"/>
@@ -28262,118 +27716,6 @@
           </a:p>
         </p:txBody>
       </p:sp>
-      <p:pic>
-        <p:nvPicPr>
-          <p:cNvPr id="38" name="图片 37"/>
-          <p:cNvPicPr>
-            <a:picLocks noChangeAspect="1"/>
-          </p:cNvPicPr>
-          <p:nvPr/>
-        </p:nvPicPr>
-        <p:blipFill>
-          <a:blip r:embed="rId1">
-            <a:clrChange>
-              <a:clrFrom>
-                <a:srgbClr val="FEFEFE">
-                  <a:alpha val="100000"/>
-                </a:srgbClr>
-              </a:clrFrom>
-              <a:clrTo>
-                <a:srgbClr val="FEFEFE">
-                  <a:alpha val="100000"/>
-                  <a:alpha val="0"/>
-                </a:srgbClr>
-              </a:clrTo>
-            </a:clrChange>
-          </a:blip>
-          <a:srcRect l="1378" t="4580" r="2600" b="4180"/>
-          <a:stretch>
-            <a:fillRect/>
-          </a:stretch>
-        </p:blipFill>
-        <p:spPr>
-          <a:xfrm rot="1500000">
-            <a:off x="648335" y="1563370"/>
-            <a:ext cx="2051685" cy="1343025"/>
-          </a:xfrm>
-          <a:custGeom>
-            <a:avLst/>
-            <a:gdLst/>
-            <a:ahLst/>
-            <a:cxnLst>
-              <a:cxn ang="3">
-                <a:pos x="hc" y="t"/>
-              </a:cxn>
-              <a:cxn ang="cd2">
-                <a:pos x="l" y="vc"/>
-              </a:cxn>
-              <a:cxn ang="cd4">
-                <a:pos x="hc" y="b"/>
-              </a:cxn>
-              <a:cxn ang="0">
-                <a:pos x="r" y="vc"/>
-              </a:cxn>
-            </a:cxnLst>
-            <a:rect l="l" t="t" r="r" b="b"/>
-            <a:pathLst>
-              <a:path w="3495" h="2115">
-                <a:moveTo>
-                  <a:pt x="2518" y="0"/>
-                </a:moveTo>
-                <a:lnTo>
-                  <a:pt x="2803" y="180"/>
-                </a:lnTo>
-                <a:lnTo>
-                  <a:pt x="2745" y="271"/>
-                </a:lnTo>
-                <a:lnTo>
-                  <a:pt x="2871" y="325"/>
-                </a:lnTo>
-                <a:lnTo>
-                  <a:pt x="2983" y="297"/>
-                </a:lnTo>
-                <a:lnTo>
-                  <a:pt x="3112" y="414"/>
-                </a:lnTo>
-                <a:lnTo>
-                  <a:pt x="3059" y="514"/>
-                </a:lnTo>
-                <a:lnTo>
-                  <a:pt x="3144" y="561"/>
-                </a:lnTo>
-                <a:lnTo>
-                  <a:pt x="3236" y="518"/>
-                </a:lnTo>
-                <a:lnTo>
-                  <a:pt x="3491" y="688"/>
-                </a:lnTo>
-                <a:lnTo>
-                  <a:pt x="3495" y="913"/>
-                </a:lnTo>
-                <a:lnTo>
-                  <a:pt x="1132" y="2115"/>
-                </a:lnTo>
-                <a:lnTo>
-                  <a:pt x="0" y="1086"/>
-                </a:lnTo>
-                <a:lnTo>
-                  <a:pt x="51" y="899"/>
-                </a:lnTo>
-                <a:lnTo>
-                  <a:pt x="421" y="752"/>
-                </a:lnTo>
-                <a:lnTo>
-                  <a:pt x="2164" y="128"/>
-                </a:lnTo>
-                <a:lnTo>
-                  <a:pt x="2518" y="0"/>
-                </a:lnTo>
-                <a:close/>
-              </a:path>
-            </a:pathLst>
-          </a:custGeom>
-        </p:spPr>
-      </p:pic>
       <p:grpSp>
         <p:nvGrpSpPr>
           <p:cNvPr id="44" name="组合 43"/>
@@ -28898,42 +28240,6 @@
       </p:sp>
       <p:sp>
         <p:nvSpPr>
-          <p:cNvPr id="52" name="文本框 51"/>
-          <p:cNvSpPr txBox="1"/>
-          <p:nvPr/>
-        </p:nvSpPr>
-        <p:spPr>
-          <a:xfrm>
-            <a:off x="685800" y="1313815"/>
-            <a:ext cx="4064000" cy="460375"/>
-          </a:xfrm>
-          <a:prstGeom prst="rect">
-            <a:avLst/>
-          </a:prstGeom>
-          <a:noFill/>
-        </p:spPr>
-        <p:txBody>
-          <a:bodyPr wrap="square" rtlCol="0">
-            <a:spAutoFit/>
-          </a:bodyPr>
-          <a:lstStyle/>
-          <a:p>
-            <a:r>
-              <a:rPr lang="en-US" altLang="zh-CN" sz="2400" b="1">
-                <a:latin typeface="Times New Roman" panose="02020603050405020304" charset="0"/>
-                <a:cs typeface="Times New Roman" panose="02020603050405020304" charset="0"/>
-              </a:rPr>
-              <a:t>8bit  Memory</a:t>
-            </a:r>
-            <a:endParaRPr lang="en-US" altLang="zh-CN" sz="2400" b="1">
-              <a:latin typeface="Times New Roman" panose="02020603050405020304" charset="0"/>
-              <a:cs typeface="Times New Roman" panose="02020603050405020304" charset="0"/>
-            </a:endParaRPr>
-          </a:p>
-        </p:txBody>
-      </p:sp>
-      <p:sp>
-        <p:nvSpPr>
           <p:cNvPr id="53" name="文本框 52"/>
           <p:cNvSpPr txBox="1"/>
           <p:nvPr/>
@@ -29295,7 +28601,7 @@
               <p:nvPr/>
             </p:nvPicPr>
             <p:blipFill>
-              <a:blip r:embed="rId2"/>
+              <a:blip r:embed="rId1"/>
               <a:stretch>
                 <a:fillRect/>
               </a:stretch>
@@ -29319,7 +28625,7 @@
               <p:nvPr/>
             </p:nvPicPr>
             <p:blipFill>
-              <a:blip r:embed="rId2"/>
+              <a:blip r:embed="rId1"/>
               <a:stretch>
                 <a:fillRect/>
               </a:stretch>
@@ -29358,7 +28664,7 @@
               <p:nvPr/>
             </p:nvPicPr>
             <p:blipFill>
-              <a:blip r:embed="rId2"/>
+              <a:blip r:embed="rId1"/>
               <a:stretch>
                 <a:fillRect/>
               </a:stretch>
@@ -29382,7 +28688,7 @@
               <p:nvPr/>
             </p:nvPicPr>
             <p:blipFill>
-              <a:blip r:embed="rId2"/>
+              <a:blip r:embed="rId1"/>
               <a:stretch>
                 <a:fillRect/>
               </a:stretch>
@@ -29399,6 +28705,44 @@
           </p:pic>
         </p:grpSp>
       </p:grpSp>
+      <p:pic>
+        <p:nvPicPr>
+          <p:cNvPr id="6" name="图片 5"/>
+          <p:cNvPicPr>
+            <a:picLocks noChangeAspect="1"/>
+          </p:cNvPicPr>
+          <p:nvPr/>
+        </p:nvPicPr>
+        <p:blipFill>
+          <a:blip r:embed="rId2">
+            <a:clrChange>
+              <a:clrFrom>
+                <a:srgbClr val="FFFFFF">
+                  <a:alpha val="100000"/>
+                </a:srgbClr>
+              </a:clrFrom>
+              <a:clrTo>
+                <a:srgbClr val="FFFFFF">
+                  <a:alpha val="100000"/>
+                  <a:alpha val="0"/>
+                </a:srgbClr>
+              </a:clrTo>
+            </a:clrChange>
+          </a:blip>
+          <a:stretch>
+            <a:fillRect/>
+          </a:stretch>
+        </p:blipFill>
+        <p:spPr>
+          <a:xfrm flipH="1">
+            <a:off x="809625" y="1148080"/>
+            <a:ext cx="1749425" cy="1449705"/>
+          </a:xfrm>
+          <a:prstGeom prst="rect">
+            <a:avLst/>
+          </a:prstGeom>
+        </p:spPr>
+      </p:pic>
     </p:spTree>
     <p:custDataLst>
       <p:tags r:id="rId3"/>
@@ -31222,118 +30566,6 @@
           </a:p>
         </p:txBody>
       </p:sp>
-      <p:pic>
-        <p:nvPicPr>
-          <p:cNvPr id="38" name="图片 37"/>
-          <p:cNvPicPr>
-            <a:picLocks noChangeAspect="1"/>
-          </p:cNvPicPr>
-          <p:nvPr/>
-        </p:nvPicPr>
-        <p:blipFill>
-          <a:blip r:embed="rId1">
-            <a:clrChange>
-              <a:clrFrom>
-                <a:srgbClr val="FEFEFE">
-                  <a:alpha val="100000"/>
-                </a:srgbClr>
-              </a:clrFrom>
-              <a:clrTo>
-                <a:srgbClr val="FEFEFE">
-                  <a:alpha val="100000"/>
-                  <a:alpha val="0"/>
-                </a:srgbClr>
-              </a:clrTo>
-            </a:clrChange>
-          </a:blip>
-          <a:srcRect l="1378" t="4580" r="2600" b="4180"/>
-          <a:stretch>
-            <a:fillRect/>
-          </a:stretch>
-        </p:blipFill>
-        <p:spPr>
-          <a:xfrm rot="1500000">
-            <a:off x="648335" y="1563370"/>
-            <a:ext cx="2051685" cy="1343025"/>
-          </a:xfrm>
-          <a:custGeom>
-            <a:avLst/>
-            <a:gdLst/>
-            <a:ahLst/>
-            <a:cxnLst>
-              <a:cxn ang="3">
-                <a:pos x="hc" y="t"/>
-              </a:cxn>
-              <a:cxn ang="cd2">
-                <a:pos x="l" y="vc"/>
-              </a:cxn>
-              <a:cxn ang="cd4">
-                <a:pos x="hc" y="b"/>
-              </a:cxn>
-              <a:cxn ang="0">
-                <a:pos x="r" y="vc"/>
-              </a:cxn>
-            </a:cxnLst>
-            <a:rect l="l" t="t" r="r" b="b"/>
-            <a:pathLst>
-              <a:path w="3495" h="2115">
-                <a:moveTo>
-                  <a:pt x="2518" y="0"/>
-                </a:moveTo>
-                <a:lnTo>
-                  <a:pt x="2803" y="180"/>
-                </a:lnTo>
-                <a:lnTo>
-                  <a:pt x="2745" y="271"/>
-                </a:lnTo>
-                <a:lnTo>
-                  <a:pt x="2871" y="325"/>
-                </a:lnTo>
-                <a:lnTo>
-                  <a:pt x="2983" y="297"/>
-                </a:lnTo>
-                <a:lnTo>
-                  <a:pt x="3112" y="414"/>
-                </a:lnTo>
-                <a:lnTo>
-                  <a:pt x="3059" y="514"/>
-                </a:lnTo>
-                <a:lnTo>
-                  <a:pt x="3144" y="561"/>
-                </a:lnTo>
-                <a:lnTo>
-                  <a:pt x="3236" y="518"/>
-                </a:lnTo>
-                <a:lnTo>
-                  <a:pt x="3491" y="688"/>
-                </a:lnTo>
-                <a:lnTo>
-                  <a:pt x="3495" y="913"/>
-                </a:lnTo>
-                <a:lnTo>
-                  <a:pt x="1132" y="2115"/>
-                </a:lnTo>
-                <a:lnTo>
-                  <a:pt x="0" y="1086"/>
-                </a:lnTo>
-                <a:lnTo>
-                  <a:pt x="51" y="899"/>
-                </a:lnTo>
-                <a:lnTo>
-                  <a:pt x="421" y="752"/>
-                </a:lnTo>
-                <a:lnTo>
-                  <a:pt x="2164" y="128"/>
-                </a:lnTo>
-                <a:lnTo>
-                  <a:pt x="2518" y="0"/>
-                </a:lnTo>
-                <a:close/>
-              </a:path>
-            </a:pathLst>
-          </a:custGeom>
-        </p:spPr>
-      </p:pic>
       <p:grpSp>
         <p:nvGrpSpPr>
           <p:cNvPr id="44" name="组合 43"/>
@@ -31853,42 +31085,6 @@
               <a:t>哦！</a:t>
             </a:r>
             <a:endParaRPr lang="zh-CN" altLang="en-US" sz="2000" b="1" dirty="0"/>
-          </a:p>
-        </p:txBody>
-      </p:sp>
-      <p:sp>
-        <p:nvSpPr>
-          <p:cNvPr id="52" name="文本框 51"/>
-          <p:cNvSpPr txBox="1"/>
-          <p:nvPr/>
-        </p:nvSpPr>
-        <p:spPr>
-          <a:xfrm>
-            <a:off x="685800" y="1313815"/>
-            <a:ext cx="4064000" cy="460375"/>
-          </a:xfrm>
-          <a:prstGeom prst="rect">
-            <a:avLst/>
-          </a:prstGeom>
-          <a:noFill/>
-        </p:spPr>
-        <p:txBody>
-          <a:bodyPr wrap="square" rtlCol="0">
-            <a:spAutoFit/>
-          </a:bodyPr>
-          <a:lstStyle/>
-          <a:p>
-            <a:r>
-              <a:rPr lang="en-US" altLang="zh-CN" sz="2400" b="1">
-                <a:latin typeface="Times New Roman" panose="02020603050405020304" charset="0"/>
-                <a:cs typeface="Times New Roman" panose="02020603050405020304" charset="0"/>
-              </a:rPr>
-              <a:t>8bit  Memory</a:t>
-            </a:r>
-            <a:endParaRPr lang="en-US" altLang="zh-CN" sz="2400" b="1">
-              <a:latin typeface="Times New Roman" panose="02020603050405020304" charset="0"/>
-              <a:cs typeface="Times New Roman" panose="02020603050405020304" charset="0"/>
-            </a:endParaRPr>
           </a:p>
         </p:txBody>
       </p:sp>
@@ -32564,7 +31760,7 @@
               <p:nvPr/>
             </p:nvPicPr>
             <p:blipFill>
-              <a:blip r:embed="rId2"/>
+              <a:blip r:embed="rId1"/>
               <a:stretch>
                 <a:fillRect/>
               </a:stretch>
@@ -32588,7 +31784,7 @@
               <p:nvPr/>
             </p:nvPicPr>
             <p:blipFill>
-              <a:blip r:embed="rId2"/>
+              <a:blip r:embed="rId1"/>
               <a:stretch>
                 <a:fillRect/>
               </a:stretch>
@@ -32627,7 +31823,7 @@
               <p:nvPr/>
             </p:nvPicPr>
             <p:blipFill>
-              <a:blip r:embed="rId2"/>
+              <a:blip r:embed="rId1"/>
               <a:stretch>
                 <a:fillRect/>
               </a:stretch>
@@ -32651,7 +31847,7 @@
               <p:nvPr/>
             </p:nvPicPr>
             <p:blipFill>
-              <a:blip r:embed="rId2"/>
+              <a:blip r:embed="rId1"/>
               <a:stretch>
                 <a:fillRect/>
               </a:stretch>
@@ -32668,6 +31864,44 @@
           </p:pic>
         </p:grpSp>
       </p:grpSp>
+      <p:pic>
+        <p:nvPicPr>
+          <p:cNvPr id="15" name="图片 14"/>
+          <p:cNvPicPr>
+            <a:picLocks noChangeAspect="1"/>
+          </p:cNvPicPr>
+          <p:nvPr/>
+        </p:nvPicPr>
+        <p:blipFill>
+          <a:blip r:embed="rId2">
+            <a:clrChange>
+              <a:clrFrom>
+                <a:srgbClr val="FFFFFF">
+                  <a:alpha val="100000"/>
+                </a:srgbClr>
+              </a:clrFrom>
+              <a:clrTo>
+                <a:srgbClr val="FFFFFF">
+                  <a:alpha val="100000"/>
+                  <a:alpha val="0"/>
+                </a:srgbClr>
+              </a:clrTo>
+            </a:clrChange>
+          </a:blip>
+          <a:stretch>
+            <a:fillRect/>
+          </a:stretch>
+        </p:blipFill>
+        <p:spPr>
+          <a:xfrm flipH="1">
+            <a:off x="809625" y="1119505"/>
+            <a:ext cx="1749425" cy="1449705"/>
+          </a:xfrm>
+          <a:prstGeom prst="rect">
+            <a:avLst/>
+          </a:prstGeom>
+        </p:spPr>
+      </p:pic>
     </p:spTree>
     <p:custDataLst>
       <p:tags r:id="rId3"/>
@@ -34657,118 +33891,6 @@
           </a:p>
         </p:txBody>
       </p:sp>
-      <p:pic>
-        <p:nvPicPr>
-          <p:cNvPr id="38" name="图片 37"/>
-          <p:cNvPicPr>
-            <a:picLocks noChangeAspect="1"/>
-          </p:cNvPicPr>
-          <p:nvPr/>
-        </p:nvPicPr>
-        <p:blipFill>
-          <a:blip r:embed="rId2">
-            <a:clrChange>
-              <a:clrFrom>
-                <a:srgbClr val="FEFEFE">
-                  <a:alpha val="100000"/>
-                </a:srgbClr>
-              </a:clrFrom>
-              <a:clrTo>
-                <a:srgbClr val="FEFEFE">
-                  <a:alpha val="100000"/>
-                  <a:alpha val="0"/>
-                </a:srgbClr>
-              </a:clrTo>
-            </a:clrChange>
-          </a:blip>
-          <a:srcRect l="1378" t="4580" r="2600" b="4180"/>
-          <a:stretch>
-            <a:fillRect/>
-          </a:stretch>
-        </p:blipFill>
-        <p:spPr>
-          <a:xfrm rot="1500000">
-            <a:off x="648335" y="1563370"/>
-            <a:ext cx="2051685" cy="1343025"/>
-          </a:xfrm>
-          <a:custGeom>
-            <a:avLst/>
-            <a:gdLst/>
-            <a:ahLst/>
-            <a:cxnLst>
-              <a:cxn ang="3">
-                <a:pos x="hc" y="t"/>
-              </a:cxn>
-              <a:cxn ang="cd2">
-                <a:pos x="l" y="vc"/>
-              </a:cxn>
-              <a:cxn ang="cd4">
-                <a:pos x="hc" y="b"/>
-              </a:cxn>
-              <a:cxn ang="0">
-                <a:pos x="r" y="vc"/>
-              </a:cxn>
-            </a:cxnLst>
-            <a:rect l="l" t="t" r="r" b="b"/>
-            <a:pathLst>
-              <a:path w="3495" h="2115">
-                <a:moveTo>
-                  <a:pt x="2518" y="0"/>
-                </a:moveTo>
-                <a:lnTo>
-                  <a:pt x="2803" y="180"/>
-                </a:lnTo>
-                <a:lnTo>
-                  <a:pt x="2745" y="271"/>
-                </a:lnTo>
-                <a:lnTo>
-                  <a:pt x="2871" y="325"/>
-                </a:lnTo>
-                <a:lnTo>
-                  <a:pt x="2983" y="297"/>
-                </a:lnTo>
-                <a:lnTo>
-                  <a:pt x="3112" y="414"/>
-                </a:lnTo>
-                <a:lnTo>
-                  <a:pt x="3059" y="514"/>
-                </a:lnTo>
-                <a:lnTo>
-                  <a:pt x="3144" y="561"/>
-                </a:lnTo>
-                <a:lnTo>
-                  <a:pt x="3236" y="518"/>
-                </a:lnTo>
-                <a:lnTo>
-                  <a:pt x="3491" y="688"/>
-                </a:lnTo>
-                <a:lnTo>
-                  <a:pt x="3495" y="913"/>
-                </a:lnTo>
-                <a:lnTo>
-                  <a:pt x="1132" y="2115"/>
-                </a:lnTo>
-                <a:lnTo>
-                  <a:pt x="0" y="1086"/>
-                </a:lnTo>
-                <a:lnTo>
-                  <a:pt x="51" y="899"/>
-                </a:lnTo>
-                <a:lnTo>
-                  <a:pt x="421" y="752"/>
-                </a:lnTo>
-                <a:lnTo>
-                  <a:pt x="2164" y="128"/>
-                </a:lnTo>
-                <a:lnTo>
-                  <a:pt x="2518" y="0"/>
-                </a:lnTo>
-                <a:close/>
-              </a:path>
-            </a:pathLst>
-          </a:custGeom>
-        </p:spPr>
-      </p:pic>
       <p:grpSp>
         <p:nvGrpSpPr>
           <p:cNvPr id="44" name="组合 43"/>
@@ -35186,41 +34308,6 @@
       </p:sp>
       <p:sp>
         <p:nvSpPr>
-          <p:cNvPr id="52" name="文本框 51"/>
-          <p:cNvSpPr txBox="1"/>
-          <p:nvPr/>
-        </p:nvSpPr>
-        <p:spPr>
-          <a:xfrm>
-            <a:off x="685800" y="1313815"/>
-            <a:ext cx="4064000" cy="460375"/>
-          </a:xfrm>
-          <a:prstGeom prst="rect">
-            <a:avLst/>
-          </a:prstGeom>
-          <a:noFill/>
-        </p:spPr>
-        <p:txBody>
-          <a:bodyPr wrap="square" rtlCol="0">
-            <a:spAutoFit/>
-          </a:bodyPr>
-          <a:p>
-            <a:r>
-              <a:rPr lang="en-US" altLang="zh-CN" sz="2400" b="1">
-                <a:latin typeface="Times New Roman" panose="02020603050405020304" charset="0"/>
-                <a:cs typeface="Times New Roman" panose="02020603050405020304" charset="0"/>
-              </a:rPr>
-              <a:t>8bit  Memory</a:t>
-            </a:r>
-            <a:endParaRPr lang="en-US" altLang="zh-CN" sz="2400" b="1">
-              <a:latin typeface="Times New Roman" panose="02020603050405020304" charset="0"/>
-              <a:cs typeface="Times New Roman" panose="02020603050405020304" charset="0"/>
-            </a:endParaRPr>
-          </a:p>
-        </p:txBody>
-      </p:sp>
-      <p:sp>
-        <p:nvSpPr>
           <p:cNvPr id="53" name="文本框 52"/>
           <p:cNvSpPr txBox="1"/>
           <p:nvPr/>
@@ -35336,7 +34423,7 @@
               <p:nvPr/>
             </p:nvPicPr>
             <p:blipFill>
-              <a:blip r:embed="rId3"/>
+              <a:blip r:embed="rId2"/>
               <a:stretch>
                 <a:fillRect/>
               </a:stretch>
@@ -35360,7 +34447,7 @@
               <p:nvPr/>
             </p:nvPicPr>
             <p:blipFill>
-              <a:blip r:embed="rId3"/>
+              <a:blip r:embed="rId2"/>
               <a:stretch>
                 <a:fillRect/>
               </a:stretch>
@@ -35399,7 +34486,7 @@
               <p:nvPr/>
             </p:nvPicPr>
             <p:blipFill>
-              <a:blip r:embed="rId3"/>
+              <a:blip r:embed="rId2"/>
               <a:stretch>
                 <a:fillRect/>
               </a:stretch>
@@ -35423,7 +34510,7 @@
               <p:nvPr/>
             </p:nvPicPr>
             <p:blipFill>
-              <a:blip r:embed="rId3"/>
+              <a:blip r:embed="rId2"/>
               <a:stretch>
                 <a:fillRect/>
               </a:stretch>
@@ -36003,6 +35090,44 @@
           </a:p>
         </p:txBody>
       </p:sp>
+      <p:pic>
+        <p:nvPicPr>
+          <p:cNvPr id="10" name="图片 9"/>
+          <p:cNvPicPr>
+            <a:picLocks noChangeAspect="1"/>
+          </p:cNvPicPr>
+          <p:nvPr/>
+        </p:nvPicPr>
+        <p:blipFill>
+          <a:blip r:embed="rId3">
+            <a:clrChange>
+              <a:clrFrom>
+                <a:srgbClr val="FFFFFF">
+                  <a:alpha val="100000"/>
+                </a:srgbClr>
+              </a:clrFrom>
+              <a:clrTo>
+                <a:srgbClr val="FFFFFF">
+                  <a:alpha val="100000"/>
+                  <a:alpha val="0"/>
+                </a:srgbClr>
+              </a:clrTo>
+            </a:clrChange>
+          </a:blip>
+          <a:stretch>
+            <a:fillRect/>
+          </a:stretch>
+        </p:blipFill>
+        <p:spPr>
+          <a:xfrm flipH="1">
+            <a:off x="809625" y="1148080"/>
+            <a:ext cx="1749425" cy="1449705"/>
+          </a:xfrm>
+          <a:prstGeom prst="rect">
+            <a:avLst/>
+          </a:prstGeom>
+        </p:spPr>
+      </p:pic>
     </p:spTree>
     <p:custDataLst>
       <p:tags r:id="rId4"/>
